--- a/EDHEC_Referentiel_Geographique.pptx
+++ b/EDHEC_Referentiel_Geographique.pptx
@@ -5,10 +5,10 @@
     <p:sldMasterId id="2147483747" r:id="rId1"/>
   </p:sldMasterIdLst>
   <p:notesMasterIdLst>
-    <p:notesMasterId r:id="rId8"/>
+    <p:notesMasterId r:id="rId9"/>
   </p:notesMasterIdLst>
   <p:handoutMasterIdLst>
-    <p:handoutMasterId r:id="rId9"/>
+    <p:handoutMasterId r:id="rId10"/>
   </p:handoutMasterIdLst>
   <p:sldIdLst>
     <p:sldId id="2490" r:id="rId2"/>
@@ -16,7 +16,8 @@
     <p:sldId id="2495" r:id="rId4"/>
     <p:sldId id="2496" r:id="rId5"/>
     <p:sldId id="2497" r:id="rId6"/>
-    <p:sldId id="2498" r:id="rId7"/>
+    <p:sldId id="2499" r:id="rId7"/>
+    <p:sldId id="2498" r:id="rId8"/>
   </p:sldIdLst>
   <p:sldSz cx="12192000" cy="6858000"/>
   <p:notesSz cx="6858000" cy="9144000"/>
@@ -1280,6 +1281,133 @@
 </file>
 
 <file path=ppt/notesSlides/notesSlide6.xml><?xml version="1.0" encoding="utf-8"?>
+<p:notes xmlns:a="http://schemas.openxmlformats.org/drawingml/2006/main" xmlns:r="http://schemas.openxmlformats.org/officeDocument/2006/relationships" xmlns:p="http://schemas.openxmlformats.org/presentationml/2006/main" showMasterSp="0" showMasterPhAnim="0">
+  <p:cSld>
+    <p:spTree>
+      <p:nvGrpSpPr>
+        <p:cNvPr id="1" name="Shape 2676">
+          <a:extLst>
+            <a:ext uri="{FF2B5EF4-FFF2-40B4-BE49-F238E27FC236}">
+              <a16:creationId xmlns:a16="http://schemas.microsoft.com/office/drawing/2014/main" id="{98FFBAB4-0E90-7FB5-8656-AC16E596B949}"/>
+            </a:ext>
+          </a:extLst>
+        </p:cNvPr>
+        <p:cNvGrpSpPr/>
+        <p:nvPr/>
+      </p:nvGrpSpPr>
+      <p:grpSpPr>
+        <a:xfrm>
+          <a:off x="0" y="0"/>
+          <a:ext cx="0" cy="0"/>
+          <a:chOff x="0" y="0"/>
+          <a:chExt cx="0" cy="0"/>
+        </a:xfrm>
+      </p:grpSpPr>
+      <p:sp>
+        <p:nvSpPr>
+          <p:cNvPr id="2677" name="Google Shape;2677;g9c32b852de_1_709:notes">
+            <a:extLst>
+              <a:ext uri="{FF2B5EF4-FFF2-40B4-BE49-F238E27FC236}">
+                <a16:creationId xmlns:a16="http://schemas.microsoft.com/office/drawing/2014/main" id="{FDEE528F-19E8-978A-1E80-C63298CBE570}"/>
+              </a:ext>
+            </a:extLst>
+          </p:cNvPr>
+          <p:cNvSpPr txBox="1">
+            <a:spLocks noGrp="1"/>
+          </p:cNvSpPr>
+          <p:nvPr>
+            <p:ph type="body" idx="1"/>
+          </p:nvPr>
+        </p:nvSpPr>
+        <p:spPr>
+          <a:xfrm>
+            <a:off x="685800" y="4343400"/>
+            <a:ext cx="5486400" cy="4114800"/>
+          </a:xfrm>
+          <a:prstGeom prst="rect">
+            <a:avLst/>
+          </a:prstGeom>
+        </p:spPr>
+        <p:txBody>
+          <a:bodyPr spcFirstLastPara="1" wrap="square" lIns="91425" tIns="91425" rIns="91425" bIns="91425" anchor="t" anchorCtr="0">
+            <a:noAutofit/>
+          </a:bodyPr>
+          <a:lstStyle/>
+          <a:p>
+            <a:pPr marL="0" lvl="0" indent="0" algn="l" rtl="0">
+              <a:spcBef>
+                <a:spcPts val="0"/>
+              </a:spcBef>
+              <a:spcAft>
+                <a:spcPts val="0"/>
+              </a:spcAft>
+              <a:buNone/>
+            </a:pPr>
+            <a:endParaRPr/>
+          </a:p>
+        </p:txBody>
+      </p:sp>
+      <p:sp>
+        <p:nvSpPr>
+          <p:cNvPr id="2678" name="Google Shape;2678;g9c32b852de_1_709:notes">
+            <a:extLst>
+              <a:ext uri="{FF2B5EF4-FFF2-40B4-BE49-F238E27FC236}">
+                <a16:creationId xmlns:a16="http://schemas.microsoft.com/office/drawing/2014/main" id="{C4BB3093-9E51-2A95-3616-A112A4FC9A85}"/>
+              </a:ext>
+            </a:extLst>
+          </p:cNvPr>
+          <p:cNvSpPr>
+            <a:spLocks noGrp="1" noRot="1" noChangeAspect="1"/>
+          </p:cNvSpPr>
+          <p:nvPr>
+            <p:ph type="sldImg" idx="2"/>
+          </p:nvPr>
+        </p:nvSpPr>
+        <p:spPr>
+          <a:xfrm>
+            <a:off x="381000" y="685800"/>
+            <a:ext cx="6096000" cy="3429000"/>
+          </a:xfrm>
+          <a:custGeom>
+            <a:avLst/>
+            <a:gdLst/>
+            <a:ahLst/>
+            <a:cxnLst/>
+            <a:rect l="l" t="t" r="r" b="b"/>
+            <a:pathLst>
+              <a:path w="120000" h="120000" extrusionOk="0">
+                <a:moveTo>
+                  <a:pt x="0" y="0"/>
+                </a:moveTo>
+                <a:lnTo>
+                  <a:pt x="120000" y="0"/>
+                </a:lnTo>
+                <a:lnTo>
+                  <a:pt x="120000" y="120000"/>
+                </a:lnTo>
+                <a:lnTo>
+                  <a:pt x="0" y="120000"/>
+                </a:lnTo>
+                <a:close/>
+              </a:path>
+            </a:pathLst>
+          </a:custGeom>
+        </p:spPr>
+      </p:sp>
+    </p:spTree>
+    <p:extLst>
+      <p:ext uri="{BB962C8B-B14F-4D97-AF65-F5344CB8AC3E}">
+        <p14:creationId xmlns:p14="http://schemas.microsoft.com/office/powerpoint/2010/main" val="4143648433"/>
+      </p:ext>
+    </p:extLst>
+  </p:cSld>
+  <p:clrMapOvr>
+    <a:masterClrMapping/>
+  </p:clrMapOvr>
+</p:notes>
+</file>
+
+<file path=ppt/notesSlides/notesSlide7.xml><?xml version="1.0" encoding="utf-8"?>
 <p:notes xmlns:a="http://schemas.openxmlformats.org/drawingml/2006/main" xmlns:r="http://schemas.openxmlformats.org/officeDocument/2006/relationships" xmlns:p="http://schemas.openxmlformats.org/presentationml/2006/main" showMasterSp="0" showMasterPhAnim="0">
   <p:cSld>
     <p:spTree>
@@ -10366,8 +10494,2354 @@
                 <a:latin typeface="Arial" panose="020B0604020202020204" pitchFamily="34" charset="0"/>
                 <a:cs typeface="Arial" panose="020B0604020202020204" pitchFamily="34" charset="0"/>
               </a:rPr>
-              <a:t>A faire</a:t>
-            </a:r>
+              <a:t>Utilisation de fonctions</a:t>
+            </a:r>
+          </a:p>
+          <a:p>
+            <a:pPr lvl="1">
+              <a:defRPr/>
+            </a:pPr>
+            <a:r>
+              <a:rPr lang="fr-FR" sz="1600" b="1">
+                <a:solidFill>
+                  <a:schemeClr val="accent1">
+                    <a:lumMod val="50000"/>
+                  </a:schemeClr>
+                </a:solidFill>
+                <a:latin typeface="Arial" panose="020B0604020202020204" pitchFamily="34" charset="0"/>
+                <a:cs typeface="Arial" panose="020B0604020202020204" pitchFamily="34" charset="0"/>
+              </a:rPr>
+              <a:t>Les fonctions génériques ou personnalisées sont incontournables pour cette problématique</a:t>
+            </a:r>
+          </a:p>
+          <a:p>
+            <a:pPr lvl="1">
+              <a:defRPr/>
+            </a:pPr>
+            <a:r>
+              <a:rPr lang="fr-FR" sz="1600" b="1">
+                <a:solidFill>
+                  <a:schemeClr val="accent1">
+                    <a:lumMod val="50000"/>
+                  </a:schemeClr>
+                </a:solidFill>
+                <a:latin typeface="Arial" panose="020B0604020202020204" pitchFamily="34" charset="0"/>
+                <a:cs typeface="Arial" panose="020B0604020202020204" pitchFamily="34" charset="0"/>
+              </a:rPr>
+              <a:t>A la rescourse avec la fonction </a:t>
+            </a:r>
+            <a:r>
+              <a:rPr lang="fr-FR" sz="1400" b="0">
+                <a:solidFill>
+                  <a:srgbClr val="001080"/>
+                </a:solidFill>
+                <a:effectLst/>
+                <a:latin typeface="Consolas" panose="020B0609020204030204" pitchFamily="49" charset="0"/>
+              </a:rPr>
+              <a:t>REMOVE_SPECIAL_CHARS</a:t>
+            </a:r>
+            <a:endParaRPr lang="fr-FR" sz="1400" b="0">
+              <a:solidFill>
+                <a:srgbClr val="3B3B3B"/>
+              </a:solidFill>
+              <a:effectLst/>
+              <a:latin typeface="Consolas" panose="020B0609020204030204" pitchFamily="49" charset="0"/>
+            </a:endParaRPr>
+          </a:p>
+          <a:p>
+            <a:pPr marL="457200" lvl="1" indent="0">
+              <a:buNone/>
+            </a:pPr>
+            <a:r>
+              <a:rPr lang="fr-FR" sz="1100" b="0">
+                <a:solidFill>
+                  <a:srgbClr val="AF00DB"/>
+                </a:solidFill>
+                <a:effectLst/>
+                <a:latin typeface="Consolas" panose="020B0609020204030204" pitchFamily="49" charset="0"/>
+              </a:rPr>
+              <a:t>CREATE OR REPLACE FUNCTION</a:t>
+            </a:r>
+            <a:r>
+              <a:rPr lang="fr-FR" sz="1100" b="0">
+                <a:solidFill>
+                  <a:srgbClr val="3B3B3B"/>
+                </a:solidFill>
+                <a:effectLst/>
+                <a:latin typeface="Consolas" panose="020B0609020204030204" pitchFamily="49" charset="0"/>
+              </a:rPr>
+              <a:t> </a:t>
+            </a:r>
+            <a:r>
+              <a:rPr lang="fr-FR" sz="1100" b="0">
+                <a:solidFill>
+                  <a:srgbClr val="001080"/>
+                </a:solidFill>
+                <a:effectLst/>
+                <a:latin typeface="Consolas" panose="020B0609020204030204" pitchFamily="49" charset="0"/>
+              </a:rPr>
+              <a:t>REF_DEV</a:t>
+            </a:r>
+            <a:r>
+              <a:rPr lang="fr-FR" sz="1100" b="0">
+                <a:solidFill>
+                  <a:srgbClr val="3B3B3B"/>
+                </a:solidFill>
+                <a:effectLst/>
+                <a:latin typeface="Consolas" panose="020B0609020204030204" pitchFamily="49" charset="0"/>
+              </a:rPr>
+              <a:t>.</a:t>
+            </a:r>
+            <a:r>
+              <a:rPr lang="fr-FR" sz="1100" b="0">
+                <a:solidFill>
+                  <a:srgbClr val="001080"/>
+                </a:solidFill>
+                <a:effectLst/>
+                <a:latin typeface="Consolas" panose="020B0609020204030204" pitchFamily="49" charset="0"/>
+              </a:rPr>
+              <a:t>PUBLIC</a:t>
+            </a:r>
+            <a:r>
+              <a:rPr lang="fr-FR" sz="1100" b="0">
+                <a:solidFill>
+                  <a:srgbClr val="3B3B3B"/>
+                </a:solidFill>
+                <a:effectLst/>
+                <a:latin typeface="Consolas" panose="020B0609020204030204" pitchFamily="49" charset="0"/>
+              </a:rPr>
+              <a:t>.</a:t>
+            </a:r>
+            <a:r>
+              <a:rPr lang="fr-FR" sz="1100" b="0">
+                <a:solidFill>
+                  <a:srgbClr val="001080"/>
+                </a:solidFill>
+                <a:effectLst/>
+                <a:latin typeface="Consolas" panose="020B0609020204030204" pitchFamily="49" charset="0"/>
+              </a:rPr>
+              <a:t>REMOVE_SPECIAL_CHARS</a:t>
+            </a:r>
+            <a:r>
+              <a:rPr lang="fr-FR" sz="1100" b="0">
+                <a:solidFill>
+                  <a:srgbClr val="3B3B3B"/>
+                </a:solidFill>
+                <a:effectLst/>
+                <a:latin typeface="Consolas" panose="020B0609020204030204" pitchFamily="49" charset="0"/>
+              </a:rPr>
+              <a:t>(</a:t>
+            </a:r>
+            <a:r>
+              <a:rPr lang="fr-FR" sz="1100" b="0">
+                <a:solidFill>
+                  <a:srgbClr val="001080"/>
+                </a:solidFill>
+                <a:effectLst/>
+                <a:latin typeface="Consolas" panose="020B0609020204030204" pitchFamily="49" charset="0"/>
+              </a:rPr>
+              <a:t>N</a:t>
+            </a:r>
+            <a:r>
+              <a:rPr lang="fr-FR" sz="1100" b="0">
+                <a:solidFill>
+                  <a:srgbClr val="3B3B3B"/>
+                </a:solidFill>
+                <a:effectLst/>
+                <a:latin typeface="Consolas" panose="020B0609020204030204" pitchFamily="49" charset="0"/>
+              </a:rPr>
+              <a:t> </a:t>
+            </a:r>
+            <a:r>
+              <a:rPr lang="fr-FR" sz="1100" b="0">
+                <a:solidFill>
+                  <a:srgbClr val="AF00DB"/>
+                </a:solidFill>
+                <a:effectLst/>
+                <a:latin typeface="Consolas" panose="020B0609020204030204" pitchFamily="49" charset="0"/>
+              </a:rPr>
+              <a:t>text</a:t>
+            </a:r>
+            <a:r>
+              <a:rPr lang="fr-FR" sz="1100" b="0">
+                <a:solidFill>
+                  <a:srgbClr val="3B3B3B"/>
+                </a:solidFill>
+                <a:effectLst/>
+                <a:latin typeface="Consolas" panose="020B0609020204030204" pitchFamily="49" charset="0"/>
+              </a:rPr>
+              <a:t>)</a:t>
+            </a:r>
+          </a:p>
+          <a:p>
+            <a:pPr marL="914400" lvl="2" indent="0">
+              <a:buNone/>
+            </a:pPr>
+            <a:r>
+              <a:rPr lang="fr-FR" sz="1100" b="0">
+                <a:solidFill>
+                  <a:srgbClr val="AF00DB"/>
+                </a:solidFill>
+                <a:effectLst/>
+                <a:latin typeface="Consolas" panose="020B0609020204030204" pitchFamily="49" charset="0"/>
+              </a:rPr>
+              <a:t>RETURNS</a:t>
+            </a:r>
+            <a:r>
+              <a:rPr lang="fr-FR" sz="1100" b="0">
+                <a:solidFill>
+                  <a:srgbClr val="3B3B3B"/>
+                </a:solidFill>
+                <a:effectLst/>
+                <a:latin typeface="Consolas" panose="020B0609020204030204" pitchFamily="49" charset="0"/>
+              </a:rPr>
+              <a:t> </a:t>
+            </a:r>
+            <a:r>
+              <a:rPr lang="fr-FR" sz="1100" b="0">
+                <a:solidFill>
+                  <a:srgbClr val="AF00DB"/>
+                </a:solidFill>
+                <a:effectLst/>
+                <a:latin typeface="Consolas" panose="020B0609020204030204" pitchFamily="49" charset="0"/>
+              </a:rPr>
+              <a:t>TEXT</a:t>
+            </a:r>
+            <a:endParaRPr lang="fr-FR" sz="1100" b="0">
+              <a:solidFill>
+                <a:srgbClr val="3B3B3B"/>
+              </a:solidFill>
+              <a:effectLst/>
+              <a:latin typeface="Consolas" panose="020B0609020204030204" pitchFamily="49" charset="0"/>
+            </a:endParaRPr>
+          </a:p>
+          <a:p>
+            <a:pPr marL="914400" lvl="2" indent="0">
+              <a:buNone/>
+            </a:pPr>
+            <a:r>
+              <a:rPr lang="fr-FR" sz="1100" b="0">
+                <a:solidFill>
+                  <a:srgbClr val="AF00DB"/>
+                </a:solidFill>
+                <a:effectLst/>
+                <a:latin typeface="Consolas" panose="020B0609020204030204" pitchFamily="49" charset="0"/>
+              </a:rPr>
+              <a:t>LANGUAGE </a:t>
+            </a:r>
+            <a:r>
+              <a:rPr lang="fr-FR" sz="1100" b="0">
+                <a:solidFill>
+                  <a:srgbClr val="001080"/>
+                </a:solidFill>
+                <a:effectLst/>
+                <a:latin typeface="Consolas" panose="020B0609020204030204" pitchFamily="49" charset="0"/>
+              </a:rPr>
+              <a:t>JAVASCRIPT</a:t>
+            </a:r>
+            <a:endParaRPr lang="fr-FR" sz="1100" b="0">
+              <a:solidFill>
+                <a:srgbClr val="3B3B3B"/>
+              </a:solidFill>
+              <a:effectLst/>
+              <a:latin typeface="Consolas" panose="020B0609020204030204" pitchFamily="49" charset="0"/>
+            </a:endParaRPr>
+          </a:p>
+          <a:p>
+            <a:pPr marL="914400" lvl="2" indent="0">
+              <a:buNone/>
+            </a:pPr>
+            <a:r>
+              <a:rPr lang="fr-FR" sz="1100" b="0">
+                <a:solidFill>
+                  <a:srgbClr val="AF00DB"/>
+                </a:solidFill>
+                <a:effectLst/>
+                <a:latin typeface="Consolas" panose="020B0609020204030204" pitchFamily="49" charset="0"/>
+              </a:rPr>
+              <a:t>AS</a:t>
+            </a:r>
+            <a:r>
+              <a:rPr lang="fr-FR" sz="1100" b="0">
+                <a:solidFill>
+                  <a:srgbClr val="3B3B3B"/>
+                </a:solidFill>
+                <a:effectLst/>
+                <a:latin typeface="Consolas" panose="020B0609020204030204" pitchFamily="49" charset="0"/>
+              </a:rPr>
+              <a:t> </a:t>
+            </a:r>
+            <a:r>
+              <a:rPr lang="fr-FR" sz="1100" b="0">
+                <a:solidFill>
+                  <a:srgbClr val="A31515"/>
+                </a:solidFill>
+                <a:effectLst/>
+                <a:latin typeface="Consolas" panose="020B0609020204030204" pitchFamily="49" charset="0"/>
+              </a:rPr>
+              <a:t>$$</a:t>
+            </a:r>
+            <a:endParaRPr lang="fr-FR" sz="1100">
+              <a:solidFill>
+                <a:srgbClr val="3B3B3B"/>
+              </a:solidFill>
+              <a:latin typeface="Consolas" panose="020B0609020204030204" pitchFamily="49" charset="0"/>
+            </a:endParaRPr>
+          </a:p>
+          <a:p>
+            <a:pPr marL="914400" lvl="2" indent="0">
+              <a:buNone/>
+            </a:pPr>
+            <a:r>
+              <a:rPr lang="fr-FR" sz="1100" b="0">
+                <a:solidFill>
+                  <a:srgbClr val="0070C1"/>
+                </a:solidFill>
+                <a:effectLst/>
+                <a:latin typeface="Consolas" panose="020B0609020204030204" pitchFamily="49" charset="0"/>
+              </a:rPr>
+              <a:t>N</a:t>
+            </a:r>
+            <a:r>
+              <a:rPr lang="fr-FR" sz="1100" b="0">
+                <a:solidFill>
+                  <a:srgbClr val="3B3B3B"/>
+                </a:solidFill>
+                <a:effectLst/>
+                <a:latin typeface="Consolas" panose="020B0609020204030204" pitchFamily="49" charset="0"/>
+              </a:rPr>
+              <a:t> </a:t>
+            </a:r>
+            <a:r>
+              <a:rPr lang="fr-FR" sz="1100" b="0">
+                <a:solidFill>
+                  <a:srgbClr val="000000"/>
+                </a:solidFill>
+                <a:effectLst/>
+                <a:latin typeface="Consolas" panose="020B0609020204030204" pitchFamily="49" charset="0"/>
+              </a:rPr>
+              <a:t>=</a:t>
+            </a:r>
+            <a:r>
+              <a:rPr lang="fr-FR" sz="1100" b="0">
+                <a:solidFill>
+                  <a:srgbClr val="3B3B3B"/>
+                </a:solidFill>
+                <a:effectLst/>
+                <a:latin typeface="Consolas" panose="020B0609020204030204" pitchFamily="49" charset="0"/>
+              </a:rPr>
+              <a:t> </a:t>
+            </a:r>
+            <a:r>
+              <a:rPr lang="fr-FR" sz="1100" b="0">
+                <a:solidFill>
+                  <a:srgbClr val="0070C1"/>
+                </a:solidFill>
+                <a:effectLst/>
+                <a:latin typeface="Consolas" panose="020B0609020204030204" pitchFamily="49" charset="0"/>
+              </a:rPr>
+              <a:t>N</a:t>
+            </a:r>
+            <a:r>
+              <a:rPr lang="fr-FR" sz="1100" b="0">
+                <a:solidFill>
+                  <a:srgbClr val="3B3B3B"/>
+                </a:solidFill>
+                <a:effectLst/>
+                <a:latin typeface="Consolas" panose="020B0609020204030204" pitchFamily="49" charset="0"/>
+              </a:rPr>
+              <a:t>.</a:t>
+            </a:r>
+            <a:r>
+              <a:rPr lang="fr-FR" sz="1100" b="0">
+                <a:solidFill>
+                  <a:srgbClr val="795E26"/>
+                </a:solidFill>
+                <a:effectLst/>
+                <a:latin typeface="Consolas" panose="020B0609020204030204" pitchFamily="49" charset="0"/>
+              </a:rPr>
+              <a:t>normalize</a:t>
+            </a:r>
+            <a:r>
+              <a:rPr lang="fr-FR" sz="1100" b="0">
+                <a:solidFill>
+                  <a:srgbClr val="3B3B3B"/>
+                </a:solidFill>
+                <a:effectLst/>
+                <a:latin typeface="Consolas" panose="020B0609020204030204" pitchFamily="49" charset="0"/>
+              </a:rPr>
+              <a:t>(</a:t>
+            </a:r>
+            <a:r>
+              <a:rPr lang="fr-FR" sz="1100" b="0">
+                <a:solidFill>
+                  <a:srgbClr val="A31515"/>
+                </a:solidFill>
+                <a:effectLst/>
+                <a:latin typeface="Consolas" panose="020B0609020204030204" pitchFamily="49" charset="0"/>
+              </a:rPr>
+              <a:t>"NFD"</a:t>
+            </a:r>
+            <a:r>
+              <a:rPr lang="fr-FR" sz="1100" b="0">
+                <a:solidFill>
+                  <a:srgbClr val="3B3B3B"/>
+                </a:solidFill>
+                <a:effectLst/>
+                <a:latin typeface="Consolas" panose="020B0609020204030204" pitchFamily="49" charset="0"/>
+              </a:rPr>
+              <a:t>).</a:t>
+            </a:r>
+            <a:r>
+              <a:rPr lang="fr-FR" sz="1100" b="0">
+                <a:solidFill>
+                  <a:srgbClr val="795E26"/>
+                </a:solidFill>
+                <a:effectLst/>
+                <a:latin typeface="Consolas" panose="020B0609020204030204" pitchFamily="49" charset="0"/>
+              </a:rPr>
+              <a:t>replace</a:t>
+            </a:r>
+            <a:r>
+              <a:rPr lang="fr-FR" sz="1100" b="0">
+                <a:solidFill>
+                  <a:srgbClr val="3B3B3B"/>
+                </a:solidFill>
+                <a:effectLst/>
+                <a:latin typeface="Consolas" panose="020B0609020204030204" pitchFamily="49" charset="0"/>
+              </a:rPr>
+              <a:t>(</a:t>
+            </a:r>
+            <a:r>
+              <a:rPr lang="fr-FR" sz="1100" b="0">
+                <a:solidFill>
+                  <a:srgbClr val="811F3F"/>
+                </a:solidFill>
+                <a:effectLst/>
+                <a:latin typeface="Consolas" panose="020B0609020204030204" pitchFamily="49" charset="0"/>
+              </a:rPr>
+              <a:t>/</a:t>
+            </a:r>
+            <a:r>
+              <a:rPr lang="fr-FR" sz="1100" b="0">
+                <a:solidFill>
+                  <a:srgbClr val="EE0000"/>
+                </a:solidFill>
+                <a:effectLst/>
+                <a:latin typeface="Consolas" panose="020B0609020204030204" pitchFamily="49" charset="0"/>
+              </a:rPr>
+              <a:t>\p</a:t>
+            </a:r>
+            <a:r>
+              <a:rPr lang="fr-FR" sz="1100" b="0">
+                <a:solidFill>
+                  <a:srgbClr val="811F3F"/>
+                </a:solidFill>
+                <a:effectLst/>
+                <a:latin typeface="Consolas" panose="020B0609020204030204" pitchFamily="49" charset="0"/>
+              </a:rPr>
+              <a:t>{Diacritic}/</a:t>
+            </a:r>
+            <a:r>
+              <a:rPr lang="fr-FR" sz="1100" b="0">
+                <a:solidFill>
+                  <a:srgbClr val="0000FF"/>
+                </a:solidFill>
+                <a:effectLst/>
+                <a:latin typeface="Consolas" panose="020B0609020204030204" pitchFamily="49" charset="0"/>
+              </a:rPr>
+              <a:t>gu</a:t>
+            </a:r>
+            <a:r>
+              <a:rPr lang="fr-FR" sz="1100" b="0">
+                <a:solidFill>
+                  <a:srgbClr val="3B3B3B"/>
+                </a:solidFill>
+                <a:effectLst/>
+                <a:latin typeface="Consolas" panose="020B0609020204030204" pitchFamily="49" charset="0"/>
+              </a:rPr>
+              <a:t>, </a:t>
+            </a:r>
+            <a:r>
+              <a:rPr lang="fr-FR" sz="1100" b="0">
+                <a:solidFill>
+                  <a:srgbClr val="A31515"/>
+                </a:solidFill>
+                <a:effectLst/>
+                <a:latin typeface="Consolas" panose="020B0609020204030204" pitchFamily="49" charset="0"/>
+              </a:rPr>
+              <a:t>""</a:t>
+            </a:r>
+            <a:r>
+              <a:rPr lang="fr-FR" sz="1100" b="0">
+                <a:solidFill>
+                  <a:srgbClr val="3B3B3B"/>
+                </a:solidFill>
+                <a:effectLst/>
+                <a:latin typeface="Consolas" panose="020B0609020204030204" pitchFamily="49" charset="0"/>
+              </a:rPr>
+              <a:t>);</a:t>
+            </a:r>
+          </a:p>
+          <a:p>
+            <a:pPr marL="914400" lvl="2" indent="0">
+              <a:buNone/>
+            </a:pPr>
+            <a:r>
+              <a:rPr lang="fr-FR" sz="1100" b="0">
+                <a:solidFill>
+                  <a:srgbClr val="AF00DB"/>
+                </a:solidFill>
+                <a:effectLst/>
+                <a:latin typeface="Consolas" panose="020B0609020204030204" pitchFamily="49" charset="0"/>
+              </a:rPr>
+              <a:t>return</a:t>
+            </a:r>
+            <a:r>
+              <a:rPr lang="fr-FR" sz="1100" b="0">
+                <a:solidFill>
+                  <a:srgbClr val="3B3B3B"/>
+                </a:solidFill>
+                <a:effectLst/>
+                <a:latin typeface="Consolas" panose="020B0609020204030204" pitchFamily="49" charset="0"/>
+              </a:rPr>
+              <a:t> </a:t>
+            </a:r>
+            <a:r>
+              <a:rPr lang="fr-FR" sz="1100" b="0">
+                <a:solidFill>
+                  <a:srgbClr val="0070C1"/>
+                </a:solidFill>
+                <a:effectLst/>
+                <a:latin typeface="Consolas" panose="020B0609020204030204" pitchFamily="49" charset="0"/>
+              </a:rPr>
+              <a:t>N</a:t>
+            </a:r>
+            <a:r>
+              <a:rPr lang="fr-FR" sz="1100" b="0">
+                <a:solidFill>
+                  <a:srgbClr val="3B3B3B"/>
+                </a:solidFill>
+                <a:effectLst/>
+                <a:latin typeface="Consolas" panose="020B0609020204030204" pitchFamily="49" charset="0"/>
+              </a:rPr>
+              <a:t>;</a:t>
+            </a:r>
+          </a:p>
+          <a:p>
+            <a:pPr marL="457200" lvl="1" indent="0">
+              <a:buNone/>
+            </a:pPr>
+            <a:r>
+              <a:rPr lang="fr-FR" sz="1100" b="0">
+                <a:solidFill>
+                  <a:srgbClr val="A31515"/>
+                </a:solidFill>
+                <a:effectLst/>
+                <a:latin typeface="Consolas" panose="020B0609020204030204" pitchFamily="49" charset="0"/>
+              </a:rPr>
+              <a:t>	$$</a:t>
+            </a:r>
+            <a:r>
+              <a:rPr lang="fr-FR" sz="1100" b="0">
+                <a:solidFill>
+                  <a:srgbClr val="3B3B3B"/>
+                </a:solidFill>
+                <a:effectLst/>
+                <a:latin typeface="Consolas" panose="020B0609020204030204" pitchFamily="49" charset="0"/>
+              </a:rPr>
+              <a:t>;</a:t>
+            </a:r>
+          </a:p>
+          <a:p>
+            <a:pPr lvl="1">
+              <a:defRPr/>
+            </a:pPr>
+            <a:r>
+              <a:rPr lang="fr-FR" sz="1600" b="1">
+                <a:solidFill>
+                  <a:schemeClr val="accent1">
+                    <a:lumMod val="50000"/>
+                  </a:schemeClr>
+                </a:solidFill>
+                <a:latin typeface="Arial" panose="020B0604020202020204" pitchFamily="34" charset="0"/>
+                <a:cs typeface="Arial" panose="020B0604020202020204" pitchFamily="34" charset="0"/>
+              </a:rPr>
+              <a:t>Toujours et encore de la préparation de la donnée &gt; table </a:t>
+            </a:r>
+            <a:r>
+              <a:rPr lang="fr-FR" sz="1400">
+                <a:solidFill>
+                  <a:srgbClr val="001080"/>
+                </a:solidFill>
+                <a:latin typeface="Consolas" panose="020B0609020204030204" pitchFamily="49" charset="0"/>
+              </a:rPr>
+              <a:t>REF_DEV.PUBLIC.PLACES_POSTCODES_SEARCH </a:t>
+            </a:r>
+            <a:r>
+              <a:rPr lang="fr-FR" sz="1600" b="1">
+                <a:solidFill>
+                  <a:schemeClr val="accent1">
+                    <a:lumMod val="50000"/>
+                  </a:schemeClr>
+                </a:solidFill>
+                <a:latin typeface="Arial" panose="020B0604020202020204" pitchFamily="34" charset="0"/>
+                <a:cs typeface="Arial" panose="020B0604020202020204" pitchFamily="34" charset="0"/>
+              </a:rPr>
+              <a:t>&lt;</a:t>
+            </a:r>
+          </a:p>
+          <a:p>
+            <a:pPr marL="457200" lvl="1" indent="0">
+              <a:lnSpc>
+                <a:spcPct val="70000"/>
+              </a:lnSpc>
+              <a:buNone/>
+            </a:pPr>
+            <a:r>
+              <a:rPr lang="fr-FR" sz="1100" b="0">
+                <a:solidFill>
+                  <a:srgbClr val="AF00DB"/>
+                </a:solidFill>
+                <a:effectLst/>
+                <a:latin typeface="Consolas" panose="020B0609020204030204" pitchFamily="49" charset="0"/>
+              </a:rPr>
+              <a:t>SELECT</a:t>
+            </a:r>
+            <a:r>
+              <a:rPr lang="fr-FR" sz="1100" b="0">
+                <a:solidFill>
+                  <a:srgbClr val="3B3B3B"/>
+                </a:solidFill>
+                <a:effectLst/>
+                <a:latin typeface="Consolas" panose="020B0609020204030204" pitchFamily="49" charset="0"/>
+              </a:rPr>
+              <a:t>   </a:t>
+            </a:r>
+            <a:r>
+              <a:rPr lang="fr-FR" sz="1100" b="0">
+                <a:solidFill>
+                  <a:srgbClr val="AF00DB"/>
+                </a:solidFill>
+                <a:effectLst/>
+                <a:latin typeface="Consolas" panose="020B0609020204030204" pitchFamily="49" charset="0"/>
+              </a:rPr>
+              <a:t>CASE</a:t>
+            </a:r>
+            <a:r>
+              <a:rPr lang="fr-FR" sz="1100" b="0">
+                <a:solidFill>
+                  <a:srgbClr val="3B3B3B"/>
+                </a:solidFill>
+                <a:effectLst/>
+                <a:latin typeface="Consolas" panose="020B0609020204030204" pitchFamily="49" charset="0"/>
+              </a:rPr>
+              <a:t> </a:t>
+            </a:r>
+            <a:r>
+              <a:rPr lang="fr-FR" sz="1100" b="0">
+                <a:solidFill>
+                  <a:srgbClr val="AF00DB"/>
+                </a:solidFill>
+                <a:effectLst/>
+                <a:latin typeface="Consolas" panose="020B0609020204030204" pitchFamily="49" charset="0"/>
+              </a:rPr>
+              <a:t>WHEN</a:t>
+            </a:r>
+            <a:r>
+              <a:rPr lang="fr-FR" sz="1100" b="0">
+                <a:solidFill>
+                  <a:srgbClr val="3B3B3B"/>
+                </a:solidFill>
+                <a:effectLst/>
+                <a:latin typeface="Consolas" panose="020B0609020204030204" pitchFamily="49" charset="0"/>
+              </a:rPr>
+              <a:t> </a:t>
+            </a:r>
+            <a:r>
+              <a:rPr lang="fr-FR" sz="1100" b="0">
+                <a:solidFill>
+                  <a:srgbClr val="001080"/>
+                </a:solidFill>
+                <a:effectLst/>
+                <a:latin typeface="Consolas" panose="020B0609020204030204" pitchFamily="49" charset="0"/>
+              </a:rPr>
+              <a:t>DL1</a:t>
+            </a:r>
+            <a:r>
+              <a:rPr lang="fr-FR" sz="1100" b="0">
+                <a:solidFill>
+                  <a:srgbClr val="3B3B3B"/>
+                </a:solidFill>
+                <a:effectLst/>
+                <a:latin typeface="Consolas" panose="020B0609020204030204" pitchFamily="49" charset="0"/>
+              </a:rPr>
+              <a:t>.</a:t>
+            </a:r>
+            <a:r>
+              <a:rPr lang="fr-FR" sz="1100" b="0">
+                <a:solidFill>
+                  <a:srgbClr val="001080"/>
+                </a:solidFill>
+                <a:effectLst/>
+                <a:latin typeface="Consolas" panose="020B0609020204030204" pitchFamily="49" charset="0"/>
+              </a:rPr>
+              <a:t>SOVEREIGN</a:t>
+            </a:r>
+            <a:r>
+              <a:rPr lang="fr-FR" sz="1100" b="0">
+                <a:solidFill>
+                  <a:srgbClr val="3B3B3B"/>
+                </a:solidFill>
+                <a:effectLst/>
+                <a:latin typeface="Consolas" panose="020B0609020204030204" pitchFamily="49" charset="0"/>
+              </a:rPr>
+              <a:t> </a:t>
+            </a:r>
+            <a:r>
+              <a:rPr lang="fr-FR" sz="1100" b="0">
+                <a:solidFill>
+                  <a:srgbClr val="AF00DB"/>
+                </a:solidFill>
+                <a:effectLst/>
+                <a:latin typeface="Consolas" panose="020B0609020204030204" pitchFamily="49" charset="0"/>
+              </a:rPr>
+              <a:t>IS</a:t>
+            </a:r>
+            <a:r>
+              <a:rPr lang="fr-FR" sz="1100" b="0">
+                <a:solidFill>
+                  <a:srgbClr val="3B3B3B"/>
+                </a:solidFill>
+                <a:effectLst/>
+                <a:latin typeface="Consolas" panose="020B0609020204030204" pitchFamily="49" charset="0"/>
+              </a:rPr>
+              <a:t> </a:t>
+            </a:r>
+            <a:r>
+              <a:rPr lang="fr-FR" sz="1100" b="0">
+                <a:solidFill>
+                  <a:srgbClr val="001080"/>
+                </a:solidFill>
+                <a:effectLst/>
+                <a:latin typeface="Consolas" panose="020B0609020204030204" pitchFamily="49" charset="0"/>
+              </a:rPr>
+              <a:t>NULL</a:t>
+            </a:r>
+            <a:r>
+              <a:rPr lang="fr-FR" sz="1100" b="0">
+                <a:solidFill>
+                  <a:srgbClr val="3B3B3B"/>
+                </a:solidFill>
+                <a:effectLst/>
+                <a:latin typeface="Consolas" panose="020B0609020204030204" pitchFamily="49" charset="0"/>
+              </a:rPr>
+              <a:t> </a:t>
+            </a:r>
+            <a:r>
+              <a:rPr lang="fr-FR" sz="1100" b="0">
+                <a:solidFill>
+                  <a:srgbClr val="AF00DB"/>
+                </a:solidFill>
+                <a:effectLst/>
+                <a:latin typeface="Consolas" panose="020B0609020204030204" pitchFamily="49" charset="0"/>
+              </a:rPr>
+              <a:t>OR</a:t>
+            </a:r>
+            <a:r>
+              <a:rPr lang="fr-FR" sz="1100" b="0">
+                <a:solidFill>
+                  <a:srgbClr val="3B3B3B"/>
+                </a:solidFill>
+                <a:effectLst/>
+                <a:latin typeface="Consolas" panose="020B0609020204030204" pitchFamily="49" charset="0"/>
+              </a:rPr>
+              <a:t> </a:t>
+            </a:r>
+            <a:r>
+              <a:rPr lang="fr-FR" sz="1100" b="0">
+                <a:solidFill>
+                  <a:srgbClr val="001080"/>
+                </a:solidFill>
+                <a:effectLst/>
+                <a:latin typeface="Consolas" panose="020B0609020204030204" pitchFamily="49" charset="0"/>
+              </a:rPr>
+              <a:t>TRIM</a:t>
+            </a:r>
+            <a:r>
+              <a:rPr lang="fr-FR" sz="1100" b="0">
+                <a:solidFill>
+                  <a:srgbClr val="3B3B3B"/>
+                </a:solidFill>
+                <a:effectLst/>
+                <a:latin typeface="Consolas" panose="020B0609020204030204" pitchFamily="49" charset="0"/>
+              </a:rPr>
+              <a:t>(</a:t>
+            </a:r>
+            <a:r>
+              <a:rPr lang="fr-FR" sz="1100" b="0">
+                <a:solidFill>
+                  <a:srgbClr val="001080"/>
+                </a:solidFill>
+                <a:effectLst/>
+                <a:latin typeface="Consolas" panose="020B0609020204030204" pitchFamily="49" charset="0"/>
+              </a:rPr>
+              <a:t>DL1</a:t>
+            </a:r>
+            <a:r>
+              <a:rPr lang="fr-FR" sz="1100" b="0">
+                <a:solidFill>
+                  <a:srgbClr val="3B3B3B"/>
+                </a:solidFill>
+                <a:effectLst/>
+                <a:latin typeface="Consolas" panose="020B0609020204030204" pitchFamily="49" charset="0"/>
+              </a:rPr>
+              <a:t>.</a:t>
+            </a:r>
+            <a:r>
+              <a:rPr lang="fr-FR" sz="1100" b="0">
+                <a:solidFill>
+                  <a:srgbClr val="001080"/>
+                </a:solidFill>
+                <a:effectLst/>
+                <a:latin typeface="Consolas" panose="020B0609020204030204" pitchFamily="49" charset="0"/>
+              </a:rPr>
+              <a:t>SOVEREIGN</a:t>
+            </a:r>
+            <a:r>
+              <a:rPr lang="fr-FR" sz="1100" b="0">
+                <a:solidFill>
+                  <a:srgbClr val="3B3B3B"/>
+                </a:solidFill>
+                <a:effectLst/>
+                <a:latin typeface="Consolas" panose="020B0609020204030204" pitchFamily="49" charset="0"/>
+              </a:rPr>
+              <a:t>)=</a:t>
+            </a:r>
+            <a:r>
+              <a:rPr lang="fr-FR" sz="1100" b="0">
+                <a:solidFill>
+                  <a:srgbClr val="A31515"/>
+                </a:solidFill>
+                <a:effectLst/>
+                <a:latin typeface="Consolas" panose="020B0609020204030204" pitchFamily="49" charset="0"/>
+              </a:rPr>
+              <a:t>''</a:t>
+            </a:r>
+            <a:r>
+              <a:rPr lang="fr-FR" sz="1100" b="0">
+                <a:solidFill>
+                  <a:srgbClr val="3B3B3B"/>
+                </a:solidFill>
+                <a:effectLst/>
+                <a:latin typeface="Consolas" panose="020B0609020204030204" pitchFamily="49" charset="0"/>
+              </a:rPr>
+              <a:t> </a:t>
+            </a:r>
+            <a:r>
+              <a:rPr lang="fr-FR" sz="1100" b="0">
+                <a:solidFill>
+                  <a:srgbClr val="AF00DB"/>
+                </a:solidFill>
+                <a:effectLst/>
+                <a:latin typeface="Consolas" panose="020B0609020204030204" pitchFamily="49" charset="0"/>
+              </a:rPr>
+              <a:t>THEN</a:t>
+            </a:r>
+            <a:r>
+              <a:rPr lang="fr-FR" sz="1100" b="0">
+                <a:solidFill>
+                  <a:srgbClr val="3B3B3B"/>
+                </a:solidFill>
+                <a:effectLst/>
+                <a:latin typeface="Consolas" panose="020B0609020204030204" pitchFamily="49" charset="0"/>
+              </a:rPr>
+              <a:t> </a:t>
+            </a:r>
+            <a:r>
+              <a:rPr lang="fr-FR" sz="1100" b="0">
+                <a:solidFill>
+                  <a:srgbClr val="001080"/>
+                </a:solidFill>
+                <a:effectLst/>
+                <a:latin typeface="Consolas" panose="020B0609020204030204" pitchFamily="49" charset="0"/>
+              </a:rPr>
+              <a:t>UPPER</a:t>
+            </a:r>
+            <a:r>
+              <a:rPr lang="fr-FR" sz="1100" b="0">
+                <a:solidFill>
+                  <a:srgbClr val="3B3B3B"/>
+                </a:solidFill>
+                <a:effectLst/>
+                <a:latin typeface="Consolas" panose="020B0609020204030204" pitchFamily="49" charset="0"/>
+              </a:rPr>
+              <a:t>(</a:t>
+            </a:r>
+            <a:r>
+              <a:rPr lang="fr-FR" sz="1100" b="0">
+                <a:solidFill>
+                  <a:srgbClr val="001080"/>
+                </a:solidFill>
+                <a:effectLst/>
+                <a:latin typeface="Consolas" panose="020B0609020204030204" pitchFamily="49" charset="0"/>
+              </a:rPr>
+              <a:t>PL</a:t>
+            </a:r>
+            <a:r>
+              <a:rPr lang="fr-FR" sz="1100" b="0">
+                <a:solidFill>
+                  <a:srgbClr val="3B3B3B"/>
+                </a:solidFill>
+                <a:effectLst/>
+                <a:latin typeface="Consolas" panose="020B0609020204030204" pitchFamily="49" charset="0"/>
+              </a:rPr>
+              <a:t>.</a:t>
+            </a:r>
+            <a:r>
+              <a:rPr lang="fr-FR" sz="1100" b="0">
+                <a:solidFill>
+                  <a:srgbClr val="001080"/>
+                </a:solidFill>
+                <a:effectLst/>
+                <a:latin typeface="Consolas" panose="020B0609020204030204" pitchFamily="49" charset="0"/>
+              </a:rPr>
+              <a:t>ISO</a:t>
+            </a:r>
+            <a:r>
+              <a:rPr lang="fr-FR" sz="1100" b="0">
+                <a:solidFill>
+                  <a:srgbClr val="3B3B3B"/>
+                </a:solidFill>
+                <a:effectLst/>
+                <a:latin typeface="Consolas" panose="020B0609020204030204" pitchFamily="49" charset="0"/>
+              </a:rPr>
+              <a:t>)</a:t>
+            </a:r>
+          </a:p>
+          <a:p>
+            <a:pPr marL="457200" lvl="1" indent="0">
+              <a:lnSpc>
+                <a:spcPct val="70000"/>
+              </a:lnSpc>
+              <a:buNone/>
+            </a:pPr>
+            <a:r>
+              <a:rPr lang="fr-FR" sz="1100" b="0">
+                <a:solidFill>
+                  <a:srgbClr val="3B3B3B"/>
+                </a:solidFill>
+                <a:effectLst/>
+                <a:latin typeface="Consolas" panose="020B0609020204030204" pitchFamily="49" charset="0"/>
+              </a:rPr>
+              <a:t>              </a:t>
+            </a:r>
+            <a:r>
+              <a:rPr lang="fr-FR" sz="1100" b="0">
+                <a:solidFill>
+                  <a:srgbClr val="AF00DB"/>
+                </a:solidFill>
+                <a:effectLst/>
+                <a:latin typeface="Consolas" panose="020B0609020204030204" pitchFamily="49" charset="0"/>
+              </a:rPr>
+              <a:t>ELSE</a:t>
+            </a:r>
+            <a:r>
+              <a:rPr lang="fr-FR" sz="1100" b="0">
+                <a:solidFill>
+                  <a:srgbClr val="3B3B3B"/>
+                </a:solidFill>
+                <a:effectLst/>
+                <a:latin typeface="Consolas" panose="020B0609020204030204" pitchFamily="49" charset="0"/>
+              </a:rPr>
+              <a:t> </a:t>
+            </a:r>
+            <a:r>
+              <a:rPr lang="fr-FR" sz="1100" b="0">
+                <a:solidFill>
+                  <a:srgbClr val="001080"/>
+                </a:solidFill>
+                <a:effectLst/>
+                <a:latin typeface="Consolas" panose="020B0609020204030204" pitchFamily="49" charset="0"/>
+              </a:rPr>
+              <a:t>UPPER</a:t>
+            </a:r>
+            <a:r>
+              <a:rPr lang="fr-FR" sz="1100" b="0">
+                <a:solidFill>
+                  <a:srgbClr val="3B3B3B"/>
+                </a:solidFill>
+                <a:effectLst/>
+                <a:latin typeface="Consolas" panose="020B0609020204030204" pitchFamily="49" charset="0"/>
+              </a:rPr>
+              <a:t>(</a:t>
+            </a:r>
+            <a:r>
+              <a:rPr lang="fr-FR" sz="1100" b="0">
+                <a:solidFill>
+                  <a:srgbClr val="001080"/>
+                </a:solidFill>
+                <a:effectLst/>
+                <a:latin typeface="Consolas" panose="020B0609020204030204" pitchFamily="49" charset="0"/>
+              </a:rPr>
+              <a:t>DL1</a:t>
+            </a:r>
+            <a:r>
+              <a:rPr lang="fr-FR" sz="1100" b="0">
+                <a:solidFill>
+                  <a:srgbClr val="3B3B3B"/>
+                </a:solidFill>
+                <a:effectLst/>
+                <a:latin typeface="Consolas" panose="020B0609020204030204" pitchFamily="49" charset="0"/>
+              </a:rPr>
+              <a:t>.</a:t>
+            </a:r>
+            <a:r>
+              <a:rPr lang="fr-FR" sz="1100" b="0">
+                <a:solidFill>
+                  <a:srgbClr val="001080"/>
+                </a:solidFill>
+                <a:effectLst/>
+                <a:latin typeface="Consolas" panose="020B0609020204030204" pitchFamily="49" charset="0"/>
+              </a:rPr>
+              <a:t>SOVEREIGN</a:t>
+            </a:r>
+            <a:r>
+              <a:rPr lang="fr-FR" sz="1100" b="0">
+                <a:solidFill>
+                  <a:srgbClr val="3B3B3B"/>
+                </a:solidFill>
+                <a:effectLst/>
+                <a:latin typeface="Consolas" panose="020B0609020204030204" pitchFamily="49" charset="0"/>
+              </a:rPr>
+              <a:t>) </a:t>
+            </a:r>
+          </a:p>
+          <a:p>
+            <a:pPr marL="457200" lvl="1" indent="0">
+              <a:lnSpc>
+                <a:spcPct val="70000"/>
+              </a:lnSpc>
+              <a:buNone/>
+            </a:pPr>
+            <a:r>
+              <a:rPr lang="fr-FR" sz="1100" b="0">
+                <a:solidFill>
+                  <a:srgbClr val="3B3B3B"/>
+                </a:solidFill>
+                <a:effectLst/>
+                <a:latin typeface="Consolas" panose="020B0609020204030204" pitchFamily="49" charset="0"/>
+              </a:rPr>
+              <a:t>         </a:t>
+            </a:r>
+            <a:r>
+              <a:rPr lang="fr-FR" sz="1100" b="0">
+                <a:solidFill>
+                  <a:srgbClr val="AF00DB"/>
+                </a:solidFill>
+                <a:effectLst/>
+                <a:latin typeface="Consolas" panose="020B0609020204030204" pitchFamily="49" charset="0"/>
+              </a:rPr>
+              <a:t>END</a:t>
+            </a:r>
+            <a:r>
+              <a:rPr lang="fr-FR" sz="1100" b="0">
+                <a:solidFill>
+                  <a:srgbClr val="3B3B3B"/>
+                </a:solidFill>
+                <a:effectLst/>
+                <a:latin typeface="Consolas" panose="020B0609020204030204" pitchFamily="49" charset="0"/>
+              </a:rPr>
+              <a:t> </a:t>
+            </a:r>
+            <a:r>
+              <a:rPr lang="fr-FR" sz="1100" b="0">
+                <a:solidFill>
+                  <a:srgbClr val="001080"/>
+                </a:solidFill>
+                <a:effectLst/>
+                <a:latin typeface="Consolas" panose="020B0609020204030204" pitchFamily="49" charset="0"/>
+              </a:rPr>
+              <a:t>COUNTRY_CODE</a:t>
+            </a:r>
+            <a:endParaRPr lang="fr-FR" sz="1100" b="0">
+              <a:solidFill>
+                <a:srgbClr val="3B3B3B"/>
+              </a:solidFill>
+              <a:effectLst/>
+              <a:latin typeface="Consolas" panose="020B0609020204030204" pitchFamily="49" charset="0"/>
+            </a:endParaRPr>
+          </a:p>
+          <a:p>
+            <a:pPr marL="457200" lvl="1" indent="0">
+              <a:lnSpc>
+                <a:spcPct val="70000"/>
+              </a:lnSpc>
+              <a:buNone/>
+            </a:pPr>
+            <a:r>
+              <a:rPr lang="fr-FR" sz="1100" b="0">
+                <a:solidFill>
+                  <a:srgbClr val="3B3B3B"/>
+                </a:solidFill>
+                <a:effectLst/>
+                <a:latin typeface="Consolas" panose="020B0609020204030204" pitchFamily="49" charset="0"/>
+              </a:rPr>
+              <a:t>        ,</a:t>
+            </a:r>
+            <a:r>
+              <a:rPr lang="fr-FR" sz="1100" b="0">
+                <a:solidFill>
+                  <a:srgbClr val="001080"/>
+                </a:solidFill>
+                <a:effectLst/>
+                <a:latin typeface="Consolas" panose="020B0609020204030204" pitchFamily="49" charset="0"/>
+              </a:rPr>
+              <a:t>PL</a:t>
+            </a:r>
+            <a:r>
+              <a:rPr lang="fr-FR" sz="1100" b="0">
+                <a:solidFill>
+                  <a:srgbClr val="3B3B3B"/>
+                </a:solidFill>
+                <a:effectLst/>
+                <a:latin typeface="Consolas" panose="020B0609020204030204" pitchFamily="49" charset="0"/>
+              </a:rPr>
+              <a:t>.</a:t>
+            </a:r>
+            <a:r>
+              <a:rPr lang="fr-FR" sz="1100" b="0">
+                <a:solidFill>
+                  <a:srgbClr val="001080"/>
+                </a:solidFill>
+                <a:effectLst/>
+                <a:latin typeface="Consolas" panose="020B0609020204030204" pitchFamily="49" charset="0"/>
+              </a:rPr>
+              <a:t>PLACES_ID</a:t>
+            </a:r>
+            <a:endParaRPr lang="fr-FR" sz="1100" b="0">
+              <a:solidFill>
+                <a:srgbClr val="3B3B3B"/>
+              </a:solidFill>
+              <a:effectLst/>
+              <a:latin typeface="Consolas" panose="020B0609020204030204" pitchFamily="49" charset="0"/>
+            </a:endParaRPr>
+          </a:p>
+          <a:p>
+            <a:pPr marL="457200" lvl="1" indent="0">
+              <a:lnSpc>
+                <a:spcPct val="70000"/>
+              </a:lnSpc>
+              <a:buNone/>
+            </a:pPr>
+            <a:r>
+              <a:rPr lang="fr-FR" sz="1100" b="0">
+                <a:solidFill>
+                  <a:srgbClr val="3B3B3B"/>
+                </a:solidFill>
+                <a:effectLst/>
+                <a:latin typeface="Consolas" panose="020B0609020204030204" pitchFamily="49" charset="0"/>
+              </a:rPr>
+              <a:t>        ,</a:t>
+            </a:r>
+            <a:r>
+              <a:rPr lang="fr-FR" sz="1100" b="0">
+                <a:solidFill>
+                  <a:srgbClr val="AF00DB"/>
+                </a:solidFill>
+                <a:effectLst/>
+                <a:latin typeface="Consolas" panose="020B0609020204030204" pitchFamily="49" charset="0"/>
+              </a:rPr>
+              <a:t>REPLACE</a:t>
+            </a:r>
+            <a:r>
+              <a:rPr lang="fr-FR" sz="1100" b="0">
+                <a:solidFill>
+                  <a:srgbClr val="3B3B3B"/>
+                </a:solidFill>
+                <a:effectLst/>
+                <a:latin typeface="Consolas" panose="020B0609020204030204" pitchFamily="49" charset="0"/>
+              </a:rPr>
+              <a:t>(</a:t>
+            </a:r>
+            <a:r>
+              <a:rPr lang="fr-FR" sz="1100" b="0">
+                <a:solidFill>
+                  <a:srgbClr val="001080"/>
+                </a:solidFill>
+                <a:effectLst/>
+                <a:latin typeface="Consolas" panose="020B0609020204030204" pitchFamily="49" charset="0"/>
+              </a:rPr>
+              <a:t>PL</a:t>
+            </a:r>
+            <a:r>
+              <a:rPr lang="fr-FR" sz="1100" b="0">
+                <a:solidFill>
+                  <a:srgbClr val="3B3B3B"/>
+                </a:solidFill>
+                <a:effectLst/>
+                <a:latin typeface="Consolas" panose="020B0609020204030204" pitchFamily="49" charset="0"/>
+              </a:rPr>
+              <a:t>.</a:t>
+            </a:r>
+            <a:r>
+              <a:rPr lang="fr-FR" sz="1100" b="0">
+                <a:solidFill>
+                  <a:srgbClr val="001080"/>
+                </a:solidFill>
+                <a:effectLst/>
+                <a:latin typeface="Consolas" panose="020B0609020204030204" pitchFamily="49" charset="0"/>
+              </a:rPr>
+              <a:t>POSTCODE</a:t>
+            </a:r>
+            <a:r>
+              <a:rPr lang="fr-FR" sz="1100" b="0">
+                <a:solidFill>
+                  <a:srgbClr val="3B3B3B"/>
+                </a:solidFill>
+                <a:effectLst/>
+                <a:latin typeface="Consolas" panose="020B0609020204030204" pitchFamily="49" charset="0"/>
+              </a:rPr>
+              <a:t>,</a:t>
+            </a:r>
+            <a:r>
+              <a:rPr lang="fr-FR" sz="1100" b="0">
+                <a:solidFill>
+                  <a:srgbClr val="A31515"/>
+                </a:solidFill>
+                <a:effectLst/>
+                <a:latin typeface="Consolas" panose="020B0609020204030204" pitchFamily="49" charset="0"/>
+              </a:rPr>
+              <a:t>' '</a:t>
+            </a:r>
+            <a:r>
+              <a:rPr lang="fr-FR" sz="1100" b="0">
+                <a:solidFill>
+                  <a:srgbClr val="3B3B3B"/>
+                </a:solidFill>
+                <a:effectLst/>
+                <a:latin typeface="Consolas" panose="020B0609020204030204" pitchFamily="49" charset="0"/>
+              </a:rPr>
+              <a:t>) </a:t>
+            </a:r>
+            <a:r>
+              <a:rPr lang="fr-FR" sz="1100" b="0">
+                <a:solidFill>
+                  <a:srgbClr val="AF00DB"/>
+                </a:solidFill>
+                <a:effectLst/>
+                <a:latin typeface="Consolas" panose="020B0609020204030204" pitchFamily="49" charset="0"/>
+              </a:rPr>
+              <a:t>AS</a:t>
+            </a:r>
+            <a:r>
+              <a:rPr lang="fr-FR" sz="1100" b="0">
+                <a:solidFill>
+                  <a:srgbClr val="3B3B3B"/>
+                </a:solidFill>
+                <a:effectLst/>
+                <a:latin typeface="Consolas" panose="020B0609020204030204" pitchFamily="49" charset="0"/>
+              </a:rPr>
+              <a:t> </a:t>
+            </a:r>
+            <a:r>
+              <a:rPr lang="fr-FR" sz="1100" b="0">
+                <a:solidFill>
+                  <a:srgbClr val="001080"/>
+                </a:solidFill>
+                <a:effectLst/>
+                <a:latin typeface="Consolas" panose="020B0609020204030204" pitchFamily="49" charset="0"/>
+              </a:rPr>
+              <a:t>POSTCODE</a:t>
+            </a:r>
+            <a:r>
+              <a:rPr lang="fr-FR" sz="1100" b="0">
+                <a:solidFill>
+                  <a:srgbClr val="3B3B3B"/>
+                </a:solidFill>
+                <a:effectLst/>
+                <a:latin typeface="Consolas" panose="020B0609020204030204" pitchFamily="49" charset="0"/>
+              </a:rPr>
+              <a:t> </a:t>
+            </a:r>
+          </a:p>
+          <a:p>
+            <a:pPr marL="457200" lvl="1" indent="0">
+              <a:lnSpc>
+                <a:spcPct val="70000"/>
+              </a:lnSpc>
+              <a:buNone/>
+            </a:pPr>
+            <a:r>
+              <a:rPr lang="fr-FR" sz="1100" b="0">
+                <a:solidFill>
+                  <a:srgbClr val="3B3B3B"/>
+                </a:solidFill>
+                <a:effectLst/>
+                <a:latin typeface="Consolas" panose="020B0609020204030204" pitchFamily="49" charset="0"/>
+              </a:rPr>
+              <a:t>        ,</a:t>
+            </a:r>
+            <a:r>
+              <a:rPr lang="fr-FR" sz="1100" b="0">
+                <a:solidFill>
+                  <a:srgbClr val="001080"/>
+                </a:solidFill>
+                <a:effectLst/>
+                <a:latin typeface="Consolas" panose="020B0609020204030204" pitchFamily="49" charset="0"/>
+              </a:rPr>
+              <a:t>LOCALITY</a:t>
+            </a:r>
+            <a:endParaRPr lang="fr-FR" sz="1100" b="0">
+              <a:solidFill>
+                <a:srgbClr val="3B3B3B"/>
+              </a:solidFill>
+              <a:effectLst/>
+              <a:latin typeface="Consolas" panose="020B0609020204030204" pitchFamily="49" charset="0"/>
+            </a:endParaRPr>
+          </a:p>
+          <a:p>
+            <a:pPr marL="457200" lvl="1" indent="0">
+              <a:lnSpc>
+                <a:spcPct val="70000"/>
+              </a:lnSpc>
+              <a:buNone/>
+            </a:pPr>
+            <a:r>
+              <a:rPr lang="fr-FR" sz="1100" b="0">
+                <a:solidFill>
+                  <a:srgbClr val="3B3B3B"/>
+                </a:solidFill>
+                <a:effectLst/>
+                <a:latin typeface="Consolas" panose="020B0609020204030204" pitchFamily="49" charset="0"/>
+              </a:rPr>
+              <a:t>        ,</a:t>
+            </a:r>
+            <a:r>
+              <a:rPr lang="fr-FR" sz="1100" b="0">
+                <a:solidFill>
+                  <a:srgbClr val="001080"/>
+                </a:solidFill>
+                <a:effectLst/>
+                <a:highlight>
+                  <a:srgbClr val="FFFF00"/>
+                </a:highlight>
+                <a:latin typeface="Consolas" panose="020B0609020204030204" pitchFamily="49" charset="0"/>
+              </a:rPr>
+              <a:t>UPPER</a:t>
+            </a:r>
+            <a:r>
+              <a:rPr lang="fr-FR" sz="1100" b="0">
+                <a:solidFill>
+                  <a:srgbClr val="3B3B3B"/>
+                </a:solidFill>
+                <a:effectLst/>
+                <a:latin typeface="Consolas" panose="020B0609020204030204" pitchFamily="49" charset="0"/>
+              </a:rPr>
+              <a:t>(</a:t>
+            </a:r>
+            <a:r>
+              <a:rPr lang="fr-FR" sz="1100" b="0">
+                <a:solidFill>
+                  <a:srgbClr val="001080"/>
+                </a:solidFill>
+                <a:effectLst/>
+                <a:highlight>
+                  <a:srgbClr val="FFFF00"/>
+                </a:highlight>
+                <a:latin typeface="Consolas" panose="020B0609020204030204" pitchFamily="49" charset="0"/>
+              </a:rPr>
+              <a:t>REGEXP_REPLACE</a:t>
+            </a:r>
+            <a:r>
+              <a:rPr lang="fr-FR" sz="1100" b="0">
+                <a:solidFill>
+                  <a:srgbClr val="3B3B3B"/>
+                </a:solidFill>
+                <a:effectLst/>
+                <a:latin typeface="Consolas" panose="020B0609020204030204" pitchFamily="49" charset="0"/>
+              </a:rPr>
+              <a:t>(</a:t>
+            </a:r>
+            <a:r>
+              <a:rPr lang="fr-FR" sz="1100" b="0">
+                <a:solidFill>
+                  <a:srgbClr val="001080"/>
+                </a:solidFill>
+                <a:effectLst/>
+                <a:latin typeface="Consolas" panose="020B0609020204030204" pitchFamily="49" charset="0"/>
+              </a:rPr>
+              <a:t>trim</a:t>
+            </a:r>
+            <a:r>
+              <a:rPr lang="fr-FR" sz="1100" b="0">
+                <a:solidFill>
+                  <a:srgbClr val="3B3B3B"/>
+                </a:solidFill>
+                <a:effectLst/>
+                <a:latin typeface="Consolas" panose="020B0609020204030204" pitchFamily="49" charset="0"/>
+              </a:rPr>
+              <a:t>(</a:t>
+            </a:r>
+            <a:r>
+              <a:rPr lang="fr-FR" sz="1100" b="0">
+                <a:solidFill>
+                  <a:srgbClr val="001080"/>
+                </a:solidFill>
+                <a:effectLst/>
+                <a:latin typeface="Consolas" panose="020B0609020204030204" pitchFamily="49" charset="0"/>
+              </a:rPr>
+              <a:t>REF_DEV</a:t>
+            </a:r>
+            <a:r>
+              <a:rPr lang="fr-FR" sz="1100" b="0">
+                <a:solidFill>
+                  <a:srgbClr val="3B3B3B"/>
+                </a:solidFill>
+                <a:effectLst/>
+                <a:latin typeface="Consolas" panose="020B0609020204030204" pitchFamily="49" charset="0"/>
+              </a:rPr>
+              <a:t>.</a:t>
+            </a:r>
+            <a:r>
+              <a:rPr lang="fr-FR" sz="1100" b="0">
+                <a:solidFill>
+                  <a:srgbClr val="001080"/>
+                </a:solidFill>
+                <a:effectLst/>
+                <a:latin typeface="Consolas" panose="020B0609020204030204" pitchFamily="49" charset="0"/>
+              </a:rPr>
+              <a:t>PUBLIC</a:t>
+            </a:r>
+            <a:r>
+              <a:rPr lang="fr-FR" sz="1100" b="0">
+                <a:solidFill>
+                  <a:srgbClr val="3B3B3B"/>
+                </a:solidFill>
+                <a:effectLst/>
+                <a:latin typeface="Consolas" panose="020B0609020204030204" pitchFamily="49" charset="0"/>
+              </a:rPr>
+              <a:t>.</a:t>
+            </a:r>
+            <a:r>
+              <a:rPr lang="fr-FR" sz="1100" b="0">
+                <a:solidFill>
+                  <a:srgbClr val="001080"/>
+                </a:solidFill>
+                <a:effectLst/>
+                <a:highlight>
+                  <a:srgbClr val="FFFF00"/>
+                </a:highlight>
+                <a:latin typeface="Consolas" panose="020B0609020204030204" pitchFamily="49" charset="0"/>
+              </a:rPr>
+              <a:t>REMOVE_SPECIAL_CHARS</a:t>
+            </a:r>
+            <a:r>
+              <a:rPr lang="fr-FR" sz="1100" b="0">
+                <a:solidFill>
+                  <a:srgbClr val="3B3B3B"/>
+                </a:solidFill>
+                <a:effectLst/>
+                <a:latin typeface="Consolas" panose="020B0609020204030204" pitchFamily="49" charset="0"/>
+              </a:rPr>
+              <a:t>(</a:t>
+            </a:r>
+            <a:r>
+              <a:rPr lang="fr-FR" sz="1100" b="0">
+                <a:solidFill>
+                  <a:srgbClr val="001080"/>
+                </a:solidFill>
+                <a:effectLst/>
+                <a:latin typeface="Consolas" panose="020B0609020204030204" pitchFamily="49" charset="0"/>
+              </a:rPr>
+              <a:t>LOCALITY</a:t>
+            </a:r>
+            <a:r>
+              <a:rPr lang="fr-FR" sz="1100" b="0">
+                <a:solidFill>
+                  <a:srgbClr val="3B3B3B"/>
+                </a:solidFill>
+                <a:effectLst/>
+                <a:latin typeface="Consolas" panose="020B0609020204030204" pitchFamily="49" charset="0"/>
+              </a:rPr>
+              <a:t>)), </a:t>
+            </a:r>
+            <a:r>
+              <a:rPr lang="fr-FR" sz="1100" b="0">
+                <a:solidFill>
+                  <a:srgbClr val="A31515"/>
+                </a:solidFill>
+                <a:effectLst/>
+                <a:highlight>
+                  <a:srgbClr val="FFFF00"/>
+                </a:highlight>
+                <a:latin typeface="Consolas" panose="020B0609020204030204" pitchFamily="49" charset="0"/>
+              </a:rPr>
+              <a:t>'\\s+'</a:t>
+            </a:r>
+            <a:r>
+              <a:rPr lang="fr-FR" sz="1100" b="0">
+                <a:solidFill>
+                  <a:srgbClr val="3B3B3B"/>
+                </a:solidFill>
+                <a:effectLst/>
+                <a:highlight>
+                  <a:srgbClr val="FFFF00"/>
+                </a:highlight>
+                <a:latin typeface="Consolas" panose="020B0609020204030204" pitchFamily="49" charset="0"/>
+              </a:rPr>
+              <a:t>, </a:t>
+            </a:r>
+            <a:r>
+              <a:rPr lang="fr-FR" sz="1100" b="0">
+                <a:solidFill>
+                  <a:srgbClr val="A31515"/>
+                </a:solidFill>
+                <a:effectLst/>
+                <a:highlight>
+                  <a:srgbClr val="FFFF00"/>
+                </a:highlight>
+                <a:latin typeface="Consolas" panose="020B0609020204030204" pitchFamily="49" charset="0"/>
+              </a:rPr>
+              <a:t>' '</a:t>
+            </a:r>
+            <a:r>
+              <a:rPr lang="fr-FR" sz="1100" b="0">
+                <a:solidFill>
+                  <a:srgbClr val="3B3B3B"/>
+                </a:solidFill>
+                <a:effectLst/>
+                <a:highlight>
+                  <a:srgbClr val="FFFF00"/>
+                </a:highlight>
+                <a:latin typeface="Consolas" panose="020B0609020204030204" pitchFamily="49" charset="0"/>
+              </a:rPr>
+              <a:t>, </a:t>
+            </a:r>
+            <a:r>
+              <a:rPr lang="fr-FR" sz="1100" b="0">
+                <a:solidFill>
+                  <a:srgbClr val="001080"/>
+                </a:solidFill>
+                <a:effectLst/>
+                <a:highlight>
+                  <a:srgbClr val="FFFF00"/>
+                </a:highlight>
+                <a:latin typeface="Consolas" panose="020B0609020204030204" pitchFamily="49" charset="0"/>
+              </a:rPr>
+              <a:t>1</a:t>
+            </a:r>
+            <a:r>
+              <a:rPr lang="fr-FR" sz="1100" b="0">
+                <a:solidFill>
+                  <a:srgbClr val="3B3B3B"/>
+                </a:solidFill>
+                <a:effectLst/>
+                <a:highlight>
+                  <a:srgbClr val="FFFF00"/>
+                </a:highlight>
+                <a:latin typeface="Consolas" panose="020B0609020204030204" pitchFamily="49" charset="0"/>
+              </a:rPr>
+              <a:t>, </a:t>
+            </a:r>
+            <a:r>
+              <a:rPr lang="fr-FR" sz="1100" b="0">
+                <a:solidFill>
+                  <a:srgbClr val="001080"/>
+                </a:solidFill>
+                <a:effectLst/>
+                <a:highlight>
+                  <a:srgbClr val="FFFF00"/>
+                </a:highlight>
+                <a:latin typeface="Consolas" panose="020B0609020204030204" pitchFamily="49" charset="0"/>
+              </a:rPr>
+              <a:t>0</a:t>
+            </a:r>
+            <a:r>
+              <a:rPr lang="fr-FR" sz="1100" b="0">
+                <a:solidFill>
+                  <a:srgbClr val="3B3B3B"/>
+                </a:solidFill>
+                <a:effectLst/>
+                <a:highlight>
+                  <a:srgbClr val="FFFF00"/>
+                </a:highlight>
+                <a:latin typeface="Consolas" panose="020B0609020204030204" pitchFamily="49" charset="0"/>
+              </a:rPr>
+              <a:t>)</a:t>
+            </a:r>
+            <a:r>
+              <a:rPr lang="fr-FR" sz="1100" b="0">
+                <a:solidFill>
+                  <a:srgbClr val="3B3B3B"/>
+                </a:solidFill>
+                <a:effectLst/>
+                <a:latin typeface="Consolas" panose="020B0609020204030204" pitchFamily="49" charset="0"/>
+              </a:rPr>
+              <a:t>) </a:t>
+            </a:r>
+            <a:r>
+              <a:rPr lang="fr-FR" sz="1100" b="0">
+                <a:solidFill>
+                  <a:srgbClr val="AF00DB"/>
+                </a:solidFill>
+                <a:effectLst/>
+                <a:latin typeface="Consolas" panose="020B0609020204030204" pitchFamily="49" charset="0"/>
+              </a:rPr>
+              <a:t>as</a:t>
+            </a:r>
+            <a:r>
+              <a:rPr lang="fr-FR" sz="1100" b="0">
+                <a:solidFill>
+                  <a:srgbClr val="3B3B3B"/>
+                </a:solidFill>
+                <a:effectLst/>
+                <a:latin typeface="Consolas" panose="020B0609020204030204" pitchFamily="49" charset="0"/>
+              </a:rPr>
+              <a:t> </a:t>
+            </a:r>
+            <a:r>
+              <a:rPr lang="fr-FR" sz="1100" b="0">
+                <a:solidFill>
+                  <a:srgbClr val="001080"/>
+                </a:solidFill>
+                <a:effectLst/>
+                <a:highlight>
+                  <a:srgbClr val="FFFF00"/>
+                </a:highlight>
+                <a:latin typeface="Consolas" panose="020B0609020204030204" pitchFamily="49" charset="0"/>
+              </a:rPr>
+              <a:t>GENERIC_LOCALITY</a:t>
+            </a:r>
+            <a:endParaRPr lang="fr-FR" sz="1100" b="0">
+              <a:solidFill>
+                <a:srgbClr val="3B3B3B"/>
+              </a:solidFill>
+              <a:effectLst/>
+              <a:highlight>
+                <a:srgbClr val="FFFF00"/>
+              </a:highlight>
+              <a:latin typeface="Consolas" panose="020B0609020204030204" pitchFamily="49" charset="0"/>
+            </a:endParaRPr>
+          </a:p>
+          <a:p>
+            <a:pPr marL="457200" lvl="1" indent="0">
+              <a:lnSpc>
+                <a:spcPct val="70000"/>
+              </a:lnSpc>
+              <a:buNone/>
+            </a:pPr>
+            <a:r>
+              <a:rPr lang="fr-FR" sz="1100" b="0">
+                <a:solidFill>
+                  <a:srgbClr val="3B3B3B"/>
+                </a:solidFill>
+                <a:effectLst/>
+                <a:latin typeface="Consolas" panose="020B0609020204030204" pitchFamily="49" charset="0"/>
+              </a:rPr>
+              <a:t>        ,</a:t>
+            </a:r>
+            <a:r>
+              <a:rPr lang="fr-FR" sz="1100" b="0">
+                <a:solidFill>
+                  <a:srgbClr val="001080"/>
+                </a:solidFill>
+                <a:effectLst/>
+                <a:latin typeface="Consolas" panose="020B0609020204030204" pitchFamily="49" charset="0"/>
+              </a:rPr>
+              <a:t>PL</a:t>
+            </a:r>
+            <a:r>
+              <a:rPr lang="fr-FR" sz="1100" b="0">
+                <a:solidFill>
+                  <a:srgbClr val="3B3B3B"/>
+                </a:solidFill>
+                <a:effectLst/>
+                <a:latin typeface="Consolas" panose="020B0609020204030204" pitchFamily="49" charset="0"/>
+              </a:rPr>
+              <a:t>.</a:t>
+            </a:r>
+            <a:r>
+              <a:rPr lang="fr-FR" sz="1100" b="0">
+                <a:solidFill>
+                  <a:srgbClr val="001080"/>
+                </a:solidFill>
+                <a:effectLst/>
+                <a:latin typeface="Consolas" panose="020B0609020204030204" pitchFamily="49" charset="0"/>
+              </a:rPr>
+              <a:t>PLACES_LANGUAGE</a:t>
+            </a:r>
+            <a:r>
+              <a:rPr lang="fr-FR" sz="1100" b="0">
+                <a:solidFill>
+                  <a:srgbClr val="3B3B3B"/>
+                </a:solidFill>
+                <a:effectLst/>
+                <a:latin typeface="Consolas" panose="020B0609020204030204" pitchFamily="49" charset="0"/>
+              </a:rPr>
+              <a:t>, </a:t>
+            </a:r>
+            <a:r>
+              <a:rPr lang="fr-FR" sz="1100" b="0">
+                <a:solidFill>
+                  <a:srgbClr val="001080"/>
+                </a:solidFill>
+                <a:effectLst/>
+                <a:latin typeface="Consolas" panose="020B0609020204030204" pitchFamily="49" charset="0"/>
+              </a:rPr>
+              <a:t>DL1</a:t>
+            </a:r>
+            <a:r>
+              <a:rPr lang="fr-FR" sz="1100" b="0">
+                <a:solidFill>
+                  <a:srgbClr val="3B3B3B"/>
+                </a:solidFill>
+                <a:effectLst/>
+                <a:latin typeface="Consolas" panose="020B0609020204030204" pitchFamily="49" charset="0"/>
+              </a:rPr>
+              <a:t>.</a:t>
+            </a:r>
+            <a:r>
+              <a:rPr lang="fr-FR" sz="1100" b="0">
+                <a:solidFill>
+                  <a:srgbClr val="001080"/>
+                </a:solidFill>
+                <a:effectLst/>
+                <a:latin typeface="Consolas" panose="020B0609020204030204" pitchFamily="49" charset="0"/>
+              </a:rPr>
+              <a:t>SOVEREIGN</a:t>
+            </a:r>
+            <a:endParaRPr lang="fr-FR" sz="1100" b="0">
+              <a:solidFill>
+                <a:srgbClr val="3B3B3B"/>
+              </a:solidFill>
+              <a:effectLst/>
+              <a:latin typeface="Consolas" panose="020B0609020204030204" pitchFamily="49" charset="0"/>
+            </a:endParaRPr>
+          </a:p>
+          <a:p>
+            <a:pPr marL="457200" lvl="1" indent="0">
+              <a:lnSpc>
+                <a:spcPct val="70000"/>
+              </a:lnSpc>
+              <a:buNone/>
+            </a:pPr>
+            <a:r>
+              <a:rPr lang="fr-FR" sz="1100" b="0">
+                <a:solidFill>
+                  <a:srgbClr val="3B3B3B"/>
+                </a:solidFill>
+                <a:effectLst/>
+                <a:latin typeface="Consolas" panose="020B0609020204030204" pitchFamily="49" charset="0"/>
+              </a:rPr>
+              <a:t>        ,</a:t>
+            </a:r>
+            <a:r>
+              <a:rPr lang="fr-FR" sz="1100" b="0">
+                <a:solidFill>
+                  <a:srgbClr val="001080"/>
+                </a:solidFill>
+                <a:effectLst/>
+                <a:latin typeface="Consolas" panose="020B0609020204030204" pitchFamily="49" charset="0"/>
+              </a:rPr>
+              <a:t>COUNTRY_CODE</a:t>
+            </a:r>
+            <a:r>
+              <a:rPr lang="fr-FR" sz="1100" b="0">
+                <a:solidFill>
+                  <a:srgbClr val="3B3B3B"/>
+                </a:solidFill>
+                <a:effectLst/>
+                <a:latin typeface="Consolas" panose="020B0609020204030204" pitchFamily="49" charset="0"/>
+              </a:rPr>
+              <a:t>||</a:t>
+            </a:r>
+            <a:r>
+              <a:rPr lang="fr-FR" sz="1100" b="0">
+                <a:solidFill>
+                  <a:srgbClr val="A31515"/>
+                </a:solidFill>
+                <a:effectLst/>
+                <a:latin typeface="Consolas" panose="020B0609020204030204" pitchFamily="49" charset="0"/>
+              </a:rPr>
+              <a:t>'_'</a:t>
+            </a:r>
+            <a:r>
+              <a:rPr lang="fr-FR" sz="1100" b="0">
+                <a:solidFill>
+                  <a:srgbClr val="3B3B3B"/>
+                </a:solidFill>
+                <a:effectLst/>
+                <a:latin typeface="Consolas" panose="020B0609020204030204" pitchFamily="49" charset="0"/>
+              </a:rPr>
+              <a:t>||</a:t>
+            </a:r>
+            <a:r>
+              <a:rPr lang="fr-FR" sz="1100" b="0">
+                <a:solidFill>
+                  <a:srgbClr val="001080"/>
+                </a:solidFill>
+                <a:effectLst/>
+                <a:highlight>
+                  <a:srgbClr val="FFFF00"/>
+                </a:highlight>
+                <a:latin typeface="Consolas" panose="020B0609020204030204" pitchFamily="49" charset="0"/>
+              </a:rPr>
+              <a:t>GENERIC_LOCALITY</a:t>
+            </a:r>
+            <a:r>
+              <a:rPr lang="fr-FR" sz="1100" b="0">
+                <a:solidFill>
+                  <a:srgbClr val="3B3B3B"/>
+                </a:solidFill>
+                <a:effectLst/>
+                <a:latin typeface="Consolas" panose="020B0609020204030204" pitchFamily="49" charset="0"/>
+              </a:rPr>
+              <a:t>||</a:t>
+            </a:r>
+            <a:r>
+              <a:rPr lang="fr-FR" sz="1100" b="0">
+                <a:solidFill>
+                  <a:srgbClr val="A31515"/>
+                </a:solidFill>
+                <a:effectLst/>
+                <a:latin typeface="Consolas" panose="020B0609020204030204" pitchFamily="49" charset="0"/>
+              </a:rPr>
+              <a:t>'_'</a:t>
+            </a:r>
+            <a:r>
+              <a:rPr lang="fr-FR" sz="1100" b="0">
+                <a:solidFill>
+                  <a:srgbClr val="3B3B3B"/>
+                </a:solidFill>
+                <a:effectLst/>
+                <a:latin typeface="Consolas" panose="020B0609020204030204" pitchFamily="49" charset="0"/>
+              </a:rPr>
+              <a:t>||</a:t>
+            </a:r>
+            <a:r>
+              <a:rPr lang="fr-FR" sz="1100" b="0">
+                <a:solidFill>
+                  <a:srgbClr val="001080"/>
+                </a:solidFill>
+                <a:effectLst/>
+                <a:latin typeface="Consolas" panose="020B0609020204030204" pitchFamily="49" charset="0"/>
+              </a:rPr>
+              <a:t>POSTCODE</a:t>
+            </a:r>
+            <a:r>
+              <a:rPr lang="fr-FR" sz="1100" b="0">
+                <a:solidFill>
+                  <a:srgbClr val="3B3B3B"/>
+                </a:solidFill>
+                <a:effectLst/>
+                <a:latin typeface="Consolas" panose="020B0609020204030204" pitchFamily="49" charset="0"/>
+              </a:rPr>
+              <a:t> </a:t>
+            </a:r>
+            <a:r>
+              <a:rPr lang="fr-FR" sz="1100" b="0">
+                <a:solidFill>
+                  <a:srgbClr val="AF00DB"/>
+                </a:solidFill>
+                <a:effectLst/>
+                <a:latin typeface="Consolas" panose="020B0609020204030204" pitchFamily="49" charset="0"/>
+              </a:rPr>
+              <a:t>as</a:t>
+            </a:r>
+            <a:r>
+              <a:rPr lang="fr-FR" sz="1100" b="0">
+                <a:solidFill>
+                  <a:srgbClr val="3B3B3B"/>
+                </a:solidFill>
+                <a:effectLst/>
+                <a:latin typeface="Consolas" panose="020B0609020204030204" pitchFamily="49" charset="0"/>
+              </a:rPr>
+              <a:t> </a:t>
+            </a:r>
+            <a:r>
+              <a:rPr lang="fr-FR" sz="1100" b="0">
+                <a:solidFill>
+                  <a:srgbClr val="001080"/>
+                </a:solidFill>
+                <a:effectLst/>
+                <a:latin typeface="Consolas" panose="020B0609020204030204" pitchFamily="49" charset="0"/>
+              </a:rPr>
+              <a:t>SEARCH_KEY</a:t>
+            </a:r>
+            <a:r>
+              <a:rPr lang="fr-FR" sz="1100" b="0">
+                <a:solidFill>
+                  <a:srgbClr val="3B3B3B"/>
+                </a:solidFill>
+                <a:effectLst/>
+                <a:latin typeface="Consolas" panose="020B0609020204030204" pitchFamily="49" charset="0"/>
+              </a:rPr>
+              <a:t> </a:t>
+            </a:r>
+          </a:p>
+          <a:p>
+            <a:pPr marL="457200" lvl="1" indent="0">
+              <a:lnSpc>
+                <a:spcPct val="70000"/>
+              </a:lnSpc>
+              <a:buNone/>
+            </a:pPr>
+            <a:r>
+              <a:rPr lang="fr-FR" sz="1100" b="0">
+                <a:solidFill>
+                  <a:srgbClr val="AF00DB"/>
+                </a:solidFill>
+                <a:effectLst/>
+                <a:latin typeface="Consolas" panose="020B0609020204030204" pitchFamily="49" charset="0"/>
+              </a:rPr>
+              <a:t>FROM</a:t>
+            </a:r>
+            <a:r>
+              <a:rPr lang="fr-FR" sz="1100" b="0">
+                <a:solidFill>
+                  <a:srgbClr val="3B3B3B"/>
+                </a:solidFill>
+                <a:effectLst/>
+                <a:latin typeface="Consolas" panose="020B0609020204030204" pitchFamily="49" charset="0"/>
+              </a:rPr>
+              <a:t> </a:t>
+            </a:r>
+            <a:r>
+              <a:rPr lang="fr-FR" sz="1100" b="0">
+                <a:solidFill>
+                  <a:srgbClr val="001080"/>
+                </a:solidFill>
+                <a:effectLst/>
+                <a:latin typeface="Consolas" panose="020B0609020204030204" pitchFamily="49" charset="0"/>
+              </a:rPr>
+              <a:t>REF_DEV</a:t>
+            </a:r>
+            <a:r>
+              <a:rPr lang="fr-FR" sz="1100" b="0">
+                <a:solidFill>
+                  <a:srgbClr val="3B3B3B"/>
+                </a:solidFill>
+                <a:effectLst/>
+                <a:latin typeface="Consolas" panose="020B0609020204030204" pitchFamily="49" charset="0"/>
+              </a:rPr>
+              <a:t>.</a:t>
+            </a:r>
+            <a:r>
+              <a:rPr lang="fr-FR" sz="1100" b="0">
+                <a:solidFill>
+                  <a:srgbClr val="001080"/>
+                </a:solidFill>
+                <a:effectLst/>
+                <a:latin typeface="Consolas" panose="020B0609020204030204" pitchFamily="49" charset="0"/>
+              </a:rPr>
+              <a:t>REF_GEOGRAPHIQUE</a:t>
+            </a:r>
+            <a:r>
+              <a:rPr lang="fr-FR" sz="1100" b="0">
+                <a:solidFill>
+                  <a:srgbClr val="3B3B3B"/>
+                </a:solidFill>
+                <a:effectLst/>
+                <a:latin typeface="Consolas" panose="020B0609020204030204" pitchFamily="49" charset="0"/>
+              </a:rPr>
+              <a:t>.</a:t>
+            </a:r>
+            <a:r>
+              <a:rPr lang="fr-FR" sz="1100" b="0">
+                <a:solidFill>
+                  <a:srgbClr val="001080"/>
+                </a:solidFill>
+                <a:effectLst/>
+                <a:latin typeface="Consolas" panose="020B0609020204030204" pitchFamily="49" charset="0"/>
+              </a:rPr>
+              <a:t>PLACES_DENORM</a:t>
+            </a:r>
+            <a:r>
+              <a:rPr lang="fr-FR" sz="1100" b="0">
+                <a:solidFill>
+                  <a:srgbClr val="3B3B3B"/>
+                </a:solidFill>
+                <a:effectLst/>
+                <a:latin typeface="Consolas" panose="020B0609020204030204" pitchFamily="49" charset="0"/>
+              </a:rPr>
+              <a:t> </a:t>
+            </a:r>
+            <a:r>
+              <a:rPr lang="fr-FR" sz="1100" b="0">
+                <a:solidFill>
+                  <a:srgbClr val="001080"/>
+                </a:solidFill>
+                <a:effectLst/>
+                <a:latin typeface="Consolas" panose="020B0609020204030204" pitchFamily="49" charset="0"/>
+              </a:rPr>
+              <a:t>PL</a:t>
+            </a:r>
+            <a:endParaRPr lang="fr-FR" sz="1100" b="0">
+              <a:solidFill>
+                <a:srgbClr val="3B3B3B"/>
+              </a:solidFill>
+              <a:effectLst/>
+              <a:latin typeface="Consolas" panose="020B0609020204030204" pitchFamily="49" charset="0"/>
+            </a:endParaRPr>
+          </a:p>
+          <a:p>
+            <a:pPr marL="457200" lvl="1" indent="0">
+              <a:lnSpc>
+                <a:spcPct val="70000"/>
+              </a:lnSpc>
+              <a:buNone/>
+            </a:pPr>
+            <a:r>
+              <a:rPr lang="fr-FR" sz="1100" b="0">
+                <a:solidFill>
+                  <a:srgbClr val="3B3B3B"/>
+                </a:solidFill>
+                <a:effectLst/>
+                <a:latin typeface="Consolas" panose="020B0609020204030204" pitchFamily="49" charset="0"/>
+              </a:rPr>
+              <a:t>     </a:t>
+            </a:r>
+            <a:r>
+              <a:rPr lang="fr-FR" sz="1100" b="0">
+                <a:solidFill>
+                  <a:srgbClr val="AF00DB"/>
+                </a:solidFill>
+                <a:effectLst/>
+                <a:latin typeface="Consolas" panose="020B0609020204030204" pitchFamily="49" charset="0"/>
+              </a:rPr>
+              <a:t>INNER</a:t>
+            </a:r>
+            <a:r>
+              <a:rPr lang="fr-FR" sz="1100" b="0">
+                <a:solidFill>
+                  <a:srgbClr val="3B3B3B"/>
+                </a:solidFill>
+                <a:effectLst/>
+                <a:latin typeface="Consolas" panose="020B0609020204030204" pitchFamily="49" charset="0"/>
+              </a:rPr>
+              <a:t> </a:t>
+            </a:r>
+            <a:r>
+              <a:rPr lang="fr-FR" sz="1100" b="0">
+                <a:solidFill>
+                  <a:srgbClr val="AF00DB"/>
+                </a:solidFill>
+                <a:effectLst/>
+                <a:latin typeface="Consolas" panose="020B0609020204030204" pitchFamily="49" charset="0"/>
+              </a:rPr>
+              <a:t>JOIN</a:t>
+            </a:r>
+            <a:r>
+              <a:rPr lang="fr-FR" sz="1100" b="0">
+                <a:solidFill>
+                  <a:srgbClr val="3B3B3B"/>
+                </a:solidFill>
+                <a:effectLst/>
+                <a:latin typeface="Consolas" panose="020B0609020204030204" pitchFamily="49" charset="0"/>
+              </a:rPr>
+              <a:t> </a:t>
+            </a:r>
+            <a:r>
+              <a:rPr lang="fr-FR" sz="1100" b="0">
+                <a:solidFill>
+                  <a:srgbClr val="001080"/>
+                </a:solidFill>
+                <a:effectLst/>
+                <a:latin typeface="Consolas" panose="020B0609020204030204" pitchFamily="49" charset="0"/>
+              </a:rPr>
+              <a:t>REF_DEV</a:t>
+            </a:r>
+            <a:r>
+              <a:rPr lang="fr-FR" sz="1100" b="0">
+                <a:solidFill>
+                  <a:srgbClr val="3B3B3B"/>
+                </a:solidFill>
+                <a:effectLst/>
+                <a:latin typeface="Consolas" panose="020B0609020204030204" pitchFamily="49" charset="0"/>
+              </a:rPr>
+              <a:t>.</a:t>
+            </a:r>
+            <a:r>
+              <a:rPr lang="fr-FR" sz="1100" b="0">
+                <a:solidFill>
+                  <a:srgbClr val="001080"/>
+                </a:solidFill>
+                <a:effectLst/>
+                <a:latin typeface="Consolas" panose="020B0609020204030204" pitchFamily="49" charset="0"/>
+              </a:rPr>
+              <a:t>REF_GEOGRAPHIQUE</a:t>
+            </a:r>
+            <a:r>
+              <a:rPr lang="fr-FR" sz="1100" b="0">
+                <a:solidFill>
+                  <a:srgbClr val="3B3B3B"/>
+                </a:solidFill>
+                <a:effectLst/>
+                <a:latin typeface="Consolas" panose="020B0609020204030204" pitchFamily="49" charset="0"/>
+              </a:rPr>
+              <a:t>.</a:t>
+            </a:r>
+            <a:r>
+              <a:rPr lang="fr-FR" sz="1100" b="0">
+                <a:solidFill>
+                  <a:srgbClr val="001080"/>
+                </a:solidFill>
+                <a:effectLst/>
+                <a:latin typeface="Consolas" panose="020B0609020204030204" pitchFamily="49" charset="0"/>
+              </a:rPr>
+              <a:t>DATA_LANGUAGES</a:t>
+            </a:r>
+            <a:r>
+              <a:rPr lang="fr-FR" sz="1100" b="0">
+                <a:solidFill>
+                  <a:srgbClr val="3B3B3B"/>
+                </a:solidFill>
+                <a:effectLst/>
+                <a:latin typeface="Consolas" panose="020B0609020204030204" pitchFamily="49" charset="0"/>
+              </a:rPr>
+              <a:t> </a:t>
+            </a:r>
+            <a:r>
+              <a:rPr lang="fr-FR" sz="1100" b="0">
+                <a:solidFill>
+                  <a:srgbClr val="001080"/>
+                </a:solidFill>
+                <a:effectLst/>
+                <a:latin typeface="Consolas" panose="020B0609020204030204" pitchFamily="49" charset="0"/>
+              </a:rPr>
+              <a:t>DL1</a:t>
+            </a:r>
+            <a:r>
+              <a:rPr lang="fr-FR" sz="1100" b="0">
+                <a:solidFill>
+                  <a:srgbClr val="3B3B3B"/>
+                </a:solidFill>
+                <a:effectLst/>
+                <a:latin typeface="Consolas" panose="020B0609020204030204" pitchFamily="49" charset="0"/>
+              </a:rPr>
+              <a:t> </a:t>
+            </a:r>
+            <a:r>
+              <a:rPr lang="fr-FR" sz="1100" b="0">
+                <a:solidFill>
+                  <a:srgbClr val="AF00DB"/>
+                </a:solidFill>
+                <a:effectLst/>
+                <a:latin typeface="Consolas" panose="020B0609020204030204" pitchFamily="49" charset="0"/>
+              </a:rPr>
+              <a:t>ON</a:t>
+            </a:r>
+            <a:r>
+              <a:rPr lang="fr-FR" sz="1100" b="0">
+                <a:solidFill>
+                  <a:srgbClr val="3B3B3B"/>
+                </a:solidFill>
+                <a:effectLst/>
+                <a:latin typeface="Consolas" panose="020B0609020204030204" pitchFamily="49" charset="0"/>
+              </a:rPr>
+              <a:t> (</a:t>
+            </a:r>
+            <a:r>
+              <a:rPr lang="fr-FR" sz="1100" b="0">
+                <a:solidFill>
+                  <a:srgbClr val="001080"/>
+                </a:solidFill>
+                <a:effectLst/>
+                <a:latin typeface="Consolas" panose="020B0609020204030204" pitchFamily="49" charset="0"/>
+              </a:rPr>
+              <a:t>PL</a:t>
+            </a:r>
+            <a:r>
+              <a:rPr lang="fr-FR" sz="1100" b="0">
+                <a:solidFill>
+                  <a:srgbClr val="3B3B3B"/>
+                </a:solidFill>
+                <a:effectLst/>
+                <a:latin typeface="Consolas" panose="020B0609020204030204" pitchFamily="49" charset="0"/>
+              </a:rPr>
+              <a:t>.</a:t>
+            </a:r>
+            <a:r>
+              <a:rPr lang="fr-FR" sz="1100" b="0">
+                <a:solidFill>
+                  <a:srgbClr val="001080"/>
+                </a:solidFill>
+                <a:effectLst/>
+                <a:latin typeface="Consolas" panose="020B0609020204030204" pitchFamily="49" charset="0"/>
+              </a:rPr>
+              <a:t>ISO</a:t>
+            </a:r>
+            <a:r>
+              <a:rPr lang="fr-FR" sz="1100" b="0">
+                <a:solidFill>
+                  <a:srgbClr val="3B3B3B"/>
+                </a:solidFill>
+                <a:effectLst/>
+                <a:latin typeface="Consolas" panose="020B0609020204030204" pitchFamily="49" charset="0"/>
+              </a:rPr>
+              <a:t> = </a:t>
+            </a:r>
+            <a:r>
+              <a:rPr lang="fr-FR" sz="1100" b="0">
+                <a:solidFill>
+                  <a:srgbClr val="001080"/>
+                </a:solidFill>
+                <a:effectLst/>
+                <a:latin typeface="Consolas" panose="020B0609020204030204" pitchFamily="49" charset="0"/>
+              </a:rPr>
+              <a:t>DL1</a:t>
+            </a:r>
+            <a:r>
+              <a:rPr lang="fr-FR" sz="1100" b="0">
+                <a:solidFill>
+                  <a:srgbClr val="3B3B3B"/>
+                </a:solidFill>
+                <a:effectLst/>
+                <a:latin typeface="Consolas" panose="020B0609020204030204" pitchFamily="49" charset="0"/>
+              </a:rPr>
+              <a:t>.</a:t>
+            </a:r>
+            <a:r>
+              <a:rPr lang="fr-FR" sz="1100" b="0">
+                <a:solidFill>
+                  <a:srgbClr val="001080"/>
+                </a:solidFill>
+                <a:effectLst/>
+                <a:latin typeface="Consolas" panose="020B0609020204030204" pitchFamily="49" charset="0"/>
+              </a:rPr>
+              <a:t>ISO</a:t>
+            </a:r>
+            <a:r>
+              <a:rPr lang="fr-FR" sz="1100" b="0">
+                <a:solidFill>
+                  <a:srgbClr val="3B3B3B"/>
+                </a:solidFill>
+                <a:effectLst/>
+                <a:latin typeface="Consolas" panose="020B0609020204030204" pitchFamily="49" charset="0"/>
+              </a:rPr>
+              <a:t>)</a:t>
+            </a:r>
+          </a:p>
+          <a:p>
+            <a:pPr marL="457200" lvl="1" indent="0">
+              <a:lnSpc>
+                <a:spcPct val="70000"/>
+              </a:lnSpc>
+              <a:buNone/>
+            </a:pPr>
+            <a:r>
+              <a:rPr lang="fr-FR" sz="1100" b="0">
+                <a:solidFill>
+                  <a:srgbClr val="AF00DB"/>
+                </a:solidFill>
+                <a:effectLst/>
+                <a:latin typeface="Consolas" panose="020B0609020204030204" pitchFamily="49" charset="0"/>
+              </a:rPr>
+              <a:t>WHERE</a:t>
+            </a:r>
+            <a:r>
+              <a:rPr lang="fr-FR" sz="1100" b="0">
+                <a:solidFill>
+                  <a:srgbClr val="3B3B3B"/>
+                </a:solidFill>
+                <a:effectLst/>
+                <a:latin typeface="Consolas" panose="020B0609020204030204" pitchFamily="49" charset="0"/>
+              </a:rPr>
+              <a:t> </a:t>
+            </a:r>
+            <a:r>
+              <a:rPr lang="fr-FR" sz="1100" b="0">
+                <a:solidFill>
+                  <a:srgbClr val="001080"/>
+                </a:solidFill>
+                <a:effectLst/>
+                <a:latin typeface="Consolas" panose="020B0609020204030204" pitchFamily="49" charset="0"/>
+              </a:rPr>
+              <a:t>IS_POSTAL</a:t>
+            </a:r>
+            <a:r>
+              <a:rPr lang="fr-FR" sz="1100" b="0">
+                <a:solidFill>
+                  <a:srgbClr val="3B3B3B"/>
+                </a:solidFill>
+                <a:effectLst/>
+                <a:latin typeface="Consolas" panose="020B0609020204030204" pitchFamily="49" charset="0"/>
+              </a:rPr>
+              <a:t>=</a:t>
+            </a:r>
+            <a:r>
+              <a:rPr lang="fr-FR" sz="1100" b="0">
+                <a:solidFill>
+                  <a:srgbClr val="001080"/>
+                </a:solidFill>
+                <a:effectLst/>
+                <a:latin typeface="Consolas" panose="020B0609020204030204" pitchFamily="49" charset="0"/>
+              </a:rPr>
+              <a:t>1</a:t>
+            </a:r>
+            <a:endParaRPr lang="fr-FR" sz="1100" b="0">
+              <a:solidFill>
+                <a:srgbClr val="3B3B3B"/>
+              </a:solidFill>
+              <a:effectLst/>
+              <a:latin typeface="Consolas" panose="020B0609020204030204" pitchFamily="49" charset="0"/>
+            </a:endParaRPr>
+          </a:p>
+          <a:p>
+            <a:pPr marL="457200" lvl="1" indent="0">
+              <a:lnSpc>
+                <a:spcPct val="70000"/>
+              </a:lnSpc>
+              <a:buNone/>
+            </a:pPr>
+            <a:r>
+              <a:rPr lang="fr-FR" sz="1100" b="0">
+                <a:solidFill>
+                  <a:srgbClr val="001080"/>
+                </a:solidFill>
+                <a:effectLst/>
+                <a:latin typeface="Consolas" panose="020B0609020204030204" pitchFamily="49" charset="0"/>
+              </a:rPr>
+              <a:t>ORDER</a:t>
+            </a:r>
+            <a:r>
+              <a:rPr lang="fr-FR" sz="1100" b="0">
+                <a:solidFill>
+                  <a:srgbClr val="AF00DB"/>
+                </a:solidFill>
+                <a:effectLst/>
+                <a:latin typeface="Consolas" panose="020B0609020204030204" pitchFamily="49" charset="0"/>
+              </a:rPr>
+              <a:t> BY</a:t>
+            </a:r>
+            <a:r>
+              <a:rPr lang="fr-FR" sz="1100" b="0">
+                <a:solidFill>
+                  <a:srgbClr val="3B3B3B"/>
+                </a:solidFill>
+                <a:effectLst/>
+                <a:latin typeface="Consolas" panose="020B0609020204030204" pitchFamily="49" charset="0"/>
+              </a:rPr>
+              <a:t> </a:t>
+            </a:r>
+            <a:r>
+              <a:rPr lang="fr-FR" sz="1100" b="0">
+                <a:solidFill>
+                  <a:srgbClr val="001080"/>
+                </a:solidFill>
+                <a:effectLst/>
+                <a:latin typeface="Consolas" panose="020B0609020204030204" pitchFamily="49" charset="0"/>
+              </a:rPr>
+              <a:t>SEARCH_KEY</a:t>
+            </a:r>
+            <a:endParaRPr lang="fr-FR" sz="1100" b="0">
+              <a:solidFill>
+                <a:srgbClr val="3B3B3B"/>
+              </a:solidFill>
+              <a:effectLst/>
+              <a:latin typeface="Consolas" panose="020B0609020204030204" pitchFamily="49" charset="0"/>
+            </a:endParaRPr>
           </a:p>
           <a:p>
             <a:pPr marL="457200" lvl="1" indent="0">
@@ -10380,6 +12854,59 @@
               <a:effectLst/>
               <a:latin typeface="Consolas" panose="020B0609020204030204" pitchFamily="49" charset="0"/>
             </a:endParaRPr>
+          </a:p>
+        </p:txBody>
+      </p:sp>
+      <p:sp>
+        <p:nvSpPr>
+          <p:cNvPr id="2" name="Légende : encadrée à une bordure 1">
+            <a:extLst>
+              <a:ext uri="{FF2B5EF4-FFF2-40B4-BE49-F238E27FC236}">
+                <a16:creationId xmlns:a16="http://schemas.microsoft.com/office/drawing/2014/main" id="{F407BD2E-DA92-4E12-C78E-888AE9AEB870}"/>
+              </a:ext>
+            </a:extLst>
+          </p:cNvPr>
+          <p:cNvSpPr/>
+          <p:nvPr/>
+        </p:nvSpPr>
+        <p:spPr>
+          <a:xfrm>
+            <a:off x="8688288" y="5085184"/>
+            <a:ext cx="1224136" cy="432048"/>
+          </a:xfrm>
+          <a:prstGeom prst="accentCallout1">
+            <a:avLst>
+              <a:gd name="adj1" fmla="val 18750"/>
+              <a:gd name="adj2" fmla="val -8333"/>
+              <a:gd name="adj3" fmla="val -62013"/>
+              <a:gd name="adj4" fmla="val -73692"/>
+            </a:avLst>
+          </a:prstGeom>
+          <a:ln/>
+        </p:spPr>
+        <p:style>
+          <a:lnRef idx="2">
+            <a:schemeClr val="dk1"/>
+          </a:lnRef>
+          <a:fillRef idx="1">
+            <a:schemeClr val="lt1"/>
+          </a:fillRef>
+          <a:effectRef idx="0">
+            <a:schemeClr val="dk1"/>
+          </a:effectRef>
+          <a:fontRef idx="minor">
+            <a:schemeClr val="dk1"/>
+          </a:fontRef>
+        </p:style>
+        <p:txBody>
+          <a:bodyPr rtlCol="0" anchor="ctr"/>
+          <a:lstStyle/>
+          <a:p>
+            <a:pPr algn="ctr"/>
+            <a:r>
+              <a:rPr lang="fr-FR" sz="1400"/>
+              <a:t>Dédoublonne les espaces</a:t>
+            </a:r>
           </a:p>
         </p:txBody>
       </p:sp>
@@ -10397,6 +12924,2308 @@
 </file>
 
 <file path=ppt/slides/slide6.xml><?xml version="1.0" encoding="utf-8"?>
+<p:sld xmlns:a="http://schemas.openxmlformats.org/drawingml/2006/main" xmlns:r="http://schemas.openxmlformats.org/officeDocument/2006/relationships" xmlns:p="http://schemas.openxmlformats.org/presentationml/2006/main">
+  <p:cSld>
+    <p:spTree>
+      <p:nvGrpSpPr>
+        <p:cNvPr id="1" name="Shape 2679">
+          <a:extLst>
+            <a:ext uri="{FF2B5EF4-FFF2-40B4-BE49-F238E27FC236}">
+              <a16:creationId xmlns:a16="http://schemas.microsoft.com/office/drawing/2014/main" id="{AA8432F0-7CE2-FAAD-4517-A8E6427AB85B}"/>
+            </a:ext>
+          </a:extLst>
+        </p:cNvPr>
+        <p:cNvGrpSpPr/>
+        <p:nvPr/>
+      </p:nvGrpSpPr>
+      <p:grpSpPr>
+        <a:xfrm>
+          <a:off x="0" y="0"/>
+          <a:ext cx="0" cy="0"/>
+          <a:chOff x="0" y="0"/>
+          <a:chExt cx="0" cy="0"/>
+        </a:xfrm>
+      </p:grpSpPr>
+      <p:sp>
+        <p:nvSpPr>
+          <p:cNvPr id="2772" name="Google Shape;2772;p117">
+            <a:extLst>
+              <a:ext uri="{FF2B5EF4-FFF2-40B4-BE49-F238E27FC236}">
+                <a16:creationId xmlns:a16="http://schemas.microsoft.com/office/drawing/2014/main" id="{5B58DEA3-4AC2-D3C9-229A-A41E673AC088}"/>
+              </a:ext>
+            </a:extLst>
+          </p:cNvPr>
+          <p:cNvSpPr txBox="1"/>
+          <p:nvPr/>
+        </p:nvSpPr>
+        <p:spPr>
+          <a:xfrm>
+            <a:off x="213833" y="0"/>
+            <a:ext cx="11793200" cy="527200"/>
+          </a:xfrm>
+          <a:prstGeom prst="rect">
+            <a:avLst/>
+          </a:prstGeom>
+          <a:noFill/>
+          <a:ln>
+            <a:noFill/>
+          </a:ln>
+        </p:spPr>
+        <p:txBody>
+          <a:bodyPr spcFirstLastPara="1" wrap="square" lIns="121900" tIns="121900" rIns="121900" bIns="121900" anchor="t" anchorCtr="0">
+            <a:noAutofit/>
+          </a:bodyPr>
+          <a:lstStyle/>
+          <a:p>
+            <a:pPr marL="0" marR="0" lvl="0" indent="0" algn="l" defTabSz="914400" rtl="0" eaLnBrk="1" fontAlgn="auto" latinLnBrk="0" hangingPunct="1">
+              <a:lnSpc>
+                <a:spcPct val="115000"/>
+              </a:lnSpc>
+              <a:spcBef>
+                <a:spcPts val="0"/>
+              </a:spcBef>
+              <a:spcAft>
+                <a:spcPts val="0"/>
+              </a:spcAft>
+              <a:buClrTx/>
+              <a:buSzTx/>
+              <a:buFontTx/>
+              <a:buNone/>
+              <a:tabLst/>
+              <a:defRPr/>
+            </a:pPr>
+            <a:r>
+              <a:rPr lang="fr-FR" sz="2400" b="1">
+                <a:solidFill>
+                  <a:srgbClr val="595959"/>
+                </a:solidFill>
+                <a:latin typeface="Arial Black"/>
+                <a:ea typeface="Arial Black"/>
+                <a:cs typeface="Arial Black"/>
+                <a:sym typeface="Arial Black"/>
+              </a:rPr>
+              <a:t>Cas d’étude pour la gestion de la casse et des caractères spéciaux</a:t>
+            </a:r>
+            <a:endParaRPr kumimoji="0" lang="fr-FR" sz="2400" b="1" i="0" u="none" strike="noStrike" kern="1200" cap="none" spc="0" normalizeH="0" baseline="0" noProof="0">
+              <a:ln>
+                <a:noFill/>
+              </a:ln>
+              <a:solidFill>
+                <a:srgbClr val="595959"/>
+              </a:solidFill>
+              <a:effectLst/>
+              <a:uLnTx/>
+              <a:uFillTx/>
+              <a:latin typeface="Arial Black"/>
+              <a:ea typeface="Arial Black"/>
+              <a:cs typeface="Arial Black"/>
+              <a:sym typeface="Arial Black"/>
+            </a:endParaRPr>
+          </a:p>
+          <a:p>
+            <a:pPr marL="0" marR="0" lvl="0" indent="0" algn="l" defTabSz="914400" rtl="0" eaLnBrk="1" fontAlgn="auto" latinLnBrk="0" hangingPunct="1">
+              <a:lnSpc>
+                <a:spcPct val="115000"/>
+              </a:lnSpc>
+              <a:spcBef>
+                <a:spcPts val="0"/>
+              </a:spcBef>
+              <a:spcAft>
+                <a:spcPts val="0"/>
+              </a:spcAft>
+              <a:buClrTx/>
+              <a:buSzTx/>
+              <a:buFontTx/>
+              <a:buNone/>
+              <a:tabLst/>
+              <a:defRPr/>
+            </a:pPr>
+            <a:endParaRPr kumimoji="0" lang="fr-FR" sz="2400" b="1" i="0" u="none" strike="noStrike" kern="1200" cap="none" spc="0" normalizeH="0" baseline="0" noProof="0">
+              <a:ln>
+                <a:noFill/>
+              </a:ln>
+              <a:solidFill>
+                <a:srgbClr val="595959"/>
+              </a:solidFill>
+              <a:effectLst/>
+              <a:uLnTx/>
+              <a:uFillTx/>
+              <a:latin typeface="Arial Black"/>
+              <a:ea typeface="Arial Black"/>
+              <a:cs typeface="Arial Black"/>
+              <a:sym typeface="Arial Black"/>
+            </a:endParaRPr>
+          </a:p>
+        </p:txBody>
+      </p:sp>
+      <p:sp>
+        <p:nvSpPr>
+          <p:cNvPr id="3" name="Espace réservé du contenu 4">
+            <a:extLst>
+              <a:ext uri="{FF2B5EF4-FFF2-40B4-BE49-F238E27FC236}">
+                <a16:creationId xmlns:a16="http://schemas.microsoft.com/office/drawing/2014/main" id="{3C87479C-3591-6B05-D95F-80987B29FD2B}"/>
+              </a:ext>
+            </a:extLst>
+          </p:cNvPr>
+          <p:cNvSpPr txBox="1">
+            <a:spLocks/>
+          </p:cNvSpPr>
+          <p:nvPr/>
+        </p:nvSpPr>
+        <p:spPr>
+          <a:xfrm>
+            <a:off x="213832" y="825402"/>
+            <a:ext cx="11793200" cy="5627934"/>
+          </a:xfrm>
+          <a:prstGeom prst="rect">
+            <a:avLst/>
+          </a:prstGeom>
+        </p:spPr>
+        <p:txBody>
+          <a:bodyPr>
+            <a:normAutofit lnSpcReduction="10000"/>
+          </a:bodyPr>
+          <a:lstStyle>
+            <a:lvl1pPr marL="228600" indent="-228600" algn="l" defTabSz="914400" rtl="0" eaLnBrk="1" latinLnBrk="0" hangingPunct="1">
+              <a:lnSpc>
+                <a:spcPct val="90000"/>
+              </a:lnSpc>
+              <a:spcBef>
+                <a:spcPts val="1000"/>
+              </a:spcBef>
+              <a:buFont typeface="Arial" panose="020B0604020202020204" pitchFamily="34" charset="0"/>
+              <a:buChar char="•"/>
+              <a:defRPr sz="2800" kern="1200">
+                <a:solidFill>
+                  <a:schemeClr val="tx1"/>
+                </a:solidFill>
+                <a:latin typeface="+mn-lt"/>
+                <a:ea typeface="+mn-ea"/>
+                <a:cs typeface="+mn-cs"/>
+              </a:defRPr>
+            </a:lvl1pPr>
+            <a:lvl2pPr marL="685800" indent="-228600" algn="l" defTabSz="914400" rtl="0" eaLnBrk="1" latinLnBrk="0" hangingPunct="1">
+              <a:lnSpc>
+                <a:spcPct val="90000"/>
+              </a:lnSpc>
+              <a:spcBef>
+                <a:spcPts val="500"/>
+              </a:spcBef>
+              <a:buFont typeface="Arial" panose="020B0604020202020204" pitchFamily="34" charset="0"/>
+              <a:buChar char="•"/>
+              <a:defRPr sz="2400" kern="1200">
+                <a:solidFill>
+                  <a:schemeClr val="tx1"/>
+                </a:solidFill>
+                <a:latin typeface="+mn-lt"/>
+                <a:ea typeface="+mn-ea"/>
+                <a:cs typeface="+mn-cs"/>
+              </a:defRPr>
+            </a:lvl2pPr>
+            <a:lvl3pPr marL="1143000" indent="-228600" algn="l" defTabSz="914400" rtl="0" eaLnBrk="1" latinLnBrk="0" hangingPunct="1">
+              <a:lnSpc>
+                <a:spcPct val="90000"/>
+              </a:lnSpc>
+              <a:spcBef>
+                <a:spcPts val="500"/>
+              </a:spcBef>
+              <a:buFont typeface="Arial" panose="020B0604020202020204" pitchFamily="34" charset="0"/>
+              <a:buChar char="•"/>
+              <a:defRPr sz="2000" kern="1200">
+                <a:solidFill>
+                  <a:schemeClr val="tx1"/>
+                </a:solidFill>
+                <a:latin typeface="+mn-lt"/>
+                <a:ea typeface="+mn-ea"/>
+                <a:cs typeface="+mn-cs"/>
+              </a:defRPr>
+            </a:lvl3pPr>
+            <a:lvl4pPr marL="1600200" indent="-228600" algn="l" defTabSz="914400" rtl="0" eaLnBrk="1" latinLnBrk="0" hangingPunct="1">
+              <a:lnSpc>
+                <a:spcPct val="90000"/>
+              </a:lnSpc>
+              <a:spcBef>
+                <a:spcPts val="500"/>
+              </a:spcBef>
+              <a:buFont typeface="Arial" panose="020B0604020202020204" pitchFamily="34" charset="0"/>
+              <a:buChar char="•"/>
+              <a:defRPr sz="1800" kern="1200">
+                <a:solidFill>
+                  <a:schemeClr val="tx1"/>
+                </a:solidFill>
+                <a:latin typeface="+mn-lt"/>
+                <a:ea typeface="+mn-ea"/>
+                <a:cs typeface="+mn-cs"/>
+              </a:defRPr>
+            </a:lvl4pPr>
+            <a:lvl5pPr marL="2057400" indent="-228600" algn="l" defTabSz="914400" rtl="0" eaLnBrk="1" latinLnBrk="0" hangingPunct="1">
+              <a:lnSpc>
+                <a:spcPct val="90000"/>
+              </a:lnSpc>
+              <a:spcBef>
+                <a:spcPts val="500"/>
+              </a:spcBef>
+              <a:buFont typeface="Arial" panose="020B0604020202020204" pitchFamily="34" charset="0"/>
+              <a:buChar char="•"/>
+              <a:defRPr sz="1800" kern="1200">
+                <a:solidFill>
+                  <a:schemeClr val="tx1"/>
+                </a:solidFill>
+                <a:latin typeface="+mn-lt"/>
+                <a:ea typeface="+mn-ea"/>
+                <a:cs typeface="+mn-cs"/>
+              </a:defRPr>
+            </a:lvl5pPr>
+            <a:lvl6pPr marL="2514600" indent="-228600" algn="l" defTabSz="914400" rtl="0" eaLnBrk="1" latinLnBrk="0" hangingPunct="1">
+              <a:lnSpc>
+                <a:spcPct val="90000"/>
+              </a:lnSpc>
+              <a:spcBef>
+                <a:spcPts val="500"/>
+              </a:spcBef>
+              <a:buFont typeface="Arial" panose="020B0604020202020204" pitchFamily="34" charset="0"/>
+              <a:buChar char="•"/>
+              <a:defRPr sz="1800" kern="1200">
+                <a:solidFill>
+                  <a:schemeClr val="tx1"/>
+                </a:solidFill>
+                <a:latin typeface="+mn-lt"/>
+                <a:ea typeface="+mn-ea"/>
+                <a:cs typeface="+mn-cs"/>
+              </a:defRPr>
+            </a:lvl6pPr>
+            <a:lvl7pPr marL="2971800" indent="-228600" algn="l" defTabSz="914400" rtl="0" eaLnBrk="1" latinLnBrk="0" hangingPunct="1">
+              <a:lnSpc>
+                <a:spcPct val="90000"/>
+              </a:lnSpc>
+              <a:spcBef>
+                <a:spcPts val="500"/>
+              </a:spcBef>
+              <a:buFont typeface="Arial" panose="020B0604020202020204" pitchFamily="34" charset="0"/>
+              <a:buChar char="•"/>
+              <a:defRPr sz="1800" kern="1200">
+                <a:solidFill>
+                  <a:schemeClr val="tx1"/>
+                </a:solidFill>
+                <a:latin typeface="+mn-lt"/>
+                <a:ea typeface="+mn-ea"/>
+                <a:cs typeface="+mn-cs"/>
+              </a:defRPr>
+            </a:lvl7pPr>
+            <a:lvl8pPr marL="3429000" indent="-228600" algn="l" defTabSz="914400" rtl="0" eaLnBrk="1" latinLnBrk="0" hangingPunct="1">
+              <a:lnSpc>
+                <a:spcPct val="90000"/>
+              </a:lnSpc>
+              <a:spcBef>
+                <a:spcPts val="500"/>
+              </a:spcBef>
+              <a:buFont typeface="Arial" panose="020B0604020202020204" pitchFamily="34" charset="0"/>
+              <a:buChar char="•"/>
+              <a:defRPr sz="1800" kern="1200">
+                <a:solidFill>
+                  <a:schemeClr val="tx1"/>
+                </a:solidFill>
+                <a:latin typeface="+mn-lt"/>
+                <a:ea typeface="+mn-ea"/>
+                <a:cs typeface="+mn-cs"/>
+              </a:defRPr>
+            </a:lvl8pPr>
+            <a:lvl9pPr marL="3886200" indent="-228600" algn="l" defTabSz="914400" rtl="0" eaLnBrk="1" latinLnBrk="0" hangingPunct="1">
+              <a:lnSpc>
+                <a:spcPct val="90000"/>
+              </a:lnSpc>
+              <a:spcBef>
+                <a:spcPts val="500"/>
+              </a:spcBef>
+              <a:buFont typeface="Arial" panose="020B0604020202020204" pitchFamily="34" charset="0"/>
+              <a:buChar char="•"/>
+              <a:defRPr sz="1800" kern="1200">
+                <a:solidFill>
+                  <a:schemeClr val="tx1"/>
+                </a:solidFill>
+                <a:latin typeface="+mn-lt"/>
+                <a:ea typeface="+mn-ea"/>
+                <a:cs typeface="+mn-cs"/>
+              </a:defRPr>
+            </a:lvl9pPr>
+          </a:lstStyle>
+          <a:p>
+            <a:pPr marL="0" marR="0" lvl="0" indent="0" algn="l" defTabSz="914400" rtl="0" eaLnBrk="1" fontAlgn="auto" latinLnBrk="0" hangingPunct="1">
+              <a:lnSpc>
+                <a:spcPct val="90000"/>
+              </a:lnSpc>
+              <a:spcBef>
+                <a:spcPts val="1000"/>
+              </a:spcBef>
+              <a:spcAft>
+                <a:spcPts val="0"/>
+              </a:spcAft>
+              <a:buClrTx/>
+              <a:buSzTx/>
+              <a:buNone/>
+              <a:tabLst/>
+              <a:defRPr/>
+            </a:pPr>
+            <a:r>
+              <a:rPr lang="fr-FR" sz="2000" b="1">
+                <a:solidFill>
+                  <a:schemeClr val="accent1">
+                    <a:lumMod val="50000"/>
+                  </a:schemeClr>
+                </a:solidFill>
+                <a:latin typeface="Arial" panose="020B0604020202020204" pitchFamily="34" charset="0"/>
+                <a:cs typeface="Arial" panose="020B0604020202020204" pitchFamily="34" charset="0"/>
+              </a:rPr>
+              <a:t>Impact sur la procédure stockée appelante</a:t>
+            </a:r>
+          </a:p>
+          <a:p>
+            <a:pPr lvl="1"/>
+            <a:r>
+              <a:rPr lang="en-US" sz="1600" b="1">
+                <a:solidFill>
+                  <a:schemeClr val="accent1">
+                    <a:lumMod val="50000"/>
+                  </a:schemeClr>
+                </a:solidFill>
+                <a:latin typeface="Arial" panose="020B0604020202020204" pitchFamily="34" charset="0"/>
+                <a:cs typeface="Arial" panose="020B0604020202020204" pitchFamily="34" charset="0"/>
+              </a:rPr>
+              <a:t>Code la PS : </a:t>
+            </a:r>
+            <a:r>
+              <a:rPr lang="en-US" sz="1400">
+                <a:solidFill>
+                  <a:srgbClr val="001080"/>
+                </a:solidFill>
+                <a:latin typeface="Consolas" panose="020B0609020204030204" pitchFamily="49" charset="0"/>
+              </a:rPr>
+              <a:t>GET_ZIP_AND_PLACE_FROM_COUNTRY_AND_PLACE_SEARCH</a:t>
+            </a:r>
+          </a:p>
+          <a:p>
+            <a:pPr lvl="1">
+              <a:defRPr/>
+            </a:pPr>
+            <a:r>
+              <a:rPr lang="fr-FR" sz="1600" b="1">
+                <a:solidFill>
+                  <a:schemeClr val="accent1">
+                    <a:lumMod val="50000"/>
+                  </a:schemeClr>
+                </a:solidFill>
+                <a:latin typeface="Arial" panose="020B0604020202020204" pitchFamily="34" charset="0"/>
+                <a:cs typeface="Arial" panose="020B0604020202020204" pitchFamily="34" charset="0"/>
+              </a:rPr>
+              <a:t>A la rescourse avec la fonction </a:t>
+            </a:r>
+            <a:r>
+              <a:rPr lang="fr-FR" sz="1400" b="0">
+                <a:solidFill>
+                  <a:srgbClr val="001080"/>
+                </a:solidFill>
+                <a:effectLst/>
+                <a:latin typeface="Consolas" panose="020B0609020204030204" pitchFamily="49" charset="0"/>
+              </a:rPr>
+              <a:t>REMOVE_SPECIAL_CHARS</a:t>
+            </a:r>
+            <a:endParaRPr lang="fr-FR" sz="1400" b="0">
+              <a:solidFill>
+                <a:srgbClr val="3B3B3B"/>
+              </a:solidFill>
+              <a:effectLst/>
+              <a:latin typeface="Consolas" panose="020B0609020204030204" pitchFamily="49" charset="0"/>
+            </a:endParaRPr>
+          </a:p>
+          <a:p>
+            <a:pPr marL="0" indent="0">
+              <a:lnSpc>
+                <a:spcPct val="60000"/>
+              </a:lnSpc>
+              <a:buNone/>
+            </a:pPr>
+            <a:r>
+              <a:rPr lang="fr-FR" sz="1000" b="0">
+                <a:solidFill>
+                  <a:srgbClr val="AF00DB"/>
+                </a:solidFill>
+                <a:effectLst/>
+                <a:latin typeface="Consolas" panose="020B0609020204030204" pitchFamily="49" charset="0"/>
+              </a:rPr>
+              <a:t>CREATE OR REPLACE PROCEDURE</a:t>
+            </a:r>
+            <a:r>
+              <a:rPr lang="fr-FR" sz="1000" b="0">
+                <a:solidFill>
+                  <a:srgbClr val="3B3B3B"/>
+                </a:solidFill>
+                <a:effectLst/>
+                <a:latin typeface="Consolas" panose="020B0609020204030204" pitchFamily="49" charset="0"/>
+              </a:rPr>
+              <a:t> </a:t>
+            </a:r>
+            <a:r>
+              <a:rPr lang="fr-FR" sz="1000" b="0">
+                <a:solidFill>
+                  <a:srgbClr val="001080"/>
+                </a:solidFill>
+                <a:effectLst/>
+                <a:latin typeface="Consolas" panose="020B0609020204030204" pitchFamily="49" charset="0"/>
+              </a:rPr>
+              <a:t>REF_DEV</a:t>
+            </a:r>
+            <a:r>
+              <a:rPr lang="fr-FR" sz="1000" b="0">
+                <a:solidFill>
+                  <a:srgbClr val="3B3B3B"/>
+                </a:solidFill>
+                <a:effectLst/>
+                <a:latin typeface="Consolas" panose="020B0609020204030204" pitchFamily="49" charset="0"/>
+              </a:rPr>
+              <a:t>.</a:t>
+            </a:r>
+            <a:r>
+              <a:rPr lang="fr-FR" sz="1000" b="0">
+                <a:solidFill>
+                  <a:srgbClr val="001080"/>
+                </a:solidFill>
+                <a:effectLst/>
+                <a:latin typeface="Consolas" panose="020B0609020204030204" pitchFamily="49" charset="0"/>
+              </a:rPr>
+              <a:t>PUBLIC</a:t>
+            </a:r>
+            <a:r>
+              <a:rPr lang="fr-FR" sz="1000" b="0">
+                <a:solidFill>
+                  <a:srgbClr val="3B3B3B"/>
+                </a:solidFill>
+                <a:effectLst/>
+                <a:latin typeface="Consolas" panose="020B0609020204030204" pitchFamily="49" charset="0"/>
+              </a:rPr>
+              <a:t>.</a:t>
+            </a:r>
+            <a:r>
+              <a:rPr lang="fr-FR" sz="1000" b="0">
+                <a:solidFill>
+                  <a:srgbClr val="001080"/>
+                </a:solidFill>
+                <a:effectLst/>
+                <a:latin typeface="Consolas" panose="020B0609020204030204" pitchFamily="49" charset="0"/>
+              </a:rPr>
+              <a:t>GET_ZIP_AND_PLACE_FROM_COUNTRY_AND_PLACE_SEARCH</a:t>
+            </a:r>
+            <a:r>
+              <a:rPr lang="fr-FR" sz="1000" b="0">
+                <a:solidFill>
+                  <a:srgbClr val="3B3B3B"/>
+                </a:solidFill>
+                <a:effectLst/>
+                <a:latin typeface="Consolas" panose="020B0609020204030204" pitchFamily="49" charset="0"/>
+              </a:rPr>
+              <a:t>("COUNTRY" </a:t>
+            </a:r>
+            <a:r>
+              <a:rPr lang="fr-FR" sz="1000" b="0">
+                <a:solidFill>
+                  <a:srgbClr val="AF00DB"/>
+                </a:solidFill>
+                <a:effectLst/>
+                <a:latin typeface="Consolas" panose="020B0609020204030204" pitchFamily="49" charset="0"/>
+              </a:rPr>
+              <a:t>VARCHAR</a:t>
+            </a:r>
+            <a:r>
+              <a:rPr lang="fr-FR" sz="1000" b="0">
+                <a:solidFill>
+                  <a:srgbClr val="3B3B3B"/>
+                </a:solidFill>
+                <a:effectLst/>
+                <a:latin typeface="Consolas" panose="020B0609020204030204" pitchFamily="49" charset="0"/>
+              </a:rPr>
+              <a:t>(2), "INPUT_PLACE" </a:t>
+            </a:r>
+            <a:r>
+              <a:rPr lang="fr-FR" sz="1000" b="0">
+                <a:solidFill>
+                  <a:srgbClr val="AF00DB"/>
+                </a:solidFill>
+                <a:effectLst/>
+                <a:latin typeface="Consolas" panose="020B0609020204030204" pitchFamily="49" charset="0"/>
+              </a:rPr>
+              <a:t>VARCHAR</a:t>
+            </a:r>
+            <a:r>
+              <a:rPr lang="fr-FR" sz="1000" b="0">
+                <a:solidFill>
+                  <a:srgbClr val="3B3B3B"/>
+                </a:solidFill>
+                <a:effectLst/>
+                <a:latin typeface="Consolas" panose="020B0609020204030204" pitchFamily="49" charset="0"/>
+              </a:rPr>
+              <a:t>(16777216))</a:t>
+            </a:r>
+          </a:p>
+          <a:p>
+            <a:pPr marL="0" indent="0">
+              <a:lnSpc>
+                <a:spcPct val="60000"/>
+              </a:lnSpc>
+              <a:buNone/>
+            </a:pPr>
+            <a:r>
+              <a:rPr lang="fr-FR" sz="1000" b="0">
+                <a:solidFill>
+                  <a:srgbClr val="AF00DB"/>
+                </a:solidFill>
+                <a:effectLst/>
+                <a:latin typeface="Consolas" panose="020B0609020204030204" pitchFamily="49" charset="0"/>
+              </a:rPr>
+              <a:t>RETURNS</a:t>
+            </a:r>
+            <a:r>
+              <a:rPr lang="fr-FR" sz="1000" b="0">
+                <a:solidFill>
+                  <a:srgbClr val="3B3B3B"/>
+                </a:solidFill>
+                <a:effectLst/>
+                <a:latin typeface="Consolas" panose="020B0609020204030204" pitchFamily="49" charset="0"/>
+              </a:rPr>
+              <a:t> </a:t>
+            </a:r>
+            <a:r>
+              <a:rPr lang="fr-FR" sz="1000" b="0">
+                <a:solidFill>
+                  <a:srgbClr val="AF00DB"/>
+                </a:solidFill>
+                <a:effectLst/>
+                <a:latin typeface="Consolas" panose="020B0609020204030204" pitchFamily="49" charset="0"/>
+              </a:rPr>
+              <a:t>TABLE</a:t>
+            </a:r>
+            <a:r>
+              <a:rPr lang="fr-FR" sz="1000" b="0">
+                <a:solidFill>
+                  <a:srgbClr val="3B3B3B"/>
+                </a:solidFill>
+                <a:effectLst/>
+                <a:latin typeface="Consolas" panose="020B0609020204030204" pitchFamily="49" charset="0"/>
+              </a:rPr>
+              <a:t> ("PLACES_ID" </a:t>
+            </a:r>
+            <a:r>
+              <a:rPr lang="fr-FR" sz="1000" b="0">
+                <a:solidFill>
+                  <a:srgbClr val="AF00DB"/>
+                </a:solidFill>
+                <a:effectLst/>
+                <a:latin typeface="Consolas" panose="020B0609020204030204" pitchFamily="49" charset="0"/>
+              </a:rPr>
+              <a:t>NUMBER</a:t>
+            </a:r>
+            <a:r>
+              <a:rPr lang="fr-FR" sz="1000" b="0">
+                <a:solidFill>
+                  <a:srgbClr val="3B3B3B"/>
+                </a:solidFill>
+                <a:effectLst/>
+                <a:latin typeface="Consolas" panose="020B0609020204030204" pitchFamily="49" charset="0"/>
+              </a:rPr>
+              <a:t>(38,0), "POSTCODE" </a:t>
+            </a:r>
+            <a:r>
+              <a:rPr lang="fr-FR" sz="1000" b="0">
+                <a:solidFill>
+                  <a:srgbClr val="AF00DB"/>
+                </a:solidFill>
+                <a:effectLst/>
+                <a:latin typeface="Consolas" panose="020B0609020204030204" pitchFamily="49" charset="0"/>
+              </a:rPr>
+              <a:t>VARCHAR</a:t>
+            </a:r>
+            <a:r>
+              <a:rPr lang="fr-FR" sz="1000" b="0">
+                <a:solidFill>
+                  <a:srgbClr val="3B3B3B"/>
+                </a:solidFill>
+                <a:effectLst/>
+                <a:latin typeface="Consolas" panose="020B0609020204030204" pitchFamily="49" charset="0"/>
+              </a:rPr>
+              <a:t>(16777216), "LOCALITY" </a:t>
+            </a:r>
+            <a:r>
+              <a:rPr lang="fr-FR" sz="1000" b="0">
+                <a:solidFill>
+                  <a:srgbClr val="AF00DB"/>
+                </a:solidFill>
+                <a:effectLst/>
+                <a:latin typeface="Consolas" panose="020B0609020204030204" pitchFamily="49" charset="0"/>
+              </a:rPr>
+              <a:t>VARCHAR</a:t>
+            </a:r>
+            <a:r>
+              <a:rPr lang="fr-FR" sz="1000" b="0">
+                <a:solidFill>
+                  <a:srgbClr val="3B3B3B"/>
+                </a:solidFill>
+                <a:effectLst/>
+                <a:latin typeface="Consolas" panose="020B0609020204030204" pitchFamily="49" charset="0"/>
+              </a:rPr>
+              <a:t>(16777216))</a:t>
+            </a:r>
+          </a:p>
+          <a:p>
+            <a:pPr marL="0" indent="0">
+              <a:lnSpc>
+                <a:spcPct val="60000"/>
+              </a:lnSpc>
+              <a:buNone/>
+            </a:pPr>
+            <a:r>
+              <a:rPr lang="fr-FR" sz="1000" b="0">
+                <a:solidFill>
+                  <a:srgbClr val="AF00DB"/>
+                </a:solidFill>
+                <a:effectLst/>
+                <a:latin typeface="Consolas" panose="020B0609020204030204" pitchFamily="49" charset="0"/>
+              </a:rPr>
+              <a:t>LANGUAGE </a:t>
+            </a:r>
+            <a:r>
+              <a:rPr lang="fr-FR" sz="1000" b="0">
+                <a:solidFill>
+                  <a:srgbClr val="001080"/>
+                </a:solidFill>
+                <a:effectLst/>
+                <a:latin typeface="Consolas" panose="020B0609020204030204" pitchFamily="49" charset="0"/>
+              </a:rPr>
+              <a:t>SQL</a:t>
+            </a:r>
+            <a:endParaRPr lang="fr-FR" sz="1000" b="0">
+              <a:solidFill>
+                <a:srgbClr val="3B3B3B"/>
+              </a:solidFill>
+              <a:effectLst/>
+              <a:latin typeface="Consolas" panose="020B0609020204030204" pitchFamily="49" charset="0"/>
+            </a:endParaRPr>
+          </a:p>
+          <a:p>
+            <a:pPr marL="0" indent="0">
+              <a:lnSpc>
+                <a:spcPct val="60000"/>
+              </a:lnSpc>
+              <a:buNone/>
+            </a:pPr>
+            <a:r>
+              <a:rPr lang="fr-FR" sz="1000" b="0">
+                <a:solidFill>
+                  <a:srgbClr val="AF00DB"/>
+                </a:solidFill>
+                <a:effectLst/>
+                <a:latin typeface="Consolas" panose="020B0609020204030204" pitchFamily="49" charset="0"/>
+              </a:rPr>
+              <a:t>EXECUTE</a:t>
+            </a:r>
+            <a:r>
+              <a:rPr lang="fr-FR" sz="1000" b="0">
+                <a:solidFill>
+                  <a:srgbClr val="3B3B3B"/>
+                </a:solidFill>
+                <a:effectLst/>
+                <a:latin typeface="Consolas" panose="020B0609020204030204" pitchFamily="49" charset="0"/>
+              </a:rPr>
+              <a:t> </a:t>
+            </a:r>
+            <a:r>
+              <a:rPr lang="fr-FR" sz="1000" b="0">
+                <a:solidFill>
+                  <a:srgbClr val="AF00DB"/>
+                </a:solidFill>
+                <a:effectLst/>
+                <a:latin typeface="Consolas" panose="020B0609020204030204" pitchFamily="49" charset="0"/>
+              </a:rPr>
+              <a:t>AS</a:t>
+            </a:r>
+            <a:r>
+              <a:rPr lang="fr-FR" sz="1000" b="0">
+                <a:solidFill>
+                  <a:srgbClr val="3B3B3B"/>
+                </a:solidFill>
+                <a:effectLst/>
+                <a:latin typeface="Consolas" panose="020B0609020204030204" pitchFamily="49" charset="0"/>
+              </a:rPr>
+              <a:t> </a:t>
+            </a:r>
+            <a:r>
+              <a:rPr lang="fr-FR" sz="1000" b="0">
+                <a:solidFill>
+                  <a:srgbClr val="001080"/>
+                </a:solidFill>
+                <a:effectLst/>
+                <a:latin typeface="Consolas" panose="020B0609020204030204" pitchFamily="49" charset="0"/>
+              </a:rPr>
+              <a:t>OWNER</a:t>
+            </a:r>
+            <a:endParaRPr lang="fr-FR" sz="1000" b="0">
+              <a:solidFill>
+                <a:srgbClr val="3B3B3B"/>
+              </a:solidFill>
+              <a:effectLst/>
+              <a:latin typeface="Consolas" panose="020B0609020204030204" pitchFamily="49" charset="0"/>
+            </a:endParaRPr>
+          </a:p>
+          <a:p>
+            <a:pPr marL="0" indent="0">
+              <a:lnSpc>
+                <a:spcPct val="60000"/>
+              </a:lnSpc>
+              <a:buNone/>
+            </a:pPr>
+            <a:r>
+              <a:rPr lang="fr-FR" sz="1000" b="0">
+                <a:solidFill>
+                  <a:srgbClr val="AF00DB"/>
+                </a:solidFill>
+                <a:effectLst/>
+                <a:latin typeface="Consolas" panose="020B0609020204030204" pitchFamily="49" charset="0"/>
+              </a:rPr>
+              <a:t>AS</a:t>
+            </a:r>
+            <a:r>
+              <a:rPr lang="fr-FR" sz="1000" b="0">
+                <a:solidFill>
+                  <a:srgbClr val="3B3B3B"/>
+                </a:solidFill>
+                <a:effectLst/>
+                <a:latin typeface="Consolas" panose="020B0609020204030204" pitchFamily="49" charset="0"/>
+              </a:rPr>
+              <a:t> </a:t>
+            </a:r>
+          </a:p>
+          <a:p>
+            <a:pPr marL="0" indent="0">
+              <a:lnSpc>
+                <a:spcPct val="60000"/>
+              </a:lnSpc>
+              <a:buNone/>
+            </a:pPr>
+            <a:r>
+              <a:rPr lang="fr-FR" sz="1000" b="0">
+                <a:solidFill>
+                  <a:srgbClr val="AF00DB"/>
+                </a:solidFill>
+                <a:effectLst/>
+                <a:latin typeface="Consolas" panose="020B0609020204030204" pitchFamily="49" charset="0"/>
+              </a:rPr>
+              <a:t>DECLARE</a:t>
+            </a:r>
+            <a:endParaRPr lang="fr-FR" sz="1000" b="0">
+              <a:solidFill>
+                <a:srgbClr val="3B3B3B"/>
+              </a:solidFill>
+              <a:effectLst/>
+              <a:latin typeface="Consolas" panose="020B0609020204030204" pitchFamily="49" charset="0"/>
+            </a:endParaRPr>
+          </a:p>
+          <a:p>
+            <a:pPr marL="0" indent="0">
+              <a:lnSpc>
+                <a:spcPct val="60000"/>
+              </a:lnSpc>
+              <a:buNone/>
+            </a:pPr>
+            <a:r>
+              <a:rPr lang="fr-FR" sz="1000" b="0">
+                <a:solidFill>
+                  <a:srgbClr val="3B3B3B"/>
+                </a:solidFill>
+                <a:effectLst/>
+                <a:latin typeface="Consolas" panose="020B0609020204030204" pitchFamily="49" charset="0"/>
+              </a:rPr>
+              <a:t>    </a:t>
+            </a:r>
+            <a:r>
+              <a:rPr lang="fr-FR" sz="1000" b="0">
+                <a:solidFill>
+                  <a:srgbClr val="001080"/>
+                </a:solidFill>
+                <a:effectLst/>
+                <a:latin typeface="Consolas" panose="020B0609020204030204" pitchFamily="49" charset="0"/>
+              </a:rPr>
+              <a:t>query</a:t>
+            </a:r>
+            <a:r>
+              <a:rPr lang="fr-FR" sz="1000" b="0">
+                <a:solidFill>
+                  <a:srgbClr val="3B3B3B"/>
+                </a:solidFill>
+                <a:effectLst/>
+                <a:latin typeface="Consolas" panose="020B0609020204030204" pitchFamily="49" charset="0"/>
+              </a:rPr>
+              <a:t> </a:t>
+            </a:r>
+            <a:r>
+              <a:rPr lang="fr-FR" sz="1000" b="0">
+                <a:solidFill>
+                  <a:srgbClr val="AF00DB"/>
+                </a:solidFill>
+                <a:effectLst/>
+                <a:latin typeface="Consolas" panose="020B0609020204030204" pitchFamily="49" charset="0"/>
+              </a:rPr>
+              <a:t>VARCHAR</a:t>
+            </a:r>
+            <a:r>
+              <a:rPr lang="fr-FR" sz="1000" b="0">
+                <a:solidFill>
+                  <a:srgbClr val="3B3B3B"/>
+                </a:solidFill>
+                <a:effectLst/>
+                <a:latin typeface="Consolas" panose="020B0609020204030204" pitchFamily="49" charset="0"/>
+              </a:rPr>
+              <a:t> </a:t>
+            </a:r>
+            <a:r>
+              <a:rPr lang="fr-FR" sz="1000" b="0">
+                <a:solidFill>
+                  <a:srgbClr val="AF00DB"/>
+                </a:solidFill>
+                <a:effectLst/>
+                <a:latin typeface="Consolas" panose="020B0609020204030204" pitchFamily="49" charset="0"/>
+              </a:rPr>
+              <a:t>DEFAULT</a:t>
+            </a:r>
+            <a:r>
+              <a:rPr lang="fr-FR" sz="1000" b="0">
+                <a:solidFill>
+                  <a:srgbClr val="3B3B3B"/>
+                </a:solidFill>
+                <a:effectLst/>
+                <a:latin typeface="Consolas" panose="020B0609020204030204" pitchFamily="49" charset="0"/>
+              </a:rPr>
+              <a:t> </a:t>
+            </a:r>
+            <a:r>
+              <a:rPr lang="fr-FR" sz="1000" b="0">
+                <a:solidFill>
+                  <a:srgbClr val="A31515"/>
+                </a:solidFill>
+                <a:effectLst/>
+                <a:latin typeface="Consolas" panose="020B0609020204030204" pitchFamily="49" charset="0"/>
+              </a:rPr>
+              <a:t>'</a:t>
+            </a:r>
+            <a:r>
+              <a:rPr lang="fr-FR" sz="1000" b="0">
+                <a:solidFill>
+                  <a:srgbClr val="AF00DB"/>
+                </a:solidFill>
+                <a:effectLst/>
+                <a:latin typeface="Consolas" panose="020B0609020204030204" pitchFamily="49" charset="0"/>
+              </a:rPr>
+              <a:t>SELECT</a:t>
+            </a:r>
+            <a:r>
+              <a:rPr lang="fr-FR" sz="1000" b="0">
+                <a:solidFill>
+                  <a:srgbClr val="3B3B3B"/>
+                </a:solidFill>
+                <a:effectLst/>
+                <a:latin typeface="Consolas" panose="020B0609020204030204" pitchFamily="49" charset="0"/>
+              </a:rPr>
+              <a:t> </a:t>
+            </a:r>
+            <a:r>
+              <a:rPr lang="fr-FR" sz="1000" b="0">
+                <a:solidFill>
+                  <a:srgbClr val="001080"/>
+                </a:solidFill>
+                <a:effectLst/>
+                <a:latin typeface="Consolas" panose="020B0609020204030204" pitchFamily="49" charset="0"/>
+              </a:rPr>
+              <a:t>PLACES_ID</a:t>
+            </a:r>
+            <a:r>
+              <a:rPr lang="fr-FR" sz="1000" b="0">
+                <a:solidFill>
+                  <a:srgbClr val="3B3B3B"/>
+                </a:solidFill>
+                <a:effectLst/>
+                <a:latin typeface="Consolas" panose="020B0609020204030204" pitchFamily="49" charset="0"/>
+              </a:rPr>
+              <a:t>, </a:t>
+            </a:r>
+            <a:r>
+              <a:rPr lang="fr-FR" sz="1000" b="0">
+                <a:solidFill>
+                  <a:srgbClr val="001080"/>
+                </a:solidFill>
+                <a:effectLst/>
+                <a:latin typeface="Consolas" panose="020B0609020204030204" pitchFamily="49" charset="0"/>
+              </a:rPr>
+              <a:t>POSTCODE</a:t>
+            </a:r>
+            <a:r>
+              <a:rPr lang="fr-FR" sz="1000" b="0">
+                <a:solidFill>
+                  <a:srgbClr val="3B3B3B"/>
+                </a:solidFill>
+                <a:effectLst/>
+                <a:latin typeface="Consolas" panose="020B0609020204030204" pitchFamily="49" charset="0"/>
+              </a:rPr>
+              <a:t>, </a:t>
+            </a:r>
+            <a:r>
+              <a:rPr lang="fr-FR" sz="1000" b="0">
+                <a:solidFill>
+                  <a:srgbClr val="001080"/>
+                </a:solidFill>
+                <a:effectLst/>
+                <a:latin typeface="Consolas" panose="020B0609020204030204" pitchFamily="49" charset="0"/>
+              </a:rPr>
+              <a:t>LOCALITY</a:t>
+            </a:r>
+            <a:r>
+              <a:rPr lang="fr-FR" sz="1000" b="0">
+                <a:solidFill>
+                  <a:srgbClr val="3B3B3B"/>
+                </a:solidFill>
+                <a:effectLst/>
+                <a:latin typeface="Consolas" panose="020B0609020204030204" pitchFamily="49" charset="0"/>
+              </a:rPr>
+              <a:t> </a:t>
+            </a:r>
+          </a:p>
+          <a:p>
+            <a:pPr marL="0" indent="0">
+              <a:lnSpc>
+                <a:spcPct val="60000"/>
+              </a:lnSpc>
+              <a:buNone/>
+            </a:pPr>
+            <a:r>
+              <a:rPr lang="fr-FR" sz="1000" b="0">
+                <a:solidFill>
+                  <a:srgbClr val="3B3B3B"/>
+                </a:solidFill>
+                <a:effectLst/>
+                <a:latin typeface="Consolas" panose="020B0609020204030204" pitchFamily="49" charset="0"/>
+              </a:rPr>
+              <a:t>                           </a:t>
+            </a:r>
+            <a:r>
+              <a:rPr lang="fr-FR" sz="1000" b="0">
+                <a:solidFill>
+                  <a:srgbClr val="AF00DB"/>
+                </a:solidFill>
+                <a:effectLst/>
+                <a:latin typeface="Consolas" panose="020B0609020204030204" pitchFamily="49" charset="0"/>
+              </a:rPr>
+              <a:t>FROM</a:t>
+            </a:r>
+            <a:r>
+              <a:rPr lang="fr-FR" sz="1000" b="0">
+                <a:solidFill>
+                  <a:srgbClr val="3B3B3B"/>
+                </a:solidFill>
+                <a:effectLst/>
+                <a:latin typeface="Consolas" panose="020B0609020204030204" pitchFamily="49" charset="0"/>
+              </a:rPr>
+              <a:t> </a:t>
+            </a:r>
+            <a:r>
+              <a:rPr lang="fr-FR" sz="1000" b="0">
+                <a:solidFill>
+                  <a:srgbClr val="001080"/>
+                </a:solidFill>
+                <a:effectLst/>
+                <a:latin typeface="Consolas" panose="020B0609020204030204" pitchFamily="49" charset="0"/>
+              </a:rPr>
+              <a:t>REF_DEV</a:t>
+            </a:r>
+            <a:r>
+              <a:rPr lang="fr-FR" sz="1000" b="0">
+                <a:solidFill>
+                  <a:srgbClr val="3B3B3B"/>
+                </a:solidFill>
+                <a:effectLst/>
+                <a:latin typeface="Consolas" panose="020B0609020204030204" pitchFamily="49" charset="0"/>
+              </a:rPr>
+              <a:t>.</a:t>
+            </a:r>
+            <a:r>
+              <a:rPr lang="fr-FR" sz="1000" b="0">
+                <a:solidFill>
+                  <a:srgbClr val="001080"/>
+                </a:solidFill>
+                <a:effectLst/>
+                <a:latin typeface="Consolas" panose="020B0609020204030204" pitchFamily="49" charset="0"/>
+              </a:rPr>
+              <a:t>PUBLIC</a:t>
+            </a:r>
+            <a:r>
+              <a:rPr lang="fr-FR" sz="1000" b="0">
+                <a:solidFill>
+                  <a:srgbClr val="3B3B3B"/>
+                </a:solidFill>
+                <a:effectLst/>
+                <a:latin typeface="Consolas" panose="020B0609020204030204" pitchFamily="49" charset="0"/>
+              </a:rPr>
+              <a:t>.</a:t>
+            </a:r>
+            <a:r>
+              <a:rPr lang="fr-FR" sz="1000" b="0">
+                <a:solidFill>
+                  <a:srgbClr val="001080"/>
+                </a:solidFill>
+                <a:effectLst/>
+                <a:latin typeface="Consolas" panose="020B0609020204030204" pitchFamily="49" charset="0"/>
+              </a:rPr>
+              <a:t>PLACES_POSTCODES_SEARCH</a:t>
+            </a:r>
+            <a:endParaRPr lang="fr-FR" sz="1000" b="0">
+              <a:solidFill>
+                <a:srgbClr val="3B3B3B"/>
+              </a:solidFill>
+              <a:effectLst/>
+              <a:latin typeface="Consolas" panose="020B0609020204030204" pitchFamily="49" charset="0"/>
+            </a:endParaRPr>
+          </a:p>
+          <a:p>
+            <a:pPr marL="0" indent="0">
+              <a:lnSpc>
+                <a:spcPct val="60000"/>
+              </a:lnSpc>
+              <a:buNone/>
+            </a:pPr>
+            <a:r>
+              <a:rPr lang="fr-FR" sz="1000" b="0">
+                <a:solidFill>
+                  <a:srgbClr val="3B3B3B"/>
+                </a:solidFill>
+                <a:effectLst/>
+                <a:latin typeface="Consolas" panose="020B0609020204030204" pitchFamily="49" charset="0"/>
+              </a:rPr>
+              <a:t>                           </a:t>
+            </a:r>
+            <a:r>
+              <a:rPr lang="fr-FR" sz="1000" b="0">
+                <a:solidFill>
+                  <a:srgbClr val="AF00DB"/>
+                </a:solidFill>
+                <a:effectLst/>
+                <a:latin typeface="Consolas" panose="020B0609020204030204" pitchFamily="49" charset="0"/>
+              </a:rPr>
+              <a:t>WHERE</a:t>
+            </a:r>
+            <a:r>
+              <a:rPr lang="fr-FR" sz="1000" b="0">
+                <a:solidFill>
+                  <a:srgbClr val="3B3B3B"/>
+                </a:solidFill>
+                <a:effectLst/>
+                <a:latin typeface="Consolas" panose="020B0609020204030204" pitchFamily="49" charset="0"/>
+              </a:rPr>
+              <a:t> </a:t>
+            </a:r>
+            <a:r>
+              <a:rPr lang="fr-FR" sz="1000" b="0">
+                <a:solidFill>
+                  <a:srgbClr val="001080"/>
+                </a:solidFill>
+                <a:effectLst/>
+                <a:latin typeface="Consolas" panose="020B0609020204030204" pitchFamily="49" charset="0"/>
+              </a:rPr>
+              <a:t>SEARCH_KEY</a:t>
+            </a:r>
+            <a:r>
+              <a:rPr lang="fr-FR" sz="1000" b="0">
+                <a:solidFill>
+                  <a:srgbClr val="3B3B3B"/>
+                </a:solidFill>
+                <a:effectLst/>
+                <a:latin typeface="Consolas" panose="020B0609020204030204" pitchFamily="49" charset="0"/>
+              </a:rPr>
+              <a:t> </a:t>
+            </a:r>
+            <a:r>
+              <a:rPr lang="fr-FR" sz="1000" b="0">
+                <a:solidFill>
+                  <a:srgbClr val="001080"/>
+                </a:solidFill>
+                <a:effectLst/>
+                <a:latin typeface="Consolas" panose="020B0609020204030204" pitchFamily="49" charset="0"/>
+              </a:rPr>
+              <a:t>LIKE</a:t>
+            </a:r>
+          </a:p>
+          <a:p>
+            <a:pPr marL="0" indent="0">
+              <a:lnSpc>
+                <a:spcPct val="60000"/>
+              </a:lnSpc>
+              <a:buNone/>
+            </a:pPr>
+            <a:r>
+              <a:rPr lang="fr-FR" sz="1000" b="0">
+                <a:solidFill>
+                  <a:srgbClr val="3B3B3B"/>
+                </a:solidFill>
+                <a:effectLst/>
+                <a:latin typeface="Consolas" panose="020B0609020204030204" pitchFamily="49" charset="0"/>
+              </a:rPr>
+              <a:t> </a:t>
+            </a:r>
+            <a:r>
+              <a:rPr lang="fr-FR" sz="1000" b="0">
+                <a:solidFill>
+                  <a:srgbClr val="001080"/>
+                </a:solidFill>
+                <a:effectLst/>
+                <a:highlight>
+                  <a:srgbClr val="FFFF00"/>
+                </a:highlight>
+                <a:latin typeface="Consolas" panose="020B0609020204030204" pitchFamily="49" charset="0"/>
+              </a:rPr>
+              <a:t>UPPER</a:t>
+            </a:r>
+            <a:r>
+              <a:rPr lang="fr-FR" sz="1000" b="0">
+                <a:solidFill>
+                  <a:srgbClr val="3B3B3B"/>
+                </a:solidFill>
+                <a:effectLst/>
+                <a:latin typeface="Consolas" panose="020B0609020204030204" pitchFamily="49" charset="0"/>
+              </a:rPr>
+              <a:t>(</a:t>
+            </a:r>
+            <a:r>
+              <a:rPr lang="fr-FR" sz="1000" b="0">
+                <a:solidFill>
+                  <a:srgbClr val="A31515"/>
+                </a:solidFill>
+                <a:effectLst/>
+                <a:latin typeface="Consolas" panose="020B0609020204030204" pitchFamily="49" charset="0"/>
+              </a:rPr>
+              <a:t>'''</a:t>
+            </a:r>
+            <a:r>
+              <a:rPr lang="fr-FR" sz="1000" b="0">
+                <a:solidFill>
+                  <a:srgbClr val="3B3B3B"/>
+                </a:solidFill>
+                <a:effectLst/>
+                <a:latin typeface="Consolas" panose="020B0609020204030204" pitchFamily="49" charset="0"/>
+              </a:rPr>
+              <a:t>||:</a:t>
+            </a:r>
+            <a:r>
+              <a:rPr lang="fr-FR" sz="1000" b="0">
+                <a:solidFill>
+                  <a:srgbClr val="001080"/>
+                </a:solidFill>
+                <a:effectLst/>
+                <a:latin typeface="Consolas" panose="020B0609020204030204" pitchFamily="49" charset="0"/>
+              </a:rPr>
+              <a:t>COUNTRY</a:t>
+            </a:r>
+            <a:r>
+              <a:rPr lang="fr-FR" sz="1000" b="0">
+                <a:solidFill>
+                  <a:srgbClr val="3B3B3B"/>
+                </a:solidFill>
+                <a:effectLst/>
+                <a:latin typeface="Consolas" panose="020B0609020204030204" pitchFamily="49" charset="0"/>
+              </a:rPr>
+              <a:t>||''</a:t>
+            </a:r>
+            <a:r>
+              <a:rPr lang="fr-FR" sz="1000" b="0">
+                <a:solidFill>
+                  <a:srgbClr val="A31515"/>
+                </a:solidFill>
+                <a:effectLst/>
+                <a:latin typeface="Consolas" panose="020B0609020204030204" pitchFamily="49" charset="0"/>
+              </a:rPr>
+              <a:t>'</a:t>
+            </a:r>
+            <a:r>
+              <a:rPr lang="fr-FR" sz="1000" b="0">
+                <a:solidFill>
+                  <a:srgbClr val="3B3B3B"/>
+                </a:solidFill>
+                <a:effectLst/>
+                <a:latin typeface="Consolas" panose="020B0609020204030204" pitchFamily="49" charset="0"/>
+              </a:rPr>
+              <a:t>)||</a:t>
+            </a:r>
+            <a:r>
+              <a:rPr lang="fr-FR" sz="1000" b="0">
+                <a:solidFill>
+                  <a:srgbClr val="A31515"/>
+                </a:solidFill>
+                <a:effectLst/>
+                <a:latin typeface="Consolas" panose="020B0609020204030204" pitchFamily="49" charset="0"/>
+              </a:rPr>
+              <a:t>''</a:t>
+            </a:r>
+            <a:r>
+              <a:rPr lang="fr-FR" sz="1000" b="0">
+                <a:solidFill>
+                  <a:srgbClr val="001080"/>
+                </a:solidFill>
+                <a:effectLst/>
+                <a:latin typeface="Consolas" panose="020B0609020204030204" pitchFamily="49" charset="0"/>
+              </a:rPr>
+              <a:t>_</a:t>
+            </a:r>
+            <a:r>
+              <a:rPr lang="fr-FR" sz="1000" b="0">
+                <a:solidFill>
+                  <a:srgbClr val="A31515"/>
+                </a:solidFill>
+                <a:effectLst/>
+                <a:latin typeface="Consolas" panose="020B0609020204030204" pitchFamily="49" charset="0"/>
+              </a:rPr>
+              <a:t>''</a:t>
+            </a:r>
+            <a:r>
+              <a:rPr lang="fr-FR" sz="1000" b="0">
+                <a:solidFill>
+                  <a:srgbClr val="3B3B3B"/>
+                </a:solidFill>
+                <a:effectLst/>
+                <a:latin typeface="Consolas" panose="020B0609020204030204" pitchFamily="49" charset="0"/>
+              </a:rPr>
+              <a:t>||</a:t>
+            </a:r>
+            <a:r>
+              <a:rPr lang="fr-FR" sz="1000" b="0">
+                <a:solidFill>
+                  <a:srgbClr val="001080"/>
+                </a:solidFill>
+                <a:effectLst/>
+                <a:highlight>
+                  <a:srgbClr val="FFFF00"/>
+                </a:highlight>
+                <a:latin typeface="Consolas" panose="020B0609020204030204" pitchFamily="49" charset="0"/>
+              </a:rPr>
+              <a:t>UPPER</a:t>
+            </a:r>
+            <a:r>
+              <a:rPr lang="fr-FR" sz="1000" b="0">
+                <a:solidFill>
+                  <a:srgbClr val="3B3B3B"/>
+                </a:solidFill>
+                <a:effectLst/>
+                <a:latin typeface="Consolas" panose="020B0609020204030204" pitchFamily="49" charset="0"/>
+              </a:rPr>
+              <a:t>(</a:t>
+            </a:r>
+            <a:r>
+              <a:rPr lang="fr-FR" sz="1000" b="0">
+                <a:solidFill>
+                  <a:srgbClr val="001080"/>
+                </a:solidFill>
+                <a:effectLst/>
+                <a:highlight>
+                  <a:srgbClr val="FFFF00"/>
+                </a:highlight>
+                <a:latin typeface="Consolas" panose="020B0609020204030204" pitchFamily="49" charset="0"/>
+              </a:rPr>
+              <a:t>REGEXP_REPLACE</a:t>
+            </a:r>
+            <a:r>
+              <a:rPr lang="fr-FR" sz="1000" b="0">
+                <a:solidFill>
+                  <a:srgbClr val="3B3B3B"/>
+                </a:solidFill>
+                <a:effectLst/>
+                <a:latin typeface="Consolas" panose="020B0609020204030204" pitchFamily="49" charset="0"/>
+              </a:rPr>
+              <a:t>(</a:t>
+            </a:r>
+            <a:r>
+              <a:rPr lang="fr-FR" sz="1000" b="0">
+                <a:solidFill>
+                  <a:srgbClr val="001080"/>
+                </a:solidFill>
+                <a:effectLst/>
+                <a:latin typeface="Consolas" panose="020B0609020204030204" pitchFamily="49" charset="0"/>
+              </a:rPr>
+              <a:t>trim</a:t>
+            </a:r>
+            <a:r>
+              <a:rPr lang="fr-FR" sz="1000" b="0">
+                <a:solidFill>
+                  <a:srgbClr val="3B3B3B"/>
+                </a:solidFill>
+                <a:effectLst/>
+                <a:latin typeface="Consolas" panose="020B0609020204030204" pitchFamily="49" charset="0"/>
+              </a:rPr>
+              <a:t>(</a:t>
+            </a:r>
+            <a:r>
+              <a:rPr lang="fr-FR" sz="1000" b="0">
+                <a:solidFill>
+                  <a:srgbClr val="001080"/>
+                </a:solidFill>
+                <a:effectLst/>
+                <a:latin typeface="Consolas" panose="020B0609020204030204" pitchFamily="49" charset="0"/>
+              </a:rPr>
+              <a:t>REF_DEV</a:t>
+            </a:r>
+            <a:r>
+              <a:rPr lang="fr-FR" sz="1000" b="0">
+                <a:solidFill>
+                  <a:srgbClr val="3B3B3B"/>
+                </a:solidFill>
+                <a:effectLst/>
+                <a:latin typeface="Consolas" panose="020B0609020204030204" pitchFamily="49" charset="0"/>
+              </a:rPr>
+              <a:t>.</a:t>
+            </a:r>
+            <a:r>
+              <a:rPr lang="fr-FR" sz="1000" b="0">
+                <a:solidFill>
+                  <a:srgbClr val="001080"/>
+                </a:solidFill>
+                <a:effectLst/>
+                <a:latin typeface="Consolas" panose="020B0609020204030204" pitchFamily="49" charset="0"/>
+              </a:rPr>
+              <a:t>PUBLIC</a:t>
+            </a:r>
+            <a:r>
+              <a:rPr lang="fr-FR" sz="1000" b="0">
+                <a:solidFill>
+                  <a:srgbClr val="3B3B3B"/>
+                </a:solidFill>
+                <a:effectLst/>
+                <a:latin typeface="Consolas" panose="020B0609020204030204" pitchFamily="49" charset="0"/>
+              </a:rPr>
+              <a:t>.</a:t>
+            </a:r>
+            <a:r>
+              <a:rPr lang="fr-FR" sz="1000" b="0">
+                <a:solidFill>
+                  <a:srgbClr val="001080"/>
+                </a:solidFill>
+                <a:effectLst/>
+                <a:latin typeface="Consolas" panose="020B0609020204030204" pitchFamily="49" charset="0"/>
+              </a:rPr>
+              <a:t>REMOVE_SPECIAL_CHARS</a:t>
+            </a:r>
+            <a:r>
+              <a:rPr lang="fr-FR" sz="1000" b="0">
+                <a:solidFill>
+                  <a:srgbClr val="3B3B3B"/>
+                </a:solidFill>
+                <a:effectLst/>
+                <a:latin typeface="Consolas" panose="020B0609020204030204" pitchFamily="49" charset="0"/>
+              </a:rPr>
+              <a:t>(</a:t>
+            </a:r>
+            <a:r>
+              <a:rPr lang="fr-FR" sz="1000" b="0">
+                <a:solidFill>
+                  <a:srgbClr val="A31515"/>
+                </a:solidFill>
+                <a:effectLst/>
+                <a:latin typeface="Consolas" panose="020B0609020204030204" pitchFamily="49" charset="0"/>
+              </a:rPr>
+              <a:t>'''</a:t>
+            </a:r>
+            <a:r>
+              <a:rPr lang="fr-FR" sz="1000" b="0">
+                <a:solidFill>
+                  <a:srgbClr val="3B3B3B"/>
+                </a:solidFill>
+                <a:effectLst/>
+                <a:latin typeface="Consolas" panose="020B0609020204030204" pitchFamily="49" charset="0"/>
+              </a:rPr>
+              <a:t>||:</a:t>
+            </a:r>
+            <a:r>
+              <a:rPr lang="fr-FR" sz="1000" b="0">
+                <a:solidFill>
+                  <a:srgbClr val="001080"/>
+                </a:solidFill>
+                <a:effectLst/>
+                <a:latin typeface="Consolas" panose="020B0609020204030204" pitchFamily="49" charset="0"/>
+              </a:rPr>
+              <a:t>INPUT_PLACE</a:t>
+            </a:r>
+            <a:r>
+              <a:rPr lang="fr-FR" sz="1000" b="0">
+                <a:solidFill>
+                  <a:srgbClr val="3B3B3B"/>
+                </a:solidFill>
+                <a:effectLst/>
+                <a:latin typeface="Consolas" panose="020B0609020204030204" pitchFamily="49" charset="0"/>
+              </a:rPr>
+              <a:t>||''</a:t>
+            </a:r>
+            <a:r>
+              <a:rPr lang="fr-FR" sz="1000" b="0">
+                <a:solidFill>
+                  <a:srgbClr val="A31515"/>
+                </a:solidFill>
+                <a:effectLst/>
+                <a:latin typeface="Consolas" panose="020B0609020204030204" pitchFamily="49" charset="0"/>
+              </a:rPr>
+              <a:t>'</a:t>
+            </a:r>
+            <a:r>
+              <a:rPr lang="fr-FR" sz="1000" b="0">
+                <a:solidFill>
+                  <a:srgbClr val="3B3B3B"/>
+                </a:solidFill>
+                <a:effectLst/>
+                <a:latin typeface="Consolas" panose="020B0609020204030204" pitchFamily="49" charset="0"/>
+              </a:rPr>
+              <a:t>))</a:t>
+            </a:r>
+            <a:r>
+              <a:rPr lang="fr-FR" sz="1000" b="0">
+                <a:solidFill>
+                  <a:srgbClr val="3B3B3B"/>
+                </a:solidFill>
+                <a:effectLst/>
+                <a:highlight>
+                  <a:srgbClr val="FFFF00"/>
+                </a:highlight>
+                <a:latin typeface="Consolas" panose="020B0609020204030204" pitchFamily="49" charset="0"/>
+              </a:rPr>
+              <a:t>, </a:t>
+            </a:r>
+            <a:r>
+              <a:rPr lang="fr-FR" sz="1000" b="0">
+                <a:solidFill>
+                  <a:srgbClr val="A31515"/>
+                </a:solidFill>
+                <a:effectLst/>
+                <a:highlight>
+                  <a:srgbClr val="FFFF00"/>
+                </a:highlight>
+                <a:latin typeface="Consolas" panose="020B0609020204030204" pitchFamily="49" charset="0"/>
+              </a:rPr>
+              <a:t>''</a:t>
+            </a:r>
+            <a:r>
+              <a:rPr lang="fr-FR" sz="1000" b="0">
+                <a:solidFill>
+                  <a:srgbClr val="3B3B3B"/>
+                </a:solidFill>
+                <a:effectLst/>
+                <a:highlight>
+                  <a:srgbClr val="FFFF00"/>
+                </a:highlight>
+                <a:latin typeface="Consolas" panose="020B0609020204030204" pitchFamily="49" charset="0"/>
+              </a:rPr>
+              <a:t>\\</a:t>
+            </a:r>
+            <a:r>
+              <a:rPr lang="fr-FR" sz="1000" b="0">
+                <a:solidFill>
+                  <a:srgbClr val="001080"/>
+                </a:solidFill>
+                <a:effectLst/>
+                <a:highlight>
+                  <a:srgbClr val="FFFF00"/>
+                </a:highlight>
+                <a:latin typeface="Consolas" panose="020B0609020204030204" pitchFamily="49" charset="0"/>
+              </a:rPr>
+              <a:t>s</a:t>
+            </a:r>
+            <a:r>
+              <a:rPr lang="fr-FR" sz="1000" b="0">
+                <a:solidFill>
+                  <a:srgbClr val="3B3B3B"/>
+                </a:solidFill>
+                <a:effectLst/>
+                <a:highlight>
+                  <a:srgbClr val="FFFF00"/>
+                </a:highlight>
+                <a:latin typeface="Consolas" panose="020B0609020204030204" pitchFamily="49" charset="0"/>
+              </a:rPr>
+              <a:t>+</a:t>
+            </a:r>
+            <a:r>
+              <a:rPr lang="fr-FR" sz="1000" b="0">
+                <a:solidFill>
+                  <a:srgbClr val="A31515"/>
+                </a:solidFill>
+                <a:effectLst/>
+                <a:highlight>
+                  <a:srgbClr val="FFFF00"/>
+                </a:highlight>
+                <a:latin typeface="Consolas" panose="020B0609020204030204" pitchFamily="49" charset="0"/>
+              </a:rPr>
+              <a:t>''</a:t>
+            </a:r>
+            <a:r>
+              <a:rPr lang="fr-FR" sz="1000" b="0">
+                <a:solidFill>
+                  <a:srgbClr val="3B3B3B"/>
+                </a:solidFill>
+                <a:effectLst/>
+                <a:highlight>
+                  <a:srgbClr val="FFFF00"/>
+                </a:highlight>
+                <a:latin typeface="Consolas" panose="020B0609020204030204" pitchFamily="49" charset="0"/>
+              </a:rPr>
+              <a:t>, </a:t>
+            </a:r>
+            <a:r>
+              <a:rPr lang="fr-FR" sz="1000" b="0">
+                <a:solidFill>
+                  <a:srgbClr val="A31515"/>
+                </a:solidFill>
+                <a:effectLst/>
+                <a:highlight>
+                  <a:srgbClr val="FFFF00"/>
+                </a:highlight>
+                <a:latin typeface="Consolas" panose="020B0609020204030204" pitchFamily="49" charset="0"/>
+              </a:rPr>
+              <a:t>''</a:t>
+            </a:r>
+            <a:r>
+              <a:rPr lang="fr-FR" sz="1000" b="0">
+                <a:solidFill>
+                  <a:srgbClr val="3B3B3B"/>
+                </a:solidFill>
+                <a:effectLst/>
+                <a:highlight>
+                  <a:srgbClr val="FFFF00"/>
+                </a:highlight>
+                <a:latin typeface="Consolas" panose="020B0609020204030204" pitchFamily="49" charset="0"/>
+              </a:rPr>
+              <a:t> </a:t>
+            </a:r>
+            <a:r>
+              <a:rPr lang="fr-FR" sz="1000" b="0">
+                <a:solidFill>
+                  <a:srgbClr val="A31515"/>
+                </a:solidFill>
+                <a:effectLst/>
+                <a:highlight>
+                  <a:srgbClr val="FFFF00"/>
+                </a:highlight>
+                <a:latin typeface="Consolas" panose="020B0609020204030204" pitchFamily="49" charset="0"/>
+              </a:rPr>
+              <a:t>''</a:t>
+            </a:r>
+            <a:r>
+              <a:rPr lang="fr-FR" sz="1000" b="0">
+                <a:solidFill>
+                  <a:srgbClr val="3B3B3B"/>
+                </a:solidFill>
+                <a:effectLst/>
+                <a:highlight>
+                  <a:srgbClr val="FFFF00"/>
+                </a:highlight>
+                <a:latin typeface="Consolas" panose="020B0609020204030204" pitchFamily="49" charset="0"/>
+              </a:rPr>
+              <a:t>, </a:t>
+            </a:r>
+            <a:r>
+              <a:rPr lang="fr-FR" sz="1000" b="0">
+                <a:solidFill>
+                  <a:srgbClr val="001080"/>
+                </a:solidFill>
+                <a:effectLst/>
+                <a:highlight>
+                  <a:srgbClr val="FFFF00"/>
+                </a:highlight>
+                <a:latin typeface="Consolas" panose="020B0609020204030204" pitchFamily="49" charset="0"/>
+              </a:rPr>
+              <a:t>1</a:t>
+            </a:r>
+            <a:r>
+              <a:rPr lang="fr-FR" sz="1000" b="0">
+                <a:solidFill>
+                  <a:srgbClr val="3B3B3B"/>
+                </a:solidFill>
+                <a:effectLst/>
+                <a:highlight>
+                  <a:srgbClr val="FFFF00"/>
+                </a:highlight>
+                <a:latin typeface="Consolas" panose="020B0609020204030204" pitchFamily="49" charset="0"/>
+              </a:rPr>
+              <a:t>, </a:t>
+            </a:r>
+            <a:r>
+              <a:rPr lang="fr-FR" sz="1000" b="0">
+                <a:solidFill>
+                  <a:srgbClr val="001080"/>
+                </a:solidFill>
+                <a:effectLst/>
+                <a:highlight>
+                  <a:srgbClr val="FFFF00"/>
+                </a:highlight>
+                <a:latin typeface="Consolas" panose="020B0609020204030204" pitchFamily="49" charset="0"/>
+              </a:rPr>
+              <a:t>0</a:t>
+            </a:r>
+            <a:r>
+              <a:rPr lang="fr-FR" sz="1000" b="0">
+                <a:solidFill>
+                  <a:srgbClr val="3B3B3B"/>
+                </a:solidFill>
+                <a:effectLst/>
+                <a:highlight>
+                  <a:srgbClr val="FFFF00"/>
+                </a:highlight>
+                <a:latin typeface="Consolas" panose="020B0609020204030204" pitchFamily="49" charset="0"/>
+              </a:rPr>
+              <a:t>))||</a:t>
+            </a:r>
+            <a:r>
+              <a:rPr lang="fr-FR" sz="1000" b="0">
+                <a:solidFill>
+                  <a:srgbClr val="A31515"/>
+                </a:solidFill>
+                <a:effectLst/>
+                <a:highlight>
+                  <a:srgbClr val="FFFF00"/>
+                </a:highlight>
+                <a:latin typeface="Consolas" panose="020B0609020204030204" pitchFamily="49" charset="0"/>
+              </a:rPr>
+              <a:t>''</a:t>
+            </a:r>
+            <a:r>
+              <a:rPr lang="fr-FR" sz="1000" b="0">
+                <a:solidFill>
+                  <a:srgbClr val="3B3B3B"/>
+                </a:solidFill>
+                <a:effectLst/>
+                <a:highlight>
+                  <a:srgbClr val="FFFF00"/>
+                </a:highlight>
+                <a:latin typeface="Consolas" panose="020B0609020204030204" pitchFamily="49" charset="0"/>
+              </a:rPr>
+              <a:t>%</a:t>
+            </a:r>
+            <a:r>
+              <a:rPr lang="fr-FR" sz="1000" b="0">
+                <a:solidFill>
+                  <a:srgbClr val="A31515"/>
+                </a:solidFill>
+                <a:effectLst/>
+                <a:highlight>
+                  <a:srgbClr val="FFFF00"/>
+                </a:highlight>
+                <a:latin typeface="Consolas" panose="020B0609020204030204" pitchFamily="49" charset="0"/>
+              </a:rPr>
+              <a:t>''</a:t>
+            </a:r>
+            <a:r>
+              <a:rPr lang="fr-FR" sz="1000" b="0">
+                <a:solidFill>
+                  <a:srgbClr val="3B3B3B"/>
+                </a:solidFill>
+                <a:effectLst/>
+                <a:highlight>
+                  <a:srgbClr val="FFFF00"/>
+                </a:highlight>
+                <a:latin typeface="Consolas" panose="020B0609020204030204" pitchFamily="49" charset="0"/>
+              </a:rPr>
+              <a:t> </a:t>
+            </a:r>
+          </a:p>
+          <a:p>
+            <a:pPr marL="0" indent="0">
+              <a:lnSpc>
+                <a:spcPct val="60000"/>
+              </a:lnSpc>
+              <a:buNone/>
+            </a:pPr>
+            <a:r>
+              <a:rPr lang="fr-FR" sz="1000" b="0">
+                <a:solidFill>
+                  <a:srgbClr val="3B3B3B"/>
+                </a:solidFill>
+                <a:effectLst/>
+                <a:latin typeface="Consolas" panose="020B0609020204030204" pitchFamily="49" charset="0"/>
+              </a:rPr>
+              <a:t>                           </a:t>
+            </a:r>
+            <a:r>
+              <a:rPr lang="fr-FR" sz="1000" b="0">
+                <a:solidFill>
+                  <a:srgbClr val="AF00DB"/>
+                </a:solidFill>
+                <a:effectLst/>
+                <a:latin typeface="Consolas" panose="020B0609020204030204" pitchFamily="49" charset="0"/>
+              </a:rPr>
+              <a:t>LIMIT 50</a:t>
+            </a:r>
+            <a:r>
+              <a:rPr lang="fr-FR" sz="1000" b="0">
+                <a:solidFill>
+                  <a:srgbClr val="A31515"/>
+                </a:solidFill>
+                <a:effectLst/>
+                <a:latin typeface="Consolas" panose="020B0609020204030204" pitchFamily="49" charset="0"/>
+              </a:rPr>
+              <a:t>’</a:t>
+            </a:r>
+            <a:r>
+              <a:rPr lang="fr-FR" sz="1000" b="0">
+                <a:solidFill>
+                  <a:srgbClr val="3B3B3B"/>
+                </a:solidFill>
+                <a:effectLst/>
+                <a:latin typeface="Consolas" panose="020B0609020204030204" pitchFamily="49" charset="0"/>
+              </a:rPr>
+              <a:t>;</a:t>
+            </a:r>
+          </a:p>
+          <a:p>
+            <a:pPr marL="0" indent="0">
+              <a:lnSpc>
+                <a:spcPct val="60000"/>
+              </a:lnSpc>
+              <a:buNone/>
+            </a:pPr>
+            <a:r>
+              <a:rPr lang="fr-FR" sz="1000" b="0">
+                <a:solidFill>
+                  <a:srgbClr val="3B3B3B"/>
+                </a:solidFill>
+                <a:effectLst/>
+                <a:latin typeface="Consolas" panose="020B0609020204030204" pitchFamily="49" charset="0"/>
+              </a:rPr>
+              <a:t>    </a:t>
+            </a:r>
+            <a:r>
+              <a:rPr lang="fr-FR" sz="1000" b="0">
+                <a:solidFill>
+                  <a:srgbClr val="001080"/>
+                </a:solidFill>
+                <a:effectLst/>
+                <a:latin typeface="Consolas" panose="020B0609020204030204" pitchFamily="49" charset="0"/>
+              </a:rPr>
+              <a:t>res</a:t>
+            </a:r>
+            <a:r>
+              <a:rPr lang="fr-FR" sz="1000" b="0">
+                <a:solidFill>
+                  <a:srgbClr val="3B3B3B"/>
+                </a:solidFill>
+                <a:effectLst/>
+                <a:latin typeface="Consolas" panose="020B0609020204030204" pitchFamily="49" charset="0"/>
+              </a:rPr>
+              <a:t> </a:t>
+            </a:r>
+            <a:r>
+              <a:rPr lang="fr-FR" sz="1000" b="0">
+                <a:solidFill>
+                  <a:srgbClr val="AF00DB"/>
+                </a:solidFill>
+                <a:effectLst/>
+                <a:latin typeface="Consolas" panose="020B0609020204030204" pitchFamily="49" charset="0"/>
+              </a:rPr>
+              <a:t>RESULTSET</a:t>
+            </a:r>
+            <a:r>
+              <a:rPr lang="fr-FR" sz="1000" b="0">
+                <a:solidFill>
+                  <a:srgbClr val="3B3B3B"/>
+                </a:solidFill>
+                <a:effectLst/>
+                <a:latin typeface="Consolas" panose="020B0609020204030204" pitchFamily="49" charset="0"/>
+              </a:rPr>
+              <a:t>;</a:t>
+            </a:r>
+          </a:p>
+          <a:p>
+            <a:pPr marL="0" indent="0">
+              <a:lnSpc>
+                <a:spcPct val="60000"/>
+              </a:lnSpc>
+              <a:buNone/>
+            </a:pPr>
+            <a:r>
+              <a:rPr lang="fr-FR" sz="1000" b="0">
+                <a:solidFill>
+                  <a:srgbClr val="AF00DB"/>
+                </a:solidFill>
+                <a:effectLst/>
+                <a:latin typeface="Consolas" panose="020B0609020204030204" pitchFamily="49" charset="0"/>
+              </a:rPr>
+              <a:t>BEGIN</a:t>
+            </a:r>
+            <a:endParaRPr lang="fr-FR" sz="1000" b="0">
+              <a:solidFill>
+                <a:srgbClr val="3B3B3B"/>
+              </a:solidFill>
+              <a:effectLst/>
+              <a:latin typeface="Consolas" panose="020B0609020204030204" pitchFamily="49" charset="0"/>
+            </a:endParaRPr>
+          </a:p>
+          <a:p>
+            <a:pPr marL="0" indent="0">
+              <a:lnSpc>
+                <a:spcPct val="60000"/>
+              </a:lnSpc>
+              <a:buNone/>
+            </a:pPr>
+            <a:r>
+              <a:rPr lang="fr-FR" sz="1000" b="0">
+                <a:solidFill>
+                  <a:srgbClr val="3B3B3B"/>
+                </a:solidFill>
+                <a:effectLst/>
+                <a:latin typeface="Consolas" panose="020B0609020204030204" pitchFamily="49" charset="0"/>
+              </a:rPr>
+              <a:t>    </a:t>
+            </a:r>
+            <a:r>
+              <a:rPr lang="fr-FR" sz="1000" b="0">
+                <a:solidFill>
+                  <a:srgbClr val="001080"/>
+                </a:solidFill>
+                <a:effectLst/>
+                <a:latin typeface="Consolas" panose="020B0609020204030204" pitchFamily="49" charset="0"/>
+              </a:rPr>
+              <a:t>res</a:t>
+            </a:r>
+            <a:r>
+              <a:rPr lang="fr-FR" sz="1000" b="0">
+                <a:solidFill>
+                  <a:srgbClr val="3B3B3B"/>
+                </a:solidFill>
+                <a:effectLst/>
+                <a:latin typeface="Consolas" panose="020B0609020204030204" pitchFamily="49" charset="0"/>
+              </a:rPr>
+              <a:t> := (</a:t>
+            </a:r>
+            <a:r>
+              <a:rPr lang="fr-FR" sz="1000" b="0">
+                <a:solidFill>
+                  <a:srgbClr val="AF00DB"/>
+                </a:solidFill>
+                <a:effectLst/>
+                <a:latin typeface="Consolas" panose="020B0609020204030204" pitchFamily="49" charset="0"/>
+              </a:rPr>
+              <a:t>EXECUTE</a:t>
+            </a:r>
+            <a:r>
+              <a:rPr lang="fr-FR" sz="1000" b="0">
+                <a:solidFill>
+                  <a:srgbClr val="3B3B3B"/>
+                </a:solidFill>
+                <a:effectLst/>
+                <a:latin typeface="Consolas" panose="020B0609020204030204" pitchFamily="49" charset="0"/>
+              </a:rPr>
+              <a:t> </a:t>
+            </a:r>
+            <a:r>
+              <a:rPr lang="fr-FR" sz="1000" b="0">
+                <a:solidFill>
+                  <a:srgbClr val="AF00DB"/>
+                </a:solidFill>
+                <a:effectLst/>
+                <a:latin typeface="Consolas" panose="020B0609020204030204" pitchFamily="49" charset="0"/>
+              </a:rPr>
+              <a:t>IMMEDIATE</a:t>
+            </a:r>
+            <a:r>
+              <a:rPr lang="fr-FR" sz="1000" b="0">
+                <a:solidFill>
+                  <a:srgbClr val="3B3B3B"/>
+                </a:solidFill>
+                <a:effectLst/>
+                <a:latin typeface="Consolas" panose="020B0609020204030204" pitchFamily="49" charset="0"/>
+              </a:rPr>
+              <a:t> :</a:t>
+            </a:r>
+            <a:r>
+              <a:rPr lang="fr-FR" sz="1000" b="0">
+                <a:solidFill>
+                  <a:srgbClr val="001080"/>
+                </a:solidFill>
+                <a:effectLst/>
+                <a:latin typeface="Consolas" panose="020B0609020204030204" pitchFamily="49" charset="0"/>
+              </a:rPr>
+              <a:t>query</a:t>
+            </a:r>
+            <a:r>
+              <a:rPr lang="fr-FR" sz="1000" b="0">
+                <a:solidFill>
+                  <a:srgbClr val="3B3B3B"/>
+                </a:solidFill>
+                <a:effectLst/>
+                <a:latin typeface="Consolas" panose="020B0609020204030204" pitchFamily="49" charset="0"/>
+              </a:rPr>
+              <a:t>);             </a:t>
+            </a:r>
+          </a:p>
+          <a:p>
+            <a:pPr marL="0" indent="0">
+              <a:lnSpc>
+                <a:spcPct val="60000"/>
+              </a:lnSpc>
+              <a:buNone/>
+            </a:pPr>
+            <a:r>
+              <a:rPr lang="fr-FR" sz="1000" b="0">
+                <a:solidFill>
+                  <a:srgbClr val="3B3B3B"/>
+                </a:solidFill>
+                <a:effectLst/>
+                <a:latin typeface="Consolas" panose="020B0609020204030204" pitchFamily="49" charset="0"/>
+              </a:rPr>
+              <a:t>    </a:t>
+            </a:r>
+            <a:r>
+              <a:rPr lang="fr-FR" sz="1000" b="0">
+                <a:solidFill>
+                  <a:srgbClr val="AF00DB"/>
+                </a:solidFill>
+                <a:effectLst/>
+                <a:latin typeface="Consolas" panose="020B0609020204030204" pitchFamily="49" charset="0"/>
+              </a:rPr>
+              <a:t>RETURN</a:t>
+            </a:r>
+            <a:r>
+              <a:rPr lang="fr-FR" sz="1000" b="0">
+                <a:solidFill>
+                  <a:srgbClr val="3B3B3B"/>
+                </a:solidFill>
+                <a:effectLst/>
+                <a:latin typeface="Consolas" panose="020B0609020204030204" pitchFamily="49" charset="0"/>
+              </a:rPr>
+              <a:t> </a:t>
+            </a:r>
+            <a:r>
+              <a:rPr lang="fr-FR" sz="1000" b="0">
+                <a:solidFill>
+                  <a:srgbClr val="AF00DB"/>
+                </a:solidFill>
+                <a:effectLst/>
+                <a:latin typeface="Consolas" panose="020B0609020204030204" pitchFamily="49" charset="0"/>
+              </a:rPr>
+              <a:t>TABLE</a:t>
+            </a:r>
+            <a:r>
+              <a:rPr lang="fr-FR" sz="1000" b="0">
+                <a:solidFill>
+                  <a:srgbClr val="3B3B3B"/>
+                </a:solidFill>
+                <a:effectLst/>
+                <a:latin typeface="Consolas" panose="020B0609020204030204" pitchFamily="49" charset="0"/>
+              </a:rPr>
+              <a:t>(</a:t>
+            </a:r>
+            <a:r>
+              <a:rPr lang="fr-FR" sz="1000" b="0">
+                <a:solidFill>
+                  <a:srgbClr val="001080"/>
+                </a:solidFill>
+                <a:effectLst/>
+                <a:latin typeface="Consolas" panose="020B0609020204030204" pitchFamily="49" charset="0"/>
+              </a:rPr>
+              <a:t>res</a:t>
+            </a:r>
+            <a:r>
+              <a:rPr lang="fr-FR" sz="1000" b="0">
+                <a:solidFill>
+                  <a:srgbClr val="3B3B3B"/>
+                </a:solidFill>
+                <a:effectLst/>
+                <a:latin typeface="Consolas" panose="020B0609020204030204" pitchFamily="49" charset="0"/>
+              </a:rPr>
+              <a:t>);</a:t>
+            </a:r>
+          </a:p>
+          <a:p>
+            <a:pPr marL="0" indent="0">
+              <a:lnSpc>
+                <a:spcPct val="60000"/>
+              </a:lnSpc>
+              <a:buNone/>
+            </a:pPr>
+            <a:r>
+              <a:rPr lang="fr-FR" sz="1000" b="0">
+                <a:solidFill>
+                  <a:srgbClr val="AF00DB"/>
+                </a:solidFill>
+                <a:effectLst/>
+                <a:latin typeface="Consolas" panose="020B0609020204030204" pitchFamily="49" charset="0"/>
+              </a:rPr>
+              <a:t>END</a:t>
+            </a:r>
+            <a:r>
+              <a:rPr lang="fr-FR" sz="1000" b="0">
+                <a:solidFill>
+                  <a:srgbClr val="3B3B3B"/>
+                </a:solidFill>
+                <a:effectLst/>
+                <a:latin typeface="Consolas" panose="020B0609020204030204" pitchFamily="49" charset="0"/>
+              </a:rPr>
+              <a:t>;</a:t>
+            </a:r>
+          </a:p>
+          <a:p>
+            <a:pPr lvl="1">
+              <a:defRPr/>
+            </a:pPr>
+            <a:r>
+              <a:rPr lang="fr-FR" sz="1600" b="1">
+                <a:solidFill>
+                  <a:schemeClr val="accent1">
+                    <a:lumMod val="50000"/>
+                  </a:schemeClr>
+                </a:solidFill>
+                <a:latin typeface="Arial" panose="020B0604020202020204" pitchFamily="34" charset="0"/>
+                <a:cs typeface="Arial" panose="020B0604020202020204" pitchFamily="34" charset="0"/>
+              </a:rPr>
+              <a:t>Si la fonction </a:t>
+            </a:r>
+            <a:r>
+              <a:rPr lang="fr-FR" sz="1600" b="0">
+                <a:solidFill>
+                  <a:srgbClr val="001080"/>
+                </a:solidFill>
+                <a:effectLst/>
+                <a:latin typeface="Consolas" panose="020B0609020204030204" pitchFamily="49" charset="0"/>
+              </a:rPr>
+              <a:t>REMOVE_SPECIAL_CHARS </a:t>
+            </a:r>
+            <a:r>
+              <a:rPr lang="fr-FR" sz="1600" b="1">
+                <a:solidFill>
+                  <a:schemeClr val="accent1">
+                    <a:lumMod val="50000"/>
+                  </a:schemeClr>
+                </a:solidFill>
+                <a:latin typeface="Arial" panose="020B0604020202020204" pitchFamily="34" charset="0"/>
+                <a:cs typeface="Arial" panose="020B0604020202020204" pitchFamily="34" charset="0"/>
+              </a:rPr>
+              <a:t>n’est exhaustive alors utiliser la fonction TRANSLATE</a:t>
+            </a:r>
+          </a:p>
+          <a:p>
+            <a:pPr lvl="1">
+              <a:defRPr/>
+            </a:pPr>
+            <a:r>
+              <a:rPr lang="fr-FR" sz="1600" b="1">
+                <a:solidFill>
+                  <a:schemeClr val="accent1">
+                    <a:lumMod val="50000"/>
+                  </a:schemeClr>
+                </a:solidFill>
+                <a:latin typeface="Arial" panose="020B0604020202020204" pitchFamily="34" charset="0"/>
+                <a:cs typeface="Arial" panose="020B0604020202020204" pitchFamily="34" charset="0"/>
+              </a:rPr>
+              <a:t>Point d’attention : détérioration de la performance de la requête</a:t>
+            </a:r>
+          </a:p>
+          <a:p>
+            <a:pPr lvl="2">
+              <a:defRPr/>
+            </a:pPr>
+            <a:r>
+              <a:rPr lang="fr-FR" sz="1200" b="1">
+                <a:solidFill>
+                  <a:schemeClr val="accent1">
+                    <a:lumMod val="50000"/>
+                  </a:schemeClr>
+                </a:solidFill>
+                <a:latin typeface="Arial" panose="020B0604020202020204" pitchFamily="34" charset="0"/>
+                <a:cs typeface="Arial" panose="020B0604020202020204" pitchFamily="34" charset="0"/>
+              </a:rPr>
+              <a:t>Temps relevé sur </a:t>
+            </a:r>
+            <a:r>
+              <a:rPr lang="en-US" sz="1100" b="0">
+                <a:solidFill>
+                  <a:srgbClr val="AF00DB"/>
+                </a:solidFill>
+                <a:effectLst/>
+                <a:latin typeface="Consolas" panose="020B0609020204030204" pitchFamily="49" charset="0"/>
+              </a:rPr>
+              <a:t>call</a:t>
+            </a:r>
+            <a:r>
+              <a:rPr lang="en-US" sz="1100" b="0">
+                <a:solidFill>
+                  <a:srgbClr val="3B3B3B"/>
+                </a:solidFill>
+                <a:effectLst/>
+                <a:latin typeface="Consolas" panose="020B0609020204030204" pitchFamily="49" charset="0"/>
+              </a:rPr>
+              <a:t> </a:t>
+            </a:r>
+            <a:r>
+              <a:rPr lang="en-US" sz="1100" b="0">
+                <a:solidFill>
+                  <a:srgbClr val="001080"/>
+                </a:solidFill>
+                <a:effectLst/>
+                <a:latin typeface="Consolas" panose="020B0609020204030204" pitchFamily="49" charset="0"/>
+              </a:rPr>
+              <a:t>REF_DEV</a:t>
+            </a:r>
+            <a:r>
+              <a:rPr lang="en-US" sz="1100" b="0">
+                <a:solidFill>
+                  <a:srgbClr val="3B3B3B"/>
+                </a:solidFill>
+                <a:effectLst/>
+                <a:latin typeface="Consolas" panose="020B0609020204030204" pitchFamily="49" charset="0"/>
+              </a:rPr>
+              <a:t>.</a:t>
+            </a:r>
+            <a:r>
+              <a:rPr lang="en-US" sz="1100" b="0">
+                <a:solidFill>
+                  <a:srgbClr val="001080"/>
+                </a:solidFill>
+                <a:effectLst/>
+                <a:latin typeface="Consolas" panose="020B0609020204030204" pitchFamily="49" charset="0"/>
+              </a:rPr>
+              <a:t>PUBLIC</a:t>
+            </a:r>
+            <a:r>
+              <a:rPr lang="en-US" sz="1100" b="0">
+                <a:solidFill>
+                  <a:srgbClr val="3B3B3B"/>
+                </a:solidFill>
+                <a:effectLst/>
+                <a:latin typeface="Consolas" panose="020B0609020204030204" pitchFamily="49" charset="0"/>
+              </a:rPr>
+              <a:t>.</a:t>
+            </a:r>
+            <a:r>
+              <a:rPr lang="en-US" sz="1100" b="0">
+                <a:solidFill>
+                  <a:srgbClr val="001080"/>
+                </a:solidFill>
+                <a:effectLst/>
+                <a:latin typeface="Consolas" panose="020B0609020204030204" pitchFamily="49" charset="0"/>
+              </a:rPr>
+              <a:t>GET_ZIP_AND_PLACE_FROM_COUNTRY_AND_PLACE_SEARCH</a:t>
+            </a:r>
+            <a:r>
+              <a:rPr lang="en-US" sz="1100" b="0">
+                <a:solidFill>
+                  <a:srgbClr val="3B3B3B"/>
+                </a:solidFill>
+                <a:effectLst/>
+                <a:latin typeface="Consolas" panose="020B0609020204030204" pitchFamily="49" charset="0"/>
+              </a:rPr>
+              <a:t>(</a:t>
+            </a:r>
+            <a:r>
+              <a:rPr lang="en-US" sz="1100" b="0">
+                <a:solidFill>
+                  <a:srgbClr val="A31515"/>
+                </a:solidFill>
+                <a:effectLst/>
+                <a:latin typeface="Consolas" panose="020B0609020204030204" pitchFamily="49" charset="0"/>
+              </a:rPr>
+              <a:t>'US'</a:t>
+            </a:r>
+            <a:r>
+              <a:rPr lang="en-US" sz="1100" b="0">
+                <a:solidFill>
+                  <a:srgbClr val="3B3B3B"/>
+                </a:solidFill>
+                <a:effectLst/>
+                <a:latin typeface="Consolas" panose="020B0609020204030204" pitchFamily="49" charset="0"/>
+              </a:rPr>
+              <a:t>,</a:t>
+            </a:r>
+            <a:r>
+              <a:rPr lang="en-US" sz="1100" b="0">
+                <a:solidFill>
+                  <a:srgbClr val="A31515"/>
+                </a:solidFill>
+                <a:effectLst/>
+                <a:latin typeface="Consolas" panose="020B0609020204030204" pitchFamily="49" charset="0"/>
+              </a:rPr>
+              <a:t>'Chic’</a:t>
+            </a:r>
+            <a:r>
+              <a:rPr lang="en-US" sz="1100" b="0">
+                <a:solidFill>
+                  <a:srgbClr val="3B3B3B"/>
+                </a:solidFill>
+                <a:effectLst/>
+                <a:latin typeface="Consolas" panose="020B0609020204030204" pitchFamily="49" charset="0"/>
+              </a:rPr>
+              <a:t>); </a:t>
+            </a:r>
+            <a:r>
+              <a:rPr lang="en-US" sz="1100" b="1">
+                <a:solidFill>
+                  <a:srgbClr val="FF0000"/>
+                </a:solidFill>
+                <a:effectLst/>
+                <a:latin typeface="Consolas" panose="020B0609020204030204" pitchFamily="49" charset="0"/>
+              </a:rPr>
+              <a:t>-- 2s</a:t>
+            </a:r>
+            <a:endParaRPr lang="fr-FR" sz="1200" b="1">
+              <a:solidFill>
+                <a:srgbClr val="FF0000"/>
+              </a:solidFill>
+              <a:latin typeface="Arial" panose="020B0604020202020204" pitchFamily="34" charset="0"/>
+              <a:cs typeface="Arial" panose="020B0604020202020204" pitchFamily="34" charset="0"/>
+            </a:endParaRPr>
+          </a:p>
+          <a:p>
+            <a:pPr lvl="2">
+              <a:defRPr/>
+            </a:pPr>
+            <a:r>
+              <a:rPr lang="fr-FR" sz="1200" b="1">
+                <a:solidFill>
+                  <a:schemeClr val="accent1">
+                    <a:lumMod val="50000"/>
+                  </a:schemeClr>
+                </a:solidFill>
+                <a:latin typeface="Arial" panose="020B0604020202020204" pitchFamily="34" charset="0"/>
+                <a:cs typeface="Arial" panose="020B0604020202020204" pitchFamily="34" charset="0"/>
+              </a:rPr>
+              <a:t>Cause : Traitement des paramètres</a:t>
+            </a:r>
+          </a:p>
+          <a:p>
+            <a:pPr lvl="2">
+              <a:defRPr/>
+            </a:pPr>
+            <a:r>
+              <a:rPr lang="fr-FR" sz="1200" b="1" i="1">
+                <a:solidFill>
+                  <a:schemeClr val="accent1">
+                    <a:lumMod val="50000"/>
+                  </a:schemeClr>
+                </a:solidFill>
+                <a:latin typeface="Arial" panose="020B0604020202020204" pitchFamily="34" charset="0"/>
+                <a:cs typeface="Arial" panose="020B0604020202020204" pitchFamily="34" charset="0"/>
+              </a:rPr>
+              <a:t>(idée : passer à une recherche sur une table PLACES_SEARCH au lieu d’une table PLACES_POSTCODES_SEARCH)</a:t>
+            </a:r>
+          </a:p>
+        </p:txBody>
+      </p:sp>
+    </p:spTree>
+    <p:extLst>
+      <p:ext uri="{BB962C8B-B14F-4D97-AF65-F5344CB8AC3E}">
+        <p14:creationId xmlns:p14="http://schemas.microsoft.com/office/powerpoint/2010/main" val="3248383740"/>
+      </p:ext>
+    </p:extLst>
+  </p:cSld>
+  <p:clrMapOvr>
+    <a:masterClrMapping/>
+  </p:clrMapOvr>
+</p:sld>
+</file>
+
+<file path=ppt/slides/slide7.xml><?xml version="1.0" encoding="utf-8"?>
 <p:sld xmlns:a="http://schemas.openxmlformats.org/drawingml/2006/main" xmlns:r="http://schemas.openxmlformats.org/officeDocument/2006/relationships" xmlns:p="http://schemas.openxmlformats.org/presentationml/2006/main">
   <p:cSld>
     <p:spTree>

--- a/EDHEC_Referentiel_Geographique.pptx
+++ b/EDHEC_Referentiel_Geographique.pptx
@@ -5,10 +5,10 @@
     <p:sldMasterId id="2147483747" r:id="rId1"/>
   </p:sldMasterIdLst>
   <p:notesMasterIdLst>
-    <p:notesMasterId r:id="rId9"/>
+    <p:notesMasterId r:id="rId10"/>
   </p:notesMasterIdLst>
   <p:handoutMasterIdLst>
-    <p:handoutMasterId r:id="rId10"/>
+    <p:handoutMasterId r:id="rId11"/>
   </p:handoutMasterIdLst>
   <p:sldIdLst>
     <p:sldId id="2490" r:id="rId2"/>
@@ -16,8 +16,9 @@
     <p:sldId id="2495" r:id="rId4"/>
     <p:sldId id="2496" r:id="rId5"/>
     <p:sldId id="2497" r:id="rId6"/>
-    <p:sldId id="2499" r:id="rId7"/>
-    <p:sldId id="2498" r:id="rId8"/>
+    <p:sldId id="2500" r:id="rId7"/>
+    <p:sldId id="2499" r:id="rId8"/>
+    <p:sldId id="2498" r:id="rId9"/>
   </p:sldIdLst>
   <p:sldSz cx="12192000" cy="6858000"/>
   <p:notesSz cx="6858000" cy="9144000"/>
@@ -1288,6 +1289,133 @@
         <p:cNvPr id="1" name="Shape 2676">
           <a:extLst>
             <a:ext uri="{FF2B5EF4-FFF2-40B4-BE49-F238E27FC236}">
+              <a16:creationId xmlns:a16="http://schemas.microsoft.com/office/drawing/2014/main" id="{7EDE232F-B1C2-4DEA-46C9-6556A11D0E38}"/>
+            </a:ext>
+          </a:extLst>
+        </p:cNvPr>
+        <p:cNvGrpSpPr/>
+        <p:nvPr/>
+      </p:nvGrpSpPr>
+      <p:grpSpPr>
+        <a:xfrm>
+          <a:off x="0" y="0"/>
+          <a:ext cx="0" cy="0"/>
+          <a:chOff x="0" y="0"/>
+          <a:chExt cx="0" cy="0"/>
+        </a:xfrm>
+      </p:grpSpPr>
+      <p:sp>
+        <p:nvSpPr>
+          <p:cNvPr id="2677" name="Google Shape;2677;g9c32b852de_1_709:notes">
+            <a:extLst>
+              <a:ext uri="{FF2B5EF4-FFF2-40B4-BE49-F238E27FC236}">
+                <a16:creationId xmlns:a16="http://schemas.microsoft.com/office/drawing/2014/main" id="{F3BDC6B8-4EFB-A555-D0D2-AC5F2EEC0258}"/>
+              </a:ext>
+            </a:extLst>
+          </p:cNvPr>
+          <p:cNvSpPr txBox="1">
+            <a:spLocks noGrp="1"/>
+          </p:cNvSpPr>
+          <p:nvPr>
+            <p:ph type="body" idx="1"/>
+          </p:nvPr>
+        </p:nvSpPr>
+        <p:spPr>
+          <a:xfrm>
+            <a:off x="685800" y="4343400"/>
+            <a:ext cx="5486400" cy="4114800"/>
+          </a:xfrm>
+          <a:prstGeom prst="rect">
+            <a:avLst/>
+          </a:prstGeom>
+        </p:spPr>
+        <p:txBody>
+          <a:bodyPr spcFirstLastPara="1" wrap="square" lIns="91425" tIns="91425" rIns="91425" bIns="91425" anchor="t" anchorCtr="0">
+            <a:noAutofit/>
+          </a:bodyPr>
+          <a:lstStyle/>
+          <a:p>
+            <a:pPr marL="0" lvl="0" indent="0" algn="l" rtl="0">
+              <a:spcBef>
+                <a:spcPts val="0"/>
+              </a:spcBef>
+              <a:spcAft>
+                <a:spcPts val="0"/>
+              </a:spcAft>
+              <a:buNone/>
+            </a:pPr>
+            <a:endParaRPr/>
+          </a:p>
+        </p:txBody>
+      </p:sp>
+      <p:sp>
+        <p:nvSpPr>
+          <p:cNvPr id="2678" name="Google Shape;2678;g9c32b852de_1_709:notes">
+            <a:extLst>
+              <a:ext uri="{FF2B5EF4-FFF2-40B4-BE49-F238E27FC236}">
+                <a16:creationId xmlns:a16="http://schemas.microsoft.com/office/drawing/2014/main" id="{920033BD-B7BD-2B3C-6EE4-564FA284FE9B}"/>
+              </a:ext>
+            </a:extLst>
+          </p:cNvPr>
+          <p:cNvSpPr>
+            <a:spLocks noGrp="1" noRot="1" noChangeAspect="1"/>
+          </p:cNvSpPr>
+          <p:nvPr>
+            <p:ph type="sldImg" idx="2"/>
+          </p:nvPr>
+        </p:nvSpPr>
+        <p:spPr>
+          <a:xfrm>
+            <a:off x="381000" y="685800"/>
+            <a:ext cx="6096000" cy="3429000"/>
+          </a:xfrm>
+          <a:custGeom>
+            <a:avLst/>
+            <a:gdLst/>
+            <a:ahLst/>
+            <a:cxnLst/>
+            <a:rect l="l" t="t" r="r" b="b"/>
+            <a:pathLst>
+              <a:path w="120000" h="120000" extrusionOk="0">
+                <a:moveTo>
+                  <a:pt x="0" y="0"/>
+                </a:moveTo>
+                <a:lnTo>
+                  <a:pt x="120000" y="0"/>
+                </a:lnTo>
+                <a:lnTo>
+                  <a:pt x="120000" y="120000"/>
+                </a:lnTo>
+                <a:lnTo>
+                  <a:pt x="0" y="120000"/>
+                </a:lnTo>
+                <a:close/>
+              </a:path>
+            </a:pathLst>
+          </a:custGeom>
+        </p:spPr>
+      </p:sp>
+    </p:spTree>
+    <p:extLst>
+      <p:ext uri="{BB962C8B-B14F-4D97-AF65-F5344CB8AC3E}">
+        <p14:creationId xmlns:p14="http://schemas.microsoft.com/office/powerpoint/2010/main" val="4044782287"/>
+      </p:ext>
+    </p:extLst>
+  </p:cSld>
+  <p:clrMapOvr>
+    <a:masterClrMapping/>
+  </p:clrMapOvr>
+</p:notes>
+</file>
+
+<file path=ppt/notesSlides/notesSlide7.xml><?xml version="1.0" encoding="utf-8"?>
+<p:notes xmlns:a="http://schemas.openxmlformats.org/drawingml/2006/main" xmlns:r="http://schemas.openxmlformats.org/officeDocument/2006/relationships" xmlns:p="http://schemas.openxmlformats.org/presentationml/2006/main" showMasterSp="0" showMasterPhAnim="0">
+  <p:cSld>
+    <p:spTree>
+      <p:nvGrpSpPr>
+        <p:cNvPr id="1" name="Shape 2676">
+          <a:extLst>
+            <a:ext uri="{FF2B5EF4-FFF2-40B4-BE49-F238E27FC236}">
               <a16:creationId xmlns:a16="http://schemas.microsoft.com/office/drawing/2014/main" id="{98FFBAB4-0E90-7FB5-8656-AC16E596B949}"/>
             </a:ext>
           </a:extLst>
@@ -1407,7 +1535,7 @@
 </p:notes>
 </file>
 
-<file path=ppt/notesSlides/notesSlide7.xml><?xml version="1.0" encoding="utf-8"?>
+<file path=ppt/notesSlides/notesSlide8.xml><?xml version="1.0" encoding="utf-8"?>
 <p:notes xmlns:a="http://schemas.openxmlformats.org/drawingml/2006/main" xmlns:r="http://schemas.openxmlformats.org/officeDocument/2006/relationships" xmlns:p="http://schemas.openxmlformats.org/presentationml/2006/main" showMasterSp="0" showMasterPhAnim="0">
   <p:cSld>
     <p:spTree>
@@ -11067,19 +11195,10 @@
                 <a:latin typeface="Arial" panose="020B0604020202020204" pitchFamily="34" charset="0"/>
                 <a:cs typeface="Arial" panose="020B0604020202020204" pitchFamily="34" charset="0"/>
               </a:rPr>
-              <a:t>Toujours et encore de la préparation de la donnée &gt; table </a:t>
-            </a:r>
-            <a:r>
-              <a:rPr lang="fr-FR" sz="1400">
-                <a:solidFill>
-                  <a:srgbClr val="001080"/>
-                </a:solidFill>
-                <a:latin typeface="Consolas" panose="020B0609020204030204" pitchFamily="49" charset="0"/>
-              </a:rPr>
-              <a:t>REF_DEV.PUBLIC.PLACES_POSTCODES_SEARCH </a:t>
-            </a:r>
-            <a:r>
-              <a:rPr lang="fr-FR" sz="1600" b="1">
+              <a:t>Pour être plus précis dans la neutralisation des caractères spéciaux - </a:t>
+            </a:r>
+            <a:r>
+              <a:rPr lang="fr-FR" sz="1800" b="1">
                 <a:solidFill>
                   <a:schemeClr val="accent1">
                     <a:lumMod val="50000"/>
@@ -11088,7 +11207,17 @@
                 <a:latin typeface="Arial" panose="020B0604020202020204" pitchFamily="34" charset="0"/>
                 <a:cs typeface="Arial" panose="020B0604020202020204" pitchFamily="34" charset="0"/>
               </a:rPr>
-              <a:t>&lt;</a:t>
+              <a:t>fonction </a:t>
+            </a:r>
+            <a:r>
+              <a:rPr lang="fr-FR" sz="1600" b="0">
+                <a:solidFill>
+                  <a:srgbClr val="001080"/>
+                </a:solidFill>
+                <a:effectLst/>
+                <a:latin typeface="Consolas" panose="020B0609020204030204" pitchFamily="49" charset="0"/>
+              </a:rPr>
+              <a:t>REMOVE_SPECIAL_CHARS_PLUS</a:t>
             </a:r>
           </a:p>
           <a:p>
@@ -11106,17 +11235,17 @@
                 <a:effectLst/>
                 <a:latin typeface="Consolas" panose="020B0609020204030204" pitchFamily="49" charset="0"/>
               </a:rPr>
-              <a:t>SELECT</a:t>
-            </a:r>
-            <a:r>
-              <a:rPr lang="fr-FR" sz="1100" b="0">
-                <a:solidFill>
-                  <a:srgbClr val="3B3B3B"/>
-                </a:solidFill>
-                <a:effectLst/>
-                <a:latin typeface="Consolas" panose="020B0609020204030204" pitchFamily="49" charset="0"/>
-              </a:rPr>
-              <a:t>   </a:t>
+              <a:t>CREATE</a:t>
+            </a:r>
+            <a:r>
+              <a:rPr lang="fr-FR" sz="1100" b="0">
+                <a:solidFill>
+                  <a:srgbClr val="3B3B3B"/>
+                </a:solidFill>
+                <a:effectLst/>
+                <a:latin typeface="Consolas" panose="020B0609020204030204" pitchFamily="49" charset="0"/>
+              </a:rPr>
+              <a:t> </a:t>
             </a:r>
             <a:r>
               <a:rPr lang="fr-FR" sz="1100" b="0">
@@ -11126,7 +11255,7 @@
                 <a:effectLst/>
                 <a:latin typeface="Consolas" panose="020B0609020204030204" pitchFamily="49" charset="0"/>
               </a:rPr>
-              <a:t>CASE</a:t>
+              <a:t>OR</a:t>
             </a:r>
             <a:r>
               <a:rPr lang="fr-FR" sz="1100" b="0">
@@ -11146,7 +11275,7 @@
                 <a:effectLst/>
                 <a:latin typeface="Consolas" panose="020B0609020204030204" pitchFamily="49" charset="0"/>
               </a:rPr>
-              <a:t>WHEN</a:t>
+              <a:t>REPLACE</a:t>
             </a:r>
             <a:r>
               <a:rPr lang="fr-FR" sz="1100" b="0">
@@ -11161,12 +11290,32 @@
             <a:r>
               <a:rPr lang="fr-FR" sz="1100" b="0">
                 <a:solidFill>
-                  <a:srgbClr val="001080"/>
-                </a:solidFill>
-                <a:effectLst/>
-                <a:latin typeface="Consolas" panose="020B0609020204030204" pitchFamily="49" charset="0"/>
-              </a:rPr>
-              <a:t>DL1</a:t>
+                  <a:srgbClr val="AF00DB"/>
+                </a:solidFill>
+                <a:effectLst/>
+                <a:latin typeface="Consolas" panose="020B0609020204030204" pitchFamily="49" charset="0"/>
+              </a:rPr>
+              <a:t>FUNCTION</a:t>
+            </a:r>
+            <a:r>
+              <a:rPr lang="fr-FR" sz="1100" b="0">
+                <a:solidFill>
+                  <a:srgbClr val="3B3B3B"/>
+                </a:solidFill>
+                <a:effectLst/>
+                <a:latin typeface="Consolas" panose="020B0609020204030204" pitchFamily="49" charset="0"/>
+              </a:rPr>
+              <a:t> </a:t>
+            </a:r>
+            <a:r>
+              <a:rPr lang="fr-FR" sz="1100" b="0">
+                <a:solidFill>
+                  <a:srgbClr val="001080"/>
+                </a:solidFill>
+                <a:effectLst/>
+                <a:latin typeface="Consolas" panose="020B0609020204030204" pitchFamily="49" charset="0"/>
+              </a:rPr>
+              <a:t>REF_DEV</a:t>
             </a:r>
             <a:r>
               <a:rPr lang="fr-FR" sz="1100" b="0">
@@ -11186,7 +11335,47 @@
                 <a:effectLst/>
                 <a:latin typeface="Consolas" panose="020B0609020204030204" pitchFamily="49" charset="0"/>
               </a:rPr>
-              <a:t>SOVEREIGN</a:t>
+              <a:t>PUBLIC</a:t>
+            </a:r>
+            <a:r>
+              <a:rPr lang="fr-FR" sz="1100" b="0">
+                <a:solidFill>
+                  <a:srgbClr val="3B3B3B"/>
+                </a:solidFill>
+                <a:effectLst/>
+                <a:latin typeface="Consolas" panose="020B0609020204030204" pitchFamily="49" charset="0"/>
+              </a:rPr>
+              <a:t>.</a:t>
+            </a:r>
+            <a:r>
+              <a:rPr lang="fr-FR" sz="1100" b="0">
+                <a:solidFill>
+                  <a:srgbClr val="001080"/>
+                </a:solidFill>
+                <a:effectLst/>
+                <a:latin typeface="Consolas" panose="020B0609020204030204" pitchFamily="49" charset="0"/>
+              </a:rPr>
+              <a:t>REMOVE_SPECIAL_CHARS_PLUS</a:t>
+            </a:r>
+            <a:r>
+              <a:rPr lang="fr-FR" sz="1100" b="0">
+                <a:solidFill>
+                  <a:srgbClr val="3B3B3B"/>
+                </a:solidFill>
+                <a:effectLst/>
+                <a:latin typeface="Consolas" panose="020B0609020204030204" pitchFamily="49" charset="0"/>
+              </a:rPr>
+              <a:t>(</a:t>
+            </a:r>
+            <a:r>
+              <a:rPr lang="fr-FR" sz="1100" b="0">
+                <a:solidFill>
+                  <a:srgbClr val="001080"/>
+                </a:solidFill>
+                <a:effectLst/>
+                <a:latin typeface="Consolas" panose="020B0609020204030204" pitchFamily="49" charset="0"/>
+              </a:rPr>
+              <a:t>ptest</a:t>
             </a:r>
             <a:r>
               <a:rPr lang="fr-FR" sz="1100" b="0">
@@ -11206,207 +11395,7 @@
                 <a:effectLst/>
                 <a:latin typeface="Consolas" panose="020B0609020204030204" pitchFamily="49" charset="0"/>
               </a:rPr>
-              <a:t>IS</a:t>
-            </a:r>
-            <a:r>
-              <a:rPr lang="fr-FR" sz="1100" b="0">
-                <a:solidFill>
-                  <a:srgbClr val="3B3B3B"/>
-                </a:solidFill>
-                <a:effectLst/>
-                <a:latin typeface="Consolas" panose="020B0609020204030204" pitchFamily="49" charset="0"/>
-              </a:rPr>
-              <a:t> </a:t>
-            </a:r>
-            <a:r>
-              <a:rPr lang="fr-FR" sz="1100" b="0">
-                <a:solidFill>
-                  <a:srgbClr val="001080"/>
-                </a:solidFill>
-                <a:effectLst/>
-                <a:latin typeface="Consolas" panose="020B0609020204030204" pitchFamily="49" charset="0"/>
-              </a:rPr>
-              <a:t>NULL</a:t>
-            </a:r>
-            <a:r>
-              <a:rPr lang="fr-FR" sz="1100" b="0">
-                <a:solidFill>
-                  <a:srgbClr val="3B3B3B"/>
-                </a:solidFill>
-                <a:effectLst/>
-                <a:latin typeface="Consolas" panose="020B0609020204030204" pitchFamily="49" charset="0"/>
-              </a:rPr>
-              <a:t> </a:t>
-            </a:r>
-            <a:r>
-              <a:rPr lang="fr-FR" sz="1100" b="0">
-                <a:solidFill>
-                  <a:srgbClr val="AF00DB"/>
-                </a:solidFill>
-                <a:effectLst/>
-                <a:latin typeface="Consolas" panose="020B0609020204030204" pitchFamily="49" charset="0"/>
-              </a:rPr>
-              <a:t>OR</a:t>
-            </a:r>
-            <a:r>
-              <a:rPr lang="fr-FR" sz="1100" b="0">
-                <a:solidFill>
-                  <a:srgbClr val="3B3B3B"/>
-                </a:solidFill>
-                <a:effectLst/>
-                <a:latin typeface="Consolas" panose="020B0609020204030204" pitchFamily="49" charset="0"/>
-              </a:rPr>
-              <a:t> </a:t>
-            </a:r>
-            <a:r>
-              <a:rPr lang="fr-FR" sz="1100" b="0">
-                <a:solidFill>
-                  <a:srgbClr val="001080"/>
-                </a:solidFill>
-                <a:effectLst/>
-                <a:latin typeface="Consolas" panose="020B0609020204030204" pitchFamily="49" charset="0"/>
-              </a:rPr>
-              <a:t>TRIM</a:t>
-            </a:r>
-            <a:r>
-              <a:rPr lang="fr-FR" sz="1100" b="0">
-                <a:solidFill>
-                  <a:srgbClr val="3B3B3B"/>
-                </a:solidFill>
-                <a:effectLst/>
-                <a:latin typeface="Consolas" panose="020B0609020204030204" pitchFamily="49" charset="0"/>
-              </a:rPr>
-              <a:t>(</a:t>
-            </a:r>
-            <a:r>
-              <a:rPr lang="fr-FR" sz="1100" b="0">
-                <a:solidFill>
-                  <a:srgbClr val="001080"/>
-                </a:solidFill>
-                <a:effectLst/>
-                <a:latin typeface="Consolas" panose="020B0609020204030204" pitchFamily="49" charset="0"/>
-              </a:rPr>
-              <a:t>DL1</a:t>
-            </a:r>
-            <a:r>
-              <a:rPr lang="fr-FR" sz="1100" b="0">
-                <a:solidFill>
-                  <a:srgbClr val="3B3B3B"/>
-                </a:solidFill>
-                <a:effectLst/>
-                <a:latin typeface="Consolas" panose="020B0609020204030204" pitchFamily="49" charset="0"/>
-              </a:rPr>
-              <a:t>.</a:t>
-            </a:r>
-            <a:r>
-              <a:rPr lang="fr-FR" sz="1100" b="0">
-                <a:solidFill>
-                  <a:srgbClr val="001080"/>
-                </a:solidFill>
-                <a:effectLst/>
-                <a:latin typeface="Consolas" panose="020B0609020204030204" pitchFamily="49" charset="0"/>
-              </a:rPr>
-              <a:t>SOVEREIGN</a:t>
-            </a:r>
-            <a:r>
-              <a:rPr lang="fr-FR" sz="1100" b="0">
-                <a:solidFill>
-                  <a:srgbClr val="3B3B3B"/>
-                </a:solidFill>
-                <a:effectLst/>
-                <a:latin typeface="Consolas" panose="020B0609020204030204" pitchFamily="49" charset="0"/>
-              </a:rPr>
-              <a:t>)=</a:t>
-            </a:r>
-            <a:r>
-              <a:rPr lang="fr-FR" sz="1100" b="0">
-                <a:solidFill>
-                  <a:srgbClr val="A31515"/>
-                </a:solidFill>
-                <a:effectLst/>
-                <a:latin typeface="Consolas" panose="020B0609020204030204" pitchFamily="49" charset="0"/>
-              </a:rPr>
-              <a:t>''</a:t>
-            </a:r>
-            <a:r>
-              <a:rPr lang="fr-FR" sz="1100" b="0">
-                <a:solidFill>
-                  <a:srgbClr val="3B3B3B"/>
-                </a:solidFill>
-                <a:effectLst/>
-                <a:latin typeface="Consolas" panose="020B0609020204030204" pitchFamily="49" charset="0"/>
-              </a:rPr>
-              <a:t> </a:t>
-            </a:r>
-            <a:r>
-              <a:rPr lang="fr-FR" sz="1100" b="0">
-                <a:solidFill>
-                  <a:srgbClr val="AF00DB"/>
-                </a:solidFill>
-                <a:effectLst/>
-                <a:latin typeface="Consolas" panose="020B0609020204030204" pitchFamily="49" charset="0"/>
-              </a:rPr>
-              <a:t>THEN</a:t>
-            </a:r>
-            <a:r>
-              <a:rPr lang="fr-FR" sz="1100" b="0">
-                <a:solidFill>
-                  <a:srgbClr val="3B3B3B"/>
-                </a:solidFill>
-                <a:effectLst/>
-                <a:latin typeface="Consolas" panose="020B0609020204030204" pitchFamily="49" charset="0"/>
-              </a:rPr>
-              <a:t> </a:t>
-            </a:r>
-            <a:r>
-              <a:rPr lang="fr-FR" sz="1100" b="0">
-                <a:solidFill>
-                  <a:srgbClr val="001080"/>
-                </a:solidFill>
-                <a:effectLst/>
-                <a:latin typeface="Consolas" panose="020B0609020204030204" pitchFamily="49" charset="0"/>
-              </a:rPr>
-              <a:t>UPPER</a:t>
-            </a:r>
-            <a:r>
-              <a:rPr lang="fr-FR" sz="1100" b="0">
-                <a:solidFill>
-                  <a:srgbClr val="3B3B3B"/>
-                </a:solidFill>
-                <a:effectLst/>
-                <a:latin typeface="Consolas" panose="020B0609020204030204" pitchFamily="49" charset="0"/>
-              </a:rPr>
-              <a:t>(</a:t>
-            </a:r>
-            <a:r>
-              <a:rPr lang="fr-FR" sz="1100" b="0">
-                <a:solidFill>
-                  <a:srgbClr val="001080"/>
-                </a:solidFill>
-                <a:effectLst/>
-                <a:latin typeface="Consolas" panose="020B0609020204030204" pitchFamily="49" charset="0"/>
-              </a:rPr>
-              <a:t>PL</a:t>
-            </a:r>
-            <a:r>
-              <a:rPr lang="fr-FR" sz="1100" b="0">
-                <a:solidFill>
-                  <a:srgbClr val="3B3B3B"/>
-                </a:solidFill>
-                <a:effectLst/>
-                <a:latin typeface="Consolas" panose="020B0609020204030204" pitchFamily="49" charset="0"/>
-              </a:rPr>
-              <a:t>.</a:t>
-            </a:r>
-            <a:r>
-              <a:rPr lang="fr-FR" sz="1100" b="0">
-                <a:solidFill>
-                  <a:srgbClr val="001080"/>
-                </a:solidFill>
-                <a:effectLst/>
-                <a:latin typeface="Consolas" panose="020B0609020204030204" pitchFamily="49" charset="0"/>
-              </a:rPr>
-              <a:t>ISO</a:t>
+              <a:t>text</a:t>
             </a:r>
             <a:r>
               <a:rPr lang="fr-FR" sz="1100" b="0">
@@ -11429,22 +11418,12 @@
             <a:r>
               <a:rPr lang="fr-FR" sz="1100" b="0">
                 <a:solidFill>
-                  <a:srgbClr val="3B3B3B"/>
-                </a:solidFill>
-                <a:effectLst/>
-                <a:latin typeface="Consolas" panose="020B0609020204030204" pitchFamily="49" charset="0"/>
-              </a:rPr>
-              <a:t>              </a:t>
-            </a:r>
-            <a:r>
-              <a:rPr lang="fr-FR" sz="1100" b="0">
-                <a:solidFill>
                   <a:srgbClr val="AF00DB"/>
                 </a:solidFill>
                 <a:effectLst/>
                 <a:latin typeface="Consolas" panose="020B0609020204030204" pitchFamily="49" charset="0"/>
               </a:rPr>
-              <a:t>ELSE</a:t>
+              <a:t>RETURNS</a:t>
             </a:r>
             <a:r>
               <a:rPr lang="fr-FR" sz="1100" b="0">
@@ -11459,110 +11438,12 @@
             <a:r>
               <a:rPr lang="fr-FR" sz="1100" b="0">
                 <a:solidFill>
-                  <a:srgbClr val="001080"/>
-                </a:solidFill>
-                <a:effectLst/>
-                <a:latin typeface="Consolas" panose="020B0609020204030204" pitchFamily="49" charset="0"/>
-              </a:rPr>
-              <a:t>UPPER</a:t>
-            </a:r>
-            <a:r>
-              <a:rPr lang="fr-FR" sz="1100" b="0">
-                <a:solidFill>
-                  <a:srgbClr val="3B3B3B"/>
-                </a:solidFill>
-                <a:effectLst/>
-                <a:latin typeface="Consolas" panose="020B0609020204030204" pitchFamily="49" charset="0"/>
-              </a:rPr>
-              <a:t>(</a:t>
-            </a:r>
-            <a:r>
-              <a:rPr lang="fr-FR" sz="1100" b="0">
-                <a:solidFill>
-                  <a:srgbClr val="001080"/>
-                </a:solidFill>
-                <a:effectLst/>
-                <a:latin typeface="Consolas" panose="020B0609020204030204" pitchFamily="49" charset="0"/>
-              </a:rPr>
-              <a:t>DL1</a:t>
-            </a:r>
-            <a:r>
-              <a:rPr lang="fr-FR" sz="1100" b="0">
-                <a:solidFill>
-                  <a:srgbClr val="3B3B3B"/>
-                </a:solidFill>
-                <a:effectLst/>
-                <a:latin typeface="Consolas" panose="020B0609020204030204" pitchFamily="49" charset="0"/>
-              </a:rPr>
-              <a:t>.</a:t>
-            </a:r>
-            <a:r>
-              <a:rPr lang="fr-FR" sz="1100" b="0">
-                <a:solidFill>
-                  <a:srgbClr val="001080"/>
-                </a:solidFill>
-                <a:effectLst/>
-                <a:latin typeface="Consolas" panose="020B0609020204030204" pitchFamily="49" charset="0"/>
-              </a:rPr>
-              <a:t>SOVEREIGN</a:t>
-            </a:r>
-            <a:r>
-              <a:rPr lang="fr-FR" sz="1100" b="0">
-                <a:solidFill>
-                  <a:srgbClr val="3B3B3B"/>
-                </a:solidFill>
-                <a:effectLst/>
-                <a:latin typeface="Consolas" panose="020B0609020204030204" pitchFamily="49" charset="0"/>
-              </a:rPr>
-              <a:t>) </a:t>
-            </a:r>
-          </a:p>
-          <a:p>
-            <a:pPr marL="457200" lvl="1" indent="0">
-              <a:lnSpc>
-                <a:spcPct val="70000"/>
-              </a:lnSpc>
-              <a:buNone/>
-            </a:pPr>
-            <a:r>
-              <a:rPr lang="fr-FR" sz="1100" b="0">
-                <a:solidFill>
-                  <a:srgbClr val="3B3B3B"/>
-                </a:solidFill>
-                <a:effectLst/>
-                <a:latin typeface="Consolas" panose="020B0609020204030204" pitchFamily="49" charset="0"/>
-              </a:rPr>
-              <a:t>         </a:t>
-            </a:r>
-            <a:r>
-              <a:rPr lang="fr-FR" sz="1100" b="0">
-                <a:solidFill>
                   <a:srgbClr val="AF00DB"/>
                 </a:solidFill>
                 <a:effectLst/>
                 <a:latin typeface="Consolas" panose="020B0609020204030204" pitchFamily="49" charset="0"/>
               </a:rPr>
-              <a:t>END</a:t>
-            </a:r>
-            <a:r>
-              <a:rPr lang="fr-FR" sz="1100" b="0">
-                <a:solidFill>
-                  <a:srgbClr val="3B3B3B"/>
-                </a:solidFill>
-                <a:effectLst/>
-                <a:latin typeface="Consolas" panose="020B0609020204030204" pitchFamily="49" charset="0"/>
-              </a:rPr>
-              <a:t> </a:t>
-            </a:r>
-            <a:r>
-              <a:rPr lang="fr-FR" sz="1100" b="0">
-                <a:solidFill>
-                  <a:srgbClr val="001080"/>
-                </a:solidFill>
-                <a:effectLst/>
-                <a:latin typeface="Consolas" panose="020B0609020204030204" pitchFamily="49" charset="0"/>
-              </a:rPr>
-              <a:t>COUNTRY_CODE</a:t>
+              <a:t>TEXT</a:t>
             </a:r>
             <a:endParaRPr lang="fr-FR" sz="1100" b="0">
               <a:solidFill>
@@ -11582,42 +11463,32 @@
             <a:r>
               <a:rPr lang="fr-FR" sz="1100" b="0">
                 <a:solidFill>
-                  <a:srgbClr val="3B3B3B"/>
-                </a:solidFill>
-                <a:effectLst/>
-                <a:latin typeface="Consolas" panose="020B0609020204030204" pitchFamily="49" charset="0"/>
-              </a:rPr>
-              <a:t>        ,</a:t>
-            </a:r>
-            <a:r>
-              <a:rPr lang="fr-FR" sz="1100" b="0">
-                <a:solidFill>
-                  <a:srgbClr val="001080"/>
-                </a:solidFill>
-                <a:effectLst/>
-                <a:latin typeface="Consolas" panose="020B0609020204030204" pitchFamily="49" charset="0"/>
-              </a:rPr>
-              <a:t>PL</a:t>
-            </a:r>
-            <a:r>
-              <a:rPr lang="fr-FR" sz="1100" b="0">
-                <a:solidFill>
-                  <a:srgbClr val="3B3B3B"/>
-                </a:solidFill>
-                <a:effectLst/>
-                <a:latin typeface="Consolas" panose="020B0609020204030204" pitchFamily="49" charset="0"/>
-              </a:rPr>
-              <a:t>.</a:t>
-            </a:r>
-            <a:r>
-              <a:rPr lang="fr-FR" sz="1100" b="0">
-                <a:solidFill>
-                  <a:srgbClr val="001080"/>
-                </a:solidFill>
-                <a:effectLst/>
-                <a:latin typeface="Consolas" panose="020B0609020204030204" pitchFamily="49" charset="0"/>
-              </a:rPr>
-              <a:t>PLACES_ID</a:t>
+                  <a:srgbClr val="AF00DB"/>
+                </a:solidFill>
+                <a:effectLst/>
+                <a:latin typeface="Consolas" panose="020B0609020204030204" pitchFamily="49" charset="0"/>
+              </a:rPr>
+              <a:t>LANGUAGE</a:t>
+            </a:r>
+            <a:r>
+              <a:rPr lang="fr-FR" sz="1100" b="0">
+                <a:solidFill>
+                  <a:srgbClr val="3B3B3B"/>
+                </a:solidFill>
+                <a:effectLst/>
+                <a:latin typeface="Consolas" panose="020B0609020204030204" pitchFamily="49" charset="0"/>
+              </a:rPr>
+              <a:t> </a:t>
+            </a:r>
+            <a:r>
+              <a:rPr lang="fr-FR" sz="1100" b="0">
+                <a:solidFill>
+                  <a:srgbClr val="001080"/>
+                </a:solidFill>
+                <a:effectLst/>
+                <a:latin typeface="Consolas" panose="020B0609020204030204" pitchFamily="49" charset="0"/>
+              </a:rPr>
+              <a:t>SQL</a:t>
             </a:r>
             <a:endParaRPr lang="fr-FR" sz="1100" b="0">
               <a:solidFill>
@@ -11637,122 +11508,12 @@
             <a:r>
               <a:rPr lang="fr-FR" sz="1100" b="0">
                 <a:solidFill>
-                  <a:srgbClr val="3B3B3B"/>
-                </a:solidFill>
-                <a:effectLst/>
-                <a:latin typeface="Consolas" panose="020B0609020204030204" pitchFamily="49" charset="0"/>
-              </a:rPr>
-              <a:t>        ,</a:t>
-            </a:r>
-            <a:r>
-              <a:rPr lang="fr-FR" sz="1100" b="0">
-                <a:solidFill>
                   <a:srgbClr val="AF00DB"/>
                 </a:solidFill>
                 <a:effectLst/>
                 <a:latin typeface="Consolas" panose="020B0609020204030204" pitchFamily="49" charset="0"/>
               </a:rPr>
-              <a:t>REPLACE</a:t>
-            </a:r>
-            <a:r>
-              <a:rPr lang="fr-FR" sz="1100" b="0">
-                <a:solidFill>
-                  <a:srgbClr val="3B3B3B"/>
-                </a:solidFill>
-                <a:effectLst/>
-                <a:latin typeface="Consolas" panose="020B0609020204030204" pitchFamily="49" charset="0"/>
-              </a:rPr>
-              <a:t>(</a:t>
-            </a:r>
-            <a:r>
-              <a:rPr lang="fr-FR" sz="1100" b="0">
-                <a:solidFill>
-                  <a:srgbClr val="001080"/>
-                </a:solidFill>
-                <a:effectLst/>
-                <a:latin typeface="Consolas" panose="020B0609020204030204" pitchFamily="49" charset="0"/>
-              </a:rPr>
-              <a:t>PL</a:t>
-            </a:r>
-            <a:r>
-              <a:rPr lang="fr-FR" sz="1100" b="0">
-                <a:solidFill>
-                  <a:srgbClr val="3B3B3B"/>
-                </a:solidFill>
-                <a:effectLst/>
-                <a:latin typeface="Consolas" panose="020B0609020204030204" pitchFamily="49" charset="0"/>
-              </a:rPr>
-              <a:t>.</a:t>
-            </a:r>
-            <a:r>
-              <a:rPr lang="fr-FR" sz="1100" b="0">
-                <a:solidFill>
-                  <a:srgbClr val="001080"/>
-                </a:solidFill>
-                <a:effectLst/>
-                <a:latin typeface="Consolas" panose="020B0609020204030204" pitchFamily="49" charset="0"/>
-              </a:rPr>
-              <a:t>POSTCODE</a:t>
-            </a:r>
-            <a:r>
-              <a:rPr lang="fr-FR" sz="1100" b="0">
-                <a:solidFill>
-                  <a:srgbClr val="3B3B3B"/>
-                </a:solidFill>
-                <a:effectLst/>
-                <a:latin typeface="Consolas" panose="020B0609020204030204" pitchFamily="49" charset="0"/>
-              </a:rPr>
-              <a:t>,</a:t>
-            </a:r>
-            <a:r>
-              <a:rPr lang="fr-FR" sz="1100" b="0">
-                <a:solidFill>
-                  <a:srgbClr val="A31515"/>
-                </a:solidFill>
-                <a:effectLst/>
-                <a:latin typeface="Consolas" panose="020B0609020204030204" pitchFamily="49" charset="0"/>
-              </a:rPr>
-              <a:t>' '</a:t>
-            </a:r>
-            <a:r>
-              <a:rPr lang="fr-FR" sz="1100" b="0">
-                <a:solidFill>
-                  <a:srgbClr val="3B3B3B"/>
-                </a:solidFill>
-                <a:effectLst/>
-                <a:latin typeface="Consolas" panose="020B0609020204030204" pitchFamily="49" charset="0"/>
-              </a:rPr>
-              <a:t>) </a:t>
-            </a:r>
-            <a:r>
-              <a:rPr lang="fr-FR" sz="1100" b="0">
-                <a:solidFill>
-                  <a:srgbClr val="AF00DB"/>
-                </a:solidFill>
-                <a:effectLst/>
-                <a:latin typeface="Consolas" panose="020B0609020204030204" pitchFamily="49" charset="0"/>
-              </a:rPr>
               <a:t>AS</a:t>
-            </a:r>
-            <a:r>
-              <a:rPr lang="fr-FR" sz="1100" b="0">
-                <a:solidFill>
-                  <a:srgbClr val="3B3B3B"/>
-                </a:solidFill>
-                <a:effectLst/>
-                <a:latin typeface="Consolas" panose="020B0609020204030204" pitchFamily="49" charset="0"/>
-              </a:rPr>
-              <a:t> </a:t>
-            </a:r>
-            <a:r>
-              <a:rPr lang="fr-FR" sz="1100" b="0">
-                <a:solidFill>
-                  <a:srgbClr val="001080"/>
-                </a:solidFill>
-                <a:effectLst/>
-                <a:latin typeface="Consolas" panose="020B0609020204030204" pitchFamily="49" charset="0"/>
-              </a:rPr>
-              <a:t>POSTCODE</a:t>
             </a:r>
             <a:r>
               <a:rPr lang="fr-FR" sz="1100" b="0">
@@ -11775,22 +11536,12 @@
             <a:r>
               <a:rPr lang="fr-FR" sz="1100" b="0">
                 <a:solidFill>
-                  <a:srgbClr val="3B3B3B"/>
-                </a:solidFill>
-                <a:effectLst/>
-                <a:latin typeface="Consolas" panose="020B0609020204030204" pitchFamily="49" charset="0"/>
-              </a:rPr>
-              <a:t>        ,</a:t>
-            </a:r>
-            <a:r>
-              <a:rPr lang="fr-FR" sz="1100" b="0">
-                <a:solidFill>
-                  <a:srgbClr val="001080"/>
-                </a:solidFill>
-                <a:effectLst/>
-                <a:latin typeface="Consolas" panose="020B0609020204030204" pitchFamily="49" charset="0"/>
-              </a:rPr>
-              <a:t>LOCALITY</a:t>
+                  <a:srgbClr val="A31515"/>
+                </a:solidFill>
+                <a:effectLst/>
+                <a:latin typeface="Consolas" panose="020B0609020204030204" pitchFamily="49" charset="0"/>
+              </a:rPr>
+              <a:t>$$</a:t>
             </a:r>
             <a:endParaRPr lang="fr-FR" sz="1100" b="0">
               <a:solidFill>
@@ -11815,12 +11566,32 @@
                 <a:effectLst/>
                 <a:latin typeface="Consolas" panose="020B0609020204030204" pitchFamily="49" charset="0"/>
               </a:rPr>
-              <a:t>        ,</a:t>
-            </a:r>
-            <a:r>
-              <a:rPr lang="fr-FR" sz="1100" b="0">
-                <a:solidFill>
-                  <a:srgbClr val="001080"/>
+              <a:t> </a:t>
+            </a:r>
+            <a:r>
+              <a:rPr lang="fr-FR" sz="1100" b="0">
+                <a:solidFill>
+                  <a:srgbClr val="0070C1"/>
+                </a:solidFill>
+                <a:effectLst/>
+                <a:latin typeface="Consolas" panose="020B0609020204030204" pitchFamily="49" charset="0"/>
+              </a:rPr>
+              <a:t>SELECT</a:t>
+            </a:r>
+            <a:r>
+              <a:rPr lang="fr-FR" sz="1100" b="0">
+                <a:solidFill>
+                  <a:srgbClr val="3B3B3B"/>
+                </a:solidFill>
+                <a:effectLst/>
+                <a:latin typeface="Consolas" panose="020B0609020204030204" pitchFamily="49" charset="0"/>
+              </a:rPr>
+              <a:t> </a:t>
+            </a:r>
+            <a:r>
+              <a:rPr lang="fr-FR" sz="1100" b="0">
+                <a:solidFill>
+                  <a:srgbClr val="795E26"/>
                 </a:solidFill>
                 <a:effectLst/>
                 <a:highlight>
@@ -11836,97 +11607,17 @@
                   <a:srgbClr val="3B3B3B"/>
                 </a:solidFill>
                 <a:effectLst/>
-                <a:latin typeface="Consolas" panose="020B0609020204030204" pitchFamily="49" charset="0"/>
-              </a:rPr>
-              <a:t>(</a:t>
-            </a:r>
-            <a:r>
-              <a:rPr lang="fr-FR" sz="1100" b="0">
-                <a:solidFill>
-                  <a:srgbClr val="001080"/>
-                </a:solidFill>
-                <a:effectLst/>
                 <a:highlight>
                   <a:srgbClr val="FFFF00"/>
                 </a:highlight>
                 <a:latin typeface="Consolas" panose="020B0609020204030204" pitchFamily="49" charset="0"/>
               </a:rPr>
-              <a:t>REGEXP_REPLACE</a:t>
-            </a:r>
-            <a:r>
-              <a:rPr lang="fr-FR" sz="1100" b="0">
-                <a:solidFill>
-                  <a:srgbClr val="3B3B3B"/>
-                </a:solidFill>
-                <a:effectLst/>
-                <a:latin typeface="Consolas" panose="020B0609020204030204" pitchFamily="49" charset="0"/>
-              </a:rPr>
               <a:t>(</a:t>
             </a:r>
             <a:r>
               <a:rPr lang="fr-FR" sz="1100" b="0">
                 <a:solidFill>
-                  <a:srgbClr val="001080"/>
-                </a:solidFill>
-                <a:effectLst/>
-                <a:latin typeface="Consolas" panose="020B0609020204030204" pitchFamily="49" charset="0"/>
-              </a:rPr>
-              <a:t>trim</a:t>
-            </a:r>
-            <a:r>
-              <a:rPr lang="fr-FR" sz="1100" b="0">
-                <a:solidFill>
-                  <a:srgbClr val="3B3B3B"/>
-                </a:solidFill>
-                <a:effectLst/>
-                <a:latin typeface="Consolas" panose="020B0609020204030204" pitchFamily="49" charset="0"/>
-              </a:rPr>
-              <a:t>(</a:t>
-            </a:r>
-            <a:r>
-              <a:rPr lang="fr-FR" sz="1100" b="0">
-                <a:solidFill>
-                  <a:srgbClr val="001080"/>
-                </a:solidFill>
-                <a:effectLst/>
-                <a:latin typeface="Consolas" panose="020B0609020204030204" pitchFamily="49" charset="0"/>
-              </a:rPr>
-              <a:t>REF_DEV</a:t>
-            </a:r>
-            <a:r>
-              <a:rPr lang="fr-FR" sz="1100" b="0">
-                <a:solidFill>
-                  <a:srgbClr val="3B3B3B"/>
-                </a:solidFill>
-                <a:effectLst/>
-                <a:latin typeface="Consolas" panose="020B0609020204030204" pitchFamily="49" charset="0"/>
-              </a:rPr>
-              <a:t>.</a:t>
-            </a:r>
-            <a:r>
-              <a:rPr lang="fr-FR" sz="1100" b="0">
-                <a:solidFill>
-                  <a:srgbClr val="001080"/>
-                </a:solidFill>
-                <a:effectLst/>
-                <a:latin typeface="Consolas" panose="020B0609020204030204" pitchFamily="49" charset="0"/>
-              </a:rPr>
-              <a:t>PUBLIC</a:t>
-            </a:r>
-            <a:r>
-              <a:rPr lang="fr-FR" sz="1100" b="0">
-                <a:solidFill>
-                  <a:srgbClr val="3B3B3B"/>
-                </a:solidFill>
-                <a:effectLst/>
-                <a:latin typeface="Consolas" panose="020B0609020204030204" pitchFamily="49" charset="0"/>
-              </a:rPr>
-              <a:t>.</a:t>
-            </a:r>
-            <a:r>
-              <a:rPr lang="fr-FR" sz="1100" b="0">
-                <a:solidFill>
-                  <a:srgbClr val="001080"/>
+                  <a:srgbClr val="795E26"/>
                 </a:solidFill>
                 <a:effectLst/>
                 <a:highlight>
@@ -11934,42 +11625,12 @@
                 </a:highlight>
                 <a:latin typeface="Consolas" panose="020B0609020204030204" pitchFamily="49" charset="0"/>
               </a:rPr>
-              <a:t>REMOVE_SPECIAL_CHARS</a:t>
-            </a:r>
-            <a:r>
-              <a:rPr lang="fr-FR" sz="1100" b="0">
-                <a:solidFill>
-                  <a:srgbClr val="3B3B3B"/>
-                </a:solidFill>
-                <a:effectLst/>
-                <a:latin typeface="Consolas" panose="020B0609020204030204" pitchFamily="49" charset="0"/>
-              </a:rPr>
-              <a:t>(</a:t>
-            </a:r>
-            <a:r>
-              <a:rPr lang="fr-FR" sz="1100" b="0">
-                <a:solidFill>
-                  <a:srgbClr val="001080"/>
-                </a:solidFill>
-                <a:effectLst/>
-                <a:latin typeface="Consolas" panose="020B0609020204030204" pitchFamily="49" charset="0"/>
-              </a:rPr>
-              <a:t>LOCALITY</a:t>
-            </a:r>
-            <a:r>
-              <a:rPr lang="fr-FR" sz="1100" b="0">
-                <a:solidFill>
-                  <a:srgbClr val="3B3B3B"/>
-                </a:solidFill>
-                <a:effectLst/>
-                <a:latin typeface="Consolas" panose="020B0609020204030204" pitchFamily="49" charset="0"/>
-              </a:rPr>
-              <a:t>)), </a:t>
-            </a:r>
-            <a:r>
-              <a:rPr lang="fr-FR" sz="1100" b="0">
-                <a:solidFill>
-                  <a:srgbClr val="A31515"/>
+              <a:t>TRANSLATE</a:t>
+            </a:r>
+            <a:r>
+              <a:rPr lang="fr-FR" sz="1100" b="0">
+                <a:solidFill>
+                  <a:srgbClr val="3B3B3B"/>
                 </a:solidFill>
                 <a:effectLst/>
                 <a:highlight>
@@ -11977,12 +11638,52 @@
                 </a:highlight>
                 <a:latin typeface="Consolas" panose="020B0609020204030204" pitchFamily="49" charset="0"/>
               </a:rPr>
-              <a:t>'\\s+'</a:t>
-            </a:r>
-            <a:r>
-              <a:rPr lang="fr-FR" sz="1100" b="0">
-                <a:solidFill>
-                  <a:srgbClr val="3B3B3B"/>
+              <a:t>(</a:t>
+            </a:r>
+            <a:r>
+              <a:rPr lang="fr-FR" sz="1100" b="0">
+                <a:solidFill>
+                  <a:srgbClr val="0070C1"/>
+                </a:solidFill>
+                <a:effectLst/>
+                <a:latin typeface="Consolas" panose="020B0609020204030204" pitchFamily="49" charset="0"/>
+              </a:rPr>
+              <a:t>REF_DEV</a:t>
+            </a:r>
+            <a:r>
+              <a:rPr lang="fr-FR" sz="1100" b="0">
+                <a:solidFill>
+                  <a:srgbClr val="3B3B3B"/>
+                </a:solidFill>
+                <a:effectLst/>
+                <a:latin typeface="Consolas" panose="020B0609020204030204" pitchFamily="49" charset="0"/>
+              </a:rPr>
+              <a:t>.</a:t>
+            </a:r>
+            <a:r>
+              <a:rPr lang="fr-FR" sz="1100" b="0">
+                <a:solidFill>
+                  <a:srgbClr val="0070C1"/>
+                </a:solidFill>
+                <a:effectLst/>
+                <a:latin typeface="Consolas" panose="020B0609020204030204" pitchFamily="49" charset="0"/>
+              </a:rPr>
+              <a:t>PUBLIC</a:t>
+            </a:r>
+            <a:r>
+              <a:rPr lang="fr-FR" sz="1100" b="0">
+                <a:solidFill>
+                  <a:srgbClr val="3B3B3B"/>
+                </a:solidFill>
+                <a:effectLst/>
+                <a:latin typeface="Consolas" panose="020B0609020204030204" pitchFamily="49" charset="0"/>
+              </a:rPr>
+              <a:t>.</a:t>
+            </a:r>
+            <a:r>
+              <a:rPr lang="fr-FR" sz="1100" b="0">
+                <a:solidFill>
+                  <a:srgbClr val="795E26"/>
                 </a:solidFill>
                 <a:effectLst/>
                 <a:highlight>
@@ -11990,12 +11691,42 @@
                 </a:highlight>
                 <a:latin typeface="Consolas" panose="020B0609020204030204" pitchFamily="49" charset="0"/>
               </a:rPr>
-              <a:t>, </a:t>
-            </a:r>
-            <a:r>
-              <a:rPr lang="fr-FR" sz="1100" b="0">
-                <a:solidFill>
-                  <a:srgbClr val="A31515"/>
+              <a:t>REMOVE_SPECIAL_CHARS</a:t>
+            </a:r>
+            <a:r>
+              <a:rPr lang="fr-FR" sz="1100" b="0">
+                <a:solidFill>
+                  <a:srgbClr val="3B3B3B"/>
+                </a:solidFill>
+                <a:effectLst/>
+                <a:latin typeface="Consolas" panose="020B0609020204030204" pitchFamily="49" charset="0"/>
+              </a:rPr>
+              <a:t>(</a:t>
+            </a:r>
+            <a:r>
+              <a:rPr lang="fr-FR" sz="1100" b="0">
+                <a:solidFill>
+                  <a:srgbClr val="001080"/>
+                </a:solidFill>
+                <a:effectLst/>
+                <a:latin typeface="Consolas" panose="020B0609020204030204" pitchFamily="49" charset="0"/>
+              </a:rPr>
+              <a:t>ptest</a:t>
+            </a:r>
+            <a:r>
+              <a:rPr lang="fr-FR" sz="1100" b="0">
+                <a:solidFill>
+                  <a:srgbClr val="3B3B3B"/>
+                </a:solidFill>
+                <a:effectLst/>
+                <a:latin typeface="Consolas" panose="020B0609020204030204" pitchFamily="49" charset="0"/>
+              </a:rPr>
+              <a:t>)</a:t>
+            </a:r>
+            <a:r>
+              <a:rPr lang="fr-FR" sz="1100" b="0">
+                <a:solidFill>
+                  <a:srgbClr val="3B3B3B"/>
                 </a:solidFill>
                 <a:effectLst/>
                 <a:highlight>
@@ -12003,12 +11734,12 @@
                 </a:highlight>
                 <a:latin typeface="Consolas" panose="020B0609020204030204" pitchFamily="49" charset="0"/>
               </a:rPr>
-              <a:t>' '</a:t>
-            </a:r>
-            <a:r>
-              <a:rPr lang="fr-FR" sz="1100" b="0">
-                <a:solidFill>
-                  <a:srgbClr val="3B3B3B"/>
+              <a:t>,</a:t>
+            </a:r>
+            <a:r>
+              <a:rPr lang="fr-FR" sz="1100" b="0">
+                <a:solidFill>
+                  <a:srgbClr val="A31515"/>
                 </a:solidFill>
                 <a:effectLst/>
                 <a:highlight>
@@ -12016,12 +11747,12 @@
                 </a:highlight>
                 <a:latin typeface="Consolas" panose="020B0609020204030204" pitchFamily="49" charset="0"/>
               </a:rPr>
-              <a:t>, </a:t>
-            </a:r>
-            <a:r>
-              <a:rPr lang="fr-FR" sz="1100" b="0">
-                <a:solidFill>
-                  <a:srgbClr val="001080"/>
+              <a:t>' -'</a:t>
+            </a:r>
+            <a:r>
+              <a:rPr lang="fr-FR" sz="1100" b="0">
+                <a:solidFill>
+                  <a:srgbClr val="3B3B3B"/>
                 </a:solidFill>
                 <a:effectLst/>
                 <a:highlight>
@@ -12029,12 +11760,12 @@
                 </a:highlight>
                 <a:latin typeface="Consolas" panose="020B0609020204030204" pitchFamily="49" charset="0"/>
               </a:rPr>
-              <a:t>1</a:t>
-            </a:r>
-            <a:r>
-              <a:rPr lang="fr-FR" sz="1100" b="0">
-                <a:solidFill>
-                  <a:srgbClr val="3B3B3B"/>
+              <a:t>,</a:t>
+            </a:r>
+            <a:r>
+              <a:rPr lang="fr-FR" sz="1100" b="0">
+                <a:solidFill>
+                  <a:srgbClr val="A31515"/>
                 </a:solidFill>
                 <a:effectLst/>
                 <a:highlight>
@@ -12042,12 +11773,12 @@
                 </a:highlight>
                 <a:latin typeface="Consolas" panose="020B0609020204030204" pitchFamily="49" charset="0"/>
               </a:rPr>
-              <a:t>, </a:t>
-            </a:r>
-            <a:r>
-              <a:rPr lang="fr-FR" sz="1100" b="0">
-                <a:solidFill>
-                  <a:srgbClr val="001080"/>
+              <a:t>‘’</a:t>
+            </a:r>
+            <a:r>
+              <a:rPr lang="fr-FR" sz="1100" b="0">
+                <a:solidFill>
+                  <a:srgbClr val="3B3B3B"/>
                 </a:solidFill>
                 <a:effectLst/>
                 <a:highlight>
@@ -12055,801 +11786,45 @@
                 </a:highlight>
                 <a:latin typeface="Consolas" panose="020B0609020204030204" pitchFamily="49" charset="0"/>
               </a:rPr>
-              <a:t>0</a:t>
-            </a:r>
-            <a:r>
-              <a:rPr lang="fr-FR" sz="1100" b="0">
-                <a:solidFill>
-                  <a:srgbClr val="3B3B3B"/>
-                </a:solidFill>
-                <a:effectLst/>
-                <a:highlight>
-                  <a:srgbClr val="FFFF00"/>
-                </a:highlight>
-                <a:latin typeface="Consolas" panose="020B0609020204030204" pitchFamily="49" charset="0"/>
-              </a:rPr>
-              <a:t>)</a:t>
-            </a:r>
-            <a:r>
-              <a:rPr lang="fr-FR" sz="1100" b="0">
-                <a:solidFill>
-                  <a:srgbClr val="3B3B3B"/>
-                </a:solidFill>
-                <a:effectLst/>
-                <a:latin typeface="Consolas" panose="020B0609020204030204" pitchFamily="49" charset="0"/>
-              </a:rPr>
-              <a:t>) </a:t>
-            </a:r>
-            <a:r>
-              <a:rPr lang="fr-FR" sz="1100" b="0">
-                <a:solidFill>
-                  <a:srgbClr val="AF00DB"/>
-                </a:solidFill>
-                <a:effectLst/>
-                <a:latin typeface="Consolas" panose="020B0609020204030204" pitchFamily="49" charset="0"/>
-              </a:rPr>
-              <a:t>as</a:t>
-            </a:r>
-            <a:r>
-              <a:rPr lang="fr-FR" sz="1100" b="0">
-                <a:solidFill>
-                  <a:srgbClr val="3B3B3B"/>
-                </a:solidFill>
-                <a:effectLst/>
-                <a:latin typeface="Consolas" panose="020B0609020204030204" pitchFamily="49" charset="0"/>
-              </a:rPr>
-              <a:t> </a:t>
-            </a:r>
-            <a:r>
-              <a:rPr lang="fr-FR" sz="1100" b="0">
-                <a:solidFill>
-                  <a:srgbClr val="001080"/>
-                </a:solidFill>
-                <a:effectLst/>
-                <a:highlight>
-                  <a:srgbClr val="FFFF00"/>
-                </a:highlight>
-                <a:latin typeface="Consolas" panose="020B0609020204030204" pitchFamily="49" charset="0"/>
-              </a:rPr>
-              <a:t>GENERIC_LOCALITY</a:t>
-            </a:r>
-            <a:endParaRPr lang="fr-FR" sz="1100" b="0">
+              <a:t>))</a:t>
+            </a:r>
+          </a:p>
+          <a:p>
+            <a:pPr marL="457200" lvl="1" indent="0">
+              <a:lnSpc>
+                <a:spcPct val="70000"/>
+              </a:lnSpc>
+              <a:buNone/>
+            </a:pPr>
+            <a:r>
+              <a:rPr lang="fr-FR" sz="1100" b="0">
+                <a:solidFill>
+                  <a:srgbClr val="A31515"/>
+                </a:solidFill>
+                <a:effectLst/>
+                <a:latin typeface="Consolas" panose="020B0609020204030204" pitchFamily="49" charset="0"/>
+              </a:rPr>
+              <a:t>$$</a:t>
+            </a:r>
+            <a:r>
+              <a:rPr lang="fr-FR" sz="1100" b="0">
+                <a:solidFill>
+                  <a:srgbClr val="3B3B3B"/>
+                </a:solidFill>
+                <a:effectLst/>
+                <a:latin typeface="Consolas" panose="020B0609020204030204" pitchFamily="49" charset="0"/>
+              </a:rPr>
+              <a:t>;</a:t>
+            </a:r>
+          </a:p>
+          <a:p>
+            <a:pPr marL="457200" lvl="1" indent="0">
+              <a:buNone/>
+              <a:defRPr/>
+            </a:pPr>
+            <a:endParaRPr lang="fr-FR" sz="1600" b="0">
               <a:solidFill>
                 <a:srgbClr val="3B3B3B"/>
-              </a:solidFill>
-              <a:effectLst/>
-              <a:highlight>
-                <a:srgbClr val="FFFF00"/>
-              </a:highlight>
-              <a:latin typeface="Consolas" panose="020B0609020204030204" pitchFamily="49" charset="0"/>
-            </a:endParaRPr>
-          </a:p>
-          <a:p>
-            <a:pPr marL="457200" lvl="1" indent="0">
-              <a:lnSpc>
-                <a:spcPct val="70000"/>
-              </a:lnSpc>
-              <a:buNone/>
-            </a:pPr>
-            <a:r>
-              <a:rPr lang="fr-FR" sz="1100" b="0">
-                <a:solidFill>
-                  <a:srgbClr val="3B3B3B"/>
-                </a:solidFill>
-                <a:effectLst/>
-                <a:latin typeface="Consolas" panose="020B0609020204030204" pitchFamily="49" charset="0"/>
-              </a:rPr>
-              <a:t>        ,</a:t>
-            </a:r>
-            <a:r>
-              <a:rPr lang="fr-FR" sz="1100" b="0">
-                <a:solidFill>
-                  <a:srgbClr val="001080"/>
-                </a:solidFill>
-                <a:effectLst/>
-                <a:latin typeface="Consolas" panose="020B0609020204030204" pitchFamily="49" charset="0"/>
-              </a:rPr>
-              <a:t>PL</a:t>
-            </a:r>
-            <a:r>
-              <a:rPr lang="fr-FR" sz="1100" b="0">
-                <a:solidFill>
-                  <a:srgbClr val="3B3B3B"/>
-                </a:solidFill>
-                <a:effectLst/>
-                <a:latin typeface="Consolas" panose="020B0609020204030204" pitchFamily="49" charset="0"/>
-              </a:rPr>
-              <a:t>.</a:t>
-            </a:r>
-            <a:r>
-              <a:rPr lang="fr-FR" sz="1100" b="0">
-                <a:solidFill>
-                  <a:srgbClr val="001080"/>
-                </a:solidFill>
-                <a:effectLst/>
-                <a:latin typeface="Consolas" panose="020B0609020204030204" pitchFamily="49" charset="0"/>
-              </a:rPr>
-              <a:t>PLACES_LANGUAGE</a:t>
-            </a:r>
-            <a:r>
-              <a:rPr lang="fr-FR" sz="1100" b="0">
-                <a:solidFill>
-                  <a:srgbClr val="3B3B3B"/>
-                </a:solidFill>
-                <a:effectLst/>
-                <a:latin typeface="Consolas" panose="020B0609020204030204" pitchFamily="49" charset="0"/>
-              </a:rPr>
-              <a:t>, </a:t>
-            </a:r>
-            <a:r>
-              <a:rPr lang="fr-FR" sz="1100" b="0">
-                <a:solidFill>
-                  <a:srgbClr val="001080"/>
-                </a:solidFill>
-                <a:effectLst/>
-                <a:latin typeface="Consolas" panose="020B0609020204030204" pitchFamily="49" charset="0"/>
-              </a:rPr>
-              <a:t>DL1</a:t>
-            </a:r>
-            <a:r>
-              <a:rPr lang="fr-FR" sz="1100" b="0">
-                <a:solidFill>
-                  <a:srgbClr val="3B3B3B"/>
-                </a:solidFill>
-                <a:effectLst/>
-                <a:latin typeface="Consolas" panose="020B0609020204030204" pitchFamily="49" charset="0"/>
-              </a:rPr>
-              <a:t>.</a:t>
-            </a:r>
-            <a:r>
-              <a:rPr lang="fr-FR" sz="1100" b="0">
-                <a:solidFill>
-                  <a:srgbClr val="001080"/>
-                </a:solidFill>
-                <a:effectLst/>
-                <a:latin typeface="Consolas" panose="020B0609020204030204" pitchFamily="49" charset="0"/>
-              </a:rPr>
-              <a:t>SOVEREIGN</a:t>
-            </a:r>
-            <a:endParaRPr lang="fr-FR" sz="1100" b="0">
-              <a:solidFill>
-                <a:srgbClr val="3B3B3B"/>
-              </a:solidFill>
-              <a:effectLst/>
-              <a:latin typeface="Consolas" panose="020B0609020204030204" pitchFamily="49" charset="0"/>
-            </a:endParaRPr>
-          </a:p>
-          <a:p>
-            <a:pPr marL="457200" lvl="1" indent="0">
-              <a:lnSpc>
-                <a:spcPct val="70000"/>
-              </a:lnSpc>
-              <a:buNone/>
-            </a:pPr>
-            <a:r>
-              <a:rPr lang="fr-FR" sz="1100" b="0">
-                <a:solidFill>
-                  <a:srgbClr val="3B3B3B"/>
-                </a:solidFill>
-                <a:effectLst/>
-                <a:latin typeface="Consolas" panose="020B0609020204030204" pitchFamily="49" charset="0"/>
-              </a:rPr>
-              <a:t>        ,</a:t>
-            </a:r>
-            <a:r>
-              <a:rPr lang="fr-FR" sz="1100" b="0">
-                <a:solidFill>
-                  <a:srgbClr val="001080"/>
-                </a:solidFill>
-                <a:effectLst/>
-                <a:latin typeface="Consolas" panose="020B0609020204030204" pitchFamily="49" charset="0"/>
-              </a:rPr>
-              <a:t>COUNTRY_CODE</a:t>
-            </a:r>
-            <a:r>
-              <a:rPr lang="fr-FR" sz="1100" b="0">
-                <a:solidFill>
-                  <a:srgbClr val="3B3B3B"/>
-                </a:solidFill>
-                <a:effectLst/>
-                <a:latin typeface="Consolas" panose="020B0609020204030204" pitchFamily="49" charset="0"/>
-              </a:rPr>
-              <a:t>||</a:t>
-            </a:r>
-            <a:r>
-              <a:rPr lang="fr-FR" sz="1100" b="0">
-                <a:solidFill>
-                  <a:srgbClr val="A31515"/>
-                </a:solidFill>
-                <a:effectLst/>
-                <a:latin typeface="Consolas" panose="020B0609020204030204" pitchFamily="49" charset="0"/>
-              </a:rPr>
-              <a:t>'_'</a:t>
-            </a:r>
-            <a:r>
-              <a:rPr lang="fr-FR" sz="1100" b="0">
-                <a:solidFill>
-                  <a:srgbClr val="3B3B3B"/>
-                </a:solidFill>
-                <a:effectLst/>
-                <a:latin typeface="Consolas" panose="020B0609020204030204" pitchFamily="49" charset="0"/>
-              </a:rPr>
-              <a:t>||</a:t>
-            </a:r>
-            <a:r>
-              <a:rPr lang="fr-FR" sz="1100" b="0">
-                <a:solidFill>
-                  <a:srgbClr val="001080"/>
-                </a:solidFill>
-                <a:effectLst/>
-                <a:highlight>
-                  <a:srgbClr val="FFFF00"/>
-                </a:highlight>
-                <a:latin typeface="Consolas" panose="020B0609020204030204" pitchFamily="49" charset="0"/>
-              </a:rPr>
-              <a:t>GENERIC_LOCALITY</a:t>
-            </a:r>
-            <a:r>
-              <a:rPr lang="fr-FR" sz="1100" b="0">
-                <a:solidFill>
-                  <a:srgbClr val="3B3B3B"/>
-                </a:solidFill>
-                <a:effectLst/>
-                <a:latin typeface="Consolas" panose="020B0609020204030204" pitchFamily="49" charset="0"/>
-              </a:rPr>
-              <a:t>||</a:t>
-            </a:r>
-            <a:r>
-              <a:rPr lang="fr-FR" sz="1100" b="0">
-                <a:solidFill>
-                  <a:srgbClr val="A31515"/>
-                </a:solidFill>
-                <a:effectLst/>
-                <a:latin typeface="Consolas" panose="020B0609020204030204" pitchFamily="49" charset="0"/>
-              </a:rPr>
-              <a:t>'_'</a:t>
-            </a:r>
-            <a:r>
-              <a:rPr lang="fr-FR" sz="1100" b="0">
-                <a:solidFill>
-                  <a:srgbClr val="3B3B3B"/>
-                </a:solidFill>
-                <a:effectLst/>
-                <a:latin typeface="Consolas" panose="020B0609020204030204" pitchFamily="49" charset="0"/>
-              </a:rPr>
-              <a:t>||</a:t>
-            </a:r>
-            <a:r>
-              <a:rPr lang="fr-FR" sz="1100" b="0">
-                <a:solidFill>
-                  <a:srgbClr val="001080"/>
-                </a:solidFill>
-                <a:effectLst/>
-                <a:latin typeface="Consolas" panose="020B0609020204030204" pitchFamily="49" charset="0"/>
-              </a:rPr>
-              <a:t>POSTCODE</a:t>
-            </a:r>
-            <a:r>
-              <a:rPr lang="fr-FR" sz="1100" b="0">
-                <a:solidFill>
-                  <a:srgbClr val="3B3B3B"/>
-                </a:solidFill>
-                <a:effectLst/>
-                <a:latin typeface="Consolas" panose="020B0609020204030204" pitchFamily="49" charset="0"/>
-              </a:rPr>
-              <a:t> </a:t>
-            </a:r>
-            <a:r>
-              <a:rPr lang="fr-FR" sz="1100" b="0">
-                <a:solidFill>
-                  <a:srgbClr val="AF00DB"/>
-                </a:solidFill>
-                <a:effectLst/>
-                <a:latin typeface="Consolas" panose="020B0609020204030204" pitchFamily="49" charset="0"/>
-              </a:rPr>
-              <a:t>as</a:t>
-            </a:r>
-            <a:r>
-              <a:rPr lang="fr-FR" sz="1100" b="0">
-                <a:solidFill>
-                  <a:srgbClr val="3B3B3B"/>
-                </a:solidFill>
-                <a:effectLst/>
-                <a:latin typeface="Consolas" panose="020B0609020204030204" pitchFamily="49" charset="0"/>
-              </a:rPr>
-              <a:t> </a:t>
-            </a:r>
-            <a:r>
-              <a:rPr lang="fr-FR" sz="1100" b="0">
-                <a:solidFill>
-                  <a:srgbClr val="001080"/>
-                </a:solidFill>
-                <a:effectLst/>
-                <a:latin typeface="Consolas" panose="020B0609020204030204" pitchFamily="49" charset="0"/>
-              </a:rPr>
-              <a:t>SEARCH_KEY</a:t>
-            </a:r>
-            <a:r>
-              <a:rPr lang="fr-FR" sz="1100" b="0">
-                <a:solidFill>
-                  <a:srgbClr val="3B3B3B"/>
-                </a:solidFill>
-                <a:effectLst/>
-                <a:latin typeface="Consolas" panose="020B0609020204030204" pitchFamily="49" charset="0"/>
-              </a:rPr>
-              <a:t> </a:t>
-            </a:r>
-          </a:p>
-          <a:p>
-            <a:pPr marL="457200" lvl="1" indent="0">
-              <a:lnSpc>
-                <a:spcPct val="70000"/>
-              </a:lnSpc>
-              <a:buNone/>
-            </a:pPr>
-            <a:r>
-              <a:rPr lang="fr-FR" sz="1100" b="0">
-                <a:solidFill>
-                  <a:srgbClr val="AF00DB"/>
-                </a:solidFill>
-                <a:effectLst/>
-                <a:latin typeface="Consolas" panose="020B0609020204030204" pitchFamily="49" charset="0"/>
-              </a:rPr>
-              <a:t>FROM</a:t>
-            </a:r>
-            <a:r>
-              <a:rPr lang="fr-FR" sz="1100" b="0">
-                <a:solidFill>
-                  <a:srgbClr val="3B3B3B"/>
-                </a:solidFill>
-                <a:effectLst/>
-                <a:latin typeface="Consolas" panose="020B0609020204030204" pitchFamily="49" charset="0"/>
-              </a:rPr>
-              <a:t> </a:t>
-            </a:r>
-            <a:r>
-              <a:rPr lang="fr-FR" sz="1100" b="0">
-                <a:solidFill>
-                  <a:srgbClr val="001080"/>
-                </a:solidFill>
-                <a:effectLst/>
-                <a:latin typeface="Consolas" panose="020B0609020204030204" pitchFamily="49" charset="0"/>
-              </a:rPr>
-              <a:t>REF_DEV</a:t>
-            </a:r>
-            <a:r>
-              <a:rPr lang="fr-FR" sz="1100" b="0">
-                <a:solidFill>
-                  <a:srgbClr val="3B3B3B"/>
-                </a:solidFill>
-                <a:effectLst/>
-                <a:latin typeface="Consolas" panose="020B0609020204030204" pitchFamily="49" charset="0"/>
-              </a:rPr>
-              <a:t>.</a:t>
-            </a:r>
-            <a:r>
-              <a:rPr lang="fr-FR" sz="1100" b="0">
-                <a:solidFill>
-                  <a:srgbClr val="001080"/>
-                </a:solidFill>
-                <a:effectLst/>
-                <a:latin typeface="Consolas" panose="020B0609020204030204" pitchFamily="49" charset="0"/>
-              </a:rPr>
-              <a:t>REF_GEOGRAPHIQUE</a:t>
-            </a:r>
-            <a:r>
-              <a:rPr lang="fr-FR" sz="1100" b="0">
-                <a:solidFill>
-                  <a:srgbClr val="3B3B3B"/>
-                </a:solidFill>
-                <a:effectLst/>
-                <a:latin typeface="Consolas" panose="020B0609020204030204" pitchFamily="49" charset="0"/>
-              </a:rPr>
-              <a:t>.</a:t>
-            </a:r>
-            <a:r>
-              <a:rPr lang="fr-FR" sz="1100" b="0">
-                <a:solidFill>
-                  <a:srgbClr val="001080"/>
-                </a:solidFill>
-                <a:effectLst/>
-                <a:latin typeface="Consolas" panose="020B0609020204030204" pitchFamily="49" charset="0"/>
-              </a:rPr>
-              <a:t>PLACES_DENORM</a:t>
-            </a:r>
-            <a:r>
-              <a:rPr lang="fr-FR" sz="1100" b="0">
-                <a:solidFill>
-                  <a:srgbClr val="3B3B3B"/>
-                </a:solidFill>
-                <a:effectLst/>
-                <a:latin typeface="Consolas" panose="020B0609020204030204" pitchFamily="49" charset="0"/>
-              </a:rPr>
-              <a:t> </a:t>
-            </a:r>
-            <a:r>
-              <a:rPr lang="fr-FR" sz="1100" b="0">
-                <a:solidFill>
-                  <a:srgbClr val="001080"/>
-                </a:solidFill>
-                <a:effectLst/>
-                <a:latin typeface="Consolas" panose="020B0609020204030204" pitchFamily="49" charset="0"/>
-              </a:rPr>
-              <a:t>PL</a:t>
-            </a:r>
-            <a:endParaRPr lang="fr-FR" sz="1100" b="0">
-              <a:solidFill>
-                <a:srgbClr val="3B3B3B"/>
-              </a:solidFill>
-              <a:effectLst/>
-              <a:latin typeface="Consolas" panose="020B0609020204030204" pitchFamily="49" charset="0"/>
-            </a:endParaRPr>
-          </a:p>
-          <a:p>
-            <a:pPr marL="457200" lvl="1" indent="0">
-              <a:lnSpc>
-                <a:spcPct val="70000"/>
-              </a:lnSpc>
-              <a:buNone/>
-            </a:pPr>
-            <a:r>
-              <a:rPr lang="fr-FR" sz="1100" b="0">
-                <a:solidFill>
-                  <a:srgbClr val="3B3B3B"/>
-                </a:solidFill>
-                <a:effectLst/>
-                <a:latin typeface="Consolas" panose="020B0609020204030204" pitchFamily="49" charset="0"/>
-              </a:rPr>
-              <a:t>     </a:t>
-            </a:r>
-            <a:r>
-              <a:rPr lang="fr-FR" sz="1100" b="0">
-                <a:solidFill>
-                  <a:srgbClr val="AF00DB"/>
-                </a:solidFill>
-                <a:effectLst/>
-                <a:latin typeface="Consolas" panose="020B0609020204030204" pitchFamily="49" charset="0"/>
-              </a:rPr>
-              <a:t>INNER</a:t>
-            </a:r>
-            <a:r>
-              <a:rPr lang="fr-FR" sz="1100" b="0">
-                <a:solidFill>
-                  <a:srgbClr val="3B3B3B"/>
-                </a:solidFill>
-                <a:effectLst/>
-                <a:latin typeface="Consolas" panose="020B0609020204030204" pitchFamily="49" charset="0"/>
-              </a:rPr>
-              <a:t> </a:t>
-            </a:r>
-            <a:r>
-              <a:rPr lang="fr-FR" sz="1100" b="0">
-                <a:solidFill>
-                  <a:srgbClr val="AF00DB"/>
-                </a:solidFill>
-                <a:effectLst/>
-                <a:latin typeface="Consolas" panose="020B0609020204030204" pitchFamily="49" charset="0"/>
-              </a:rPr>
-              <a:t>JOIN</a:t>
-            </a:r>
-            <a:r>
-              <a:rPr lang="fr-FR" sz="1100" b="0">
-                <a:solidFill>
-                  <a:srgbClr val="3B3B3B"/>
-                </a:solidFill>
-                <a:effectLst/>
-                <a:latin typeface="Consolas" panose="020B0609020204030204" pitchFamily="49" charset="0"/>
-              </a:rPr>
-              <a:t> </a:t>
-            </a:r>
-            <a:r>
-              <a:rPr lang="fr-FR" sz="1100" b="0">
-                <a:solidFill>
-                  <a:srgbClr val="001080"/>
-                </a:solidFill>
-                <a:effectLst/>
-                <a:latin typeface="Consolas" panose="020B0609020204030204" pitchFamily="49" charset="0"/>
-              </a:rPr>
-              <a:t>REF_DEV</a:t>
-            </a:r>
-            <a:r>
-              <a:rPr lang="fr-FR" sz="1100" b="0">
-                <a:solidFill>
-                  <a:srgbClr val="3B3B3B"/>
-                </a:solidFill>
-                <a:effectLst/>
-                <a:latin typeface="Consolas" panose="020B0609020204030204" pitchFamily="49" charset="0"/>
-              </a:rPr>
-              <a:t>.</a:t>
-            </a:r>
-            <a:r>
-              <a:rPr lang="fr-FR" sz="1100" b="0">
-                <a:solidFill>
-                  <a:srgbClr val="001080"/>
-                </a:solidFill>
-                <a:effectLst/>
-                <a:latin typeface="Consolas" panose="020B0609020204030204" pitchFamily="49" charset="0"/>
-              </a:rPr>
-              <a:t>REF_GEOGRAPHIQUE</a:t>
-            </a:r>
-            <a:r>
-              <a:rPr lang="fr-FR" sz="1100" b="0">
-                <a:solidFill>
-                  <a:srgbClr val="3B3B3B"/>
-                </a:solidFill>
-                <a:effectLst/>
-                <a:latin typeface="Consolas" panose="020B0609020204030204" pitchFamily="49" charset="0"/>
-              </a:rPr>
-              <a:t>.</a:t>
-            </a:r>
-            <a:r>
-              <a:rPr lang="fr-FR" sz="1100" b="0">
-                <a:solidFill>
-                  <a:srgbClr val="001080"/>
-                </a:solidFill>
-                <a:effectLst/>
-                <a:latin typeface="Consolas" panose="020B0609020204030204" pitchFamily="49" charset="0"/>
-              </a:rPr>
-              <a:t>DATA_LANGUAGES</a:t>
-            </a:r>
-            <a:r>
-              <a:rPr lang="fr-FR" sz="1100" b="0">
-                <a:solidFill>
-                  <a:srgbClr val="3B3B3B"/>
-                </a:solidFill>
-                <a:effectLst/>
-                <a:latin typeface="Consolas" panose="020B0609020204030204" pitchFamily="49" charset="0"/>
-              </a:rPr>
-              <a:t> </a:t>
-            </a:r>
-            <a:r>
-              <a:rPr lang="fr-FR" sz="1100" b="0">
-                <a:solidFill>
-                  <a:srgbClr val="001080"/>
-                </a:solidFill>
-                <a:effectLst/>
-                <a:latin typeface="Consolas" panose="020B0609020204030204" pitchFamily="49" charset="0"/>
-              </a:rPr>
-              <a:t>DL1</a:t>
-            </a:r>
-            <a:r>
-              <a:rPr lang="fr-FR" sz="1100" b="0">
-                <a:solidFill>
-                  <a:srgbClr val="3B3B3B"/>
-                </a:solidFill>
-                <a:effectLst/>
-                <a:latin typeface="Consolas" panose="020B0609020204030204" pitchFamily="49" charset="0"/>
-              </a:rPr>
-              <a:t> </a:t>
-            </a:r>
-            <a:r>
-              <a:rPr lang="fr-FR" sz="1100" b="0">
-                <a:solidFill>
-                  <a:srgbClr val="AF00DB"/>
-                </a:solidFill>
-                <a:effectLst/>
-                <a:latin typeface="Consolas" panose="020B0609020204030204" pitchFamily="49" charset="0"/>
-              </a:rPr>
-              <a:t>ON</a:t>
-            </a:r>
-            <a:r>
-              <a:rPr lang="fr-FR" sz="1100" b="0">
-                <a:solidFill>
-                  <a:srgbClr val="3B3B3B"/>
-                </a:solidFill>
-                <a:effectLst/>
-                <a:latin typeface="Consolas" panose="020B0609020204030204" pitchFamily="49" charset="0"/>
-              </a:rPr>
-              <a:t> (</a:t>
-            </a:r>
-            <a:r>
-              <a:rPr lang="fr-FR" sz="1100" b="0">
-                <a:solidFill>
-                  <a:srgbClr val="001080"/>
-                </a:solidFill>
-                <a:effectLst/>
-                <a:latin typeface="Consolas" panose="020B0609020204030204" pitchFamily="49" charset="0"/>
-              </a:rPr>
-              <a:t>PL</a:t>
-            </a:r>
-            <a:r>
-              <a:rPr lang="fr-FR" sz="1100" b="0">
-                <a:solidFill>
-                  <a:srgbClr val="3B3B3B"/>
-                </a:solidFill>
-                <a:effectLst/>
-                <a:latin typeface="Consolas" panose="020B0609020204030204" pitchFamily="49" charset="0"/>
-              </a:rPr>
-              <a:t>.</a:t>
-            </a:r>
-            <a:r>
-              <a:rPr lang="fr-FR" sz="1100" b="0">
-                <a:solidFill>
-                  <a:srgbClr val="001080"/>
-                </a:solidFill>
-                <a:effectLst/>
-                <a:latin typeface="Consolas" panose="020B0609020204030204" pitchFamily="49" charset="0"/>
-              </a:rPr>
-              <a:t>ISO</a:t>
-            </a:r>
-            <a:r>
-              <a:rPr lang="fr-FR" sz="1100" b="0">
-                <a:solidFill>
-                  <a:srgbClr val="3B3B3B"/>
-                </a:solidFill>
-                <a:effectLst/>
-                <a:latin typeface="Consolas" panose="020B0609020204030204" pitchFamily="49" charset="0"/>
-              </a:rPr>
-              <a:t> = </a:t>
-            </a:r>
-            <a:r>
-              <a:rPr lang="fr-FR" sz="1100" b="0">
-                <a:solidFill>
-                  <a:srgbClr val="001080"/>
-                </a:solidFill>
-                <a:effectLst/>
-                <a:latin typeface="Consolas" panose="020B0609020204030204" pitchFamily="49" charset="0"/>
-              </a:rPr>
-              <a:t>DL1</a:t>
-            </a:r>
-            <a:r>
-              <a:rPr lang="fr-FR" sz="1100" b="0">
-                <a:solidFill>
-                  <a:srgbClr val="3B3B3B"/>
-                </a:solidFill>
-                <a:effectLst/>
-                <a:latin typeface="Consolas" panose="020B0609020204030204" pitchFamily="49" charset="0"/>
-              </a:rPr>
-              <a:t>.</a:t>
-            </a:r>
-            <a:r>
-              <a:rPr lang="fr-FR" sz="1100" b="0">
-                <a:solidFill>
-                  <a:srgbClr val="001080"/>
-                </a:solidFill>
-                <a:effectLst/>
-                <a:latin typeface="Consolas" panose="020B0609020204030204" pitchFamily="49" charset="0"/>
-              </a:rPr>
-              <a:t>ISO</a:t>
-            </a:r>
-            <a:r>
-              <a:rPr lang="fr-FR" sz="1100" b="0">
-                <a:solidFill>
-                  <a:srgbClr val="3B3B3B"/>
-                </a:solidFill>
-                <a:effectLst/>
-                <a:latin typeface="Consolas" panose="020B0609020204030204" pitchFamily="49" charset="0"/>
-              </a:rPr>
-              <a:t>)</a:t>
-            </a:r>
-          </a:p>
-          <a:p>
-            <a:pPr marL="457200" lvl="1" indent="0">
-              <a:lnSpc>
-                <a:spcPct val="70000"/>
-              </a:lnSpc>
-              <a:buNone/>
-            </a:pPr>
-            <a:r>
-              <a:rPr lang="fr-FR" sz="1100" b="0">
-                <a:solidFill>
-                  <a:srgbClr val="AF00DB"/>
-                </a:solidFill>
-                <a:effectLst/>
-                <a:latin typeface="Consolas" panose="020B0609020204030204" pitchFamily="49" charset="0"/>
-              </a:rPr>
-              <a:t>WHERE</a:t>
-            </a:r>
-            <a:r>
-              <a:rPr lang="fr-FR" sz="1100" b="0">
-                <a:solidFill>
-                  <a:srgbClr val="3B3B3B"/>
-                </a:solidFill>
-                <a:effectLst/>
-                <a:latin typeface="Consolas" panose="020B0609020204030204" pitchFamily="49" charset="0"/>
-              </a:rPr>
-              <a:t> </a:t>
-            </a:r>
-            <a:r>
-              <a:rPr lang="fr-FR" sz="1100" b="0">
-                <a:solidFill>
-                  <a:srgbClr val="001080"/>
-                </a:solidFill>
-                <a:effectLst/>
-                <a:latin typeface="Consolas" panose="020B0609020204030204" pitchFamily="49" charset="0"/>
-              </a:rPr>
-              <a:t>IS_POSTAL</a:t>
-            </a:r>
-            <a:r>
-              <a:rPr lang="fr-FR" sz="1100" b="0">
-                <a:solidFill>
-                  <a:srgbClr val="3B3B3B"/>
-                </a:solidFill>
-                <a:effectLst/>
-                <a:latin typeface="Consolas" panose="020B0609020204030204" pitchFamily="49" charset="0"/>
-              </a:rPr>
-              <a:t>=</a:t>
-            </a:r>
-            <a:r>
-              <a:rPr lang="fr-FR" sz="1100" b="0">
-                <a:solidFill>
-                  <a:srgbClr val="001080"/>
-                </a:solidFill>
-                <a:effectLst/>
-                <a:latin typeface="Consolas" panose="020B0609020204030204" pitchFamily="49" charset="0"/>
-              </a:rPr>
-              <a:t>1</a:t>
-            </a:r>
-            <a:endParaRPr lang="fr-FR" sz="1100" b="0">
-              <a:solidFill>
-                <a:srgbClr val="3B3B3B"/>
-              </a:solidFill>
-              <a:effectLst/>
-              <a:latin typeface="Consolas" panose="020B0609020204030204" pitchFamily="49" charset="0"/>
-            </a:endParaRPr>
-          </a:p>
-          <a:p>
-            <a:pPr marL="457200" lvl="1" indent="0">
-              <a:lnSpc>
-                <a:spcPct val="70000"/>
-              </a:lnSpc>
-              <a:buNone/>
-            </a:pPr>
-            <a:r>
-              <a:rPr lang="fr-FR" sz="1100" b="0">
-                <a:solidFill>
-                  <a:srgbClr val="001080"/>
-                </a:solidFill>
-                <a:effectLst/>
-                <a:latin typeface="Consolas" panose="020B0609020204030204" pitchFamily="49" charset="0"/>
-              </a:rPr>
-              <a:t>ORDER</a:t>
-            </a:r>
-            <a:r>
-              <a:rPr lang="fr-FR" sz="1100" b="0">
-                <a:solidFill>
-                  <a:srgbClr val="AF00DB"/>
-                </a:solidFill>
-                <a:effectLst/>
-                <a:latin typeface="Consolas" panose="020B0609020204030204" pitchFamily="49" charset="0"/>
-              </a:rPr>
-              <a:t> BY</a:t>
-            </a:r>
-            <a:r>
-              <a:rPr lang="fr-FR" sz="1100" b="0">
-                <a:solidFill>
-                  <a:srgbClr val="3B3B3B"/>
-                </a:solidFill>
-                <a:effectLst/>
-                <a:latin typeface="Consolas" panose="020B0609020204030204" pitchFamily="49" charset="0"/>
-              </a:rPr>
-              <a:t> </a:t>
-            </a:r>
-            <a:r>
-              <a:rPr lang="fr-FR" sz="1100" b="0">
-                <a:solidFill>
-                  <a:srgbClr val="001080"/>
-                </a:solidFill>
-                <a:effectLst/>
-                <a:latin typeface="Consolas" panose="020B0609020204030204" pitchFamily="49" charset="0"/>
-              </a:rPr>
-              <a:t>SEARCH_KEY</a:t>
-            </a:r>
-            <a:endParaRPr lang="fr-FR" sz="1100" b="0">
-              <a:solidFill>
-                <a:srgbClr val="3B3B3B"/>
-              </a:solidFill>
-              <a:effectLst/>
-              <a:latin typeface="Consolas" panose="020B0609020204030204" pitchFamily="49" charset="0"/>
-            </a:endParaRPr>
-          </a:p>
-          <a:p>
-            <a:pPr marL="457200" lvl="1" indent="0">
-              <a:buNone/>
-            </a:pPr>
-            <a:endParaRPr lang="en-US" sz="1100" b="0">
-              <a:solidFill>
-                <a:srgbClr val="FF0000"/>
               </a:solidFill>
               <a:effectLst/>
               <a:latin typeface="Consolas" panose="020B0609020204030204" pitchFamily="49" charset="0"/>
@@ -12871,15 +11846,15 @@
         </p:nvSpPr>
         <p:spPr>
           <a:xfrm>
-            <a:off x="8688288" y="5085184"/>
-            <a:ext cx="1224136" cy="432048"/>
+            <a:off x="6960096" y="4941168"/>
+            <a:ext cx="1800200" cy="432048"/>
           </a:xfrm>
           <a:prstGeom prst="accentCallout1">
             <a:avLst>
               <a:gd name="adj1" fmla="val 18750"/>
               <a:gd name="adj2" fmla="val -8333"/>
-              <a:gd name="adj3" fmla="val -62013"/>
-              <a:gd name="adj4" fmla="val -73692"/>
+              <a:gd name="adj3" fmla="val -52730"/>
+              <a:gd name="adj4" fmla="val -49631"/>
             </a:avLst>
           </a:prstGeom>
           <a:ln/>
@@ -12905,7 +11880,60 @@
             <a:pPr algn="ctr"/>
             <a:r>
               <a:rPr lang="fr-FR" sz="1400"/>
-              <a:t>Dédoublonne les espaces</a:t>
+              <a:t>Suppression des espaces et des tirets</a:t>
+            </a:r>
+          </a:p>
+        </p:txBody>
+      </p:sp>
+      <p:sp>
+        <p:nvSpPr>
+          <p:cNvPr id="4" name="Légende : encadrée à une bordure 3">
+            <a:extLst>
+              <a:ext uri="{FF2B5EF4-FFF2-40B4-BE49-F238E27FC236}">
+                <a16:creationId xmlns:a16="http://schemas.microsoft.com/office/drawing/2014/main" id="{BF7078AF-2AC7-21F5-E56D-2C1F95BA311C}"/>
+              </a:ext>
+            </a:extLst>
+          </p:cNvPr>
+          <p:cNvSpPr/>
+          <p:nvPr/>
+        </p:nvSpPr>
+        <p:spPr>
+          <a:xfrm>
+            <a:off x="2567608" y="5157192"/>
+            <a:ext cx="1800200" cy="432048"/>
+          </a:xfrm>
+          <a:prstGeom prst="accentCallout1">
+            <a:avLst>
+              <a:gd name="adj1" fmla="val 18750"/>
+              <a:gd name="adj2" fmla="val -8333"/>
+              <a:gd name="adj3" fmla="val -125134"/>
+              <a:gd name="adj4" fmla="val -59879"/>
+            </a:avLst>
+          </a:prstGeom>
+          <a:ln/>
+        </p:spPr>
+        <p:style>
+          <a:lnRef idx="2">
+            <a:schemeClr val="dk1"/>
+          </a:lnRef>
+          <a:fillRef idx="1">
+            <a:schemeClr val="lt1"/>
+          </a:fillRef>
+          <a:effectRef idx="0">
+            <a:schemeClr val="dk1"/>
+          </a:effectRef>
+          <a:fontRef idx="minor">
+            <a:schemeClr val="dk1"/>
+          </a:fontRef>
+        </p:style>
+        <p:txBody>
+          <a:bodyPr rtlCol="0" anchor="ctr"/>
+          <a:lstStyle/>
+          <a:p>
+            <a:pPr algn="ctr"/>
+            <a:r>
+              <a:rPr lang="fr-FR" sz="1400"/>
+              <a:t>Toutes lettres sont mises en majuscules</a:t>
             </a:r>
           </a:p>
         </p:txBody>
@@ -12924,6 +11952,2021 @@
 </file>
 
 <file path=ppt/slides/slide6.xml><?xml version="1.0" encoding="utf-8"?>
+<p:sld xmlns:a="http://schemas.openxmlformats.org/drawingml/2006/main" xmlns:r="http://schemas.openxmlformats.org/officeDocument/2006/relationships" xmlns:p="http://schemas.openxmlformats.org/presentationml/2006/main">
+  <p:cSld>
+    <p:spTree>
+      <p:nvGrpSpPr>
+        <p:cNvPr id="1" name="Shape 2679">
+          <a:extLst>
+            <a:ext uri="{FF2B5EF4-FFF2-40B4-BE49-F238E27FC236}">
+              <a16:creationId xmlns:a16="http://schemas.microsoft.com/office/drawing/2014/main" id="{73AEFAF1-98EB-3410-0EEC-62428C86F225}"/>
+            </a:ext>
+          </a:extLst>
+        </p:cNvPr>
+        <p:cNvGrpSpPr/>
+        <p:nvPr/>
+      </p:nvGrpSpPr>
+      <p:grpSpPr>
+        <a:xfrm>
+          <a:off x="0" y="0"/>
+          <a:ext cx="0" cy="0"/>
+          <a:chOff x="0" y="0"/>
+          <a:chExt cx="0" cy="0"/>
+        </a:xfrm>
+      </p:grpSpPr>
+      <p:sp>
+        <p:nvSpPr>
+          <p:cNvPr id="2772" name="Google Shape;2772;p117">
+            <a:extLst>
+              <a:ext uri="{FF2B5EF4-FFF2-40B4-BE49-F238E27FC236}">
+                <a16:creationId xmlns:a16="http://schemas.microsoft.com/office/drawing/2014/main" id="{7C29028F-1CF8-0AC5-2FDF-B0E31C9BB319}"/>
+              </a:ext>
+            </a:extLst>
+          </p:cNvPr>
+          <p:cNvSpPr txBox="1"/>
+          <p:nvPr/>
+        </p:nvSpPr>
+        <p:spPr>
+          <a:xfrm>
+            <a:off x="213833" y="0"/>
+            <a:ext cx="11793200" cy="527200"/>
+          </a:xfrm>
+          <a:prstGeom prst="rect">
+            <a:avLst/>
+          </a:prstGeom>
+          <a:noFill/>
+          <a:ln>
+            <a:noFill/>
+          </a:ln>
+        </p:spPr>
+        <p:txBody>
+          <a:bodyPr spcFirstLastPara="1" wrap="square" lIns="121900" tIns="121900" rIns="121900" bIns="121900" anchor="t" anchorCtr="0">
+            <a:noAutofit/>
+          </a:bodyPr>
+          <a:lstStyle/>
+          <a:p>
+            <a:pPr marL="0" marR="0" lvl="0" indent="0" algn="l" defTabSz="914400" rtl="0" eaLnBrk="1" fontAlgn="auto" latinLnBrk="0" hangingPunct="1">
+              <a:lnSpc>
+                <a:spcPct val="115000"/>
+              </a:lnSpc>
+              <a:spcBef>
+                <a:spcPts val="0"/>
+              </a:spcBef>
+              <a:spcAft>
+                <a:spcPts val="0"/>
+              </a:spcAft>
+              <a:buClrTx/>
+              <a:buSzTx/>
+              <a:buFontTx/>
+              <a:buNone/>
+              <a:tabLst/>
+              <a:defRPr/>
+            </a:pPr>
+            <a:r>
+              <a:rPr lang="fr-FR" sz="2400" b="1">
+                <a:solidFill>
+                  <a:srgbClr val="595959"/>
+                </a:solidFill>
+                <a:latin typeface="Arial Black"/>
+                <a:ea typeface="Arial Black"/>
+                <a:cs typeface="Arial Black"/>
+                <a:sym typeface="Arial Black"/>
+              </a:rPr>
+              <a:t>Cas d’étude pour la gestion de la casse et des caractères spéciaux</a:t>
+            </a:r>
+            <a:endParaRPr kumimoji="0" lang="fr-FR" sz="2400" b="1" i="0" u="none" strike="noStrike" kern="1200" cap="none" spc="0" normalizeH="0" baseline="0" noProof="0">
+              <a:ln>
+                <a:noFill/>
+              </a:ln>
+              <a:solidFill>
+                <a:srgbClr val="595959"/>
+              </a:solidFill>
+              <a:effectLst/>
+              <a:uLnTx/>
+              <a:uFillTx/>
+              <a:latin typeface="Arial Black"/>
+              <a:ea typeface="Arial Black"/>
+              <a:cs typeface="Arial Black"/>
+              <a:sym typeface="Arial Black"/>
+            </a:endParaRPr>
+          </a:p>
+          <a:p>
+            <a:pPr marL="0" marR="0" lvl="0" indent="0" algn="l" defTabSz="914400" rtl="0" eaLnBrk="1" fontAlgn="auto" latinLnBrk="0" hangingPunct="1">
+              <a:lnSpc>
+                <a:spcPct val="115000"/>
+              </a:lnSpc>
+              <a:spcBef>
+                <a:spcPts val="0"/>
+              </a:spcBef>
+              <a:spcAft>
+                <a:spcPts val="0"/>
+              </a:spcAft>
+              <a:buClrTx/>
+              <a:buSzTx/>
+              <a:buFontTx/>
+              <a:buNone/>
+              <a:tabLst/>
+              <a:defRPr/>
+            </a:pPr>
+            <a:endParaRPr kumimoji="0" lang="fr-FR" sz="2400" b="1" i="0" u="none" strike="noStrike" kern="1200" cap="none" spc="0" normalizeH="0" baseline="0" noProof="0">
+              <a:ln>
+                <a:noFill/>
+              </a:ln>
+              <a:solidFill>
+                <a:srgbClr val="595959"/>
+              </a:solidFill>
+              <a:effectLst/>
+              <a:uLnTx/>
+              <a:uFillTx/>
+              <a:latin typeface="Arial Black"/>
+              <a:ea typeface="Arial Black"/>
+              <a:cs typeface="Arial Black"/>
+              <a:sym typeface="Arial Black"/>
+            </a:endParaRPr>
+          </a:p>
+        </p:txBody>
+      </p:sp>
+      <p:sp>
+        <p:nvSpPr>
+          <p:cNvPr id="3" name="Espace réservé du contenu 4">
+            <a:extLst>
+              <a:ext uri="{FF2B5EF4-FFF2-40B4-BE49-F238E27FC236}">
+                <a16:creationId xmlns:a16="http://schemas.microsoft.com/office/drawing/2014/main" id="{FB08CD5A-03F7-7178-C72F-1310264EDA55}"/>
+              </a:ext>
+            </a:extLst>
+          </p:cNvPr>
+          <p:cNvSpPr txBox="1">
+            <a:spLocks/>
+          </p:cNvSpPr>
+          <p:nvPr/>
+        </p:nvSpPr>
+        <p:spPr>
+          <a:xfrm>
+            <a:off x="213832" y="825402"/>
+            <a:ext cx="11793200" cy="5627934"/>
+          </a:xfrm>
+          <a:prstGeom prst="rect">
+            <a:avLst/>
+          </a:prstGeom>
+        </p:spPr>
+        <p:txBody>
+          <a:bodyPr>
+            <a:normAutofit/>
+          </a:bodyPr>
+          <a:lstStyle>
+            <a:lvl1pPr marL="228600" indent="-228600" algn="l" defTabSz="914400" rtl="0" eaLnBrk="1" latinLnBrk="0" hangingPunct="1">
+              <a:lnSpc>
+                <a:spcPct val="90000"/>
+              </a:lnSpc>
+              <a:spcBef>
+                <a:spcPts val="1000"/>
+              </a:spcBef>
+              <a:buFont typeface="Arial" panose="020B0604020202020204" pitchFamily="34" charset="0"/>
+              <a:buChar char="•"/>
+              <a:defRPr sz="2800" kern="1200">
+                <a:solidFill>
+                  <a:schemeClr val="tx1"/>
+                </a:solidFill>
+                <a:latin typeface="+mn-lt"/>
+                <a:ea typeface="+mn-ea"/>
+                <a:cs typeface="+mn-cs"/>
+              </a:defRPr>
+            </a:lvl1pPr>
+            <a:lvl2pPr marL="685800" indent="-228600" algn="l" defTabSz="914400" rtl="0" eaLnBrk="1" latinLnBrk="0" hangingPunct="1">
+              <a:lnSpc>
+                <a:spcPct val="90000"/>
+              </a:lnSpc>
+              <a:spcBef>
+                <a:spcPts val="500"/>
+              </a:spcBef>
+              <a:buFont typeface="Arial" panose="020B0604020202020204" pitchFamily="34" charset="0"/>
+              <a:buChar char="•"/>
+              <a:defRPr sz="2400" kern="1200">
+                <a:solidFill>
+                  <a:schemeClr val="tx1"/>
+                </a:solidFill>
+                <a:latin typeface="+mn-lt"/>
+                <a:ea typeface="+mn-ea"/>
+                <a:cs typeface="+mn-cs"/>
+              </a:defRPr>
+            </a:lvl2pPr>
+            <a:lvl3pPr marL="1143000" indent="-228600" algn="l" defTabSz="914400" rtl="0" eaLnBrk="1" latinLnBrk="0" hangingPunct="1">
+              <a:lnSpc>
+                <a:spcPct val="90000"/>
+              </a:lnSpc>
+              <a:spcBef>
+                <a:spcPts val="500"/>
+              </a:spcBef>
+              <a:buFont typeface="Arial" panose="020B0604020202020204" pitchFamily="34" charset="0"/>
+              <a:buChar char="•"/>
+              <a:defRPr sz="2000" kern="1200">
+                <a:solidFill>
+                  <a:schemeClr val="tx1"/>
+                </a:solidFill>
+                <a:latin typeface="+mn-lt"/>
+                <a:ea typeface="+mn-ea"/>
+                <a:cs typeface="+mn-cs"/>
+              </a:defRPr>
+            </a:lvl3pPr>
+            <a:lvl4pPr marL="1600200" indent="-228600" algn="l" defTabSz="914400" rtl="0" eaLnBrk="1" latinLnBrk="0" hangingPunct="1">
+              <a:lnSpc>
+                <a:spcPct val="90000"/>
+              </a:lnSpc>
+              <a:spcBef>
+                <a:spcPts val="500"/>
+              </a:spcBef>
+              <a:buFont typeface="Arial" panose="020B0604020202020204" pitchFamily="34" charset="0"/>
+              <a:buChar char="•"/>
+              <a:defRPr sz="1800" kern="1200">
+                <a:solidFill>
+                  <a:schemeClr val="tx1"/>
+                </a:solidFill>
+                <a:latin typeface="+mn-lt"/>
+                <a:ea typeface="+mn-ea"/>
+                <a:cs typeface="+mn-cs"/>
+              </a:defRPr>
+            </a:lvl4pPr>
+            <a:lvl5pPr marL="2057400" indent="-228600" algn="l" defTabSz="914400" rtl="0" eaLnBrk="1" latinLnBrk="0" hangingPunct="1">
+              <a:lnSpc>
+                <a:spcPct val="90000"/>
+              </a:lnSpc>
+              <a:spcBef>
+                <a:spcPts val="500"/>
+              </a:spcBef>
+              <a:buFont typeface="Arial" panose="020B0604020202020204" pitchFamily="34" charset="0"/>
+              <a:buChar char="•"/>
+              <a:defRPr sz="1800" kern="1200">
+                <a:solidFill>
+                  <a:schemeClr val="tx1"/>
+                </a:solidFill>
+                <a:latin typeface="+mn-lt"/>
+                <a:ea typeface="+mn-ea"/>
+                <a:cs typeface="+mn-cs"/>
+              </a:defRPr>
+            </a:lvl5pPr>
+            <a:lvl6pPr marL="2514600" indent="-228600" algn="l" defTabSz="914400" rtl="0" eaLnBrk="1" latinLnBrk="0" hangingPunct="1">
+              <a:lnSpc>
+                <a:spcPct val="90000"/>
+              </a:lnSpc>
+              <a:spcBef>
+                <a:spcPts val="500"/>
+              </a:spcBef>
+              <a:buFont typeface="Arial" panose="020B0604020202020204" pitchFamily="34" charset="0"/>
+              <a:buChar char="•"/>
+              <a:defRPr sz="1800" kern="1200">
+                <a:solidFill>
+                  <a:schemeClr val="tx1"/>
+                </a:solidFill>
+                <a:latin typeface="+mn-lt"/>
+                <a:ea typeface="+mn-ea"/>
+                <a:cs typeface="+mn-cs"/>
+              </a:defRPr>
+            </a:lvl6pPr>
+            <a:lvl7pPr marL="2971800" indent="-228600" algn="l" defTabSz="914400" rtl="0" eaLnBrk="1" latinLnBrk="0" hangingPunct="1">
+              <a:lnSpc>
+                <a:spcPct val="90000"/>
+              </a:lnSpc>
+              <a:spcBef>
+                <a:spcPts val="500"/>
+              </a:spcBef>
+              <a:buFont typeface="Arial" panose="020B0604020202020204" pitchFamily="34" charset="0"/>
+              <a:buChar char="•"/>
+              <a:defRPr sz="1800" kern="1200">
+                <a:solidFill>
+                  <a:schemeClr val="tx1"/>
+                </a:solidFill>
+                <a:latin typeface="+mn-lt"/>
+                <a:ea typeface="+mn-ea"/>
+                <a:cs typeface="+mn-cs"/>
+              </a:defRPr>
+            </a:lvl7pPr>
+            <a:lvl8pPr marL="3429000" indent="-228600" algn="l" defTabSz="914400" rtl="0" eaLnBrk="1" latinLnBrk="0" hangingPunct="1">
+              <a:lnSpc>
+                <a:spcPct val="90000"/>
+              </a:lnSpc>
+              <a:spcBef>
+                <a:spcPts val="500"/>
+              </a:spcBef>
+              <a:buFont typeface="Arial" panose="020B0604020202020204" pitchFamily="34" charset="0"/>
+              <a:buChar char="•"/>
+              <a:defRPr sz="1800" kern="1200">
+                <a:solidFill>
+                  <a:schemeClr val="tx1"/>
+                </a:solidFill>
+                <a:latin typeface="+mn-lt"/>
+                <a:ea typeface="+mn-ea"/>
+                <a:cs typeface="+mn-cs"/>
+              </a:defRPr>
+            </a:lvl8pPr>
+            <a:lvl9pPr marL="3886200" indent="-228600" algn="l" defTabSz="914400" rtl="0" eaLnBrk="1" latinLnBrk="0" hangingPunct="1">
+              <a:lnSpc>
+                <a:spcPct val="90000"/>
+              </a:lnSpc>
+              <a:spcBef>
+                <a:spcPts val="500"/>
+              </a:spcBef>
+              <a:buFont typeface="Arial" panose="020B0604020202020204" pitchFamily="34" charset="0"/>
+              <a:buChar char="•"/>
+              <a:defRPr sz="1800" kern="1200">
+                <a:solidFill>
+                  <a:schemeClr val="tx1"/>
+                </a:solidFill>
+                <a:latin typeface="+mn-lt"/>
+                <a:ea typeface="+mn-ea"/>
+                <a:cs typeface="+mn-cs"/>
+              </a:defRPr>
+            </a:lvl9pPr>
+          </a:lstStyle>
+          <a:p>
+            <a:pPr marL="0" marR="0" lvl="0" indent="0" algn="l" defTabSz="914400" rtl="0" eaLnBrk="1" fontAlgn="auto" latinLnBrk="0" hangingPunct="1">
+              <a:lnSpc>
+                <a:spcPct val="90000"/>
+              </a:lnSpc>
+              <a:spcBef>
+                <a:spcPts val="1000"/>
+              </a:spcBef>
+              <a:spcAft>
+                <a:spcPts val="0"/>
+              </a:spcAft>
+              <a:buClrTx/>
+              <a:buSzTx/>
+              <a:buNone/>
+              <a:tabLst/>
+              <a:defRPr/>
+            </a:pPr>
+            <a:r>
+              <a:rPr lang="fr-FR" sz="2000" b="1">
+                <a:solidFill>
+                  <a:schemeClr val="accent1">
+                    <a:lumMod val="50000"/>
+                  </a:schemeClr>
+                </a:solidFill>
+                <a:latin typeface="Arial" panose="020B0604020202020204" pitchFamily="34" charset="0"/>
+                <a:cs typeface="Arial" panose="020B0604020202020204" pitchFamily="34" charset="0"/>
+              </a:rPr>
+              <a:t>Matérialisation de la préparation</a:t>
+            </a:r>
+          </a:p>
+          <a:p>
+            <a:pPr lvl="1">
+              <a:defRPr/>
+            </a:pPr>
+            <a:r>
+              <a:rPr lang="fr-FR" sz="1600" b="1">
+                <a:solidFill>
+                  <a:schemeClr val="accent1">
+                    <a:lumMod val="50000"/>
+                  </a:schemeClr>
+                </a:solidFill>
+                <a:latin typeface="Arial" panose="020B0604020202020204" pitchFamily="34" charset="0"/>
+                <a:cs typeface="Arial" panose="020B0604020202020204" pitchFamily="34" charset="0"/>
+              </a:rPr>
+              <a:t>Toujours et encore de la préparation de la donnée &gt; table </a:t>
+            </a:r>
+            <a:r>
+              <a:rPr lang="fr-FR" sz="1400">
+                <a:solidFill>
+                  <a:srgbClr val="001080"/>
+                </a:solidFill>
+                <a:latin typeface="Consolas" panose="020B0609020204030204" pitchFamily="49" charset="0"/>
+              </a:rPr>
+              <a:t>REF_DEV.PUBLIC.PLACES_POSTCODES_SEARCH2 </a:t>
+            </a:r>
+            <a:r>
+              <a:rPr lang="fr-FR" sz="1600" b="1">
+                <a:solidFill>
+                  <a:schemeClr val="accent1">
+                    <a:lumMod val="50000"/>
+                  </a:schemeClr>
+                </a:solidFill>
+                <a:latin typeface="Arial" panose="020B0604020202020204" pitchFamily="34" charset="0"/>
+                <a:cs typeface="Arial" panose="020B0604020202020204" pitchFamily="34" charset="0"/>
+              </a:rPr>
+              <a:t>&lt;</a:t>
+            </a:r>
+          </a:p>
+          <a:p>
+            <a:pPr marL="457200" lvl="1" indent="0">
+              <a:buNone/>
+            </a:pPr>
+            <a:r>
+              <a:rPr lang="fr-FR" sz="1100" b="0">
+                <a:solidFill>
+                  <a:srgbClr val="AF00DB"/>
+                </a:solidFill>
+                <a:effectLst/>
+                <a:latin typeface="Consolas" panose="020B0609020204030204" pitchFamily="49" charset="0"/>
+              </a:rPr>
+              <a:t>CREATE OR REPLACE</a:t>
+            </a:r>
+            <a:r>
+              <a:rPr lang="fr-FR" sz="1100" b="0">
+                <a:solidFill>
+                  <a:srgbClr val="3B3B3B"/>
+                </a:solidFill>
+                <a:effectLst/>
+                <a:latin typeface="Consolas" panose="020B0609020204030204" pitchFamily="49" charset="0"/>
+              </a:rPr>
+              <a:t> </a:t>
+            </a:r>
+            <a:r>
+              <a:rPr lang="fr-FR" sz="1100" b="0">
+                <a:solidFill>
+                  <a:srgbClr val="AF00DB"/>
+                </a:solidFill>
+                <a:effectLst/>
+                <a:latin typeface="Consolas" panose="020B0609020204030204" pitchFamily="49" charset="0"/>
+              </a:rPr>
+              <a:t>TRANSIENT</a:t>
+            </a:r>
+            <a:r>
+              <a:rPr lang="fr-FR" sz="1100" b="0">
+                <a:solidFill>
+                  <a:srgbClr val="3B3B3B"/>
+                </a:solidFill>
+                <a:effectLst/>
+                <a:latin typeface="Consolas" panose="020B0609020204030204" pitchFamily="49" charset="0"/>
+              </a:rPr>
+              <a:t> </a:t>
+            </a:r>
+            <a:r>
+              <a:rPr lang="fr-FR" sz="1100" b="0">
+                <a:solidFill>
+                  <a:srgbClr val="AF00DB"/>
+                </a:solidFill>
+                <a:effectLst/>
+                <a:latin typeface="Consolas" panose="020B0609020204030204" pitchFamily="49" charset="0"/>
+              </a:rPr>
+              <a:t>TABLE</a:t>
+            </a:r>
+            <a:r>
+              <a:rPr lang="fr-FR" sz="1100" b="0">
+                <a:solidFill>
+                  <a:srgbClr val="3B3B3B"/>
+                </a:solidFill>
+                <a:effectLst/>
+                <a:latin typeface="Consolas" panose="020B0609020204030204" pitchFamily="49" charset="0"/>
+              </a:rPr>
+              <a:t> </a:t>
+            </a:r>
+            <a:r>
+              <a:rPr lang="fr-FR" sz="1100" b="0">
+                <a:solidFill>
+                  <a:srgbClr val="001080"/>
+                </a:solidFill>
+                <a:effectLst/>
+                <a:latin typeface="Consolas" panose="020B0609020204030204" pitchFamily="49" charset="0"/>
+              </a:rPr>
+              <a:t>REF_DEV</a:t>
+            </a:r>
+            <a:r>
+              <a:rPr lang="fr-FR" sz="1100" b="0">
+                <a:solidFill>
+                  <a:srgbClr val="3B3B3B"/>
+                </a:solidFill>
+                <a:effectLst/>
+                <a:latin typeface="Consolas" panose="020B0609020204030204" pitchFamily="49" charset="0"/>
+              </a:rPr>
+              <a:t>.</a:t>
+            </a:r>
+            <a:r>
+              <a:rPr lang="fr-FR" sz="1100" b="0">
+                <a:solidFill>
+                  <a:srgbClr val="001080"/>
+                </a:solidFill>
+                <a:effectLst/>
+                <a:latin typeface="Consolas" panose="020B0609020204030204" pitchFamily="49" charset="0"/>
+              </a:rPr>
+              <a:t>PUBLIC</a:t>
+            </a:r>
+            <a:r>
+              <a:rPr lang="fr-FR" sz="1100" b="0">
+                <a:solidFill>
+                  <a:srgbClr val="3B3B3B"/>
+                </a:solidFill>
+                <a:effectLst/>
+                <a:latin typeface="Consolas" panose="020B0609020204030204" pitchFamily="49" charset="0"/>
+              </a:rPr>
+              <a:t>.</a:t>
+            </a:r>
+            <a:r>
+              <a:rPr lang="fr-FR" sz="1100" b="0">
+                <a:solidFill>
+                  <a:srgbClr val="001080"/>
+                </a:solidFill>
+                <a:effectLst/>
+                <a:highlight>
+                  <a:srgbClr val="FFFF00"/>
+                </a:highlight>
+                <a:latin typeface="Consolas" panose="020B0609020204030204" pitchFamily="49" charset="0"/>
+              </a:rPr>
+              <a:t>PLACES_POSTCODES_SEARCH2</a:t>
+            </a:r>
+            <a:r>
+              <a:rPr lang="fr-FR" sz="1100" b="0">
+                <a:solidFill>
+                  <a:srgbClr val="3B3B3B"/>
+                </a:solidFill>
+                <a:effectLst/>
+                <a:highlight>
+                  <a:srgbClr val="FFFF00"/>
+                </a:highlight>
+                <a:latin typeface="Consolas" panose="020B0609020204030204" pitchFamily="49" charset="0"/>
+              </a:rPr>
+              <a:t> </a:t>
+            </a:r>
+            <a:r>
+              <a:rPr lang="fr-FR" sz="1100" b="0">
+                <a:solidFill>
+                  <a:srgbClr val="AF00DB"/>
+                </a:solidFill>
+                <a:effectLst/>
+                <a:latin typeface="Consolas" panose="020B0609020204030204" pitchFamily="49" charset="0"/>
+              </a:rPr>
+              <a:t>AS</a:t>
+            </a:r>
+            <a:endParaRPr lang="fr-FR" sz="1100" b="0">
+              <a:solidFill>
+                <a:srgbClr val="3B3B3B"/>
+              </a:solidFill>
+              <a:effectLst/>
+              <a:latin typeface="Consolas" panose="020B0609020204030204" pitchFamily="49" charset="0"/>
+            </a:endParaRPr>
+          </a:p>
+          <a:p>
+            <a:pPr marL="457200" lvl="1" indent="0">
+              <a:buNone/>
+            </a:pPr>
+            <a:r>
+              <a:rPr lang="fr-FR" sz="1100" b="0">
+                <a:solidFill>
+                  <a:srgbClr val="AF00DB"/>
+                </a:solidFill>
+                <a:effectLst/>
+                <a:latin typeface="Consolas" panose="020B0609020204030204" pitchFamily="49" charset="0"/>
+              </a:rPr>
+              <a:t>SELECT</a:t>
+            </a:r>
+            <a:r>
+              <a:rPr lang="fr-FR" sz="1100" b="0">
+                <a:solidFill>
+                  <a:srgbClr val="3B3B3B"/>
+                </a:solidFill>
+                <a:effectLst/>
+                <a:latin typeface="Consolas" panose="020B0609020204030204" pitchFamily="49" charset="0"/>
+              </a:rPr>
+              <a:t>   </a:t>
+            </a:r>
+            <a:r>
+              <a:rPr lang="fr-FR" sz="1100" b="0">
+                <a:solidFill>
+                  <a:srgbClr val="AF00DB"/>
+                </a:solidFill>
+                <a:effectLst/>
+                <a:latin typeface="Consolas" panose="020B0609020204030204" pitchFamily="49" charset="0"/>
+              </a:rPr>
+              <a:t>CASE</a:t>
+            </a:r>
+            <a:r>
+              <a:rPr lang="fr-FR" sz="1100" b="0">
+                <a:solidFill>
+                  <a:srgbClr val="3B3B3B"/>
+                </a:solidFill>
+                <a:effectLst/>
+                <a:latin typeface="Consolas" panose="020B0609020204030204" pitchFamily="49" charset="0"/>
+              </a:rPr>
+              <a:t> </a:t>
+            </a:r>
+            <a:r>
+              <a:rPr lang="fr-FR" sz="1100" b="0">
+                <a:solidFill>
+                  <a:srgbClr val="AF00DB"/>
+                </a:solidFill>
+                <a:effectLst/>
+                <a:latin typeface="Consolas" panose="020B0609020204030204" pitchFamily="49" charset="0"/>
+              </a:rPr>
+              <a:t>WHEN</a:t>
+            </a:r>
+            <a:r>
+              <a:rPr lang="fr-FR" sz="1100" b="0">
+                <a:solidFill>
+                  <a:srgbClr val="3B3B3B"/>
+                </a:solidFill>
+                <a:effectLst/>
+                <a:latin typeface="Consolas" panose="020B0609020204030204" pitchFamily="49" charset="0"/>
+              </a:rPr>
+              <a:t> </a:t>
+            </a:r>
+            <a:r>
+              <a:rPr lang="fr-FR" sz="1100" b="0">
+                <a:solidFill>
+                  <a:srgbClr val="001080"/>
+                </a:solidFill>
+                <a:effectLst/>
+                <a:latin typeface="Consolas" panose="020B0609020204030204" pitchFamily="49" charset="0"/>
+              </a:rPr>
+              <a:t>DL1</a:t>
+            </a:r>
+            <a:r>
+              <a:rPr lang="fr-FR" sz="1100" b="0">
+                <a:solidFill>
+                  <a:srgbClr val="3B3B3B"/>
+                </a:solidFill>
+                <a:effectLst/>
+                <a:latin typeface="Consolas" panose="020B0609020204030204" pitchFamily="49" charset="0"/>
+              </a:rPr>
+              <a:t>.</a:t>
+            </a:r>
+            <a:r>
+              <a:rPr lang="fr-FR" sz="1100" b="0">
+                <a:solidFill>
+                  <a:srgbClr val="001080"/>
+                </a:solidFill>
+                <a:effectLst/>
+                <a:latin typeface="Consolas" panose="020B0609020204030204" pitchFamily="49" charset="0"/>
+              </a:rPr>
+              <a:t>SOVEREIGN</a:t>
+            </a:r>
+            <a:r>
+              <a:rPr lang="fr-FR" sz="1100" b="0">
+                <a:solidFill>
+                  <a:srgbClr val="3B3B3B"/>
+                </a:solidFill>
+                <a:effectLst/>
+                <a:latin typeface="Consolas" panose="020B0609020204030204" pitchFamily="49" charset="0"/>
+              </a:rPr>
+              <a:t> </a:t>
+            </a:r>
+            <a:r>
+              <a:rPr lang="fr-FR" sz="1100" b="0">
+                <a:solidFill>
+                  <a:srgbClr val="AF00DB"/>
+                </a:solidFill>
+                <a:effectLst/>
+                <a:latin typeface="Consolas" panose="020B0609020204030204" pitchFamily="49" charset="0"/>
+              </a:rPr>
+              <a:t>IS</a:t>
+            </a:r>
+            <a:r>
+              <a:rPr lang="fr-FR" sz="1100" b="0">
+                <a:solidFill>
+                  <a:srgbClr val="3B3B3B"/>
+                </a:solidFill>
+                <a:effectLst/>
+                <a:latin typeface="Consolas" panose="020B0609020204030204" pitchFamily="49" charset="0"/>
+              </a:rPr>
+              <a:t> </a:t>
+            </a:r>
+            <a:r>
+              <a:rPr lang="fr-FR" sz="1100" b="0">
+                <a:solidFill>
+                  <a:srgbClr val="001080"/>
+                </a:solidFill>
+                <a:effectLst/>
+                <a:latin typeface="Consolas" panose="020B0609020204030204" pitchFamily="49" charset="0"/>
+              </a:rPr>
+              <a:t>NULL</a:t>
+            </a:r>
+            <a:r>
+              <a:rPr lang="fr-FR" sz="1100" b="0">
+                <a:solidFill>
+                  <a:srgbClr val="3B3B3B"/>
+                </a:solidFill>
+                <a:effectLst/>
+                <a:latin typeface="Consolas" panose="020B0609020204030204" pitchFamily="49" charset="0"/>
+              </a:rPr>
+              <a:t> </a:t>
+            </a:r>
+            <a:r>
+              <a:rPr lang="fr-FR" sz="1100" b="0">
+                <a:solidFill>
+                  <a:srgbClr val="AF00DB"/>
+                </a:solidFill>
+                <a:effectLst/>
+                <a:latin typeface="Consolas" panose="020B0609020204030204" pitchFamily="49" charset="0"/>
+              </a:rPr>
+              <a:t>OR</a:t>
+            </a:r>
+            <a:r>
+              <a:rPr lang="fr-FR" sz="1100" b="0">
+                <a:solidFill>
+                  <a:srgbClr val="3B3B3B"/>
+                </a:solidFill>
+                <a:effectLst/>
+                <a:latin typeface="Consolas" panose="020B0609020204030204" pitchFamily="49" charset="0"/>
+              </a:rPr>
+              <a:t> </a:t>
+            </a:r>
+            <a:r>
+              <a:rPr lang="fr-FR" sz="1100" b="0">
+                <a:solidFill>
+                  <a:srgbClr val="001080"/>
+                </a:solidFill>
+                <a:effectLst/>
+                <a:latin typeface="Consolas" panose="020B0609020204030204" pitchFamily="49" charset="0"/>
+              </a:rPr>
+              <a:t>TRIM</a:t>
+            </a:r>
+            <a:r>
+              <a:rPr lang="fr-FR" sz="1100" b="0">
+                <a:solidFill>
+                  <a:srgbClr val="3B3B3B"/>
+                </a:solidFill>
+                <a:effectLst/>
+                <a:latin typeface="Consolas" panose="020B0609020204030204" pitchFamily="49" charset="0"/>
+              </a:rPr>
+              <a:t>(</a:t>
+            </a:r>
+            <a:r>
+              <a:rPr lang="fr-FR" sz="1100" b="0">
+                <a:solidFill>
+                  <a:srgbClr val="001080"/>
+                </a:solidFill>
+                <a:effectLst/>
+                <a:latin typeface="Consolas" panose="020B0609020204030204" pitchFamily="49" charset="0"/>
+              </a:rPr>
+              <a:t>DL1</a:t>
+            </a:r>
+            <a:r>
+              <a:rPr lang="fr-FR" sz="1100" b="0">
+                <a:solidFill>
+                  <a:srgbClr val="3B3B3B"/>
+                </a:solidFill>
+                <a:effectLst/>
+                <a:latin typeface="Consolas" panose="020B0609020204030204" pitchFamily="49" charset="0"/>
+              </a:rPr>
+              <a:t>.</a:t>
+            </a:r>
+            <a:r>
+              <a:rPr lang="fr-FR" sz="1100" b="0">
+                <a:solidFill>
+                  <a:srgbClr val="001080"/>
+                </a:solidFill>
+                <a:effectLst/>
+                <a:latin typeface="Consolas" panose="020B0609020204030204" pitchFamily="49" charset="0"/>
+              </a:rPr>
+              <a:t>SOVEREIGN</a:t>
+            </a:r>
+            <a:r>
+              <a:rPr lang="fr-FR" sz="1100" b="0">
+                <a:solidFill>
+                  <a:srgbClr val="3B3B3B"/>
+                </a:solidFill>
+                <a:effectLst/>
+                <a:latin typeface="Consolas" panose="020B0609020204030204" pitchFamily="49" charset="0"/>
+              </a:rPr>
+              <a:t>)=</a:t>
+            </a:r>
+            <a:r>
+              <a:rPr lang="fr-FR" sz="1100" b="0">
+                <a:solidFill>
+                  <a:srgbClr val="A31515"/>
+                </a:solidFill>
+                <a:effectLst/>
+                <a:latin typeface="Consolas" panose="020B0609020204030204" pitchFamily="49" charset="0"/>
+              </a:rPr>
+              <a:t>''</a:t>
+            </a:r>
+            <a:r>
+              <a:rPr lang="fr-FR" sz="1100" b="0">
+                <a:solidFill>
+                  <a:srgbClr val="3B3B3B"/>
+                </a:solidFill>
+                <a:effectLst/>
+                <a:latin typeface="Consolas" panose="020B0609020204030204" pitchFamily="49" charset="0"/>
+              </a:rPr>
+              <a:t> </a:t>
+            </a:r>
+            <a:r>
+              <a:rPr lang="fr-FR" sz="1100" b="0">
+                <a:solidFill>
+                  <a:srgbClr val="AF00DB"/>
+                </a:solidFill>
+                <a:effectLst/>
+                <a:latin typeface="Consolas" panose="020B0609020204030204" pitchFamily="49" charset="0"/>
+              </a:rPr>
+              <a:t>THEN</a:t>
+            </a:r>
+            <a:r>
+              <a:rPr lang="fr-FR" sz="1100" b="0">
+                <a:solidFill>
+                  <a:srgbClr val="3B3B3B"/>
+                </a:solidFill>
+                <a:effectLst/>
+                <a:latin typeface="Consolas" panose="020B0609020204030204" pitchFamily="49" charset="0"/>
+              </a:rPr>
+              <a:t> </a:t>
+            </a:r>
+            <a:r>
+              <a:rPr lang="fr-FR" sz="1100" b="0">
+                <a:solidFill>
+                  <a:srgbClr val="001080"/>
+                </a:solidFill>
+                <a:effectLst/>
+                <a:latin typeface="Consolas" panose="020B0609020204030204" pitchFamily="49" charset="0"/>
+              </a:rPr>
+              <a:t>UPPER</a:t>
+            </a:r>
+            <a:r>
+              <a:rPr lang="fr-FR" sz="1100" b="0">
+                <a:solidFill>
+                  <a:srgbClr val="3B3B3B"/>
+                </a:solidFill>
+                <a:effectLst/>
+                <a:latin typeface="Consolas" panose="020B0609020204030204" pitchFamily="49" charset="0"/>
+              </a:rPr>
+              <a:t>(</a:t>
+            </a:r>
+            <a:r>
+              <a:rPr lang="fr-FR" sz="1100" b="0">
+                <a:solidFill>
+                  <a:srgbClr val="001080"/>
+                </a:solidFill>
+                <a:effectLst/>
+                <a:latin typeface="Consolas" panose="020B0609020204030204" pitchFamily="49" charset="0"/>
+              </a:rPr>
+              <a:t>PL</a:t>
+            </a:r>
+            <a:r>
+              <a:rPr lang="fr-FR" sz="1100" b="0">
+                <a:solidFill>
+                  <a:srgbClr val="3B3B3B"/>
+                </a:solidFill>
+                <a:effectLst/>
+                <a:latin typeface="Consolas" panose="020B0609020204030204" pitchFamily="49" charset="0"/>
+              </a:rPr>
+              <a:t>.</a:t>
+            </a:r>
+            <a:r>
+              <a:rPr lang="fr-FR" sz="1100" b="0">
+                <a:solidFill>
+                  <a:srgbClr val="001080"/>
+                </a:solidFill>
+                <a:effectLst/>
+                <a:latin typeface="Consolas" panose="020B0609020204030204" pitchFamily="49" charset="0"/>
+              </a:rPr>
+              <a:t>ISO</a:t>
+            </a:r>
+            <a:r>
+              <a:rPr lang="fr-FR" sz="1100" b="0">
+                <a:solidFill>
+                  <a:srgbClr val="3B3B3B"/>
+                </a:solidFill>
+                <a:effectLst/>
+                <a:latin typeface="Consolas" panose="020B0609020204030204" pitchFamily="49" charset="0"/>
+              </a:rPr>
+              <a:t>)</a:t>
+            </a:r>
+          </a:p>
+          <a:p>
+            <a:pPr marL="457200" lvl="1" indent="0">
+              <a:buNone/>
+            </a:pPr>
+            <a:r>
+              <a:rPr lang="fr-FR" sz="1100" b="0">
+                <a:solidFill>
+                  <a:srgbClr val="3B3B3B"/>
+                </a:solidFill>
+                <a:effectLst/>
+                <a:latin typeface="Consolas" panose="020B0609020204030204" pitchFamily="49" charset="0"/>
+              </a:rPr>
+              <a:t>              </a:t>
+            </a:r>
+            <a:r>
+              <a:rPr lang="fr-FR" sz="1100" b="0">
+                <a:solidFill>
+                  <a:srgbClr val="AF00DB"/>
+                </a:solidFill>
+                <a:effectLst/>
+                <a:latin typeface="Consolas" panose="020B0609020204030204" pitchFamily="49" charset="0"/>
+              </a:rPr>
+              <a:t>ELSE</a:t>
+            </a:r>
+            <a:r>
+              <a:rPr lang="fr-FR" sz="1100" b="0">
+                <a:solidFill>
+                  <a:srgbClr val="3B3B3B"/>
+                </a:solidFill>
+                <a:effectLst/>
+                <a:latin typeface="Consolas" panose="020B0609020204030204" pitchFamily="49" charset="0"/>
+              </a:rPr>
+              <a:t> </a:t>
+            </a:r>
+            <a:r>
+              <a:rPr lang="fr-FR" sz="1100" b="0">
+                <a:solidFill>
+                  <a:srgbClr val="001080"/>
+                </a:solidFill>
+                <a:effectLst/>
+                <a:latin typeface="Consolas" panose="020B0609020204030204" pitchFamily="49" charset="0"/>
+              </a:rPr>
+              <a:t>UPPER</a:t>
+            </a:r>
+            <a:r>
+              <a:rPr lang="fr-FR" sz="1100" b="0">
+                <a:solidFill>
+                  <a:srgbClr val="3B3B3B"/>
+                </a:solidFill>
+                <a:effectLst/>
+                <a:latin typeface="Consolas" panose="020B0609020204030204" pitchFamily="49" charset="0"/>
+              </a:rPr>
+              <a:t>(</a:t>
+            </a:r>
+            <a:r>
+              <a:rPr lang="fr-FR" sz="1100" b="0">
+                <a:solidFill>
+                  <a:srgbClr val="001080"/>
+                </a:solidFill>
+                <a:effectLst/>
+                <a:latin typeface="Consolas" panose="020B0609020204030204" pitchFamily="49" charset="0"/>
+              </a:rPr>
+              <a:t>DL1</a:t>
+            </a:r>
+            <a:r>
+              <a:rPr lang="fr-FR" sz="1100" b="0">
+                <a:solidFill>
+                  <a:srgbClr val="3B3B3B"/>
+                </a:solidFill>
+                <a:effectLst/>
+                <a:latin typeface="Consolas" panose="020B0609020204030204" pitchFamily="49" charset="0"/>
+              </a:rPr>
+              <a:t>.</a:t>
+            </a:r>
+            <a:r>
+              <a:rPr lang="fr-FR" sz="1100" b="0">
+                <a:solidFill>
+                  <a:srgbClr val="001080"/>
+                </a:solidFill>
+                <a:effectLst/>
+                <a:latin typeface="Consolas" panose="020B0609020204030204" pitchFamily="49" charset="0"/>
+              </a:rPr>
+              <a:t>SOVEREIGN</a:t>
+            </a:r>
+            <a:r>
+              <a:rPr lang="fr-FR" sz="1100" b="0">
+                <a:solidFill>
+                  <a:srgbClr val="3B3B3B"/>
+                </a:solidFill>
+                <a:effectLst/>
+                <a:latin typeface="Consolas" panose="020B0609020204030204" pitchFamily="49" charset="0"/>
+              </a:rPr>
+              <a:t>) </a:t>
+            </a:r>
+          </a:p>
+          <a:p>
+            <a:pPr marL="457200" lvl="1" indent="0">
+              <a:buNone/>
+            </a:pPr>
+            <a:r>
+              <a:rPr lang="fr-FR" sz="1100" b="0">
+                <a:solidFill>
+                  <a:srgbClr val="3B3B3B"/>
+                </a:solidFill>
+                <a:effectLst/>
+                <a:latin typeface="Consolas" panose="020B0609020204030204" pitchFamily="49" charset="0"/>
+              </a:rPr>
+              <a:t>         </a:t>
+            </a:r>
+            <a:r>
+              <a:rPr lang="fr-FR" sz="1100" b="0">
+                <a:solidFill>
+                  <a:srgbClr val="AF00DB"/>
+                </a:solidFill>
+                <a:effectLst/>
+                <a:latin typeface="Consolas" panose="020B0609020204030204" pitchFamily="49" charset="0"/>
+              </a:rPr>
+              <a:t>END</a:t>
+            </a:r>
+            <a:r>
+              <a:rPr lang="fr-FR" sz="1100" b="0">
+                <a:solidFill>
+                  <a:srgbClr val="3B3B3B"/>
+                </a:solidFill>
+                <a:effectLst/>
+                <a:latin typeface="Consolas" panose="020B0609020204030204" pitchFamily="49" charset="0"/>
+              </a:rPr>
+              <a:t> </a:t>
+            </a:r>
+            <a:r>
+              <a:rPr lang="fr-FR" sz="1100" b="0">
+                <a:solidFill>
+                  <a:srgbClr val="001080"/>
+                </a:solidFill>
+                <a:effectLst/>
+                <a:latin typeface="Consolas" panose="020B0609020204030204" pitchFamily="49" charset="0"/>
+              </a:rPr>
+              <a:t>COUNTRY_CODE</a:t>
+            </a:r>
+            <a:endParaRPr lang="fr-FR" sz="1100" b="0">
+              <a:solidFill>
+                <a:srgbClr val="3B3B3B"/>
+              </a:solidFill>
+              <a:effectLst/>
+              <a:latin typeface="Consolas" panose="020B0609020204030204" pitchFamily="49" charset="0"/>
+            </a:endParaRPr>
+          </a:p>
+          <a:p>
+            <a:pPr marL="457200" lvl="1" indent="0">
+              <a:buNone/>
+            </a:pPr>
+            <a:r>
+              <a:rPr lang="fr-FR" sz="1100" b="0">
+                <a:solidFill>
+                  <a:srgbClr val="3B3B3B"/>
+                </a:solidFill>
+                <a:effectLst/>
+                <a:latin typeface="Consolas" panose="020B0609020204030204" pitchFamily="49" charset="0"/>
+              </a:rPr>
+              <a:t>        ,</a:t>
+            </a:r>
+            <a:r>
+              <a:rPr lang="fr-FR" sz="1100" b="0">
+                <a:solidFill>
+                  <a:srgbClr val="001080"/>
+                </a:solidFill>
+                <a:effectLst/>
+                <a:latin typeface="Consolas" panose="020B0609020204030204" pitchFamily="49" charset="0"/>
+              </a:rPr>
+              <a:t>PL</a:t>
+            </a:r>
+            <a:r>
+              <a:rPr lang="fr-FR" sz="1100" b="0">
+                <a:solidFill>
+                  <a:srgbClr val="3B3B3B"/>
+                </a:solidFill>
+                <a:effectLst/>
+                <a:latin typeface="Consolas" panose="020B0609020204030204" pitchFamily="49" charset="0"/>
+              </a:rPr>
+              <a:t>.</a:t>
+            </a:r>
+            <a:r>
+              <a:rPr lang="fr-FR" sz="1100" b="0">
+                <a:solidFill>
+                  <a:srgbClr val="001080"/>
+                </a:solidFill>
+                <a:effectLst/>
+                <a:latin typeface="Consolas" panose="020B0609020204030204" pitchFamily="49" charset="0"/>
+              </a:rPr>
+              <a:t>PLACES_ID</a:t>
+            </a:r>
+            <a:endParaRPr lang="fr-FR" sz="1100" b="0">
+              <a:solidFill>
+                <a:srgbClr val="3B3B3B"/>
+              </a:solidFill>
+              <a:effectLst/>
+              <a:latin typeface="Consolas" panose="020B0609020204030204" pitchFamily="49" charset="0"/>
+            </a:endParaRPr>
+          </a:p>
+          <a:p>
+            <a:pPr marL="457200" lvl="1" indent="0">
+              <a:buNone/>
+            </a:pPr>
+            <a:r>
+              <a:rPr lang="fr-FR" sz="1100" b="0">
+                <a:solidFill>
+                  <a:srgbClr val="3B3B3B"/>
+                </a:solidFill>
+                <a:effectLst/>
+                <a:latin typeface="Consolas" panose="020B0609020204030204" pitchFamily="49" charset="0"/>
+              </a:rPr>
+              <a:t>        ,</a:t>
+            </a:r>
+            <a:r>
+              <a:rPr lang="fr-FR" sz="1100" b="0">
+                <a:solidFill>
+                  <a:srgbClr val="AF00DB"/>
+                </a:solidFill>
+                <a:effectLst/>
+                <a:latin typeface="Consolas" panose="020B0609020204030204" pitchFamily="49" charset="0"/>
+              </a:rPr>
+              <a:t>REPLACE</a:t>
+            </a:r>
+            <a:r>
+              <a:rPr lang="fr-FR" sz="1100" b="0">
+                <a:solidFill>
+                  <a:srgbClr val="3B3B3B"/>
+                </a:solidFill>
+                <a:effectLst/>
+                <a:latin typeface="Consolas" panose="020B0609020204030204" pitchFamily="49" charset="0"/>
+              </a:rPr>
+              <a:t>(</a:t>
+            </a:r>
+            <a:r>
+              <a:rPr lang="fr-FR" sz="1100" b="0">
+                <a:solidFill>
+                  <a:srgbClr val="001080"/>
+                </a:solidFill>
+                <a:effectLst/>
+                <a:latin typeface="Consolas" panose="020B0609020204030204" pitchFamily="49" charset="0"/>
+              </a:rPr>
+              <a:t>PL</a:t>
+            </a:r>
+            <a:r>
+              <a:rPr lang="fr-FR" sz="1100" b="0">
+                <a:solidFill>
+                  <a:srgbClr val="3B3B3B"/>
+                </a:solidFill>
+                <a:effectLst/>
+                <a:latin typeface="Consolas" panose="020B0609020204030204" pitchFamily="49" charset="0"/>
+              </a:rPr>
+              <a:t>.</a:t>
+            </a:r>
+            <a:r>
+              <a:rPr lang="fr-FR" sz="1100" b="0">
+                <a:solidFill>
+                  <a:srgbClr val="001080"/>
+                </a:solidFill>
+                <a:effectLst/>
+                <a:latin typeface="Consolas" panose="020B0609020204030204" pitchFamily="49" charset="0"/>
+              </a:rPr>
+              <a:t>POSTCODE</a:t>
+            </a:r>
+            <a:r>
+              <a:rPr lang="fr-FR" sz="1100" b="0">
+                <a:solidFill>
+                  <a:srgbClr val="3B3B3B"/>
+                </a:solidFill>
+                <a:effectLst/>
+                <a:latin typeface="Consolas" panose="020B0609020204030204" pitchFamily="49" charset="0"/>
+              </a:rPr>
+              <a:t>,</a:t>
+            </a:r>
+            <a:r>
+              <a:rPr lang="fr-FR" sz="1100" b="0">
+                <a:solidFill>
+                  <a:srgbClr val="A31515"/>
+                </a:solidFill>
+                <a:effectLst/>
+                <a:latin typeface="Consolas" panose="020B0609020204030204" pitchFamily="49" charset="0"/>
+              </a:rPr>
+              <a:t>' '</a:t>
+            </a:r>
+            <a:r>
+              <a:rPr lang="fr-FR" sz="1100" b="0">
+                <a:solidFill>
+                  <a:srgbClr val="3B3B3B"/>
+                </a:solidFill>
+                <a:effectLst/>
+                <a:latin typeface="Consolas" panose="020B0609020204030204" pitchFamily="49" charset="0"/>
+              </a:rPr>
+              <a:t>) </a:t>
+            </a:r>
+            <a:r>
+              <a:rPr lang="fr-FR" sz="1100" b="0">
+                <a:solidFill>
+                  <a:srgbClr val="AF00DB"/>
+                </a:solidFill>
+                <a:effectLst/>
+                <a:latin typeface="Consolas" panose="020B0609020204030204" pitchFamily="49" charset="0"/>
+              </a:rPr>
+              <a:t>AS</a:t>
+            </a:r>
+            <a:r>
+              <a:rPr lang="fr-FR" sz="1100" b="0">
+                <a:solidFill>
+                  <a:srgbClr val="3B3B3B"/>
+                </a:solidFill>
+                <a:effectLst/>
+                <a:latin typeface="Consolas" panose="020B0609020204030204" pitchFamily="49" charset="0"/>
+              </a:rPr>
+              <a:t> </a:t>
+            </a:r>
+            <a:r>
+              <a:rPr lang="fr-FR" sz="1100" b="0">
+                <a:solidFill>
+                  <a:srgbClr val="001080"/>
+                </a:solidFill>
+                <a:effectLst/>
+                <a:latin typeface="Consolas" panose="020B0609020204030204" pitchFamily="49" charset="0"/>
+              </a:rPr>
+              <a:t>POSTCODE</a:t>
+            </a:r>
+            <a:r>
+              <a:rPr lang="fr-FR" sz="1100" b="0">
+                <a:solidFill>
+                  <a:srgbClr val="3B3B3B"/>
+                </a:solidFill>
+                <a:effectLst/>
+                <a:latin typeface="Consolas" panose="020B0609020204030204" pitchFamily="49" charset="0"/>
+              </a:rPr>
+              <a:t> </a:t>
+            </a:r>
+          </a:p>
+          <a:p>
+            <a:pPr marL="457200" lvl="1" indent="0">
+              <a:buNone/>
+            </a:pPr>
+            <a:r>
+              <a:rPr lang="fr-FR" sz="1100" b="0">
+                <a:solidFill>
+                  <a:srgbClr val="3B3B3B"/>
+                </a:solidFill>
+                <a:effectLst/>
+                <a:latin typeface="Consolas" panose="020B0609020204030204" pitchFamily="49" charset="0"/>
+              </a:rPr>
+              <a:t>        ,</a:t>
+            </a:r>
+            <a:r>
+              <a:rPr lang="fr-FR" sz="1100" b="0">
+                <a:solidFill>
+                  <a:srgbClr val="001080"/>
+                </a:solidFill>
+                <a:effectLst/>
+                <a:latin typeface="Consolas" panose="020B0609020204030204" pitchFamily="49" charset="0"/>
+              </a:rPr>
+              <a:t>LOCALITY</a:t>
+            </a:r>
+            <a:endParaRPr lang="fr-FR" sz="1100" b="0">
+              <a:solidFill>
+                <a:srgbClr val="3B3B3B"/>
+              </a:solidFill>
+              <a:effectLst/>
+              <a:latin typeface="Consolas" panose="020B0609020204030204" pitchFamily="49" charset="0"/>
+            </a:endParaRPr>
+          </a:p>
+          <a:p>
+            <a:pPr marL="457200" lvl="1" indent="0">
+              <a:buNone/>
+            </a:pPr>
+            <a:r>
+              <a:rPr lang="fr-FR" sz="1100" b="0">
+                <a:solidFill>
+                  <a:srgbClr val="3B3B3B"/>
+                </a:solidFill>
+                <a:effectLst/>
+                <a:latin typeface="Consolas" panose="020B0609020204030204" pitchFamily="49" charset="0"/>
+              </a:rPr>
+              <a:t>        ,</a:t>
+            </a:r>
+            <a:r>
+              <a:rPr lang="fr-FR" sz="1100" b="0">
+                <a:solidFill>
+                  <a:srgbClr val="001080"/>
+                </a:solidFill>
+                <a:effectLst/>
+                <a:latin typeface="Consolas" panose="020B0609020204030204" pitchFamily="49" charset="0"/>
+              </a:rPr>
+              <a:t>REF_DEV</a:t>
+            </a:r>
+            <a:r>
+              <a:rPr lang="fr-FR" sz="1100" b="0">
+                <a:solidFill>
+                  <a:srgbClr val="3B3B3B"/>
+                </a:solidFill>
+                <a:effectLst/>
+                <a:latin typeface="Consolas" panose="020B0609020204030204" pitchFamily="49" charset="0"/>
+              </a:rPr>
+              <a:t>.</a:t>
+            </a:r>
+            <a:r>
+              <a:rPr lang="fr-FR" sz="1100" b="0">
+                <a:solidFill>
+                  <a:srgbClr val="001080"/>
+                </a:solidFill>
+                <a:effectLst/>
+                <a:latin typeface="Consolas" panose="020B0609020204030204" pitchFamily="49" charset="0"/>
+              </a:rPr>
+              <a:t>PUBLIC</a:t>
+            </a:r>
+            <a:r>
+              <a:rPr lang="fr-FR" sz="1100" b="0">
+                <a:solidFill>
+                  <a:srgbClr val="3B3B3B"/>
+                </a:solidFill>
+                <a:effectLst/>
+                <a:latin typeface="Consolas" panose="020B0609020204030204" pitchFamily="49" charset="0"/>
+              </a:rPr>
+              <a:t>.</a:t>
+            </a:r>
+            <a:r>
+              <a:rPr lang="fr-FR" sz="1100" b="0">
+                <a:solidFill>
+                  <a:srgbClr val="001080"/>
+                </a:solidFill>
+                <a:effectLst/>
+                <a:latin typeface="Consolas" panose="020B0609020204030204" pitchFamily="49" charset="0"/>
+              </a:rPr>
+              <a:t>REMOVE_SPECIAL_CHARS_PLUS</a:t>
+            </a:r>
+            <a:r>
+              <a:rPr lang="fr-FR" sz="1100" b="0">
+                <a:solidFill>
+                  <a:srgbClr val="3B3B3B"/>
+                </a:solidFill>
+                <a:effectLst/>
+                <a:latin typeface="Consolas" panose="020B0609020204030204" pitchFamily="49" charset="0"/>
+              </a:rPr>
+              <a:t>(</a:t>
+            </a:r>
+            <a:r>
+              <a:rPr lang="fr-FR" sz="1100" b="0">
+                <a:solidFill>
+                  <a:srgbClr val="001080"/>
+                </a:solidFill>
+                <a:effectLst/>
+                <a:latin typeface="Consolas" panose="020B0609020204030204" pitchFamily="49" charset="0"/>
+              </a:rPr>
+              <a:t>LOCALITY</a:t>
+            </a:r>
+            <a:r>
+              <a:rPr lang="fr-FR" sz="1100" b="0">
+                <a:solidFill>
+                  <a:srgbClr val="3B3B3B"/>
+                </a:solidFill>
+                <a:effectLst/>
+                <a:latin typeface="Consolas" panose="020B0609020204030204" pitchFamily="49" charset="0"/>
+              </a:rPr>
+              <a:t>) </a:t>
+            </a:r>
+            <a:r>
+              <a:rPr lang="fr-FR" sz="1100" b="0">
+                <a:solidFill>
+                  <a:srgbClr val="AF00DB"/>
+                </a:solidFill>
+                <a:effectLst/>
+                <a:latin typeface="Consolas" panose="020B0609020204030204" pitchFamily="49" charset="0"/>
+              </a:rPr>
+              <a:t>as</a:t>
+            </a:r>
+            <a:r>
+              <a:rPr lang="fr-FR" sz="1100" b="0">
+                <a:solidFill>
+                  <a:srgbClr val="3B3B3B"/>
+                </a:solidFill>
+                <a:effectLst/>
+                <a:latin typeface="Consolas" panose="020B0609020204030204" pitchFamily="49" charset="0"/>
+              </a:rPr>
+              <a:t> </a:t>
+            </a:r>
+            <a:r>
+              <a:rPr lang="fr-FR" sz="1100" b="0">
+                <a:solidFill>
+                  <a:srgbClr val="001080"/>
+                </a:solidFill>
+                <a:effectLst/>
+                <a:latin typeface="Consolas" panose="020B0609020204030204" pitchFamily="49" charset="0"/>
+              </a:rPr>
+              <a:t>GENERIC_LOCALITY</a:t>
+            </a:r>
+            <a:endParaRPr lang="fr-FR" sz="1100" b="0">
+              <a:solidFill>
+                <a:srgbClr val="3B3B3B"/>
+              </a:solidFill>
+              <a:effectLst/>
+              <a:latin typeface="Consolas" panose="020B0609020204030204" pitchFamily="49" charset="0"/>
+            </a:endParaRPr>
+          </a:p>
+          <a:p>
+            <a:pPr marL="457200" lvl="1" indent="0">
+              <a:buNone/>
+            </a:pPr>
+            <a:r>
+              <a:rPr lang="fr-FR" sz="1100" b="0">
+                <a:solidFill>
+                  <a:srgbClr val="3B3B3B"/>
+                </a:solidFill>
+                <a:effectLst/>
+                <a:latin typeface="Consolas" panose="020B0609020204030204" pitchFamily="49" charset="0"/>
+              </a:rPr>
+              <a:t>        ,</a:t>
+            </a:r>
+            <a:r>
+              <a:rPr lang="fr-FR" sz="1100" b="0">
+                <a:solidFill>
+                  <a:srgbClr val="001080"/>
+                </a:solidFill>
+                <a:effectLst/>
+                <a:latin typeface="Consolas" panose="020B0609020204030204" pitchFamily="49" charset="0"/>
+              </a:rPr>
+              <a:t>PL</a:t>
+            </a:r>
+            <a:r>
+              <a:rPr lang="fr-FR" sz="1100" b="0">
+                <a:solidFill>
+                  <a:srgbClr val="3B3B3B"/>
+                </a:solidFill>
+                <a:effectLst/>
+                <a:latin typeface="Consolas" panose="020B0609020204030204" pitchFamily="49" charset="0"/>
+              </a:rPr>
+              <a:t>.</a:t>
+            </a:r>
+            <a:r>
+              <a:rPr lang="fr-FR" sz="1100" b="0">
+                <a:solidFill>
+                  <a:srgbClr val="001080"/>
+                </a:solidFill>
+                <a:effectLst/>
+                <a:latin typeface="Consolas" panose="020B0609020204030204" pitchFamily="49" charset="0"/>
+              </a:rPr>
+              <a:t>PLACES_LANGUAGE</a:t>
+            </a:r>
+            <a:r>
+              <a:rPr lang="fr-FR" sz="1100" b="0">
+                <a:solidFill>
+                  <a:srgbClr val="3B3B3B"/>
+                </a:solidFill>
+                <a:effectLst/>
+                <a:latin typeface="Consolas" panose="020B0609020204030204" pitchFamily="49" charset="0"/>
+              </a:rPr>
+              <a:t>, </a:t>
+            </a:r>
+            <a:r>
+              <a:rPr lang="fr-FR" sz="1100" b="0">
+                <a:solidFill>
+                  <a:srgbClr val="001080"/>
+                </a:solidFill>
+                <a:effectLst/>
+                <a:latin typeface="Consolas" panose="020B0609020204030204" pitchFamily="49" charset="0"/>
+              </a:rPr>
+              <a:t>DL1</a:t>
+            </a:r>
+            <a:r>
+              <a:rPr lang="fr-FR" sz="1100" b="0">
+                <a:solidFill>
+                  <a:srgbClr val="3B3B3B"/>
+                </a:solidFill>
+                <a:effectLst/>
+                <a:latin typeface="Consolas" panose="020B0609020204030204" pitchFamily="49" charset="0"/>
+              </a:rPr>
+              <a:t>.</a:t>
+            </a:r>
+            <a:r>
+              <a:rPr lang="fr-FR" sz="1100" b="0">
+                <a:solidFill>
+                  <a:srgbClr val="001080"/>
+                </a:solidFill>
+                <a:effectLst/>
+                <a:latin typeface="Consolas" panose="020B0609020204030204" pitchFamily="49" charset="0"/>
+              </a:rPr>
+              <a:t>SOVEREIGN</a:t>
+            </a:r>
+            <a:r>
+              <a:rPr lang="fr-FR" sz="1100" b="0">
+                <a:solidFill>
+                  <a:srgbClr val="3B3B3B"/>
+                </a:solidFill>
+                <a:effectLst/>
+                <a:latin typeface="Consolas" panose="020B0609020204030204" pitchFamily="49" charset="0"/>
+              </a:rPr>
+              <a:t> </a:t>
+            </a:r>
+          </a:p>
+          <a:p>
+            <a:pPr marL="457200" lvl="1" indent="0">
+              <a:buNone/>
+            </a:pPr>
+            <a:r>
+              <a:rPr lang="fr-FR" sz="1100" b="0">
+                <a:solidFill>
+                  <a:srgbClr val="AF00DB"/>
+                </a:solidFill>
+                <a:effectLst/>
+                <a:latin typeface="Consolas" panose="020B0609020204030204" pitchFamily="49" charset="0"/>
+              </a:rPr>
+              <a:t>FROM</a:t>
+            </a:r>
+            <a:r>
+              <a:rPr lang="fr-FR" sz="1100" b="0">
+                <a:solidFill>
+                  <a:srgbClr val="3B3B3B"/>
+                </a:solidFill>
+                <a:effectLst/>
+                <a:latin typeface="Consolas" panose="020B0609020204030204" pitchFamily="49" charset="0"/>
+              </a:rPr>
+              <a:t> </a:t>
+            </a:r>
+            <a:r>
+              <a:rPr lang="fr-FR" sz="1100" b="0">
+                <a:solidFill>
+                  <a:srgbClr val="001080"/>
+                </a:solidFill>
+                <a:effectLst/>
+                <a:latin typeface="Consolas" panose="020B0609020204030204" pitchFamily="49" charset="0"/>
+              </a:rPr>
+              <a:t>REF_DEV</a:t>
+            </a:r>
+            <a:r>
+              <a:rPr lang="fr-FR" sz="1100" b="0">
+                <a:solidFill>
+                  <a:srgbClr val="3B3B3B"/>
+                </a:solidFill>
+                <a:effectLst/>
+                <a:latin typeface="Consolas" panose="020B0609020204030204" pitchFamily="49" charset="0"/>
+              </a:rPr>
+              <a:t>.</a:t>
+            </a:r>
+            <a:r>
+              <a:rPr lang="fr-FR" sz="1100" b="0">
+                <a:solidFill>
+                  <a:srgbClr val="001080"/>
+                </a:solidFill>
+                <a:effectLst/>
+                <a:latin typeface="Consolas" panose="020B0609020204030204" pitchFamily="49" charset="0"/>
+              </a:rPr>
+              <a:t>REF_GEOGRAPHIQUE</a:t>
+            </a:r>
+            <a:r>
+              <a:rPr lang="fr-FR" sz="1100" b="0">
+                <a:solidFill>
+                  <a:srgbClr val="3B3B3B"/>
+                </a:solidFill>
+                <a:effectLst/>
+                <a:latin typeface="Consolas" panose="020B0609020204030204" pitchFamily="49" charset="0"/>
+              </a:rPr>
+              <a:t>.</a:t>
+            </a:r>
+            <a:r>
+              <a:rPr lang="fr-FR" sz="1100" b="0">
+                <a:solidFill>
+                  <a:srgbClr val="001080"/>
+                </a:solidFill>
+                <a:effectLst/>
+                <a:latin typeface="Consolas" panose="020B0609020204030204" pitchFamily="49" charset="0"/>
+              </a:rPr>
+              <a:t>PLACES_DENORM</a:t>
+            </a:r>
+            <a:r>
+              <a:rPr lang="fr-FR" sz="1100" b="0">
+                <a:solidFill>
+                  <a:srgbClr val="3B3B3B"/>
+                </a:solidFill>
+                <a:effectLst/>
+                <a:latin typeface="Consolas" panose="020B0609020204030204" pitchFamily="49" charset="0"/>
+              </a:rPr>
+              <a:t> </a:t>
+            </a:r>
+            <a:r>
+              <a:rPr lang="fr-FR" sz="1100" b="0">
+                <a:solidFill>
+                  <a:srgbClr val="001080"/>
+                </a:solidFill>
+                <a:effectLst/>
+                <a:latin typeface="Consolas" panose="020B0609020204030204" pitchFamily="49" charset="0"/>
+              </a:rPr>
+              <a:t>PL</a:t>
+            </a:r>
+            <a:endParaRPr lang="fr-FR" sz="1100" b="0">
+              <a:solidFill>
+                <a:srgbClr val="3B3B3B"/>
+              </a:solidFill>
+              <a:effectLst/>
+              <a:latin typeface="Consolas" panose="020B0609020204030204" pitchFamily="49" charset="0"/>
+            </a:endParaRPr>
+          </a:p>
+          <a:p>
+            <a:pPr marL="457200" lvl="1" indent="0">
+              <a:buNone/>
+            </a:pPr>
+            <a:r>
+              <a:rPr lang="fr-FR" sz="1100" b="0">
+                <a:solidFill>
+                  <a:srgbClr val="3B3B3B"/>
+                </a:solidFill>
+                <a:effectLst/>
+                <a:latin typeface="Consolas" panose="020B0609020204030204" pitchFamily="49" charset="0"/>
+              </a:rPr>
+              <a:t>     </a:t>
+            </a:r>
+            <a:r>
+              <a:rPr lang="fr-FR" sz="1100" b="0">
+                <a:solidFill>
+                  <a:srgbClr val="AF00DB"/>
+                </a:solidFill>
+                <a:effectLst/>
+                <a:latin typeface="Consolas" panose="020B0609020204030204" pitchFamily="49" charset="0"/>
+              </a:rPr>
+              <a:t>INNER</a:t>
+            </a:r>
+            <a:r>
+              <a:rPr lang="fr-FR" sz="1100" b="0">
+                <a:solidFill>
+                  <a:srgbClr val="3B3B3B"/>
+                </a:solidFill>
+                <a:effectLst/>
+                <a:latin typeface="Consolas" panose="020B0609020204030204" pitchFamily="49" charset="0"/>
+              </a:rPr>
+              <a:t> </a:t>
+            </a:r>
+            <a:r>
+              <a:rPr lang="fr-FR" sz="1100" b="0">
+                <a:solidFill>
+                  <a:srgbClr val="AF00DB"/>
+                </a:solidFill>
+                <a:effectLst/>
+                <a:latin typeface="Consolas" panose="020B0609020204030204" pitchFamily="49" charset="0"/>
+              </a:rPr>
+              <a:t>JOIN</a:t>
+            </a:r>
+            <a:r>
+              <a:rPr lang="fr-FR" sz="1100" b="0">
+                <a:solidFill>
+                  <a:srgbClr val="3B3B3B"/>
+                </a:solidFill>
+                <a:effectLst/>
+                <a:latin typeface="Consolas" panose="020B0609020204030204" pitchFamily="49" charset="0"/>
+              </a:rPr>
+              <a:t> </a:t>
+            </a:r>
+            <a:r>
+              <a:rPr lang="fr-FR" sz="1100" b="0">
+                <a:solidFill>
+                  <a:srgbClr val="001080"/>
+                </a:solidFill>
+                <a:effectLst/>
+                <a:latin typeface="Consolas" panose="020B0609020204030204" pitchFamily="49" charset="0"/>
+              </a:rPr>
+              <a:t>REF_DEV</a:t>
+            </a:r>
+            <a:r>
+              <a:rPr lang="fr-FR" sz="1100" b="0">
+                <a:solidFill>
+                  <a:srgbClr val="3B3B3B"/>
+                </a:solidFill>
+                <a:effectLst/>
+                <a:latin typeface="Consolas" panose="020B0609020204030204" pitchFamily="49" charset="0"/>
+              </a:rPr>
+              <a:t>.</a:t>
+            </a:r>
+            <a:r>
+              <a:rPr lang="fr-FR" sz="1100" b="0">
+                <a:solidFill>
+                  <a:srgbClr val="001080"/>
+                </a:solidFill>
+                <a:effectLst/>
+                <a:latin typeface="Consolas" panose="020B0609020204030204" pitchFamily="49" charset="0"/>
+              </a:rPr>
+              <a:t>REF_GEOGRAPHIQUE</a:t>
+            </a:r>
+            <a:r>
+              <a:rPr lang="fr-FR" sz="1100" b="0">
+                <a:solidFill>
+                  <a:srgbClr val="3B3B3B"/>
+                </a:solidFill>
+                <a:effectLst/>
+                <a:latin typeface="Consolas" panose="020B0609020204030204" pitchFamily="49" charset="0"/>
+              </a:rPr>
+              <a:t>.</a:t>
+            </a:r>
+            <a:r>
+              <a:rPr lang="fr-FR" sz="1100" b="0">
+                <a:solidFill>
+                  <a:srgbClr val="001080"/>
+                </a:solidFill>
+                <a:effectLst/>
+                <a:latin typeface="Consolas" panose="020B0609020204030204" pitchFamily="49" charset="0"/>
+              </a:rPr>
+              <a:t>DATA_LANGUAGES</a:t>
+            </a:r>
+            <a:r>
+              <a:rPr lang="fr-FR" sz="1100" b="0">
+                <a:solidFill>
+                  <a:srgbClr val="3B3B3B"/>
+                </a:solidFill>
+                <a:effectLst/>
+                <a:latin typeface="Consolas" panose="020B0609020204030204" pitchFamily="49" charset="0"/>
+              </a:rPr>
+              <a:t> </a:t>
+            </a:r>
+            <a:r>
+              <a:rPr lang="fr-FR" sz="1100" b="0">
+                <a:solidFill>
+                  <a:srgbClr val="001080"/>
+                </a:solidFill>
+                <a:effectLst/>
+                <a:latin typeface="Consolas" panose="020B0609020204030204" pitchFamily="49" charset="0"/>
+              </a:rPr>
+              <a:t>DL1</a:t>
+            </a:r>
+            <a:r>
+              <a:rPr lang="fr-FR" sz="1100" b="0">
+                <a:solidFill>
+                  <a:srgbClr val="3B3B3B"/>
+                </a:solidFill>
+                <a:effectLst/>
+                <a:latin typeface="Consolas" panose="020B0609020204030204" pitchFamily="49" charset="0"/>
+              </a:rPr>
+              <a:t> </a:t>
+            </a:r>
+            <a:r>
+              <a:rPr lang="fr-FR" sz="1100" b="0">
+                <a:solidFill>
+                  <a:srgbClr val="AF00DB"/>
+                </a:solidFill>
+                <a:effectLst/>
+                <a:latin typeface="Consolas" panose="020B0609020204030204" pitchFamily="49" charset="0"/>
+              </a:rPr>
+              <a:t>ON</a:t>
+            </a:r>
+            <a:r>
+              <a:rPr lang="fr-FR" sz="1100" b="0">
+                <a:solidFill>
+                  <a:srgbClr val="3B3B3B"/>
+                </a:solidFill>
+                <a:effectLst/>
+                <a:latin typeface="Consolas" panose="020B0609020204030204" pitchFamily="49" charset="0"/>
+              </a:rPr>
+              <a:t> (</a:t>
+            </a:r>
+            <a:r>
+              <a:rPr lang="fr-FR" sz="1100" b="0">
+                <a:solidFill>
+                  <a:srgbClr val="001080"/>
+                </a:solidFill>
+                <a:effectLst/>
+                <a:latin typeface="Consolas" panose="020B0609020204030204" pitchFamily="49" charset="0"/>
+              </a:rPr>
+              <a:t>PL</a:t>
+            </a:r>
+            <a:r>
+              <a:rPr lang="fr-FR" sz="1100" b="0">
+                <a:solidFill>
+                  <a:srgbClr val="3B3B3B"/>
+                </a:solidFill>
+                <a:effectLst/>
+                <a:latin typeface="Consolas" panose="020B0609020204030204" pitchFamily="49" charset="0"/>
+              </a:rPr>
+              <a:t>.</a:t>
+            </a:r>
+            <a:r>
+              <a:rPr lang="fr-FR" sz="1100" b="0">
+                <a:solidFill>
+                  <a:srgbClr val="001080"/>
+                </a:solidFill>
+                <a:effectLst/>
+                <a:latin typeface="Consolas" panose="020B0609020204030204" pitchFamily="49" charset="0"/>
+              </a:rPr>
+              <a:t>ISO</a:t>
+            </a:r>
+            <a:r>
+              <a:rPr lang="fr-FR" sz="1100" b="0">
+                <a:solidFill>
+                  <a:srgbClr val="3B3B3B"/>
+                </a:solidFill>
+                <a:effectLst/>
+                <a:latin typeface="Consolas" panose="020B0609020204030204" pitchFamily="49" charset="0"/>
+              </a:rPr>
+              <a:t> = </a:t>
+            </a:r>
+            <a:r>
+              <a:rPr lang="fr-FR" sz="1100" b="0">
+                <a:solidFill>
+                  <a:srgbClr val="001080"/>
+                </a:solidFill>
+                <a:effectLst/>
+                <a:latin typeface="Consolas" panose="020B0609020204030204" pitchFamily="49" charset="0"/>
+              </a:rPr>
+              <a:t>DL1</a:t>
+            </a:r>
+            <a:r>
+              <a:rPr lang="fr-FR" sz="1100" b="0">
+                <a:solidFill>
+                  <a:srgbClr val="3B3B3B"/>
+                </a:solidFill>
+                <a:effectLst/>
+                <a:latin typeface="Consolas" panose="020B0609020204030204" pitchFamily="49" charset="0"/>
+              </a:rPr>
+              <a:t>.</a:t>
+            </a:r>
+            <a:r>
+              <a:rPr lang="fr-FR" sz="1100" b="0">
+                <a:solidFill>
+                  <a:srgbClr val="001080"/>
+                </a:solidFill>
+                <a:effectLst/>
+                <a:latin typeface="Consolas" panose="020B0609020204030204" pitchFamily="49" charset="0"/>
+              </a:rPr>
+              <a:t>ISO</a:t>
+            </a:r>
+            <a:r>
+              <a:rPr lang="fr-FR" sz="1100" b="0">
+                <a:solidFill>
+                  <a:srgbClr val="3B3B3B"/>
+                </a:solidFill>
+                <a:effectLst/>
+                <a:latin typeface="Consolas" panose="020B0609020204030204" pitchFamily="49" charset="0"/>
+              </a:rPr>
+              <a:t>)</a:t>
+            </a:r>
+          </a:p>
+          <a:p>
+            <a:pPr marL="457200" lvl="1" indent="0">
+              <a:buNone/>
+            </a:pPr>
+            <a:r>
+              <a:rPr lang="fr-FR" sz="1100" b="0">
+                <a:solidFill>
+                  <a:srgbClr val="AF00DB"/>
+                </a:solidFill>
+                <a:effectLst/>
+                <a:latin typeface="Consolas" panose="020B0609020204030204" pitchFamily="49" charset="0"/>
+              </a:rPr>
+              <a:t>WHERE</a:t>
+            </a:r>
+            <a:r>
+              <a:rPr lang="fr-FR" sz="1100" b="0">
+                <a:solidFill>
+                  <a:srgbClr val="3B3B3B"/>
+                </a:solidFill>
+                <a:effectLst/>
+                <a:latin typeface="Consolas" panose="020B0609020204030204" pitchFamily="49" charset="0"/>
+              </a:rPr>
+              <a:t> </a:t>
+            </a:r>
+            <a:r>
+              <a:rPr lang="fr-FR" sz="1100" b="0">
+                <a:solidFill>
+                  <a:srgbClr val="001080"/>
+                </a:solidFill>
+                <a:effectLst/>
+                <a:latin typeface="Consolas" panose="020B0609020204030204" pitchFamily="49" charset="0"/>
+              </a:rPr>
+              <a:t>IS_POSTAL</a:t>
+            </a:r>
+            <a:r>
+              <a:rPr lang="fr-FR" sz="1100" b="0">
+                <a:solidFill>
+                  <a:srgbClr val="3B3B3B"/>
+                </a:solidFill>
+                <a:effectLst/>
+                <a:latin typeface="Consolas" panose="020B0609020204030204" pitchFamily="49" charset="0"/>
+              </a:rPr>
+              <a:t>=</a:t>
+            </a:r>
+            <a:r>
+              <a:rPr lang="fr-FR" sz="1100" b="0">
+                <a:solidFill>
+                  <a:srgbClr val="001080"/>
+                </a:solidFill>
+                <a:effectLst/>
+                <a:latin typeface="Consolas" panose="020B0609020204030204" pitchFamily="49" charset="0"/>
+              </a:rPr>
+              <a:t>1</a:t>
+            </a:r>
+            <a:endParaRPr lang="fr-FR" sz="1100" b="0">
+              <a:solidFill>
+                <a:srgbClr val="3B3B3B"/>
+              </a:solidFill>
+              <a:effectLst/>
+              <a:latin typeface="Consolas" panose="020B0609020204030204" pitchFamily="49" charset="0"/>
+            </a:endParaRPr>
+          </a:p>
+          <a:p>
+            <a:pPr marL="457200" lvl="1" indent="0">
+              <a:buNone/>
+            </a:pPr>
+            <a:r>
+              <a:rPr lang="fr-FR" sz="1100" b="0">
+                <a:solidFill>
+                  <a:srgbClr val="001080"/>
+                </a:solidFill>
+                <a:effectLst/>
+                <a:latin typeface="Consolas" panose="020B0609020204030204" pitchFamily="49" charset="0"/>
+              </a:rPr>
+              <a:t>ORDER</a:t>
+            </a:r>
+            <a:r>
+              <a:rPr lang="fr-FR" sz="1100" b="0">
+                <a:solidFill>
+                  <a:srgbClr val="AF00DB"/>
+                </a:solidFill>
+                <a:effectLst/>
+                <a:latin typeface="Consolas" panose="020B0609020204030204" pitchFamily="49" charset="0"/>
+              </a:rPr>
+              <a:t> BY</a:t>
+            </a:r>
+            <a:r>
+              <a:rPr lang="fr-FR" sz="1100" b="0">
+                <a:solidFill>
+                  <a:srgbClr val="3B3B3B"/>
+                </a:solidFill>
+                <a:effectLst/>
+                <a:latin typeface="Consolas" panose="020B0609020204030204" pitchFamily="49" charset="0"/>
+              </a:rPr>
+              <a:t> </a:t>
+            </a:r>
+            <a:r>
+              <a:rPr lang="fr-FR" sz="1100" b="0">
+                <a:solidFill>
+                  <a:srgbClr val="001080"/>
+                </a:solidFill>
+                <a:effectLst/>
+                <a:latin typeface="Consolas" panose="020B0609020204030204" pitchFamily="49" charset="0"/>
+              </a:rPr>
+              <a:t>COUNTRY_CODE;</a:t>
+            </a:r>
+            <a:endParaRPr lang="fr-FR" sz="1100" b="0">
+              <a:solidFill>
+                <a:srgbClr val="3B3B3B"/>
+              </a:solidFill>
+              <a:effectLst/>
+              <a:latin typeface="Consolas" panose="020B0609020204030204" pitchFamily="49" charset="0"/>
+            </a:endParaRPr>
+          </a:p>
+          <a:p>
+            <a:pPr marL="457200" lvl="1" indent="0">
+              <a:lnSpc>
+                <a:spcPct val="70000"/>
+              </a:lnSpc>
+              <a:buNone/>
+            </a:pPr>
+            <a:endParaRPr lang="fr-FR" sz="1100" b="0">
+              <a:solidFill>
+                <a:srgbClr val="3B3B3B"/>
+              </a:solidFill>
+              <a:effectLst/>
+              <a:latin typeface="Consolas" panose="020B0609020204030204" pitchFamily="49" charset="0"/>
+            </a:endParaRPr>
+          </a:p>
+          <a:p>
+            <a:pPr marL="457200" lvl="1" indent="0">
+              <a:buNone/>
+            </a:pPr>
+            <a:endParaRPr lang="en-US" sz="1100" b="0">
+              <a:solidFill>
+                <a:srgbClr val="FF0000"/>
+              </a:solidFill>
+              <a:effectLst/>
+              <a:latin typeface="Consolas" panose="020B0609020204030204" pitchFamily="49" charset="0"/>
+            </a:endParaRPr>
+          </a:p>
+        </p:txBody>
+      </p:sp>
+      <p:sp>
+        <p:nvSpPr>
+          <p:cNvPr id="4" name="ZoneTexte 3">
+            <a:extLst>
+              <a:ext uri="{FF2B5EF4-FFF2-40B4-BE49-F238E27FC236}">
+                <a16:creationId xmlns:a16="http://schemas.microsoft.com/office/drawing/2014/main" id="{9C157E86-5F72-660D-F9C9-1FB1B943ACF0}"/>
+              </a:ext>
+            </a:extLst>
+          </p:cNvPr>
+          <p:cNvSpPr txBox="1"/>
+          <p:nvPr/>
+        </p:nvSpPr>
+        <p:spPr>
+          <a:xfrm>
+            <a:off x="8400256" y="2276872"/>
+            <a:ext cx="2425784" cy="769441"/>
+          </a:xfrm>
+          <a:prstGeom prst="rect">
+            <a:avLst/>
+          </a:prstGeom>
+        </p:spPr>
+        <p:style>
+          <a:lnRef idx="2">
+            <a:schemeClr val="accent4"/>
+          </a:lnRef>
+          <a:fillRef idx="1">
+            <a:schemeClr val="lt1"/>
+          </a:fillRef>
+          <a:effectRef idx="0">
+            <a:schemeClr val="accent4"/>
+          </a:effectRef>
+          <a:fontRef idx="minor">
+            <a:schemeClr val="dk1"/>
+          </a:fontRef>
+        </p:style>
+        <p:txBody>
+          <a:bodyPr wrap="square" rtlCol="0">
+            <a:spAutoFit/>
+          </a:bodyPr>
+          <a:lstStyle/>
+          <a:p>
+            <a:r>
+              <a:rPr lang="fr-FR" sz="1100">
+                <a:highlight>
+                  <a:srgbClr val="FFFF00"/>
+                </a:highlight>
+              </a:rPr>
+              <a:t>Alternative à la mono colonne regroupant tous les critères de sélection</a:t>
+            </a:r>
+          </a:p>
+          <a:p>
+            <a:r>
+              <a:rPr lang="fr-FR" sz="1100">
+                <a:highlight>
+                  <a:srgbClr val="FFFF00"/>
+                </a:highlight>
+              </a:rPr>
+              <a:t>&gt; Tri de la table sur le pays</a:t>
+            </a:r>
+          </a:p>
+        </p:txBody>
+      </p:sp>
+    </p:spTree>
+    <p:extLst>
+      <p:ext uri="{BB962C8B-B14F-4D97-AF65-F5344CB8AC3E}">
+        <p14:creationId xmlns:p14="http://schemas.microsoft.com/office/powerpoint/2010/main" val="2458116086"/>
+      </p:ext>
+    </p:extLst>
+  </p:cSld>
+  <p:clrMapOvr>
+    <a:masterClrMapping/>
+  </p:clrMapOvr>
+</p:sld>
+</file>
+
+<file path=ppt/slides/slide7.xml><?xml version="1.0" encoding="utf-8"?>
 <p:sld xmlns:a="http://schemas.openxmlformats.org/drawingml/2006/main" xmlns:r="http://schemas.openxmlformats.org/officeDocument/2006/relationships" xmlns:p="http://schemas.openxmlformats.org/presentationml/2006/main">
   <p:cSld>
     <p:spTree>
@@ -13083,7 +14126,7 @@
         </p:spPr>
         <p:txBody>
           <a:bodyPr>
-            <a:normAutofit lnSpcReduction="10000"/>
+            <a:normAutofit/>
           </a:bodyPr>
           <a:lstStyle>
             <a:lvl1pPr marL="228600" indent="-228600" algn="l" defTabSz="914400" rtl="0" eaLnBrk="1" latinLnBrk="0" hangingPunct="1">
@@ -13300,47 +14343,13 @@
                 </a:solidFill>
                 <a:latin typeface="Consolas" panose="020B0609020204030204" pitchFamily="49" charset="0"/>
               </a:rPr>
-              <a:t>GET_ZIP_AND_PLACE_FROM_COUNTRY_AND_PLACE_SEARCH</a:t>
-            </a:r>
-          </a:p>
-          <a:p>
-            <a:pPr lvl="1">
-              <a:defRPr/>
-            </a:pPr>
-            <a:r>
-              <a:rPr lang="fr-FR" sz="1600" b="1">
-                <a:solidFill>
-                  <a:schemeClr val="accent1">
-                    <a:lumMod val="50000"/>
-                  </a:schemeClr>
-                </a:solidFill>
-                <a:latin typeface="Arial" panose="020B0604020202020204" pitchFamily="34" charset="0"/>
-                <a:cs typeface="Arial" panose="020B0604020202020204" pitchFamily="34" charset="0"/>
-              </a:rPr>
-              <a:t>A la rescourse avec la fonction </a:t>
-            </a:r>
-            <a:r>
-              <a:rPr lang="fr-FR" sz="1400" b="0">
-                <a:solidFill>
-                  <a:srgbClr val="001080"/>
-                </a:solidFill>
-                <a:effectLst/>
-                <a:latin typeface="Consolas" panose="020B0609020204030204" pitchFamily="49" charset="0"/>
-              </a:rPr>
-              <a:t>REMOVE_SPECIAL_CHARS</a:t>
-            </a:r>
-            <a:endParaRPr lang="fr-FR" sz="1400" b="0">
-              <a:solidFill>
-                <a:srgbClr val="3B3B3B"/>
-              </a:solidFill>
-              <a:effectLst/>
-              <a:latin typeface="Consolas" panose="020B0609020204030204" pitchFamily="49" charset="0"/>
-            </a:endParaRPr>
-          </a:p>
-          <a:p>
-            <a:pPr marL="0" indent="0">
-              <a:lnSpc>
-                <a:spcPct val="60000"/>
+              <a:t>GET_ZIP_AND_PLACE_FROM_COUNTRY_AND_PLACE_SEARCH2 // alternative \\</a:t>
+            </a:r>
+          </a:p>
+          <a:p>
+            <a:pPr marL="457200" lvl="1" indent="0">
+              <a:lnSpc>
+                <a:spcPct val="70000"/>
               </a:lnSpc>
               <a:buNone/>
             </a:pPr>
@@ -13410,9 +14419,12 @@
                   <a:srgbClr val="001080"/>
                 </a:solidFill>
                 <a:effectLst/>
-                <a:latin typeface="Consolas" panose="020B0609020204030204" pitchFamily="49" charset="0"/>
-              </a:rPr>
-              <a:t>GET_ZIP_AND_PLACE_FROM_COUNTRY_AND_PLACE_SEARCH</a:t>
+                <a:highlight>
+                  <a:srgbClr val="FFFF00"/>
+                </a:highlight>
+                <a:latin typeface="Consolas" panose="020B0609020204030204" pitchFamily="49" charset="0"/>
+              </a:rPr>
+              <a:t>GET_ZIP_AND_PLACE_FROM_COUNTRY_AND_PLACE_SEARCH2</a:t>
             </a:r>
             <a:r>
               <a:rPr lang="fr-FR" sz="1000" b="0">
@@ -13466,9 +14478,9 @@
             </a:r>
           </a:p>
           <a:p>
-            <a:pPr marL="0" indent="0">
-              <a:lnSpc>
-                <a:spcPct val="60000"/>
+            <a:pPr marL="457200" lvl="1" indent="0">
+              <a:lnSpc>
+                <a:spcPct val="70000"/>
               </a:lnSpc>
               <a:buNone/>
             </a:pPr>
@@ -13574,9 +14586,9 @@
             </a:r>
           </a:p>
           <a:p>
-            <a:pPr marL="0" indent="0">
-              <a:lnSpc>
-                <a:spcPct val="60000"/>
+            <a:pPr marL="457200" lvl="1" indent="0">
+              <a:lnSpc>
+                <a:spcPct val="70000"/>
               </a:lnSpc>
               <a:buNone/>
             </a:pPr>
@@ -13609,9 +14621,9 @@
             </a:endParaRPr>
           </a:p>
           <a:p>
-            <a:pPr marL="0" indent="0">
-              <a:lnSpc>
-                <a:spcPct val="60000"/>
+            <a:pPr marL="457200" lvl="1" indent="0">
+              <a:lnSpc>
+                <a:spcPct val="70000"/>
               </a:lnSpc>
               <a:buNone/>
             </a:pPr>
@@ -13674,9 +14686,9 @@
             </a:endParaRPr>
           </a:p>
           <a:p>
-            <a:pPr marL="0" indent="0">
-              <a:lnSpc>
-                <a:spcPct val="60000"/>
+            <a:pPr marL="457200" lvl="1" indent="0">
+              <a:lnSpc>
+                <a:spcPct val="70000"/>
               </a:lnSpc>
               <a:buNone/>
             </a:pPr>
@@ -13702,9 +14714,9 @@
             </a:r>
           </a:p>
           <a:p>
-            <a:pPr marL="0" indent="0">
-              <a:lnSpc>
-                <a:spcPct val="60000"/>
+            <a:pPr marL="457200" lvl="1" indent="0">
+              <a:lnSpc>
+                <a:spcPct val="70000"/>
               </a:lnSpc>
               <a:buNone/>
             </a:pPr>
@@ -13727,9 +14739,9 @@
             </a:endParaRPr>
           </a:p>
           <a:p>
-            <a:pPr marL="0" indent="0">
-              <a:lnSpc>
-                <a:spcPct val="60000"/>
+            <a:pPr marL="457200" lvl="1" indent="0">
+              <a:lnSpc>
+                <a:spcPct val="70000"/>
               </a:lnSpc>
               <a:buNone/>
             </a:pPr>
@@ -13895,9 +14907,9 @@
             </a:r>
           </a:p>
           <a:p>
-            <a:pPr marL="0" indent="0">
-              <a:lnSpc>
-                <a:spcPct val="60000"/>
+            <a:pPr marL="457200" lvl="1" indent="0">
+              <a:lnSpc>
+                <a:spcPct val="70000"/>
               </a:lnSpc>
               <a:buNone/>
             </a:pPr>
@@ -13979,7 +14991,7 @@
                 <a:effectLst/>
                 <a:latin typeface="Consolas" panose="020B0609020204030204" pitchFamily="49" charset="0"/>
               </a:rPr>
-              <a:t>PLACES_POSTCODES_SEARCH</a:t>
+              <a:t>PLACES_POSTCODE_SEARCH2</a:t>
             </a:r>
             <a:endParaRPr lang="fr-FR" sz="1000" b="0">
               <a:solidFill>
@@ -13990,9 +15002,9 @@
             </a:endParaRPr>
           </a:p>
           <a:p>
-            <a:pPr marL="0" indent="0">
-              <a:lnSpc>
-                <a:spcPct val="60000"/>
+            <a:pPr marL="457200" lvl="1" indent="0">
+              <a:lnSpc>
+                <a:spcPct val="70000"/>
               </a:lnSpc>
               <a:buNone/>
             </a:pPr>
@@ -14016,54 +15028,6 @@
               </a:rPr>
               <a:t>WHERE</a:t>
             </a:r>
-            <a:r>
-              <a:rPr lang="fr-FR" sz="1000" b="0">
-                <a:solidFill>
-                  <a:srgbClr val="3B3B3B"/>
-                </a:solidFill>
-                <a:effectLst/>
-                <a:latin typeface="Consolas" panose="020B0609020204030204" pitchFamily="49" charset="0"/>
-              </a:rPr>
-              <a:t> </a:t>
-            </a:r>
-            <a:r>
-              <a:rPr lang="fr-FR" sz="1000" b="0">
-                <a:solidFill>
-                  <a:srgbClr val="001080"/>
-                </a:solidFill>
-                <a:effectLst/>
-                <a:latin typeface="Consolas" panose="020B0609020204030204" pitchFamily="49" charset="0"/>
-              </a:rPr>
-              <a:t>SEARCH_KEY</a:t>
-            </a:r>
-            <a:r>
-              <a:rPr lang="fr-FR" sz="1000" b="0">
-                <a:solidFill>
-                  <a:srgbClr val="3B3B3B"/>
-                </a:solidFill>
-                <a:effectLst/>
-                <a:latin typeface="Consolas" panose="020B0609020204030204" pitchFamily="49" charset="0"/>
-              </a:rPr>
-              <a:t> </a:t>
-            </a:r>
-            <a:r>
-              <a:rPr lang="fr-FR" sz="1000" b="0">
-                <a:solidFill>
-                  <a:srgbClr val="001080"/>
-                </a:solidFill>
-                <a:effectLst/>
-                <a:latin typeface="Consolas" panose="020B0609020204030204" pitchFamily="49" charset="0"/>
-              </a:rPr>
-              <a:t>LIKE</a:t>
-            </a:r>
-          </a:p>
-          <a:p>
-            <a:pPr marL="0" indent="0">
-              <a:lnSpc>
-                <a:spcPct val="60000"/>
-              </a:lnSpc>
-              <a:buNone/>
-            </a:pPr>
             <a:r>
               <a:rPr lang="fr-FR" sz="1000" b="0">
                 <a:solidFill>
@@ -14085,122 +15049,12 @@
                 </a:highlight>
                 <a:latin typeface="Consolas" panose="020B0609020204030204" pitchFamily="49" charset="0"/>
               </a:rPr>
-              <a:t>UPPER</a:t>
+              <a:t>COUNTRY_CODE</a:t>
             </a:r>
             <a:r>
               <a:rPr lang="fr-FR" sz="1000" b="0">
                 <a:solidFill>
                   <a:srgbClr val="3B3B3B"/>
-                </a:solidFill>
-                <a:effectLst/>
-                <a:latin typeface="Consolas" panose="020B0609020204030204" pitchFamily="49" charset="0"/>
-              </a:rPr>
-              <a:t>(</a:t>
-            </a:r>
-            <a:r>
-              <a:rPr lang="fr-FR" sz="1000" b="0">
-                <a:solidFill>
-                  <a:srgbClr val="A31515"/>
-                </a:solidFill>
-                <a:effectLst/>
-                <a:latin typeface="Consolas" panose="020B0609020204030204" pitchFamily="49" charset="0"/>
-              </a:rPr>
-              <a:t>'''</a:t>
-            </a:r>
-            <a:r>
-              <a:rPr lang="fr-FR" sz="1000" b="0">
-                <a:solidFill>
-                  <a:srgbClr val="3B3B3B"/>
-                </a:solidFill>
-                <a:effectLst/>
-                <a:latin typeface="Consolas" panose="020B0609020204030204" pitchFamily="49" charset="0"/>
-              </a:rPr>
-              <a:t>||:</a:t>
-            </a:r>
-            <a:r>
-              <a:rPr lang="fr-FR" sz="1000" b="0">
-                <a:solidFill>
-                  <a:srgbClr val="001080"/>
-                </a:solidFill>
-                <a:effectLst/>
-                <a:latin typeface="Consolas" panose="020B0609020204030204" pitchFamily="49" charset="0"/>
-              </a:rPr>
-              <a:t>COUNTRY</a:t>
-            </a:r>
-            <a:r>
-              <a:rPr lang="fr-FR" sz="1000" b="0">
-                <a:solidFill>
-                  <a:srgbClr val="3B3B3B"/>
-                </a:solidFill>
-                <a:effectLst/>
-                <a:latin typeface="Consolas" panose="020B0609020204030204" pitchFamily="49" charset="0"/>
-              </a:rPr>
-              <a:t>||''</a:t>
-            </a:r>
-            <a:r>
-              <a:rPr lang="fr-FR" sz="1000" b="0">
-                <a:solidFill>
-                  <a:srgbClr val="A31515"/>
-                </a:solidFill>
-                <a:effectLst/>
-                <a:latin typeface="Consolas" panose="020B0609020204030204" pitchFamily="49" charset="0"/>
-              </a:rPr>
-              <a:t>'</a:t>
-            </a:r>
-            <a:r>
-              <a:rPr lang="fr-FR" sz="1000" b="0">
-                <a:solidFill>
-                  <a:srgbClr val="3B3B3B"/>
-                </a:solidFill>
-                <a:effectLst/>
-                <a:latin typeface="Consolas" panose="020B0609020204030204" pitchFamily="49" charset="0"/>
-              </a:rPr>
-              <a:t>)||</a:t>
-            </a:r>
-            <a:r>
-              <a:rPr lang="fr-FR" sz="1000" b="0">
-                <a:solidFill>
-                  <a:srgbClr val="A31515"/>
-                </a:solidFill>
-                <a:effectLst/>
-                <a:latin typeface="Consolas" panose="020B0609020204030204" pitchFamily="49" charset="0"/>
-              </a:rPr>
-              <a:t>''</a:t>
-            </a:r>
-            <a:r>
-              <a:rPr lang="fr-FR" sz="1000" b="0">
-                <a:solidFill>
-                  <a:srgbClr val="001080"/>
-                </a:solidFill>
-                <a:effectLst/>
-                <a:latin typeface="Consolas" panose="020B0609020204030204" pitchFamily="49" charset="0"/>
-              </a:rPr>
-              <a:t>_</a:t>
-            </a:r>
-            <a:r>
-              <a:rPr lang="fr-FR" sz="1000" b="0">
-                <a:solidFill>
-                  <a:srgbClr val="A31515"/>
-                </a:solidFill>
-                <a:effectLst/>
-                <a:latin typeface="Consolas" panose="020B0609020204030204" pitchFamily="49" charset="0"/>
-              </a:rPr>
-              <a:t>''</a:t>
-            </a:r>
-            <a:r>
-              <a:rPr lang="fr-FR" sz="1000" b="0">
-                <a:solidFill>
-                  <a:srgbClr val="3B3B3B"/>
-                </a:solidFill>
-                <a:effectLst/>
-                <a:latin typeface="Consolas" panose="020B0609020204030204" pitchFamily="49" charset="0"/>
-              </a:rPr>
-              <a:t>||</a:t>
-            </a:r>
-            <a:r>
-              <a:rPr lang="fr-FR" sz="1000" b="0">
-                <a:solidFill>
-                  <a:srgbClr val="001080"/>
                 </a:solidFill>
                 <a:effectLst/>
                 <a:highlight>
@@ -14208,6 +15062,26 @@
                 </a:highlight>
                 <a:latin typeface="Consolas" panose="020B0609020204030204" pitchFamily="49" charset="0"/>
               </a:rPr>
+              <a:t> </a:t>
+            </a:r>
+            <a:r>
+              <a:rPr lang="fr-FR" sz="1000" b="0">
+                <a:solidFill>
+                  <a:srgbClr val="3B3B3B"/>
+                </a:solidFill>
+                <a:effectLst/>
+                <a:latin typeface="Consolas" panose="020B0609020204030204" pitchFamily="49" charset="0"/>
+              </a:rPr>
+              <a:t>= </a:t>
+            </a:r>
+            <a:r>
+              <a:rPr lang="fr-FR" sz="1000" b="0">
+                <a:solidFill>
+                  <a:srgbClr val="001080"/>
+                </a:solidFill>
+                <a:effectLst/>
+                <a:latin typeface="Consolas" panose="020B0609020204030204" pitchFamily="49" charset="0"/>
+              </a:rPr>
               <a:t>UPPER</a:t>
             </a:r>
             <a:r>
@@ -14219,6 +15093,104 @@
                 <a:latin typeface="Consolas" panose="020B0609020204030204" pitchFamily="49" charset="0"/>
               </a:rPr>
               <a:t>(</a:t>
+            </a:r>
+            <a:r>
+              <a:rPr lang="fr-FR" sz="1000" b="0">
+                <a:solidFill>
+                  <a:srgbClr val="A31515"/>
+                </a:solidFill>
+                <a:effectLst/>
+                <a:latin typeface="Consolas" panose="020B0609020204030204" pitchFamily="49" charset="0"/>
+              </a:rPr>
+              <a:t>'''</a:t>
+            </a:r>
+            <a:r>
+              <a:rPr lang="fr-FR" sz="1000" b="0">
+                <a:solidFill>
+                  <a:srgbClr val="3B3B3B"/>
+                </a:solidFill>
+                <a:effectLst/>
+                <a:latin typeface="Consolas" panose="020B0609020204030204" pitchFamily="49" charset="0"/>
+              </a:rPr>
+              <a:t>||:</a:t>
+            </a:r>
+            <a:r>
+              <a:rPr lang="fr-FR" sz="1000" b="0">
+                <a:solidFill>
+                  <a:srgbClr val="001080"/>
+                </a:solidFill>
+                <a:effectLst/>
+                <a:latin typeface="Consolas" panose="020B0609020204030204" pitchFamily="49" charset="0"/>
+              </a:rPr>
+              <a:t>COUNTRY</a:t>
+            </a:r>
+            <a:r>
+              <a:rPr lang="fr-FR" sz="1000" b="0">
+                <a:solidFill>
+                  <a:srgbClr val="3B3B3B"/>
+                </a:solidFill>
+                <a:effectLst/>
+                <a:latin typeface="Consolas" panose="020B0609020204030204" pitchFamily="49" charset="0"/>
+              </a:rPr>
+              <a:t>||''</a:t>
+            </a:r>
+            <a:r>
+              <a:rPr lang="fr-FR" sz="1000" b="0">
+                <a:solidFill>
+                  <a:srgbClr val="A31515"/>
+                </a:solidFill>
+                <a:effectLst/>
+                <a:latin typeface="Consolas" panose="020B0609020204030204" pitchFamily="49" charset="0"/>
+              </a:rPr>
+              <a:t>'</a:t>
+            </a:r>
+            <a:r>
+              <a:rPr lang="fr-FR" sz="1000" b="0">
+                <a:solidFill>
+                  <a:srgbClr val="3B3B3B"/>
+                </a:solidFill>
+                <a:effectLst/>
+                <a:latin typeface="Consolas" panose="020B0609020204030204" pitchFamily="49" charset="0"/>
+              </a:rPr>
+              <a:t>) </a:t>
+            </a:r>
+          </a:p>
+          <a:p>
+            <a:pPr marL="457200" lvl="1" indent="0">
+              <a:lnSpc>
+                <a:spcPct val="70000"/>
+              </a:lnSpc>
+              <a:buNone/>
+            </a:pPr>
+            <a:r>
+              <a:rPr lang="fr-FR" sz="1000" b="0">
+                <a:solidFill>
+                  <a:srgbClr val="3B3B3B"/>
+                </a:solidFill>
+                <a:effectLst/>
+                <a:latin typeface="Consolas" panose="020B0609020204030204" pitchFamily="49" charset="0"/>
+              </a:rPr>
+              <a:t>                             </a:t>
+            </a:r>
+            <a:r>
+              <a:rPr lang="fr-FR" sz="1000" b="0">
+                <a:solidFill>
+                  <a:srgbClr val="AF00DB"/>
+                </a:solidFill>
+                <a:effectLst/>
+                <a:latin typeface="Consolas" panose="020B0609020204030204" pitchFamily="49" charset="0"/>
+              </a:rPr>
+              <a:t>AND</a:t>
+            </a:r>
+            <a:r>
+              <a:rPr lang="fr-FR" sz="1000" b="0">
+                <a:solidFill>
+                  <a:srgbClr val="3B3B3B"/>
+                </a:solidFill>
+                <a:effectLst/>
+                <a:latin typeface="Consolas" panose="020B0609020204030204" pitchFamily="49" charset="0"/>
+              </a:rPr>
+              <a:t> </a:t>
             </a:r>
             <a:r>
               <a:rPr lang="fr-FR" sz="1000" b="0">
@@ -14231,157 +15203,7 @@
                 </a:highlight>
                 <a:latin typeface="Consolas" panose="020B0609020204030204" pitchFamily="49" charset="0"/>
               </a:rPr>
-              <a:t>REGEXP_REPLACE</a:t>
-            </a:r>
-            <a:r>
-              <a:rPr lang="fr-FR" sz="1000" b="0">
-                <a:solidFill>
-                  <a:srgbClr val="3B3B3B"/>
-                </a:solidFill>
-                <a:effectLst/>
-                <a:latin typeface="Consolas" panose="020B0609020204030204" pitchFamily="49" charset="0"/>
-              </a:rPr>
-              <a:t>(</a:t>
-            </a:r>
-            <a:r>
-              <a:rPr lang="fr-FR" sz="1000" b="0">
-                <a:solidFill>
-                  <a:srgbClr val="001080"/>
-                </a:solidFill>
-                <a:effectLst/>
-                <a:latin typeface="Consolas" panose="020B0609020204030204" pitchFamily="49" charset="0"/>
-              </a:rPr>
-              <a:t>trim</a:t>
-            </a:r>
-            <a:r>
-              <a:rPr lang="fr-FR" sz="1000" b="0">
-                <a:solidFill>
-                  <a:srgbClr val="3B3B3B"/>
-                </a:solidFill>
-                <a:effectLst/>
-                <a:latin typeface="Consolas" panose="020B0609020204030204" pitchFamily="49" charset="0"/>
-              </a:rPr>
-              <a:t>(</a:t>
-            </a:r>
-            <a:r>
-              <a:rPr lang="fr-FR" sz="1000" b="0">
-                <a:solidFill>
-                  <a:srgbClr val="001080"/>
-                </a:solidFill>
-                <a:effectLst/>
-                <a:latin typeface="Consolas" panose="020B0609020204030204" pitchFamily="49" charset="0"/>
-              </a:rPr>
-              <a:t>REF_DEV</a:t>
-            </a:r>
-            <a:r>
-              <a:rPr lang="fr-FR" sz="1000" b="0">
-                <a:solidFill>
-                  <a:srgbClr val="3B3B3B"/>
-                </a:solidFill>
-                <a:effectLst/>
-                <a:latin typeface="Consolas" panose="020B0609020204030204" pitchFamily="49" charset="0"/>
-              </a:rPr>
-              <a:t>.</a:t>
-            </a:r>
-            <a:r>
-              <a:rPr lang="fr-FR" sz="1000" b="0">
-                <a:solidFill>
-                  <a:srgbClr val="001080"/>
-                </a:solidFill>
-                <a:effectLst/>
-                <a:latin typeface="Consolas" panose="020B0609020204030204" pitchFamily="49" charset="0"/>
-              </a:rPr>
-              <a:t>PUBLIC</a:t>
-            </a:r>
-            <a:r>
-              <a:rPr lang="fr-FR" sz="1000" b="0">
-                <a:solidFill>
-                  <a:srgbClr val="3B3B3B"/>
-                </a:solidFill>
-                <a:effectLst/>
-                <a:latin typeface="Consolas" panose="020B0609020204030204" pitchFamily="49" charset="0"/>
-              </a:rPr>
-              <a:t>.</a:t>
-            </a:r>
-            <a:r>
-              <a:rPr lang="fr-FR" sz="1000" b="0">
-                <a:solidFill>
-                  <a:srgbClr val="001080"/>
-                </a:solidFill>
-                <a:effectLst/>
-                <a:latin typeface="Consolas" panose="020B0609020204030204" pitchFamily="49" charset="0"/>
-              </a:rPr>
-              <a:t>REMOVE_SPECIAL_CHARS</a:t>
-            </a:r>
-            <a:r>
-              <a:rPr lang="fr-FR" sz="1000" b="0">
-                <a:solidFill>
-                  <a:srgbClr val="3B3B3B"/>
-                </a:solidFill>
-                <a:effectLst/>
-                <a:latin typeface="Consolas" panose="020B0609020204030204" pitchFamily="49" charset="0"/>
-              </a:rPr>
-              <a:t>(</a:t>
-            </a:r>
-            <a:r>
-              <a:rPr lang="fr-FR" sz="1000" b="0">
-                <a:solidFill>
-                  <a:srgbClr val="A31515"/>
-                </a:solidFill>
-                <a:effectLst/>
-                <a:latin typeface="Consolas" panose="020B0609020204030204" pitchFamily="49" charset="0"/>
-              </a:rPr>
-              <a:t>'''</a:t>
-            </a:r>
-            <a:r>
-              <a:rPr lang="fr-FR" sz="1000" b="0">
-                <a:solidFill>
-                  <a:srgbClr val="3B3B3B"/>
-                </a:solidFill>
-                <a:effectLst/>
-                <a:latin typeface="Consolas" panose="020B0609020204030204" pitchFamily="49" charset="0"/>
-              </a:rPr>
-              <a:t>||:</a:t>
-            </a:r>
-            <a:r>
-              <a:rPr lang="fr-FR" sz="1000" b="0">
-                <a:solidFill>
-                  <a:srgbClr val="001080"/>
-                </a:solidFill>
-                <a:effectLst/>
-                <a:latin typeface="Consolas" panose="020B0609020204030204" pitchFamily="49" charset="0"/>
-              </a:rPr>
-              <a:t>INPUT_PLACE</a:t>
-            </a:r>
-            <a:r>
-              <a:rPr lang="fr-FR" sz="1000" b="0">
-                <a:solidFill>
-                  <a:srgbClr val="3B3B3B"/>
-                </a:solidFill>
-                <a:effectLst/>
-                <a:latin typeface="Consolas" panose="020B0609020204030204" pitchFamily="49" charset="0"/>
-              </a:rPr>
-              <a:t>||''</a:t>
-            </a:r>
-            <a:r>
-              <a:rPr lang="fr-FR" sz="1000" b="0">
-                <a:solidFill>
-                  <a:srgbClr val="A31515"/>
-                </a:solidFill>
-                <a:effectLst/>
-                <a:latin typeface="Consolas" panose="020B0609020204030204" pitchFamily="49" charset="0"/>
-              </a:rPr>
-              <a:t>'</a:t>
-            </a:r>
-            <a:r>
-              <a:rPr lang="fr-FR" sz="1000" b="0">
-                <a:solidFill>
-                  <a:srgbClr val="3B3B3B"/>
-                </a:solidFill>
-                <a:effectLst/>
-                <a:latin typeface="Consolas" panose="020B0609020204030204" pitchFamily="49" charset="0"/>
-              </a:rPr>
-              <a:t>))</a:t>
+              <a:t>GENERIC_LOCALITY</a:t>
             </a:r>
             <a:r>
               <a:rPr lang="fr-FR" sz="1000" b="0">
@@ -14394,12 +15216,12 @@
                 </a:highlight>
                 <a:latin typeface="Consolas" panose="020B0609020204030204" pitchFamily="49" charset="0"/>
               </a:rPr>
-              <a:t>, </a:t>
+              <a:t> </a:t>
             </a:r>
             <a:r>
               <a:rPr lang="fr-FR" sz="1000" b="0">
                 <a:solidFill>
-                  <a:srgbClr val="A31515"/>
+                  <a:srgbClr val="001080"/>
                 </a:solidFill>
                 <a:effectLst/>
                 <a:highlight>
@@ -14407,7 +15229,7 @@
                 </a:highlight>
                 <a:latin typeface="Consolas" panose="020B0609020204030204" pitchFamily="49" charset="0"/>
               </a:rPr>
-              <a:t>''</a:t>
+              <a:t>LIKE</a:t>
             </a:r>
             <a:r>
               <a:rPr lang="fr-FR" sz="1000" b="0">
@@ -14420,7 +15242,7 @@
                 </a:highlight>
                 <a:latin typeface="Consolas" panose="020B0609020204030204" pitchFamily="49" charset="0"/>
               </a:rPr>
-              <a:t>\\</a:t>
+              <a:t> </a:t>
             </a:r>
             <a:r>
               <a:rPr lang="fr-FR" sz="1000" b="0">
@@ -14433,7 +15255,7 @@
                 </a:highlight>
                 <a:latin typeface="Consolas" panose="020B0609020204030204" pitchFamily="49" charset="0"/>
               </a:rPr>
-              <a:t>s</a:t>
+              <a:t>REF_DEV</a:t>
             </a:r>
             <a:r>
               <a:rPr lang="fr-FR" sz="1000" b="0">
@@ -14446,12 +15268,12 @@
                 </a:highlight>
                 <a:latin typeface="Consolas" panose="020B0609020204030204" pitchFamily="49" charset="0"/>
               </a:rPr>
-              <a:t>+</a:t>
+              <a:t>.</a:t>
             </a:r>
             <a:r>
               <a:rPr lang="fr-FR" sz="1000" b="0">
                 <a:solidFill>
-                  <a:srgbClr val="A31515"/>
+                  <a:srgbClr val="001080"/>
                 </a:solidFill>
                 <a:effectLst/>
                 <a:highlight>
@@ -14459,7 +15281,7 @@
                 </a:highlight>
                 <a:latin typeface="Consolas" panose="020B0609020204030204" pitchFamily="49" charset="0"/>
               </a:rPr>
-              <a:t>''</a:t>
+              <a:t>PUBLIC</a:t>
             </a:r>
             <a:r>
               <a:rPr lang="fr-FR" sz="1000" b="0">
@@ -14472,12 +15294,12 @@
                 </a:highlight>
                 <a:latin typeface="Consolas" panose="020B0609020204030204" pitchFamily="49" charset="0"/>
               </a:rPr>
-              <a:t>, </a:t>
+              <a:t>.</a:t>
             </a:r>
             <a:r>
               <a:rPr lang="fr-FR" sz="1000" b="0">
                 <a:solidFill>
-                  <a:srgbClr val="A31515"/>
+                  <a:srgbClr val="001080"/>
                 </a:solidFill>
                 <a:effectLst/>
                 <a:highlight>
@@ -14485,7 +15307,7 @@
                 </a:highlight>
                 <a:latin typeface="Consolas" panose="020B0609020204030204" pitchFamily="49" charset="0"/>
               </a:rPr>
-              <a:t>''</a:t>
+              <a:t>REMOVE_SPECIAL_CHARS_PLUS</a:t>
             </a:r>
             <a:r>
               <a:rPr lang="fr-FR" sz="1000" b="0">
@@ -14498,7 +15320,7 @@
                 </a:highlight>
                 <a:latin typeface="Consolas" panose="020B0609020204030204" pitchFamily="49" charset="0"/>
               </a:rPr>
-              <a:t> </a:t>
+              <a:t>(</a:t>
             </a:r>
             <a:r>
               <a:rPr lang="fr-FR" sz="1000" b="0">
@@ -14511,7 +15333,7 @@
                 </a:highlight>
                 <a:latin typeface="Consolas" panose="020B0609020204030204" pitchFamily="49" charset="0"/>
               </a:rPr>
-              <a:t>''</a:t>
+              <a:t>'''</a:t>
             </a:r>
             <a:r>
               <a:rPr lang="fr-FR" sz="1000" b="0">
@@ -14524,7 +15346,7 @@
                 </a:highlight>
                 <a:latin typeface="Consolas" panose="020B0609020204030204" pitchFamily="49" charset="0"/>
               </a:rPr>
-              <a:t>, </a:t>
+              <a:t>||:</a:t>
             </a:r>
             <a:r>
               <a:rPr lang="fr-FR" sz="1000" b="0">
@@ -14537,7 +15359,7 @@
                 </a:highlight>
                 <a:latin typeface="Consolas" panose="020B0609020204030204" pitchFamily="49" charset="0"/>
               </a:rPr>
-              <a:t>1</a:t>
+              <a:t>INPUT_PLACE</a:t>
             </a:r>
             <a:r>
               <a:rPr lang="fr-FR" sz="1000" b="0">
@@ -14550,12 +15372,12 @@
                 </a:highlight>
                 <a:latin typeface="Consolas" panose="020B0609020204030204" pitchFamily="49" charset="0"/>
               </a:rPr>
-              <a:t>, </a:t>
+              <a:t>||''</a:t>
             </a:r>
             <a:r>
               <a:rPr lang="fr-FR" sz="1000" b="0">
                 <a:solidFill>
-                  <a:srgbClr val="001080"/>
+                  <a:srgbClr val="A31515"/>
                 </a:solidFill>
                 <a:effectLst/>
                 <a:highlight>
@@ -14563,7 +15385,7 @@
                 </a:highlight>
                 <a:latin typeface="Consolas" panose="020B0609020204030204" pitchFamily="49" charset="0"/>
               </a:rPr>
-              <a:t>0</a:t>
+              <a:t>'</a:t>
             </a:r>
             <a:r>
               <a:rPr lang="fr-FR" sz="1000" b="0">
@@ -14576,7 +15398,7 @@
                 </a:highlight>
                 <a:latin typeface="Consolas" panose="020B0609020204030204" pitchFamily="49" charset="0"/>
               </a:rPr>
-              <a:t>))||</a:t>
+              <a:t>)||</a:t>
             </a:r>
             <a:r>
               <a:rPr lang="fr-FR" sz="1000" b="0">
@@ -14617,24 +15439,21 @@
               </a:rPr>
               <a:t>''</a:t>
             </a:r>
-            <a:r>
-              <a:rPr lang="fr-FR" sz="1000" b="0">
-                <a:solidFill>
-                  <a:srgbClr val="3B3B3B"/>
-                </a:solidFill>
-                <a:effectLst/>
-                <a:highlight>
-                  <a:srgbClr val="FFFF00"/>
-                </a:highlight>
-                <a:latin typeface="Consolas" panose="020B0609020204030204" pitchFamily="49" charset="0"/>
-              </a:rPr>
-              <a:t> </a:t>
-            </a:r>
-          </a:p>
-          <a:p>
-            <a:pPr marL="0" indent="0">
-              <a:lnSpc>
-                <a:spcPct val="60000"/>
+            <a:endParaRPr lang="fr-FR" sz="1000" b="0">
+              <a:solidFill>
+                <a:srgbClr val="3B3B3B"/>
+              </a:solidFill>
+              <a:effectLst/>
+              <a:highlight>
+                <a:srgbClr val="FFFF00"/>
+              </a:highlight>
+              <a:latin typeface="Consolas" panose="020B0609020204030204" pitchFamily="49" charset="0"/>
+            </a:endParaRPr>
+          </a:p>
+          <a:p>
+            <a:pPr marL="457200" lvl="1" indent="0">
+              <a:lnSpc>
+                <a:spcPct val="70000"/>
               </a:lnSpc>
               <a:buNone/>
             </a:pPr>
@@ -14656,36 +15475,28 @@
                 <a:effectLst/>
                 <a:latin typeface="Consolas" panose="020B0609020204030204" pitchFamily="49" charset="0"/>
               </a:rPr>
-              <a:t>LIMIT 50</a:t>
+              <a:t>ORDER BY</a:t>
             </a:r>
             <a:r>
               <a:rPr lang="fr-FR" sz="1000" b="0">
                 <a:solidFill>
-                  <a:srgbClr val="A31515"/>
-                </a:solidFill>
-                <a:effectLst/>
-                <a:latin typeface="Consolas" panose="020B0609020204030204" pitchFamily="49" charset="0"/>
-              </a:rPr>
-              <a:t>’</a:t>
+                  <a:srgbClr val="3B3B3B"/>
+                </a:solidFill>
+                <a:effectLst/>
+                <a:latin typeface="Consolas" panose="020B0609020204030204" pitchFamily="49" charset="0"/>
+              </a:rPr>
+              <a:t> </a:t>
             </a:r>
             <a:r>
               <a:rPr lang="fr-FR" sz="1000" b="0">
                 <a:solidFill>
-                  <a:srgbClr val="3B3B3B"/>
-                </a:solidFill>
-                <a:effectLst/>
-                <a:latin typeface="Consolas" panose="020B0609020204030204" pitchFamily="49" charset="0"/>
-              </a:rPr>
-              <a:t>;</a:t>
-            </a:r>
-          </a:p>
-          <a:p>
-            <a:pPr marL="0" indent="0">
-              <a:lnSpc>
-                <a:spcPct val="60000"/>
-              </a:lnSpc>
-              <a:buNone/>
-            </a:pPr>
+                  <a:srgbClr val="001080"/>
+                </a:solidFill>
+                <a:effectLst/>
+                <a:latin typeface="Consolas" panose="020B0609020204030204" pitchFamily="49" charset="0"/>
+              </a:rPr>
+              <a:t>LENGTH</a:t>
+            </a:r>
             <a:r>
               <a:rPr lang="fr-FR" sz="1000" b="0">
                 <a:solidFill>
@@ -14694,7 +15505,7 @@
                 <a:effectLst/>
                 <a:latin typeface="Consolas" panose="020B0609020204030204" pitchFamily="49" charset="0"/>
               </a:rPr>
-              <a:t>    </a:t>
+              <a:t>(</a:t>
             </a:r>
             <a:r>
               <a:rPr lang="fr-FR" sz="1000" b="0">
@@ -14704,7 +15515,7 @@
                 <a:effectLst/>
                 <a:latin typeface="Consolas" panose="020B0609020204030204" pitchFamily="49" charset="0"/>
               </a:rPr>
-              <a:t>res</a:t>
+              <a:t>LOCALITY</a:t>
             </a:r>
             <a:r>
               <a:rPr lang="fr-FR" sz="1000" b="0">
@@ -14714,45 +15525,17 @@
                 <a:effectLst/>
                 <a:latin typeface="Consolas" panose="020B0609020204030204" pitchFamily="49" charset="0"/>
               </a:rPr>
-              <a:t> </a:t>
+              <a:t>), </a:t>
             </a:r>
             <a:r>
               <a:rPr lang="fr-FR" sz="1000" b="0">
                 <a:solidFill>
-                  <a:srgbClr val="AF00DB"/>
-                </a:solidFill>
-                <a:effectLst/>
-                <a:latin typeface="Consolas" panose="020B0609020204030204" pitchFamily="49" charset="0"/>
-              </a:rPr>
-              <a:t>RESULTSET</a:t>
-            </a:r>
-            <a:r>
-              <a:rPr lang="fr-FR" sz="1000" b="0">
-                <a:solidFill>
-                  <a:srgbClr val="3B3B3B"/>
-                </a:solidFill>
-                <a:effectLst/>
-                <a:latin typeface="Consolas" panose="020B0609020204030204" pitchFamily="49" charset="0"/>
-              </a:rPr>
-              <a:t>;</a:t>
-            </a:r>
-          </a:p>
-          <a:p>
-            <a:pPr marL="0" indent="0">
-              <a:lnSpc>
-                <a:spcPct val="60000"/>
-              </a:lnSpc>
-              <a:buNone/>
-            </a:pPr>
-            <a:r>
-              <a:rPr lang="fr-FR" sz="1000" b="0">
-                <a:solidFill>
-                  <a:srgbClr val="AF00DB"/>
-                </a:solidFill>
-                <a:effectLst/>
-                <a:latin typeface="Consolas" panose="020B0609020204030204" pitchFamily="49" charset="0"/>
-              </a:rPr>
-              <a:t>BEGIN</a:t>
+                  <a:srgbClr val="001080"/>
+                </a:solidFill>
+                <a:effectLst/>
+                <a:latin typeface="Consolas" panose="020B0609020204030204" pitchFamily="49" charset="0"/>
+              </a:rPr>
+              <a:t>POSTCODE</a:t>
             </a:r>
             <a:endParaRPr lang="fr-FR" sz="1000" b="0">
               <a:solidFill>
@@ -14763,9 +15546,9 @@
             </a:endParaRPr>
           </a:p>
           <a:p>
-            <a:pPr marL="0" indent="0">
-              <a:lnSpc>
-                <a:spcPct val="60000"/>
+            <a:pPr marL="457200" lvl="1" indent="0">
+              <a:lnSpc>
+                <a:spcPct val="70000"/>
               </a:lnSpc>
               <a:buNone/>
             </a:pPr>
@@ -14777,93 +15560,43 @@
                 <a:effectLst/>
                 <a:latin typeface="Consolas" panose="020B0609020204030204" pitchFamily="49" charset="0"/>
               </a:rPr>
-              <a:t>    </a:t>
+              <a:t>                           </a:t>
             </a:r>
             <a:r>
               <a:rPr lang="fr-FR" sz="1000" b="0">
                 <a:solidFill>
-                  <a:srgbClr val="001080"/>
-                </a:solidFill>
-                <a:effectLst/>
-                <a:latin typeface="Consolas" panose="020B0609020204030204" pitchFamily="49" charset="0"/>
-              </a:rPr>
-              <a:t>res</a:t>
+                  <a:srgbClr val="AF00DB"/>
+                </a:solidFill>
+                <a:effectLst/>
+                <a:latin typeface="Consolas" panose="020B0609020204030204" pitchFamily="49" charset="0"/>
+              </a:rPr>
+              <a:t>LIMIT 50</a:t>
             </a:r>
             <a:r>
               <a:rPr lang="fr-FR" sz="1000" b="0">
                 <a:solidFill>
-                  <a:srgbClr val="3B3B3B"/>
-                </a:solidFill>
-                <a:effectLst/>
-                <a:latin typeface="Consolas" panose="020B0609020204030204" pitchFamily="49" charset="0"/>
-              </a:rPr>
-              <a:t> := (</a:t>
+                  <a:srgbClr val="A31515"/>
+                </a:solidFill>
+                <a:effectLst/>
+                <a:latin typeface="Consolas" panose="020B0609020204030204" pitchFamily="49" charset="0"/>
+              </a:rPr>
+              <a:t>'</a:t>
             </a:r>
             <a:r>
               <a:rPr lang="fr-FR" sz="1000" b="0">
                 <a:solidFill>
-                  <a:srgbClr val="AF00DB"/>
-                </a:solidFill>
-                <a:effectLst/>
-                <a:latin typeface="Consolas" panose="020B0609020204030204" pitchFamily="49" charset="0"/>
-              </a:rPr>
-              <a:t>EXECUTE</a:t>
-            </a:r>
-            <a:r>
-              <a:rPr lang="fr-FR" sz="1000" b="0">
-                <a:solidFill>
-                  <a:srgbClr val="3B3B3B"/>
-                </a:solidFill>
-                <a:effectLst/>
-                <a:latin typeface="Consolas" panose="020B0609020204030204" pitchFamily="49" charset="0"/>
-              </a:rPr>
-              <a:t> </a:t>
-            </a:r>
-            <a:r>
-              <a:rPr lang="fr-FR" sz="1000" b="0">
-                <a:solidFill>
-                  <a:srgbClr val="AF00DB"/>
-                </a:solidFill>
-                <a:effectLst/>
-                <a:latin typeface="Consolas" panose="020B0609020204030204" pitchFamily="49" charset="0"/>
-              </a:rPr>
-              <a:t>IMMEDIATE</a:t>
-            </a:r>
-            <a:r>
-              <a:rPr lang="fr-FR" sz="1000" b="0">
-                <a:solidFill>
-                  <a:srgbClr val="3B3B3B"/>
-                </a:solidFill>
-                <a:effectLst/>
-                <a:latin typeface="Consolas" panose="020B0609020204030204" pitchFamily="49" charset="0"/>
-              </a:rPr>
-              <a:t> :</a:t>
-            </a:r>
-            <a:r>
-              <a:rPr lang="fr-FR" sz="1000" b="0">
-                <a:solidFill>
-                  <a:srgbClr val="001080"/>
-                </a:solidFill>
-                <a:effectLst/>
-                <a:latin typeface="Consolas" panose="020B0609020204030204" pitchFamily="49" charset="0"/>
-              </a:rPr>
-              <a:t>query</a:t>
-            </a:r>
-            <a:r>
-              <a:rPr lang="fr-FR" sz="1000" b="0">
-                <a:solidFill>
-                  <a:srgbClr val="3B3B3B"/>
-                </a:solidFill>
-                <a:effectLst/>
-                <a:latin typeface="Consolas" panose="020B0609020204030204" pitchFamily="49" charset="0"/>
-              </a:rPr>
-              <a:t>);             </a:t>
-            </a:r>
-          </a:p>
-          <a:p>
-            <a:pPr marL="0" indent="0">
-              <a:lnSpc>
-                <a:spcPct val="60000"/>
+                  <a:srgbClr val="3B3B3B"/>
+                </a:solidFill>
+                <a:effectLst/>
+                <a:latin typeface="Consolas" panose="020B0609020204030204" pitchFamily="49" charset="0"/>
+              </a:rPr>
+              <a:t>;</a:t>
+            </a:r>
+          </a:p>
+          <a:p>
+            <a:pPr marL="457200" lvl="1" indent="0">
+              <a:lnSpc>
+                <a:spcPct val="70000"/>
               </a:lnSpc>
               <a:buNone/>
             </a:pPr>
@@ -14880,11 +15613,192 @@
             <a:r>
               <a:rPr lang="fr-FR" sz="1000" b="0">
                 <a:solidFill>
+                  <a:srgbClr val="001080"/>
+                </a:solidFill>
+                <a:effectLst/>
+                <a:latin typeface="Consolas" panose="020B0609020204030204" pitchFamily="49" charset="0"/>
+              </a:rPr>
+              <a:t>res</a:t>
+            </a:r>
+            <a:r>
+              <a:rPr lang="fr-FR" sz="1000" b="0">
+                <a:solidFill>
+                  <a:srgbClr val="3B3B3B"/>
+                </a:solidFill>
+                <a:effectLst/>
+                <a:latin typeface="Consolas" panose="020B0609020204030204" pitchFamily="49" charset="0"/>
+              </a:rPr>
+              <a:t> </a:t>
+            </a:r>
+            <a:r>
+              <a:rPr lang="fr-FR" sz="1000" b="0">
+                <a:solidFill>
                   <a:srgbClr val="AF00DB"/>
                 </a:solidFill>
                 <a:effectLst/>
                 <a:latin typeface="Consolas" panose="020B0609020204030204" pitchFamily="49" charset="0"/>
               </a:rPr>
+              <a:t>RESULTSET</a:t>
+            </a:r>
+            <a:r>
+              <a:rPr lang="fr-FR" sz="1000" b="0">
+                <a:solidFill>
+                  <a:srgbClr val="3B3B3B"/>
+                </a:solidFill>
+                <a:effectLst/>
+                <a:latin typeface="Consolas" panose="020B0609020204030204" pitchFamily="49" charset="0"/>
+              </a:rPr>
+              <a:t>;</a:t>
+            </a:r>
+          </a:p>
+          <a:p>
+            <a:pPr marL="457200" lvl="1" indent="0">
+              <a:lnSpc>
+                <a:spcPct val="70000"/>
+              </a:lnSpc>
+              <a:buNone/>
+            </a:pPr>
+            <a:r>
+              <a:rPr lang="fr-FR" sz="1000" b="0">
+                <a:solidFill>
+                  <a:srgbClr val="AF00DB"/>
+                </a:solidFill>
+                <a:effectLst/>
+                <a:latin typeface="Consolas" panose="020B0609020204030204" pitchFamily="49" charset="0"/>
+              </a:rPr>
+              <a:t>BEGIN</a:t>
+            </a:r>
+            <a:endParaRPr lang="fr-FR" sz="1000" b="0">
+              <a:solidFill>
+                <a:srgbClr val="3B3B3B"/>
+              </a:solidFill>
+              <a:effectLst/>
+              <a:latin typeface="Consolas" panose="020B0609020204030204" pitchFamily="49" charset="0"/>
+            </a:endParaRPr>
+          </a:p>
+          <a:p>
+            <a:pPr marL="457200" lvl="1" indent="0">
+              <a:lnSpc>
+                <a:spcPct val="70000"/>
+              </a:lnSpc>
+              <a:buNone/>
+            </a:pPr>
+            <a:r>
+              <a:rPr lang="fr-FR" sz="1000" b="0">
+                <a:solidFill>
+                  <a:srgbClr val="3B3B3B"/>
+                </a:solidFill>
+                <a:effectLst/>
+                <a:latin typeface="Consolas" panose="020B0609020204030204" pitchFamily="49" charset="0"/>
+              </a:rPr>
+              <a:t>    </a:t>
+            </a:r>
+            <a:r>
+              <a:rPr lang="fr-FR" sz="1000" b="0">
+                <a:solidFill>
+                  <a:srgbClr val="001080"/>
+                </a:solidFill>
+                <a:effectLst/>
+                <a:latin typeface="Consolas" panose="020B0609020204030204" pitchFamily="49" charset="0"/>
+              </a:rPr>
+              <a:t>res</a:t>
+            </a:r>
+            <a:r>
+              <a:rPr lang="fr-FR" sz="1000" b="0">
+                <a:solidFill>
+                  <a:srgbClr val="3B3B3B"/>
+                </a:solidFill>
+                <a:effectLst/>
+                <a:latin typeface="Consolas" panose="020B0609020204030204" pitchFamily="49" charset="0"/>
+              </a:rPr>
+              <a:t> := (</a:t>
+            </a:r>
+            <a:r>
+              <a:rPr lang="fr-FR" sz="1000" b="0">
+                <a:solidFill>
+                  <a:srgbClr val="AF00DB"/>
+                </a:solidFill>
+                <a:effectLst/>
+                <a:latin typeface="Consolas" panose="020B0609020204030204" pitchFamily="49" charset="0"/>
+              </a:rPr>
+              <a:t>EXECUTE</a:t>
+            </a:r>
+            <a:r>
+              <a:rPr lang="fr-FR" sz="1000" b="0">
+                <a:solidFill>
+                  <a:srgbClr val="3B3B3B"/>
+                </a:solidFill>
+                <a:effectLst/>
+                <a:latin typeface="Consolas" panose="020B0609020204030204" pitchFamily="49" charset="0"/>
+              </a:rPr>
+              <a:t> </a:t>
+            </a:r>
+            <a:r>
+              <a:rPr lang="fr-FR" sz="1000" b="0">
+                <a:solidFill>
+                  <a:srgbClr val="AF00DB"/>
+                </a:solidFill>
+                <a:effectLst/>
+                <a:latin typeface="Consolas" panose="020B0609020204030204" pitchFamily="49" charset="0"/>
+              </a:rPr>
+              <a:t>IMMEDIATE</a:t>
+            </a:r>
+            <a:r>
+              <a:rPr lang="fr-FR" sz="1000" b="0">
+                <a:solidFill>
+                  <a:srgbClr val="3B3B3B"/>
+                </a:solidFill>
+                <a:effectLst/>
+                <a:latin typeface="Consolas" panose="020B0609020204030204" pitchFamily="49" charset="0"/>
+              </a:rPr>
+              <a:t> :</a:t>
+            </a:r>
+            <a:r>
+              <a:rPr lang="fr-FR" sz="1000" b="0">
+                <a:solidFill>
+                  <a:srgbClr val="001080"/>
+                </a:solidFill>
+                <a:effectLst/>
+                <a:latin typeface="Consolas" panose="020B0609020204030204" pitchFamily="49" charset="0"/>
+              </a:rPr>
+              <a:t>query</a:t>
+            </a:r>
+            <a:r>
+              <a:rPr lang="fr-FR" sz="1000" b="0">
+                <a:solidFill>
+                  <a:srgbClr val="3B3B3B"/>
+                </a:solidFill>
+                <a:effectLst/>
+                <a:latin typeface="Consolas" panose="020B0609020204030204" pitchFamily="49" charset="0"/>
+              </a:rPr>
+              <a:t>);             </a:t>
+            </a:r>
+          </a:p>
+          <a:p>
+            <a:pPr marL="457200" lvl="1" indent="0">
+              <a:lnSpc>
+                <a:spcPct val="70000"/>
+              </a:lnSpc>
+              <a:buNone/>
+            </a:pPr>
+            <a:r>
+              <a:rPr lang="fr-FR" sz="1000" b="0">
+                <a:solidFill>
+                  <a:srgbClr val="3B3B3B"/>
+                </a:solidFill>
+                <a:effectLst/>
+                <a:latin typeface="Consolas" panose="020B0609020204030204" pitchFamily="49" charset="0"/>
+              </a:rPr>
+              <a:t>    </a:t>
+            </a:r>
+            <a:r>
+              <a:rPr lang="fr-FR" sz="1000" b="0">
+                <a:solidFill>
+                  <a:srgbClr val="AF00DB"/>
+                </a:solidFill>
+                <a:effectLst/>
+                <a:latin typeface="Consolas" panose="020B0609020204030204" pitchFamily="49" charset="0"/>
+              </a:rPr>
               <a:t>RETURN</a:t>
             </a:r>
             <a:r>
@@ -14939,9 +15853,9 @@
             </a:r>
           </a:p>
           <a:p>
-            <a:pPr marL="0" indent="0">
-              <a:lnSpc>
-                <a:spcPct val="60000"/>
+            <a:pPr marL="457200" lvl="1" indent="0">
+              <a:lnSpc>
+                <a:spcPct val="70000"/>
               </a:lnSpc>
               <a:buNone/>
             </a:pPr>
@@ -14990,7 +15904,7 @@
                 <a:effectLst/>
                 <a:latin typeface="Consolas" panose="020B0609020204030204" pitchFamily="49" charset="0"/>
               </a:rPr>
-              <a:t>REMOVE_SPECIAL_CHARS </a:t>
+              <a:t>REMOVE_SPECIAL_CHARS_PLUS </a:t>
             </a:r>
             <a:r>
               <a:rPr lang="fr-FR" sz="1600" b="1">
@@ -15002,7 +15916,25 @@
                 <a:latin typeface="Arial" panose="020B0604020202020204" pitchFamily="34" charset="0"/>
                 <a:cs typeface="Arial" panose="020B0604020202020204" pitchFamily="34" charset="0"/>
               </a:rPr>
-              <a:t>n’est exhaustive alors utiliser la fonction TRANSLATE</a:t>
+              <a:t>n’est exhaustive</a:t>
+            </a:r>
+          </a:p>
+          <a:p>
+            <a:pPr marL="914400" lvl="2" indent="0">
+              <a:buNone/>
+              <a:defRPr/>
+            </a:pPr>
+            <a:r>
+              <a:rPr lang="fr-FR" sz="1400" b="1">
+                <a:solidFill>
+                  <a:schemeClr val="accent1">
+                    <a:lumMod val="50000"/>
+                  </a:schemeClr>
+                </a:solidFill>
+                <a:latin typeface="Arial" panose="020B0604020202020204" pitchFamily="34" charset="0"/>
+                <a:cs typeface="Arial" panose="020B0604020202020204" pitchFamily="34" charset="0"/>
+              </a:rPr>
+              <a:t>	=&gt;  Compléter la fonction de personnalisation par le TRANSLATE</a:t>
             </a:r>
           </a:p>
           <a:p>
@@ -15106,7 +16038,7 @@
                 <a:effectLst/>
                 <a:latin typeface="Consolas" panose="020B0609020204030204" pitchFamily="49" charset="0"/>
               </a:rPr>
-              <a:t>GET_ZIP_AND_PLACE_FROM_COUNTRY_AND_PLACE_SEARCH</a:t>
+              <a:t>GET_ZIP_AND_PLACE_FROM_COUNTRY_AND_PLACE_SEARCH2</a:t>
             </a:r>
             <a:r>
               <a:rPr lang="en-US" sz="1100" b="0">
@@ -15166,7 +16098,7 @@
                 <a:effectLst/>
                 <a:latin typeface="Consolas" panose="020B0609020204030204" pitchFamily="49" charset="0"/>
               </a:rPr>
-              <a:t>-- 2s</a:t>
+              <a:t>-- 1,3s</a:t>
             </a:r>
             <a:endParaRPr lang="fr-FR" sz="1200" b="1">
               <a:solidFill>
@@ -15208,6 +16140,92 @@
                 <a:cs typeface="Arial" panose="020B0604020202020204" pitchFamily="34" charset="0"/>
               </a:rPr>
               <a:t>(idée : passer à une recherche sur une table PLACES_SEARCH au lieu d’une table PLACES_POSTCODES_SEARCH)</a:t>
+            </a:r>
+          </a:p>
+        </p:txBody>
+      </p:sp>
+      <p:sp>
+        <p:nvSpPr>
+          <p:cNvPr id="2" name="ZoneTexte 1">
+            <a:extLst>
+              <a:ext uri="{FF2B5EF4-FFF2-40B4-BE49-F238E27FC236}">
+                <a16:creationId xmlns:a16="http://schemas.microsoft.com/office/drawing/2014/main" id="{E571F879-F09E-036F-C40E-3B02B23F39C2}"/>
+              </a:ext>
+            </a:extLst>
+          </p:cNvPr>
+          <p:cNvSpPr txBox="1"/>
+          <p:nvPr/>
+        </p:nvSpPr>
+        <p:spPr>
+          <a:xfrm>
+            <a:off x="9336360" y="3356992"/>
+            <a:ext cx="2425784" cy="1631216"/>
+          </a:xfrm>
+          <a:prstGeom prst="rect">
+            <a:avLst/>
+          </a:prstGeom>
+        </p:spPr>
+        <p:style>
+          <a:lnRef idx="2">
+            <a:schemeClr val="accent4"/>
+          </a:lnRef>
+          <a:fillRef idx="1">
+            <a:schemeClr val="lt1"/>
+          </a:fillRef>
+          <a:effectRef idx="0">
+            <a:schemeClr val="accent4"/>
+          </a:effectRef>
+          <a:fontRef idx="minor">
+            <a:schemeClr val="dk1"/>
+          </a:fontRef>
+        </p:style>
+        <p:txBody>
+          <a:bodyPr wrap="square" rtlCol="0">
+            <a:spAutoFit/>
+          </a:bodyPr>
+          <a:lstStyle/>
+          <a:p>
+            <a:r>
+              <a:rPr lang="fr-FR" sz="1000"/>
+              <a:t>Pour améliorer l’expérience utilisateur, on pourrait utiliser la fonction </a:t>
+            </a:r>
+            <a:r>
+              <a:rPr lang="fr-FR" sz="1000" i="1"/>
+              <a:t>Soundex</a:t>
+            </a:r>
+            <a:r>
+              <a:rPr lang="fr-FR" sz="1000"/>
+              <a:t> mais à contrebalancer par rapport au besoin de performance</a:t>
+            </a:r>
+          </a:p>
+          <a:p>
+            <a:pPr marL="171450" indent="-171450">
+              <a:buFont typeface="Arial" panose="020B0604020202020204" pitchFamily="34" charset="0"/>
+              <a:buChar char="•"/>
+            </a:pPr>
+            <a:endParaRPr lang="fr-FR" sz="1000"/>
+          </a:p>
+          <a:p>
+            <a:r>
+              <a:rPr lang="fr-FR" sz="1000"/>
+              <a:t>Fonction d’optimisation écartée </a:t>
+            </a:r>
+            <a:r>
+              <a:rPr lang="fr-FR" sz="1000" i="1"/>
+              <a:t>jarowinkler_similarity </a:t>
+            </a:r>
+            <a:r>
+              <a:rPr lang="fr-FR" sz="1000"/>
+              <a:t>car trop chronophrage pour ce use case</a:t>
+            </a:r>
+          </a:p>
+          <a:p>
+            <a:endParaRPr lang="fr-FR" sz="1000"/>
+          </a:p>
+          <a:p>
+            <a:r>
+              <a:rPr lang="fr-FR" sz="1000"/>
+              <a:t>(… clé de hashage à tester …)</a:t>
             </a:r>
           </a:p>
         </p:txBody>
@@ -15225,7 +16243,7 @@
 </p:sld>
 </file>
 
-<file path=ppt/slides/slide7.xml><?xml version="1.0" encoding="utf-8"?>
+<file path=ppt/slides/slide8.xml><?xml version="1.0" encoding="utf-8"?>
 <p:sld xmlns:a="http://schemas.openxmlformats.org/drawingml/2006/main" xmlns:r="http://schemas.openxmlformats.org/officeDocument/2006/relationships" xmlns:p="http://schemas.openxmlformats.org/presentationml/2006/main">
   <p:cSld>
     <p:spTree>

--- a/EDHEC_Referentiel_Geographique.pptx
+++ b/EDHEC_Referentiel_Geographique.pptx
@@ -262,7 +262,7 @@
             <a:fld id="{79FFD44E-8763-4BC4-BD67-FC0FD40B8946}" type="datetimeFigureOut">
               <a:rPr lang="fr-FR" smtClean="0"/>
               <a:pPr/>
-              <a:t>09/02/2024</a:t>
+              <a:t>12/02/2024</a:t>
             </a:fld>
             <a:endParaRPr lang="fr-FR"/>
           </a:p>
@@ -429,7 +429,7 @@
             <a:fld id="{7A5CF674-58D9-42EA-A68C-6CA20BAB5B9A}" type="datetimeFigureOut">
               <a:rPr lang="fr-FR" smtClean="0"/>
               <a:pPr/>
-              <a:t>09/02/2024</a:t>
+              <a:t>12/02/2024</a:t>
             </a:fld>
             <a:endParaRPr lang="fr-FR"/>
           </a:p>
@@ -11718,38 +11718,15 @@
                 <a:effectLst/>
                 <a:latin typeface="Consolas" panose="020B0609020204030204" pitchFamily="49" charset="0"/>
               </a:rPr>
-              <a:t>LENGTH</a:t>
-            </a:r>
-            <a:r>
-              <a:rPr lang="fr-FR" sz="1000" b="0">
-                <a:solidFill>
-                  <a:srgbClr val="3B3B3B"/>
-                </a:solidFill>
-                <a:effectLst/>
-                <a:latin typeface="Consolas" panose="020B0609020204030204" pitchFamily="49" charset="0"/>
-              </a:rPr>
-              <a:t>(</a:t>
-            </a:r>
-            <a:r>
-              <a:rPr lang="fr-FR" sz="1000" b="0">
-                <a:solidFill>
-                  <a:srgbClr val="001080"/>
-                </a:solidFill>
-                <a:effectLst/>
-                <a:latin typeface="Consolas" panose="020B0609020204030204" pitchFamily="49" charset="0"/>
-              </a:rPr>
-              <a:t>LOCALITY</a:t>
-            </a:r>
-            <a:r>
-              <a:rPr lang="fr-FR" sz="1000" b="0">
-                <a:solidFill>
-                  <a:srgbClr val="3B3B3B"/>
-                </a:solidFill>
-                <a:effectLst/>
-                <a:latin typeface="Consolas" panose="020B0609020204030204" pitchFamily="49" charset="0"/>
-              </a:rPr>
-              <a:t>)</a:t>
-            </a:r>
+              <a:t>NEUTRAL_POSTCODE</a:t>
+            </a:r>
+            <a:endParaRPr lang="fr-FR" sz="1000" b="0">
+              <a:solidFill>
+                <a:srgbClr val="3B3B3B"/>
+              </a:solidFill>
+              <a:effectLst/>
+              <a:latin typeface="Consolas" panose="020B0609020204030204" pitchFamily="49" charset="0"/>
+            </a:endParaRPr>
           </a:p>
           <a:p>
             <a:pPr marL="457200" lvl="1" indent="0">
@@ -19388,6 +19365,9 @@
                   <a:srgbClr val="001080"/>
                 </a:solidFill>
                 <a:effectLst/>
+                <a:highlight>
+                  <a:srgbClr val="FFFF00"/>
+                </a:highlight>
                 <a:latin typeface="Consolas" panose="020B0609020204030204" pitchFamily="49" charset="0"/>
               </a:rPr>
               <a:t>JAVASCRIPT</a:t>
@@ -19397,6 +19377,9 @@
                 <a:srgbClr val="3B3B3B"/>
               </a:solidFill>
               <a:effectLst/>
+              <a:highlight>
+                <a:srgbClr val="FFFF00"/>
+              </a:highlight>
               <a:latin typeface="Consolas" panose="020B0609020204030204" pitchFamily="49" charset="0"/>
             </a:endParaRPr>
           </a:p>
@@ -19511,6 +19494,9 @@
                   <a:srgbClr val="795E26"/>
                 </a:solidFill>
                 <a:effectLst/>
+                <a:highlight>
+                  <a:srgbClr val="FFFF00"/>
+                </a:highlight>
                 <a:latin typeface="Consolas" panose="020B0609020204030204" pitchFamily="49" charset="0"/>
               </a:rPr>
               <a:t>normalize</a:t>
@@ -19521,6 +19507,9 @@
                   <a:srgbClr val="3B3B3B"/>
                 </a:solidFill>
                 <a:effectLst/>
+                <a:highlight>
+                  <a:srgbClr val="FFFF00"/>
+                </a:highlight>
                 <a:latin typeface="Consolas" panose="020B0609020204030204" pitchFamily="49" charset="0"/>
               </a:rPr>
               <a:t>(</a:t>
@@ -19531,6 +19520,9 @@
                   <a:srgbClr val="A31515"/>
                 </a:solidFill>
                 <a:effectLst/>
+                <a:highlight>
+                  <a:srgbClr val="FFFF00"/>
+                </a:highlight>
                 <a:latin typeface="Consolas" panose="020B0609020204030204" pitchFamily="49" charset="0"/>
               </a:rPr>
               <a:t>"NFD"</a:t>
@@ -19541,6 +19533,9 @@
                   <a:srgbClr val="3B3B3B"/>
                 </a:solidFill>
                 <a:effectLst/>
+                <a:highlight>
+                  <a:srgbClr val="FFFF00"/>
+                </a:highlight>
                 <a:latin typeface="Consolas" panose="020B0609020204030204" pitchFamily="49" charset="0"/>
               </a:rPr>
               <a:t>).</a:t>
@@ -19551,6 +19546,9 @@
                   <a:srgbClr val="795E26"/>
                 </a:solidFill>
                 <a:effectLst/>
+                <a:highlight>
+                  <a:srgbClr val="FFFF00"/>
+                </a:highlight>
                 <a:latin typeface="Consolas" panose="020B0609020204030204" pitchFamily="49" charset="0"/>
               </a:rPr>
               <a:t>replace</a:t>
@@ -19561,6 +19559,9 @@
                   <a:srgbClr val="3B3B3B"/>
                 </a:solidFill>
                 <a:effectLst/>
+                <a:highlight>
+                  <a:srgbClr val="FFFF00"/>
+                </a:highlight>
                 <a:latin typeface="Consolas" panose="020B0609020204030204" pitchFamily="49" charset="0"/>
               </a:rPr>
               <a:t>(</a:t>
@@ -19571,6 +19572,9 @@
                   <a:srgbClr val="811F3F"/>
                 </a:solidFill>
                 <a:effectLst/>
+                <a:highlight>
+                  <a:srgbClr val="FFFF00"/>
+                </a:highlight>
                 <a:latin typeface="Consolas" panose="020B0609020204030204" pitchFamily="49" charset="0"/>
               </a:rPr>
               <a:t>/</a:t>
@@ -19581,6 +19585,9 @@
                   <a:srgbClr val="EE0000"/>
                 </a:solidFill>
                 <a:effectLst/>
+                <a:highlight>
+                  <a:srgbClr val="FFFF00"/>
+                </a:highlight>
                 <a:latin typeface="Consolas" panose="020B0609020204030204" pitchFamily="49" charset="0"/>
               </a:rPr>
               <a:t>\p</a:t>
@@ -19591,6 +19598,9 @@
                   <a:srgbClr val="811F3F"/>
                 </a:solidFill>
                 <a:effectLst/>
+                <a:highlight>
+                  <a:srgbClr val="FFFF00"/>
+                </a:highlight>
                 <a:latin typeface="Consolas" panose="020B0609020204030204" pitchFamily="49" charset="0"/>
               </a:rPr>
               <a:t>{Diacritic}/</a:t>
@@ -19601,6 +19611,9 @@
                   <a:srgbClr val="0000FF"/>
                 </a:solidFill>
                 <a:effectLst/>
+                <a:highlight>
+                  <a:srgbClr val="FFFF00"/>
+                </a:highlight>
                 <a:latin typeface="Consolas" panose="020B0609020204030204" pitchFamily="49" charset="0"/>
               </a:rPr>
               <a:t>gu</a:t>
@@ -19611,6 +19624,9 @@
                   <a:srgbClr val="3B3B3B"/>
                 </a:solidFill>
                 <a:effectLst/>
+                <a:highlight>
+                  <a:srgbClr val="FFFF00"/>
+                </a:highlight>
                 <a:latin typeface="Consolas" panose="020B0609020204030204" pitchFamily="49" charset="0"/>
               </a:rPr>
               <a:t>, </a:t>
@@ -19621,6 +19637,9 @@
                   <a:srgbClr val="A31515"/>
                 </a:solidFill>
                 <a:effectLst/>
+                <a:highlight>
+                  <a:srgbClr val="FFFF00"/>
+                </a:highlight>
                 <a:latin typeface="Consolas" panose="020B0609020204030204" pitchFamily="49" charset="0"/>
               </a:rPr>
               <a:t>""</a:t>
@@ -19631,9 +19650,22 @@
                   <a:srgbClr val="3B3B3B"/>
                 </a:solidFill>
                 <a:effectLst/>
-                <a:latin typeface="Consolas" panose="020B0609020204030204" pitchFamily="49" charset="0"/>
-              </a:rPr>
-              <a:t>);</a:t>
+                <a:highlight>
+                  <a:srgbClr val="FFFF00"/>
+                </a:highlight>
+                <a:latin typeface="Consolas" panose="020B0609020204030204" pitchFamily="49" charset="0"/>
+              </a:rPr>
+              <a:t>)</a:t>
+            </a:r>
+            <a:r>
+              <a:rPr lang="fr-FR" sz="1100" b="0">
+                <a:solidFill>
+                  <a:srgbClr val="3B3B3B"/>
+                </a:solidFill>
+                <a:effectLst/>
+                <a:latin typeface="Consolas" panose="020B0609020204030204" pitchFamily="49" charset="0"/>
+              </a:rPr>
+              <a:t>;</a:t>
             </a:r>
           </a:p>
           <a:p>
@@ -20459,6 +20491,59 @@
             <a:r>
               <a:rPr lang="fr-FR" sz="1400"/>
               <a:t>Toutes lettres sont mises en majuscules</a:t>
+            </a:r>
+          </a:p>
+        </p:txBody>
+      </p:sp>
+      <p:sp>
+        <p:nvSpPr>
+          <p:cNvPr id="5" name="Légende : encadrée à une bordure 4">
+            <a:extLst>
+              <a:ext uri="{FF2B5EF4-FFF2-40B4-BE49-F238E27FC236}">
+                <a16:creationId xmlns:a16="http://schemas.microsoft.com/office/drawing/2014/main" id="{8C41950B-0625-CB26-FAD0-FC0E5513D678}"/>
+              </a:ext>
+            </a:extLst>
+          </p:cNvPr>
+          <p:cNvSpPr/>
+          <p:nvPr/>
+        </p:nvSpPr>
+        <p:spPr>
+          <a:xfrm>
+            <a:off x="7320136" y="2348880"/>
+            <a:ext cx="2736304" cy="432048"/>
+          </a:xfrm>
+          <a:prstGeom prst="accentCallout1">
+            <a:avLst>
+              <a:gd name="adj1" fmla="val 18750"/>
+              <a:gd name="adj2" fmla="val -8333"/>
+              <a:gd name="adj3" fmla="val 47522"/>
+              <a:gd name="adj4" fmla="val -106663"/>
+            </a:avLst>
+          </a:prstGeom>
+          <a:ln/>
+        </p:spPr>
+        <p:style>
+          <a:lnRef idx="2">
+            <a:schemeClr val="dk1"/>
+          </a:lnRef>
+          <a:fillRef idx="1">
+            <a:schemeClr val="lt1"/>
+          </a:fillRef>
+          <a:effectRef idx="0">
+            <a:schemeClr val="dk1"/>
+          </a:effectRef>
+          <a:fontRef idx="minor">
+            <a:schemeClr val="dk1"/>
+          </a:fontRef>
+        </p:style>
+        <p:txBody>
+          <a:bodyPr rtlCol="0" anchor="ctr"/>
+          <a:lstStyle/>
+          <a:p>
+            <a:pPr algn="ctr"/>
+            <a:r>
+              <a:rPr lang="fr-FR" sz="1400"/>
+              <a:t>Fonction JavaScript connue pour supprimer les caractères spéciaux</a:t>
             </a:r>
           </a:p>
         </p:txBody>
@@ -22377,7 +22462,7 @@
                 <a:effectLst/>
                 <a:latin typeface="Consolas" panose="020B0609020204030204" pitchFamily="49" charset="0"/>
               </a:rPr>
-              <a:t>COUNTRY_CODE;</a:t>
+              <a:t>COUNTRY_CODE, GENERIC_LOCALITY;</a:t>
             </a:r>
             <a:endParaRPr lang="fr-FR" sz="1100" b="0">
               <a:solidFill>
@@ -22473,7 +22558,7 @@
                   <a:srgbClr val="FFFF00"/>
                 </a:highlight>
               </a:rPr>
-              <a:t>&gt; Tri de la table sur le pays</a:t>
+              <a:t>&gt; Tri de la table sur le pays et la ville</a:t>
             </a:r>
           </a:p>
         </p:txBody>
@@ -29522,21 +29607,9 @@
             </a:r>
           </a:p>
           <a:p>
-            <a:pPr marL="457200" marR="0" lvl="0" indent="-457200" algn="l" defTabSz="914400" rtl="0" eaLnBrk="1" fontAlgn="auto" latinLnBrk="0" hangingPunct="1">
-              <a:lnSpc>
-                <a:spcPct val="90000"/>
-              </a:lnSpc>
-              <a:spcBef>
-                <a:spcPts val="1000"/>
-              </a:spcBef>
-              <a:spcAft>
-                <a:spcPts val="0"/>
-              </a:spcAft>
-              <a:buClrTx/>
-              <a:buSzTx/>
+            <a:pPr marL="457200" indent="-457200">
               <a:buFont typeface="+mj-lt"/>
               <a:buAutoNum type="arabicPeriod" startAt="2"/>
-              <a:tabLst/>
               <a:defRPr/>
             </a:pPr>
             <a:r>
@@ -29549,7 +29622,7 @@
                 <a:latin typeface="Arial" panose="020B0604020202020204" pitchFamily="34" charset="0"/>
                 <a:cs typeface="Arial" panose="020B0604020202020204" pitchFamily="34" charset="0"/>
               </a:rPr>
-              <a:t>Après la sélection du pays par la liste déroulante, effectuer la recherche des villes du pays pour alimenter la liste déroulante Villes </a:t>
+              <a:t>Après la sélection du pays par la liste déroulante, effectuer la recherche des villes du pays pour alimenter la liste déroulante Villes (max. 754 236 Villes pour la Chine)</a:t>
             </a:r>
           </a:p>
           <a:p>
@@ -29714,7 +29787,7 @@
                 <a:latin typeface="Arial" panose="020B0604020202020204" pitchFamily="34" charset="0"/>
                 <a:cs typeface="Arial" panose="020B0604020202020204" pitchFamily="34" charset="0"/>
               </a:rPr>
-              <a:t>La sélection du code postal se fait ensuite à partir de cette liste de code postaux préalablement récupérés dans snowflake (max. 61388)</a:t>
+              <a:t>La sélection du code postal se fait ensuite à partir de cette liste de code postaux préalablement récupérés dans snowflake (max. 61 388 CP pour Jérusalem)</a:t>
             </a:r>
           </a:p>
           <a:p>

--- a/EDHEC_Referentiel_Geographique.pptx
+++ b/EDHEC_Referentiel_Geographique.pptx
@@ -18754,6 +18754,41 @@
             <a:r>
               <a:rPr lang="fr-FR" sz="1000"/>
               <a:t>        &lt; pas suffisamment de complexité &gt;</a:t>
+            </a:r>
+          </a:p>
+        </p:txBody>
+      </p:sp>
+      <p:sp>
+        <p:nvSpPr>
+          <p:cNvPr id="4" name="ZoneTexte 3">
+            <a:extLst>
+              <a:ext uri="{FF2B5EF4-FFF2-40B4-BE49-F238E27FC236}">
+                <a16:creationId xmlns:a16="http://schemas.microsoft.com/office/drawing/2014/main" id="{FDCC95A2-EA42-A6FE-72FB-3B254887DC8E}"/>
+              </a:ext>
+            </a:extLst>
+          </p:cNvPr>
+          <p:cNvSpPr txBox="1"/>
+          <p:nvPr/>
+        </p:nvSpPr>
+        <p:spPr>
+          <a:xfrm>
+            <a:off x="1631504" y="6284059"/>
+            <a:ext cx="9937104" cy="338554"/>
+          </a:xfrm>
+          <a:prstGeom prst="rect">
+            <a:avLst/>
+          </a:prstGeom>
+          <a:noFill/>
+        </p:spPr>
+        <p:txBody>
+          <a:bodyPr wrap="square" rtlCol="0">
+            <a:spAutoFit/>
+          </a:bodyPr>
+          <a:lstStyle/>
+          <a:p>
+            <a:r>
+              <a:rPr lang="fr-FR" sz="1600"/>
+              <a:t>Idée : Normalement, les nouvelles fonctionnalités UniStore seront disponibles en Public Preview sur la fin de février   </a:t>
             </a:r>
           </a:p>
         </p:txBody>

--- a/EDHEC_Referentiel_Geographique.pptx
+++ b/EDHEC_Referentiel_Geographique.pptx
@@ -262,7 +262,7 @@
             <a:fld id="{79FFD44E-8763-4BC4-BD67-FC0FD40B8946}" type="datetimeFigureOut">
               <a:rPr lang="fr-FR" smtClean="0"/>
               <a:pPr/>
-              <a:t>12/02/2024</a:t>
+              <a:t>13/02/2024</a:t>
             </a:fld>
             <a:endParaRPr lang="fr-FR"/>
           </a:p>
@@ -429,7 +429,7 @@
             <a:fld id="{7A5CF674-58D9-42EA-A68C-6CA20BAB5B9A}" type="datetimeFigureOut">
               <a:rPr lang="fr-FR" smtClean="0"/>
               <a:pPr/>
-              <a:t>12/02/2024</a:t>
+              <a:t>13/02/2024</a:t>
             </a:fld>
             <a:endParaRPr lang="fr-FR"/>
           </a:p>
@@ -17852,25 +17852,8 @@
                 <a:effectLst/>
                 <a:latin typeface="Consolas" panose="020B0609020204030204" pitchFamily="49" charset="0"/>
               </a:rPr>
-              <a:t>), </a:t>
-            </a:r>
-            <a:r>
-              <a:rPr lang="fr-FR" sz="1100" b="0">
-                <a:solidFill>
-                  <a:srgbClr val="001080"/>
-                </a:solidFill>
-                <a:effectLst/>
-                <a:latin typeface="Consolas" panose="020B0609020204030204" pitchFamily="49" charset="0"/>
-              </a:rPr>
-              <a:t>POSTCODE</a:t>
-            </a:r>
-            <a:endParaRPr lang="fr-FR" sz="1100" b="0">
-              <a:solidFill>
-                <a:srgbClr val="3B3B3B"/>
-              </a:solidFill>
-              <a:effectLst/>
-              <a:latin typeface="Consolas" panose="020B0609020204030204" pitchFamily="49" charset="0"/>
-            </a:endParaRPr>
+              <a:t>)</a:t>
+            </a:r>
           </a:p>
           <a:p>
             <a:pPr marL="457200" lvl="1" indent="0">
